--- a/Processador Uniciclo 16 bits.pptx
+++ b/Processador Uniciclo 16 bits.pptx
@@ -19,6 +19,7 @@
     <p:sldId id="267" r:id="rId13"/>
     <p:sldId id="268" r:id="rId14"/>
     <p:sldId id="269" r:id="rId15"/>
+    <p:sldId id="270" r:id="rId16"/>
   </p:sldIdLst>
   <p:sldSz cx="12192000" cy="6858000"/>
   <p:notesSz cx="6858000" cy="9144000"/>
@@ -4409,6 +4410,116 @@
     <p:extLst>
       <p:ext uri="{BB962C8B-B14F-4D97-AF65-F5344CB8AC3E}">
         <p14:creationId xmlns:p14="http://schemas.microsoft.com/office/powerpoint/2010/main" val="1609690821"/>
+      </p:ext>
+    </p:extLst>
+  </p:cSld>
+  <p:clrMapOvr>
+    <a:masterClrMapping/>
+  </p:clrMapOvr>
+</p:sld>
+</file>
+
+<file path=ppt/slides/slide15.xml><?xml version="1.0" encoding="utf-8"?>
+<p:sld xmlns:a="http://schemas.openxmlformats.org/drawingml/2006/main" xmlns:r="http://schemas.openxmlformats.org/officeDocument/2006/relationships" xmlns:p="http://schemas.openxmlformats.org/presentationml/2006/main">
+  <p:cSld>
+    <p:spTree>
+      <p:nvGrpSpPr>
+        <p:cNvPr id="1" name=""/>
+        <p:cNvGrpSpPr/>
+        <p:nvPr/>
+      </p:nvGrpSpPr>
+      <p:grpSpPr>
+        <a:xfrm>
+          <a:off x="0" y="0"/>
+          <a:ext cx="0" cy="0"/>
+          <a:chOff x="0" y="0"/>
+          <a:chExt cx="0" cy="0"/>
+        </a:xfrm>
+      </p:grpSpPr>
+      <p:sp>
+        <p:nvSpPr>
+          <p:cNvPr id="2" name="Título 1">
+            <a:extLst>
+              <a:ext uri="{FF2B5EF4-FFF2-40B4-BE49-F238E27FC236}">
+                <a16:creationId xmlns:a16="http://schemas.microsoft.com/office/drawing/2014/main" id="{D3235B71-1430-4FB9-8393-9FD828DDA185}"/>
+              </a:ext>
+            </a:extLst>
+          </p:cNvPr>
+          <p:cNvSpPr>
+            <a:spLocks noGrp="1"/>
+          </p:cNvSpPr>
+          <p:nvPr>
+            <p:ph type="title"/>
+          </p:nvPr>
+        </p:nvSpPr>
+        <p:spPr>
+          <a:xfrm>
+            <a:off x="838200" y="365125"/>
+            <a:ext cx="10515600" cy="1325563"/>
+          </a:xfrm>
+        </p:spPr>
+        <p:txBody>
+          <a:bodyPr/>
+          <a:lstStyle/>
+          <a:p>
+            <a:r>
+              <a:rPr lang="pt-BR" dirty="0"/>
+              <a:t>Zero</a:t>
+            </a:r>
+          </a:p>
+        </p:txBody>
+      </p:sp>
+      <p:sp>
+        <p:nvSpPr>
+          <p:cNvPr id="3" name="Espaço Reservado para Conteúdo 2">
+            <a:extLst>
+              <a:ext uri="{FF2B5EF4-FFF2-40B4-BE49-F238E27FC236}">
+                <a16:creationId xmlns:a16="http://schemas.microsoft.com/office/drawing/2014/main" id="{81B3D1F3-1A00-4F3D-B7D3-BFC3432DF479}"/>
+              </a:ext>
+            </a:extLst>
+          </p:cNvPr>
+          <p:cNvSpPr>
+            <a:spLocks noGrp="1"/>
+          </p:cNvSpPr>
+          <p:nvPr>
+            <p:ph idx="1"/>
+          </p:nvPr>
+        </p:nvSpPr>
+        <p:spPr/>
+        <p:txBody>
+          <a:bodyPr/>
+          <a:lstStyle/>
+          <a:p>
+            <a:r>
+              <a:rPr lang="pt-BR" dirty="0"/>
+              <a:t>Utilizado nas operações </a:t>
+            </a:r>
+            <a:r>
+              <a:rPr lang="pt-BR" dirty="0" err="1"/>
+              <a:t>beq</a:t>
+            </a:r>
+            <a:r>
+              <a:rPr lang="pt-BR" dirty="0"/>
+              <a:t> </a:t>
+            </a:r>
+            <a:r>
+              <a:rPr lang="pt-BR" dirty="0" err="1"/>
+              <a:t>bne</a:t>
+            </a:r>
+            <a:r>
+              <a:rPr lang="pt-BR"/>
+              <a:t>;</a:t>
+            </a:r>
+          </a:p>
+          <a:p>
+            <a:endParaRPr lang="pt-BR"/>
+          </a:p>
+        </p:txBody>
+      </p:sp>
+    </p:spTree>
+    <p:extLst>
+      <p:ext uri="{BB962C8B-B14F-4D97-AF65-F5344CB8AC3E}">
+        <p14:creationId xmlns:p14="http://schemas.microsoft.com/office/powerpoint/2010/main" val="2485248040"/>
       </p:ext>
     </p:extLst>
   </p:cSld>

--- a/Processador Uniciclo 16 bits.pptx
+++ b/Processador Uniciclo 16 bits.pptx
@@ -2,7 +2,7 @@
 <file path=ppt/presentation.xml><?xml version="1.0" encoding="utf-8"?>
 <p:presentation xmlns:a="http://schemas.openxmlformats.org/drawingml/2006/main" xmlns:r="http://schemas.openxmlformats.org/officeDocument/2006/relationships" xmlns:p="http://schemas.openxmlformats.org/presentationml/2006/main" saveSubsetFonts="1">
   <p:sldMasterIdLst>
-    <p:sldMasterId id="2147483648" r:id="rId1"/>
+    <p:sldMasterId id="2147483660" r:id="rId1"/>
   </p:sldMasterIdLst>
   <p:sldIdLst>
     <p:sldId id="256" r:id="rId2"/>
@@ -11,8 +11,8 @@
     <p:sldId id="259" r:id="rId5"/>
     <p:sldId id="260" r:id="rId6"/>
     <p:sldId id="261" r:id="rId7"/>
-    <p:sldId id="262" r:id="rId8"/>
-    <p:sldId id="263" r:id="rId9"/>
+    <p:sldId id="263" r:id="rId8"/>
+    <p:sldId id="271" r:id="rId9"/>
     <p:sldId id="264" r:id="rId10"/>
     <p:sldId id="265" r:id="rId11"/>
     <p:sldId id="266" r:id="rId12"/>
@@ -25,9 +25,9 @@
   <p:notesSz cx="6858000" cy="9144000"/>
   <p:defaultTextStyle>
     <a:defPPr>
-      <a:defRPr lang="pt-BR"/>
+      <a:defRPr lang="en-US"/>
     </a:defPPr>
-    <a:lvl1pPr marL="0" algn="l" defTabSz="914400" rtl="0" eaLnBrk="1" latinLnBrk="0" hangingPunct="1">
+    <a:lvl1pPr marL="0" algn="l" defTabSz="457200" rtl="0" eaLnBrk="1" latinLnBrk="0" hangingPunct="1">
       <a:defRPr sz="1800" kern="1200">
         <a:solidFill>
           <a:schemeClr val="tx1"/>
@@ -37,7 +37,7 @@
         <a:cs typeface="+mn-cs"/>
       </a:defRPr>
     </a:lvl1pPr>
-    <a:lvl2pPr marL="457200" algn="l" defTabSz="914400" rtl="0" eaLnBrk="1" latinLnBrk="0" hangingPunct="1">
+    <a:lvl2pPr marL="457200" algn="l" defTabSz="457200" rtl="0" eaLnBrk="1" latinLnBrk="0" hangingPunct="1">
       <a:defRPr sz="1800" kern="1200">
         <a:solidFill>
           <a:schemeClr val="tx1"/>
@@ -47,7 +47,7 @@
         <a:cs typeface="+mn-cs"/>
       </a:defRPr>
     </a:lvl2pPr>
-    <a:lvl3pPr marL="914400" algn="l" defTabSz="914400" rtl="0" eaLnBrk="1" latinLnBrk="0" hangingPunct="1">
+    <a:lvl3pPr marL="914400" algn="l" defTabSz="457200" rtl="0" eaLnBrk="1" latinLnBrk="0" hangingPunct="1">
       <a:defRPr sz="1800" kern="1200">
         <a:solidFill>
           <a:schemeClr val="tx1"/>
@@ -57,7 +57,7 @@
         <a:cs typeface="+mn-cs"/>
       </a:defRPr>
     </a:lvl3pPr>
-    <a:lvl4pPr marL="1371600" algn="l" defTabSz="914400" rtl="0" eaLnBrk="1" latinLnBrk="0" hangingPunct="1">
+    <a:lvl4pPr marL="1371600" algn="l" defTabSz="457200" rtl="0" eaLnBrk="1" latinLnBrk="0" hangingPunct="1">
       <a:defRPr sz="1800" kern="1200">
         <a:solidFill>
           <a:schemeClr val="tx1"/>
@@ -67,7 +67,7 @@
         <a:cs typeface="+mn-cs"/>
       </a:defRPr>
     </a:lvl4pPr>
-    <a:lvl5pPr marL="1828800" algn="l" defTabSz="914400" rtl="0" eaLnBrk="1" latinLnBrk="0" hangingPunct="1">
+    <a:lvl5pPr marL="1828800" algn="l" defTabSz="457200" rtl="0" eaLnBrk="1" latinLnBrk="0" hangingPunct="1">
       <a:defRPr sz="1800" kern="1200">
         <a:solidFill>
           <a:schemeClr val="tx1"/>
@@ -77,7 +77,7 @@
         <a:cs typeface="+mn-cs"/>
       </a:defRPr>
     </a:lvl5pPr>
-    <a:lvl6pPr marL="2286000" algn="l" defTabSz="914400" rtl="0" eaLnBrk="1" latinLnBrk="0" hangingPunct="1">
+    <a:lvl6pPr marL="2286000" algn="l" defTabSz="457200" rtl="0" eaLnBrk="1" latinLnBrk="0" hangingPunct="1">
       <a:defRPr sz="1800" kern="1200">
         <a:solidFill>
           <a:schemeClr val="tx1"/>
@@ -87,7 +87,7 @@
         <a:cs typeface="+mn-cs"/>
       </a:defRPr>
     </a:lvl6pPr>
-    <a:lvl7pPr marL="2743200" algn="l" defTabSz="914400" rtl="0" eaLnBrk="1" latinLnBrk="0" hangingPunct="1">
+    <a:lvl7pPr marL="2743200" algn="l" defTabSz="457200" rtl="0" eaLnBrk="1" latinLnBrk="0" hangingPunct="1">
       <a:defRPr sz="1800" kern="1200">
         <a:solidFill>
           <a:schemeClr val="tx1"/>
@@ -97,7 +97,7 @@
         <a:cs typeface="+mn-cs"/>
       </a:defRPr>
     </a:lvl7pPr>
-    <a:lvl8pPr marL="3200400" algn="l" defTabSz="914400" rtl="0" eaLnBrk="1" latinLnBrk="0" hangingPunct="1">
+    <a:lvl8pPr marL="3200400" algn="l" defTabSz="457200" rtl="0" eaLnBrk="1" latinLnBrk="0" hangingPunct="1">
       <a:defRPr sz="1800" kern="1200">
         <a:solidFill>
           <a:schemeClr val="tx1"/>
@@ -107,7 +107,7 @@
         <a:cs typeface="+mn-cs"/>
       </a:defRPr>
     </a:lvl8pPr>
-    <a:lvl9pPr marL="3657600" algn="l" defTabSz="914400" rtl="0" eaLnBrk="1" latinLnBrk="0" hangingPunct="1">
+    <a:lvl9pPr marL="3657600" algn="l" defTabSz="457200" rtl="0" eaLnBrk="1" latinLnBrk="0" hangingPunct="1">
       <a:defRPr sz="1800" kern="1200">
         <a:solidFill>
           <a:schemeClr val="tx1"/>
@@ -127,7 +127,7 @@
 </file>
 
 <file path=ppt/slideLayouts/slideLayout1.xml><?xml version="1.0" encoding="utf-8"?>
-<p:sldLayout xmlns:a="http://schemas.openxmlformats.org/drawingml/2006/main" xmlns:r="http://schemas.openxmlformats.org/officeDocument/2006/relationships" xmlns:p="http://schemas.openxmlformats.org/presentationml/2006/main" type="title" preserve="1">
+<p:sldLayout xmlns:a="http://schemas.openxmlformats.org/drawingml/2006/main" xmlns:r="http://schemas.openxmlformats.org/officeDocument/2006/relationships" xmlns:p="http://schemas.openxmlformats.org/presentationml/2006/main" showMasterSp="0" type="title" preserve="1">
   <p:cSld name="Slide de Título">
     <p:spTree>
       <p:nvGrpSpPr>
@@ -145,13 +145,7 @@
       </p:grpSpPr>
       <p:sp>
         <p:nvSpPr>
-          <p:cNvPr id="2" name="Título 1">
-            <a:extLst>
-              <a:ext uri="{FF2B5EF4-FFF2-40B4-BE49-F238E27FC236}">
-                <a16:creationId xmlns:a16="http://schemas.microsoft.com/office/drawing/2014/main" id="{BE80BE47-50EE-410D-B274-95E5A260176D}"/>
-              </a:ext>
-            </a:extLst>
-          </p:cNvPr>
+          <p:cNvPr id="2" name="Title 1"/>
           <p:cNvSpPr>
             <a:spLocks noGrp="1"/>
           </p:cNvSpPr>
@@ -161,15 +155,19 @@
         </p:nvSpPr>
         <p:spPr>
           <a:xfrm>
-            <a:off x="1524000" y="1122363"/>
-            <a:ext cx="9144000" cy="2387600"/>
+            <a:off x="684212" y="685799"/>
+            <a:ext cx="8001000" cy="2971801"/>
           </a:xfrm>
         </p:spPr>
         <p:txBody>
-          <a:bodyPr anchor="b"/>
+          <a:bodyPr anchor="b">
+            <a:normAutofit/>
+          </a:bodyPr>
           <a:lstStyle>
-            <a:lvl1pPr algn="ctr">
-              <a:defRPr sz="6000"/>
+            <a:lvl1pPr algn="l">
+              <a:defRPr sz="4800">
+                <a:effectLst/>
+              </a:defRPr>
             </a:lvl1pPr>
           </a:lstStyle>
           <a:p>
@@ -177,18 +175,13 @@
               <a:rPr lang="pt-BR"/>
               <a:t>Clique para editar o título Mestre</a:t>
             </a:r>
-          </a:p>
-        </p:txBody>
-      </p:sp>
-      <p:sp>
-        <p:nvSpPr>
-          <p:cNvPr id="3" name="Subtítulo 2">
-            <a:extLst>
-              <a:ext uri="{FF2B5EF4-FFF2-40B4-BE49-F238E27FC236}">
-                <a16:creationId xmlns:a16="http://schemas.microsoft.com/office/drawing/2014/main" id="{01632528-CE03-41A3-A20D-D4E0481B376F}"/>
-              </a:ext>
-            </a:extLst>
-          </p:cNvPr>
+            <a:endParaRPr lang="en-US" dirty="0"/>
+          </a:p>
+        </p:txBody>
+      </p:sp>
+      <p:sp>
+        <p:nvSpPr>
+          <p:cNvPr id="3" name="Subtitle 2"/>
           <p:cNvSpPr>
             <a:spLocks noGrp="1"/>
           </p:cNvSpPr>
@@ -198,48 +191,104 @@
         </p:nvSpPr>
         <p:spPr>
           <a:xfrm>
-            <a:off x="1524000" y="3602038"/>
-            <a:ext cx="9144000" cy="1655762"/>
+            <a:off x="684212" y="3843867"/>
+            <a:ext cx="6400800" cy="1947333"/>
           </a:xfrm>
         </p:spPr>
         <p:txBody>
-          <a:bodyPr/>
+          <a:bodyPr anchor="t">
+            <a:normAutofit/>
+          </a:bodyPr>
           <a:lstStyle>
-            <a:lvl1pPr marL="0" indent="0" algn="ctr">
-              <a:buNone/>
-              <a:defRPr sz="2400"/>
+            <a:lvl1pPr marL="0" indent="0" algn="l">
+              <a:buNone/>
+              <a:defRPr sz="2100">
+                <a:solidFill>
+                  <a:schemeClr val="bg2">
+                    <a:lumMod val="75000"/>
+                  </a:schemeClr>
+                </a:solidFill>
+              </a:defRPr>
             </a:lvl1pPr>
             <a:lvl2pPr marL="457200" indent="0" algn="ctr">
               <a:buNone/>
-              <a:defRPr sz="2000"/>
+              <a:defRPr>
+                <a:solidFill>
+                  <a:schemeClr val="tx1">
+                    <a:tint val="75000"/>
+                  </a:schemeClr>
+                </a:solidFill>
+              </a:defRPr>
             </a:lvl2pPr>
             <a:lvl3pPr marL="914400" indent="0" algn="ctr">
               <a:buNone/>
-              <a:defRPr sz="1800"/>
+              <a:defRPr>
+                <a:solidFill>
+                  <a:schemeClr val="tx1">
+                    <a:tint val="75000"/>
+                  </a:schemeClr>
+                </a:solidFill>
+              </a:defRPr>
             </a:lvl3pPr>
             <a:lvl4pPr marL="1371600" indent="0" algn="ctr">
               <a:buNone/>
-              <a:defRPr sz="1600"/>
+              <a:defRPr>
+                <a:solidFill>
+                  <a:schemeClr val="tx1">
+                    <a:tint val="75000"/>
+                  </a:schemeClr>
+                </a:solidFill>
+              </a:defRPr>
             </a:lvl4pPr>
             <a:lvl5pPr marL="1828800" indent="0" algn="ctr">
               <a:buNone/>
-              <a:defRPr sz="1600"/>
+              <a:defRPr>
+                <a:solidFill>
+                  <a:schemeClr val="tx1">
+                    <a:tint val="75000"/>
+                  </a:schemeClr>
+                </a:solidFill>
+              </a:defRPr>
             </a:lvl5pPr>
             <a:lvl6pPr marL="2286000" indent="0" algn="ctr">
               <a:buNone/>
-              <a:defRPr sz="1600"/>
+              <a:defRPr>
+                <a:solidFill>
+                  <a:schemeClr val="tx1">
+                    <a:tint val="75000"/>
+                  </a:schemeClr>
+                </a:solidFill>
+              </a:defRPr>
             </a:lvl6pPr>
             <a:lvl7pPr marL="2743200" indent="0" algn="ctr">
               <a:buNone/>
-              <a:defRPr sz="1600"/>
+              <a:defRPr>
+                <a:solidFill>
+                  <a:schemeClr val="tx1">
+                    <a:tint val="75000"/>
+                  </a:schemeClr>
+                </a:solidFill>
+              </a:defRPr>
             </a:lvl7pPr>
             <a:lvl8pPr marL="3200400" indent="0" algn="ctr">
               <a:buNone/>
-              <a:defRPr sz="1600"/>
+              <a:defRPr>
+                <a:solidFill>
+                  <a:schemeClr val="tx1">
+                    <a:tint val="75000"/>
+                  </a:schemeClr>
+                </a:solidFill>
+              </a:defRPr>
             </a:lvl8pPr>
             <a:lvl9pPr marL="3657600" indent="0" algn="ctr">
               <a:buNone/>
-              <a:defRPr sz="1600"/>
+              <a:defRPr>
+                <a:solidFill>
+                  <a:schemeClr val="tx1">
+                    <a:tint val="75000"/>
+                  </a:schemeClr>
+                </a:solidFill>
+              </a:defRPr>
             </a:lvl9pPr>
           </a:lstStyle>
           <a:p>
@@ -247,18 +296,13 @@
               <a:rPr lang="pt-BR"/>
               <a:t>Clique para editar o estilo do subtítulo Mestre</a:t>
             </a:r>
-          </a:p>
-        </p:txBody>
-      </p:sp>
-      <p:sp>
-        <p:nvSpPr>
-          <p:cNvPr id="4" name="Espaço Reservado para Data 3">
-            <a:extLst>
-              <a:ext uri="{FF2B5EF4-FFF2-40B4-BE49-F238E27FC236}">
-                <a16:creationId xmlns:a16="http://schemas.microsoft.com/office/drawing/2014/main" id="{B28DC2B9-250C-4B5D-8185-E6CD2FDB25B4}"/>
-              </a:ext>
-            </a:extLst>
-          </p:cNvPr>
+            <a:endParaRPr lang="en-US" dirty="0"/>
+          </a:p>
+        </p:txBody>
+      </p:sp>
+      <p:sp>
+        <p:nvSpPr>
+          <p:cNvPr id="4" name="Date Placeholder 3"/>
           <p:cNvSpPr>
             <a:spLocks noGrp="1"/>
           </p:cNvSpPr>
@@ -273,7 +317,7 @@
           <a:p>
             <a:fld id="{F44CB1C3-A6C1-48F5-87C0-9FA9A37CB4A5}" type="datetimeFigureOut">
               <a:rPr lang="pt-BR" smtClean="0"/>
-              <a:t>03/12/2018</a:t>
+              <a:t>04/12/2018</a:t>
             </a:fld>
             <a:endParaRPr lang="pt-BR"/>
           </a:p>
@@ -281,13 +325,7 @@
       </p:sp>
       <p:sp>
         <p:nvSpPr>
-          <p:cNvPr id="5" name="Espaço Reservado para Rodapé 4">
-            <a:extLst>
-              <a:ext uri="{FF2B5EF4-FFF2-40B4-BE49-F238E27FC236}">
-                <a16:creationId xmlns:a16="http://schemas.microsoft.com/office/drawing/2014/main" id="{4C5EB009-F560-4458-AC06-E9E3AD01E60B}"/>
-              </a:ext>
-            </a:extLst>
-          </p:cNvPr>
+          <p:cNvPr id="5" name="Footer Placeholder 4"/>
           <p:cNvSpPr>
             <a:spLocks noGrp="1"/>
           </p:cNvSpPr>
@@ -306,13 +344,7 @@
       </p:sp>
       <p:sp>
         <p:nvSpPr>
-          <p:cNvPr id="6" name="Espaço Reservado para Número de Slide 5">
-            <a:extLst>
-              <a:ext uri="{FF2B5EF4-FFF2-40B4-BE49-F238E27FC236}">
-                <a16:creationId xmlns:a16="http://schemas.microsoft.com/office/drawing/2014/main" id="{9ED9133B-F2DF-4476-B5B0-491EF57C92F5}"/>
-              </a:ext>
-            </a:extLst>
-          </p:cNvPr>
+          <p:cNvPr id="6" name="Slide Number Placeholder 5"/>
           <p:cNvSpPr>
             <a:spLocks noGrp="1"/>
           </p:cNvSpPr>
@@ -333,10 +365,185 @@
           </a:p>
         </p:txBody>
       </p:sp>
+      <p:cxnSp>
+        <p:nvCxnSpPr>
+          <p:cNvPr id="16" name="Straight Connector 15"/>
+          <p:cNvCxnSpPr/>
+          <p:nvPr/>
+        </p:nvCxnSpPr>
+        <p:spPr>
+          <a:xfrm flipH="1">
+            <a:off x="8228012" y="8467"/>
+            <a:ext cx="3810000" cy="3810000"/>
+          </a:xfrm>
+          <a:prstGeom prst="line">
+            <a:avLst/>
+          </a:prstGeom>
+          <a:ln w="12700">
+            <a:solidFill>
+              <a:schemeClr val="tx1"/>
+            </a:solidFill>
+          </a:ln>
+        </p:spPr>
+        <p:style>
+          <a:lnRef idx="2">
+            <a:schemeClr val="accent1"/>
+          </a:lnRef>
+          <a:fillRef idx="0">
+            <a:schemeClr val="accent1"/>
+          </a:fillRef>
+          <a:effectRef idx="1">
+            <a:schemeClr val="accent1"/>
+          </a:effectRef>
+          <a:fontRef idx="minor">
+            <a:schemeClr val="tx1"/>
+          </a:fontRef>
+        </p:style>
+      </p:cxnSp>
+      <p:cxnSp>
+        <p:nvCxnSpPr>
+          <p:cNvPr id="17" name="Straight Connector 16"/>
+          <p:cNvCxnSpPr/>
+          <p:nvPr/>
+        </p:nvCxnSpPr>
+        <p:spPr>
+          <a:xfrm flipH="1">
+            <a:off x="6108170" y="91545"/>
+            <a:ext cx="6080655" cy="6080655"/>
+          </a:xfrm>
+          <a:prstGeom prst="line">
+            <a:avLst/>
+          </a:prstGeom>
+          <a:ln w="12700">
+            <a:solidFill>
+              <a:schemeClr val="tx1"/>
+            </a:solidFill>
+          </a:ln>
+        </p:spPr>
+        <p:style>
+          <a:lnRef idx="2">
+            <a:schemeClr val="accent1"/>
+          </a:lnRef>
+          <a:fillRef idx="0">
+            <a:schemeClr val="accent1"/>
+          </a:fillRef>
+          <a:effectRef idx="1">
+            <a:schemeClr val="accent1"/>
+          </a:effectRef>
+          <a:fontRef idx="minor">
+            <a:schemeClr val="tx1"/>
+          </a:fontRef>
+        </p:style>
+      </p:cxnSp>
+      <p:cxnSp>
+        <p:nvCxnSpPr>
+          <p:cNvPr id="19" name="Straight Connector 18"/>
+          <p:cNvCxnSpPr/>
+          <p:nvPr/>
+        </p:nvCxnSpPr>
+        <p:spPr>
+          <a:xfrm flipH="1">
+            <a:off x="7235825" y="228600"/>
+            <a:ext cx="4953000" cy="4953000"/>
+          </a:xfrm>
+          <a:prstGeom prst="line">
+            <a:avLst/>
+          </a:prstGeom>
+          <a:ln w="12700">
+            <a:solidFill>
+              <a:schemeClr val="tx1"/>
+            </a:solidFill>
+          </a:ln>
+        </p:spPr>
+        <p:style>
+          <a:lnRef idx="2">
+            <a:schemeClr val="accent1"/>
+          </a:lnRef>
+          <a:fillRef idx="0">
+            <a:schemeClr val="accent1"/>
+          </a:fillRef>
+          <a:effectRef idx="1">
+            <a:schemeClr val="accent1"/>
+          </a:effectRef>
+          <a:fontRef idx="minor">
+            <a:schemeClr val="tx1"/>
+          </a:fontRef>
+        </p:style>
+      </p:cxnSp>
+      <p:cxnSp>
+        <p:nvCxnSpPr>
+          <p:cNvPr id="21" name="Straight Connector 20"/>
+          <p:cNvCxnSpPr/>
+          <p:nvPr/>
+        </p:nvCxnSpPr>
+        <p:spPr>
+          <a:xfrm flipH="1">
+            <a:off x="7335837" y="32278"/>
+            <a:ext cx="4852989" cy="4852989"/>
+          </a:xfrm>
+          <a:prstGeom prst="line">
+            <a:avLst/>
+          </a:prstGeom>
+          <a:ln w="31750">
+            <a:solidFill>
+              <a:schemeClr val="tx1"/>
+            </a:solidFill>
+          </a:ln>
+        </p:spPr>
+        <p:style>
+          <a:lnRef idx="2">
+            <a:schemeClr val="accent1"/>
+          </a:lnRef>
+          <a:fillRef idx="0">
+            <a:schemeClr val="accent1"/>
+          </a:fillRef>
+          <a:effectRef idx="1">
+            <a:schemeClr val="accent1"/>
+          </a:effectRef>
+          <a:fontRef idx="minor">
+            <a:schemeClr val="tx1"/>
+          </a:fontRef>
+        </p:style>
+      </p:cxnSp>
+      <p:cxnSp>
+        <p:nvCxnSpPr>
+          <p:cNvPr id="23" name="Straight Connector 22"/>
+          <p:cNvCxnSpPr/>
+          <p:nvPr/>
+        </p:nvCxnSpPr>
+        <p:spPr>
+          <a:xfrm flipH="1">
+            <a:off x="7845426" y="609601"/>
+            <a:ext cx="4343399" cy="4343399"/>
+          </a:xfrm>
+          <a:prstGeom prst="line">
+            <a:avLst/>
+          </a:prstGeom>
+          <a:ln w="31750">
+            <a:solidFill>
+              <a:schemeClr val="tx1"/>
+            </a:solidFill>
+          </a:ln>
+        </p:spPr>
+        <p:style>
+          <a:lnRef idx="2">
+            <a:schemeClr val="accent1"/>
+          </a:lnRef>
+          <a:fillRef idx="0">
+            <a:schemeClr val="accent1"/>
+          </a:fillRef>
+          <a:effectRef idx="1">
+            <a:schemeClr val="accent1"/>
+          </a:effectRef>
+          <a:fontRef idx="minor">
+            <a:schemeClr val="tx1"/>
+          </a:fontRef>
+        </p:style>
+      </p:cxnSp>
     </p:spTree>
     <p:extLst>
       <p:ext uri="{BB962C8B-B14F-4D97-AF65-F5344CB8AC3E}">
-        <p14:creationId xmlns:p14="http://schemas.microsoft.com/office/powerpoint/2010/main" val="2410298348"/>
+        <p14:creationId xmlns:p14="http://schemas.microsoft.com/office/powerpoint/2010/main" val="2286656248"/>
       </p:ext>
     </p:extLst>
   </p:cSld>
@@ -347,6 +554,1812 @@
 </file>
 
 <file path=ppt/slideLayouts/slideLayout10.xml><?xml version="1.0" encoding="utf-8"?>
+<p:sldLayout xmlns:a="http://schemas.openxmlformats.org/drawingml/2006/main" xmlns:r="http://schemas.openxmlformats.org/officeDocument/2006/relationships" xmlns:p="http://schemas.openxmlformats.org/presentationml/2006/main" preserve="1">
+  <p:cSld name="Foto Panorâmica com Legenda">
+    <p:spTree>
+      <p:nvGrpSpPr>
+        <p:cNvPr id="1" name=""/>
+        <p:cNvGrpSpPr/>
+        <p:nvPr/>
+      </p:nvGrpSpPr>
+      <p:grpSpPr>
+        <a:xfrm>
+          <a:off x="0" y="0"/>
+          <a:ext cx="0" cy="0"/>
+          <a:chOff x="0" y="0"/>
+          <a:chExt cx="0" cy="0"/>
+        </a:xfrm>
+      </p:grpSpPr>
+      <p:sp>
+        <p:nvSpPr>
+          <p:cNvPr id="2" name="Title 1"/>
+          <p:cNvSpPr>
+            <a:spLocks noGrp="1"/>
+          </p:cNvSpPr>
+          <p:nvPr>
+            <p:ph type="title"/>
+          </p:nvPr>
+        </p:nvSpPr>
+        <p:spPr/>
+        <p:txBody>
+          <a:bodyPr/>
+          <a:lstStyle/>
+          <a:p>
+            <a:r>
+              <a:rPr lang="pt-BR"/>
+              <a:t>Clique para editar o título Mestre</a:t>
+            </a:r>
+            <a:endParaRPr lang="en-US" dirty="0"/>
+          </a:p>
+        </p:txBody>
+      </p:sp>
+      <p:sp>
+        <p:nvSpPr>
+          <p:cNvPr id="17" name="Picture Placeholder 2"/>
+          <p:cNvSpPr>
+            <a:spLocks noGrp="1" noChangeAspect="1"/>
+          </p:cNvSpPr>
+          <p:nvPr>
+            <p:ph type="pic" idx="13"/>
+          </p:nvPr>
+        </p:nvSpPr>
+        <p:spPr>
+          <a:xfrm>
+            <a:off x="685800" y="533400"/>
+            <a:ext cx="10818812" cy="3124200"/>
+          </a:xfrm>
+          <a:prstGeom prst="snip2DiagRect">
+            <a:avLst>
+              <a:gd name="adj1" fmla="val 10815"/>
+              <a:gd name="adj2" fmla="val 0"/>
+            </a:avLst>
+          </a:prstGeom>
+          <a:ln w="15875">
+            <a:solidFill>
+              <a:schemeClr val="tx1">
+                <a:alpha val="40000"/>
+              </a:schemeClr>
+            </a:solidFill>
+          </a:ln>
+          <a:effectLst>
+            <a:innerShdw blurRad="57150" dist="38100" dir="14460000">
+              <a:srgbClr val="000000">
+                <a:alpha val="70000"/>
+              </a:srgbClr>
+            </a:innerShdw>
+          </a:effectLst>
+        </p:spPr>
+        <p:txBody>
+          <a:bodyPr anchor="t">
+            <a:normAutofit/>
+          </a:bodyPr>
+          <a:lstStyle>
+            <a:lvl1pPr marL="0" indent="0" algn="ctr">
+              <a:buNone/>
+              <a:defRPr sz="1600"/>
+            </a:lvl1pPr>
+            <a:lvl2pPr marL="457200" indent="0">
+              <a:buNone/>
+              <a:defRPr sz="1600"/>
+            </a:lvl2pPr>
+            <a:lvl3pPr marL="914400" indent="0">
+              <a:buNone/>
+              <a:defRPr sz="1600"/>
+            </a:lvl3pPr>
+            <a:lvl4pPr marL="1371600" indent="0">
+              <a:buNone/>
+              <a:defRPr sz="1600"/>
+            </a:lvl4pPr>
+            <a:lvl5pPr marL="1828800" indent="0">
+              <a:buNone/>
+              <a:defRPr sz="1600"/>
+            </a:lvl5pPr>
+            <a:lvl6pPr marL="2286000" indent="0">
+              <a:buNone/>
+              <a:defRPr sz="1600"/>
+            </a:lvl6pPr>
+            <a:lvl7pPr marL="2743200" indent="0">
+              <a:buNone/>
+              <a:defRPr sz="1600"/>
+            </a:lvl7pPr>
+            <a:lvl8pPr marL="3200400" indent="0">
+              <a:buNone/>
+              <a:defRPr sz="1600"/>
+            </a:lvl8pPr>
+            <a:lvl9pPr marL="3657600" indent="0">
+              <a:buNone/>
+              <a:defRPr sz="1600"/>
+            </a:lvl9pPr>
+          </a:lstStyle>
+          <a:p>
+            <a:r>
+              <a:rPr lang="pt-BR"/>
+              <a:t>Clique no ícone para adicionar uma imagem</a:t>
+            </a:r>
+            <a:endParaRPr lang="en-US" dirty="0"/>
+          </a:p>
+        </p:txBody>
+      </p:sp>
+      <p:sp>
+        <p:nvSpPr>
+          <p:cNvPr id="16" name="Text Placeholder 9"/>
+          <p:cNvSpPr>
+            <a:spLocks noGrp="1"/>
+          </p:cNvSpPr>
+          <p:nvPr>
+            <p:ph type="body" sz="quarter" idx="14"/>
+          </p:nvPr>
+        </p:nvSpPr>
+        <p:spPr>
+          <a:xfrm>
+            <a:off x="914402" y="3843867"/>
+            <a:ext cx="8304210" cy="457200"/>
+          </a:xfrm>
+        </p:spPr>
+        <p:txBody>
+          <a:bodyPr anchor="t">
+            <a:normAutofit/>
+          </a:bodyPr>
+          <a:lstStyle>
+            <a:lvl1pPr marL="0" indent="0">
+              <a:buFontTx/>
+              <a:buNone/>
+              <a:defRPr sz="1600"/>
+            </a:lvl1pPr>
+            <a:lvl2pPr marL="457200" indent="0">
+              <a:buFontTx/>
+              <a:buNone/>
+              <a:defRPr/>
+            </a:lvl2pPr>
+            <a:lvl3pPr marL="914400" indent="0">
+              <a:buFontTx/>
+              <a:buNone/>
+              <a:defRPr/>
+            </a:lvl3pPr>
+            <a:lvl4pPr marL="1371600" indent="0">
+              <a:buFontTx/>
+              <a:buNone/>
+              <a:defRPr/>
+            </a:lvl4pPr>
+            <a:lvl5pPr marL="1828800" indent="0">
+              <a:buFontTx/>
+              <a:buNone/>
+              <a:defRPr/>
+            </a:lvl5pPr>
+          </a:lstStyle>
+          <a:p>
+            <a:pPr lvl="0"/>
+            <a:r>
+              <a:rPr lang="pt-BR"/>
+              <a:t>Editar estilos de texto Mestre</a:t>
+            </a:r>
+          </a:p>
+        </p:txBody>
+      </p:sp>
+      <p:sp>
+        <p:nvSpPr>
+          <p:cNvPr id="3" name="Date Placeholder 2"/>
+          <p:cNvSpPr>
+            <a:spLocks noGrp="1"/>
+          </p:cNvSpPr>
+          <p:nvPr>
+            <p:ph type="dt" sz="half" idx="10"/>
+          </p:nvPr>
+        </p:nvSpPr>
+        <p:spPr/>
+        <p:txBody>
+          <a:bodyPr/>
+          <a:lstStyle/>
+          <a:p>
+            <a:fld id="{F44CB1C3-A6C1-48F5-87C0-9FA9A37CB4A5}" type="datetimeFigureOut">
+              <a:rPr lang="pt-BR" smtClean="0"/>
+              <a:t>04/12/2018</a:t>
+            </a:fld>
+            <a:endParaRPr lang="pt-BR"/>
+          </a:p>
+        </p:txBody>
+      </p:sp>
+      <p:sp>
+        <p:nvSpPr>
+          <p:cNvPr id="4" name="Footer Placeholder 3"/>
+          <p:cNvSpPr>
+            <a:spLocks noGrp="1"/>
+          </p:cNvSpPr>
+          <p:nvPr>
+            <p:ph type="ftr" sz="quarter" idx="11"/>
+          </p:nvPr>
+        </p:nvSpPr>
+        <p:spPr/>
+        <p:txBody>
+          <a:bodyPr/>
+          <a:lstStyle/>
+          <a:p>
+            <a:endParaRPr lang="pt-BR"/>
+          </a:p>
+        </p:txBody>
+      </p:sp>
+      <p:sp>
+        <p:nvSpPr>
+          <p:cNvPr id="5" name="Slide Number Placeholder 4"/>
+          <p:cNvSpPr>
+            <a:spLocks noGrp="1"/>
+          </p:cNvSpPr>
+          <p:nvPr>
+            <p:ph type="sldNum" sz="quarter" idx="12"/>
+          </p:nvPr>
+        </p:nvSpPr>
+        <p:spPr/>
+        <p:txBody>
+          <a:bodyPr/>
+          <a:lstStyle/>
+          <a:p>
+            <a:fld id="{BCC16360-45C6-4241-8204-EB0B512A82E7}" type="slidenum">
+              <a:rPr lang="pt-BR" smtClean="0"/>
+              <a:t>‹nº›</a:t>
+            </a:fld>
+            <a:endParaRPr lang="pt-BR"/>
+          </a:p>
+        </p:txBody>
+      </p:sp>
+    </p:spTree>
+    <p:extLst>
+      <p:ext uri="{BB962C8B-B14F-4D97-AF65-F5344CB8AC3E}">
+        <p14:creationId xmlns:p14="http://schemas.microsoft.com/office/powerpoint/2010/main" val="3285573536"/>
+      </p:ext>
+    </p:extLst>
+  </p:cSld>
+  <p:clrMapOvr>
+    <a:masterClrMapping/>
+  </p:clrMapOvr>
+</p:sldLayout>
+</file>
+
+<file path=ppt/slideLayouts/slideLayout11.xml><?xml version="1.0" encoding="utf-8"?>
+<p:sldLayout xmlns:a="http://schemas.openxmlformats.org/drawingml/2006/main" xmlns:r="http://schemas.openxmlformats.org/officeDocument/2006/relationships" xmlns:p="http://schemas.openxmlformats.org/presentationml/2006/main" preserve="1">
+  <p:cSld name="Título e Legenda">
+    <p:spTree>
+      <p:nvGrpSpPr>
+        <p:cNvPr id="1" name=""/>
+        <p:cNvGrpSpPr/>
+        <p:nvPr/>
+      </p:nvGrpSpPr>
+      <p:grpSpPr>
+        <a:xfrm>
+          <a:off x="0" y="0"/>
+          <a:ext cx="0" cy="0"/>
+          <a:chOff x="0" y="0"/>
+          <a:chExt cx="0" cy="0"/>
+        </a:xfrm>
+      </p:grpSpPr>
+      <p:sp>
+        <p:nvSpPr>
+          <p:cNvPr id="2" name="Title 1"/>
+          <p:cNvSpPr>
+            <a:spLocks noGrp="1"/>
+          </p:cNvSpPr>
+          <p:nvPr>
+            <p:ph type="title"/>
+          </p:nvPr>
+        </p:nvSpPr>
+        <p:spPr>
+          <a:xfrm>
+            <a:off x="684213" y="685800"/>
+            <a:ext cx="10058400" cy="2743200"/>
+          </a:xfrm>
+        </p:spPr>
+        <p:txBody>
+          <a:bodyPr anchor="ctr">
+            <a:normAutofit/>
+          </a:bodyPr>
+          <a:lstStyle>
+            <a:lvl1pPr algn="l">
+              <a:defRPr sz="3200" b="0" cap="all"/>
+            </a:lvl1pPr>
+          </a:lstStyle>
+          <a:p>
+            <a:r>
+              <a:rPr lang="pt-BR"/>
+              <a:t>Clique para editar o título Mestre</a:t>
+            </a:r>
+            <a:endParaRPr lang="en-US" dirty="0"/>
+          </a:p>
+        </p:txBody>
+      </p:sp>
+      <p:sp>
+        <p:nvSpPr>
+          <p:cNvPr id="3" name="Text Placeholder 2"/>
+          <p:cNvSpPr>
+            <a:spLocks noGrp="1"/>
+          </p:cNvSpPr>
+          <p:nvPr>
+            <p:ph type="body" idx="1"/>
+          </p:nvPr>
+        </p:nvSpPr>
+        <p:spPr>
+          <a:xfrm>
+            <a:off x="684212" y="4114800"/>
+            <a:ext cx="8535988" cy="1879600"/>
+          </a:xfrm>
+        </p:spPr>
+        <p:txBody>
+          <a:bodyPr anchor="ctr">
+            <a:normAutofit/>
+          </a:bodyPr>
+          <a:lstStyle>
+            <a:lvl1pPr marL="0" indent="0" algn="l">
+              <a:buNone/>
+              <a:defRPr sz="2000">
+                <a:solidFill>
+                  <a:schemeClr val="bg2">
+                    <a:lumMod val="75000"/>
+                  </a:schemeClr>
+                </a:solidFill>
+              </a:defRPr>
+            </a:lvl1pPr>
+            <a:lvl2pPr marL="457200" indent="0">
+              <a:buNone/>
+              <a:defRPr sz="1800">
+                <a:solidFill>
+                  <a:schemeClr val="tx1">
+                    <a:tint val="75000"/>
+                  </a:schemeClr>
+                </a:solidFill>
+              </a:defRPr>
+            </a:lvl2pPr>
+            <a:lvl3pPr marL="914400" indent="0">
+              <a:buNone/>
+              <a:defRPr sz="1600">
+                <a:solidFill>
+                  <a:schemeClr val="tx1">
+                    <a:tint val="75000"/>
+                  </a:schemeClr>
+                </a:solidFill>
+              </a:defRPr>
+            </a:lvl3pPr>
+            <a:lvl4pPr marL="1371600" indent="0">
+              <a:buNone/>
+              <a:defRPr sz="1400">
+                <a:solidFill>
+                  <a:schemeClr val="tx1">
+                    <a:tint val="75000"/>
+                  </a:schemeClr>
+                </a:solidFill>
+              </a:defRPr>
+            </a:lvl4pPr>
+            <a:lvl5pPr marL="1828800" indent="0">
+              <a:buNone/>
+              <a:defRPr sz="1400">
+                <a:solidFill>
+                  <a:schemeClr val="tx1">
+                    <a:tint val="75000"/>
+                  </a:schemeClr>
+                </a:solidFill>
+              </a:defRPr>
+            </a:lvl5pPr>
+            <a:lvl6pPr marL="2286000" indent="0">
+              <a:buNone/>
+              <a:defRPr sz="1400">
+                <a:solidFill>
+                  <a:schemeClr val="tx1">
+                    <a:tint val="75000"/>
+                  </a:schemeClr>
+                </a:solidFill>
+              </a:defRPr>
+            </a:lvl6pPr>
+            <a:lvl7pPr marL="2743200" indent="0">
+              <a:buNone/>
+              <a:defRPr sz="1400">
+                <a:solidFill>
+                  <a:schemeClr val="tx1">
+                    <a:tint val="75000"/>
+                  </a:schemeClr>
+                </a:solidFill>
+              </a:defRPr>
+            </a:lvl7pPr>
+            <a:lvl8pPr marL="3200400" indent="0">
+              <a:buNone/>
+              <a:defRPr sz="1400">
+                <a:solidFill>
+                  <a:schemeClr val="tx1">
+                    <a:tint val="75000"/>
+                  </a:schemeClr>
+                </a:solidFill>
+              </a:defRPr>
+            </a:lvl8pPr>
+            <a:lvl9pPr marL="3657600" indent="0">
+              <a:buNone/>
+              <a:defRPr sz="1400">
+                <a:solidFill>
+                  <a:schemeClr val="tx1">
+                    <a:tint val="75000"/>
+                  </a:schemeClr>
+                </a:solidFill>
+              </a:defRPr>
+            </a:lvl9pPr>
+          </a:lstStyle>
+          <a:p>
+            <a:pPr lvl="0"/>
+            <a:r>
+              <a:rPr lang="pt-BR"/>
+              <a:t>Editar estilos de texto Mestre</a:t>
+            </a:r>
+          </a:p>
+        </p:txBody>
+      </p:sp>
+      <p:sp>
+        <p:nvSpPr>
+          <p:cNvPr id="4" name="Date Placeholder 3"/>
+          <p:cNvSpPr>
+            <a:spLocks noGrp="1"/>
+          </p:cNvSpPr>
+          <p:nvPr>
+            <p:ph type="dt" sz="half" idx="10"/>
+          </p:nvPr>
+        </p:nvSpPr>
+        <p:spPr/>
+        <p:txBody>
+          <a:bodyPr/>
+          <a:lstStyle/>
+          <a:p>
+            <a:fld id="{F44CB1C3-A6C1-48F5-87C0-9FA9A37CB4A5}" type="datetimeFigureOut">
+              <a:rPr lang="pt-BR" smtClean="0"/>
+              <a:t>04/12/2018</a:t>
+            </a:fld>
+            <a:endParaRPr lang="pt-BR"/>
+          </a:p>
+        </p:txBody>
+      </p:sp>
+      <p:sp>
+        <p:nvSpPr>
+          <p:cNvPr id="5" name="Footer Placeholder 4"/>
+          <p:cNvSpPr>
+            <a:spLocks noGrp="1"/>
+          </p:cNvSpPr>
+          <p:nvPr>
+            <p:ph type="ftr" sz="quarter" idx="11"/>
+          </p:nvPr>
+        </p:nvSpPr>
+        <p:spPr/>
+        <p:txBody>
+          <a:bodyPr/>
+          <a:lstStyle/>
+          <a:p>
+            <a:endParaRPr lang="pt-BR"/>
+          </a:p>
+        </p:txBody>
+      </p:sp>
+      <p:sp>
+        <p:nvSpPr>
+          <p:cNvPr id="6" name="Slide Number Placeholder 5"/>
+          <p:cNvSpPr>
+            <a:spLocks noGrp="1"/>
+          </p:cNvSpPr>
+          <p:nvPr>
+            <p:ph type="sldNum" sz="quarter" idx="12"/>
+          </p:nvPr>
+        </p:nvSpPr>
+        <p:spPr/>
+        <p:txBody>
+          <a:bodyPr/>
+          <a:lstStyle/>
+          <a:p>
+            <a:fld id="{BCC16360-45C6-4241-8204-EB0B512A82E7}" type="slidenum">
+              <a:rPr lang="pt-BR" smtClean="0"/>
+              <a:t>‹nº›</a:t>
+            </a:fld>
+            <a:endParaRPr lang="pt-BR"/>
+          </a:p>
+        </p:txBody>
+      </p:sp>
+    </p:spTree>
+    <p:extLst>
+      <p:ext uri="{BB962C8B-B14F-4D97-AF65-F5344CB8AC3E}">
+        <p14:creationId xmlns:p14="http://schemas.microsoft.com/office/powerpoint/2010/main" val="2796870667"/>
+      </p:ext>
+    </p:extLst>
+  </p:cSld>
+  <p:clrMapOvr>
+    <a:masterClrMapping/>
+  </p:clrMapOvr>
+</p:sldLayout>
+</file>
+
+<file path=ppt/slideLayouts/slideLayout12.xml><?xml version="1.0" encoding="utf-8"?>
+<p:sldLayout xmlns:a="http://schemas.openxmlformats.org/drawingml/2006/main" xmlns:r="http://schemas.openxmlformats.org/officeDocument/2006/relationships" xmlns:p="http://schemas.openxmlformats.org/presentationml/2006/main" preserve="1">
+  <p:cSld name="Citação com Legenda">
+    <p:spTree>
+      <p:nvGrpSpPr>
+        <p:cNvPr id="1" name=""/>
+        <p:cNvGrpSpPr/>
+        <p:nvPr/>
+      </p:nvGrpSpPr>
+      <p:grpSpPr>
+        <a:xfrm>
+          <a:off x="0" y="0"/>
+          <a:ext cx="0" cy="0"/>
+          <a:chOff x="0" y="0"/>
+          <a:chExt cx="0" cy="0"/>
+        </a:xfrm>
+      </p:grpSpPr>
+      <p:sp>
+        <p:nvSpPr>
+          <p:cNvPr id="2" name="Title 1"/>
+          <p:cNvSpPr>
+            <a:spLocks noGrp="1"/>
+          </p:cNvSpPr>
+          <p:nvPr>
+            <p:ph type="title"/>
+          </p:nvPr>
+        </p:nvSpPr>
+        <p:spPr>
+          <a:xfrm>
+            <a:off x="1141411" y="685800"/>
+            <a:ext cx="9144001" cy="2743200"/>
+          </a:xfrm>
+        </p:spPr>
+        <p:txBody>
+          <a:bodyPr anchor="ctr">
+            <a:normAutofit/>
+          </a:bodyPr>
+          <a:lstStyle>
+            <a:lvl1pPr algn="l">
+              <a:defRPr sz="3200" b="0" cap="all">
+                <a:solidFill>
+                  <a:schemeClr val="tx1"/>
+                </a:solidFill>
+              </a:defRPr>
+            </a:lvl1pPr>
+          </a:lstStyle>
+          <a:p>
+            <a:r>
+              <a:rPr lang="pt-BR"/>
+              <a:t>Clique para editar o título Mestre</a:t>
+            </a:r>
+            <a:endParaRPr lang="en-US" dirty="0"/>
+          </a:p>
+        </p:txBody>
+      </p:sp>
+      <p:sp>
+        <p:nvSpPr>
+          <p:cNvPr id="10" name="Text Placeholder 9"/>
+          <p:cNvSpPr>
+            <a:spLocks noGrp="1"/>
+          </p:cNvSpPr>
+          <p:nvPr>
+            <p:ph type="body" sz="quarter" idx="13"/>
+          </p:nvPr>
+        </p:nvSpPr>
+        <p:spPr>
+          <a:xfrm>
+            <a:off x="1446212" y="3429000"/>
+            <a:ext cx="8534400" cy="381000"/>
+          </a:xfrm>
+        </p:spPr>
+        <p:txBody>
+          <a:bodyPr anchor="ctr"/>
+          <a:lstStyle>
+            <a:lvl1pPr marL="0" indent="0">
+              <a:buFontTx/>
+              <a:buNone/>
+              <a:defRPr/>
+            </a:lvl1pPr>
+            <a:lvl2pPr marL="457200" indent="0">
+              <a:buFontTx/>
+              <a:buNone/>
+              <a:defRPr/>
+            </a:lvl2pPr>
+            <a:lvl3pPr marL="914400" indent="0">
+              <a:buFontTx/>
+              <a:buNone/>
+              <a:defRPr/>
+            </a:lvl3pPr>
+            <a:lvl4pPr marL="1371600" indent="0">
+              <a:buFontTx/>
+              <a:buNone/>
+              <a:defRPr/>
+            </a:lvl4pPr>
+            <a:lvl5pPr marL="1828800" indent="0">
+              <a:buFontTx/>
+              <a:buNone/>
+              <a:defRPr/>
+            </a:lvl5pPr>
+          </a:lstStyle>
+          <a:p>
+            <a:pPr lvl="0"/>
+            <a:r>
+              <a:rPr lang="pt-BR"/>
+              <a:t>Editar estilos de texto Mestre</a:t>
+            </a:r>
+          </a:p>
+        </p:txBody>
+      </p:sp>
+      <p:sp>
+        <p:nvSpPr>
+          <p:cNvPr id="3" name="Text Placeholder 2"/>
+          <p:cNvSpPr>
+            <a:spLocks noGrp="1"/>
+          </p:cNvSpPr>
+          <p:nvPr>
+            <p:ph type="body" idx="1"/>
+          </p:nvPr>
+        </p:nvSpPr>
+        <p:spPr>
+          <a:xfrm>
+            <a:off x="684213" y="4301067"/>
+            <a:ext cx="8534400" cy="1684865"/>
+          </a:xfrm>
+        </p:spPr>
+        <p:txBody>
+          <a:bodyPr anchor="ctr">
+            <a:normAutofit/>
+          </a:bodyPr>
+          <a:lstStyle>
+            <a:lvl1pPr marL="0" indent="0" algn="l">
+              <a:buNone/>
+              <a:defRPr sz="2000">
+                <a:solidFill>
+                  <a:schemeClr val="bg2">
+                    <a:lumMod val="75000"/>
+                  </a:schemeClr>
+                </a:solidFill>
+              </a:defRPr>
+            </a:lvl1pPr>
+            <a:lvl2pPr marL="457200" indent="0">
+              <a:buNone/>
+              <a:defRPr sz="1800">
+                <a:solidFill>
+                  <a:schemeClr val="tx1">
+                    <a:tint val="75000"/>
+                  </a:schemeClr>
+                </a:solidFill>
+              </a:defRPr>
+            </a:lvl2pPr>
+            <a:lvl3pPr marL="914400" indent="0">
+              <a:buNone/>
+              <a:defRPr sz="1600">
+                <a:solidFill>
+                  <a:schemeClr val="tx1">
+                    <a:tint val="75000"/>
+                  </a:schemeClr>
+                </a:solidFill>
+              </a:defRPr>
+            </a:lvl3pPr>
+            <a:lvl4pPr marL="1371600" indent="0">
+              <a:buNone/>
+              <a:defRPr sz="1400">
+                <a:solidFill>
+                  <a:schemeClr val="tx1">
+                    <a:tint val="75000"/>
+                  </a:schemeClr>
+                </a:solidFill>
+              </a:defRPr>
+            </a:lvl4pPr>
+            <a:lvl5pPr marL="1828800" indent="0">
+              <a:buNone/>
+              <a:defRPr sz="1400">
+                <a:solidFill>
+                  <a:schemeClr val="tx1">
+                    <a:tint val="75000"/>
+                  </a:schemeClr>
+                </a:solidFill>
+              </a:defRPr>
+            </a:lvl5pPr>
+            <a:lvl6pPr marL="2286000" indent="0">
+              <a:buNone/>
+              <a:defRPr sz="1400">
+                <a:solidFill>
+                  <a:schemeClr val="tx1">
+                    <a:tint val="75000"/>
+                  </a:schemeClr>
+                </a:solidFill>
+              </a:defRPr>
+            </a:lvl6pPr>
+            <a:lvl7pPr marL="2743200" indent="0">
+              <a:buNone/>
+              <a:defRPr sz="1400">
+                <a:solidFill>
+                  <a:schemeClr val="tx1">
+                    <a:tint val="75000"/>
+                  </a:schemeClr>
+                </a:solidFill>
+              </a:defRPr>
+            </a:lvl7pPr>
+            <a:lvl8pPr marL="3200400" indent="0">
+              <a:buNone/>
+              <a:defRPr sz="1400">
+                <a:solidFill>
+                  <a:schemeClr val="tx1">
+                    <a:tint val="75000"/>
+                  </a:schemeClr>
+                </a:solidFill>
+              </a:defRPr>
+            </a:lvl8pPr>
+            <a:lvl9pPr marL="3657600" indent="0">
+              <a:buNone/>
+              <a:defRPr sz="1400">
+                <a:solidFill>
+                  <a:schemeClr val="tx1">
+                    <a:tint val="75000"/>
+                  </a:schemeClr>
+                </a:solidFill>
+              </a:defRPr>
+            </a:lvl9pPr>
+          </a:lstStyle>
+          <a:p>
+            <a:pPr lvl="0"/>
+            <a:r>
+              <a:rPr lang="pt-BR"/>
+              <a:t>Editar estilos de texto Mestre</a:t>
+            </a:r>
+          </a:p>
+        </p:txBody>
+      </p:sp>
+      <p:sp>
+        <p:nvSpPr>
+          <p:cNvPr id="4" name="Date Placeholder 3"/>
+          <p:cNvSpPr>
+            <a:spLocks noGrp="1"/>
+          </p:cNvSpPr>
+          <p:nvPr>
+            <p:ph type="dt" sz="half" idx="10"/>
+          </p:nvPr>
+        </p:nvSpPr>
+        <p:spPr/>
+        <p:txBody>
+          <a:bodyPr/>
+          <a:lstStyle/>
+          <a:p>
+            <a:fld id="{F44CB1C3-A6C1-48F5-87C0-9FA9A37CB4A5}" type="datetimeFigureOut">
+              <a:rPr lang="pt-BR" smtClean="0"/>
+              <a:t>04/12/2018</a:t>
+            </a:fld>
+            <a:endParaRPr lang="pt-BR"/>
+          </a:p>
+        </p:txBody>
+      </p:sp>
+      <p:sp>
+        <p:nvSpPr>
+          <p:cNvPr id="5" name="Footer Placeholder 4"/>
+          <p:cNvSpPr>
+            <a:spLocks noGrp="1"/>
+          </p:cNvSpPr>
+          <p:nvPr>
+            <p:ph type="ftr" sz="quarter" idx="11"/>
+          </p:nvPr>
+        </p:nvSpPr>
+        <p:spPr/>
+        <p:txBody>
+          <a:bodyPr/>
+          <a:lstStyle/>
+          <a:p>
+            <a:endParaRPr lang="pt-BR"/>
+          </a:p>
+        </p:txBody>
+      </p:sp>
+      <p:sp>
+        <p:nvSpPr>
+          <p:cNvPr id="6" name="Slide Number Placeholder 5"/>
+          <p:cNvSpPr>
+            <a:spLocks noGrp="1"/>
+          </p:cNvSpPr>
+          <p:nvPr>
+            <p:ph type="sldNum" sz="quarter" idx="12"/>
+          </p:nvPr>
+        </p:nvSpPr>
+        <p:spPr/>
+        <p:txBody>
+          <a:bodyPr/>
+          <a:lstStyle/>
+          <a:p>
+            <a:fld id="{BCC16360-45C6-4241-8204-EB0B512A82E7}" type="slidenum">
+              <a:rPr lang="pt-BR" smtClean="0"/>
+              <a:t>‹nº›</a:t>
+            </a:fld>
+            <a:endParaRPr lang="pt-BR"/>
+          </a:p>
+        </p:txBody>
+      </p:sp>
+      <p:sp>
+        <p:nvSpPr>
+          <p:cNvPr id="14" name="TextBox 13"/>
+          <p:cNvSpPr txBox="1"/>
+          <p:nvPr/>
+        </p:nvSpPr>
+        <p:spPr>
+          <a:xfrm>
+            <a:off x="531812" y="812222"/>
+            <a:ext cx="609600" cy="584776"/>
+          </a:xfrm>
+          <a:prstGeom prst="rect">
+            <a:avLst/>
+          </a:prstGeom>
+        </p:spPr>
+        <p:txBody>
+          <a:bodyPr vert="horz" lIns="91440" tIns="45720" rIns="91440" bIns="45720" rtlCol="0" anchor="ctr">
+            <a:noAutofit/>
+          </a:bodyPr>
+          <a:lstStyle/>
+          <a:p>
+            <a:pPr lvl="0"/>
+            <a:r>
+              <a:rPr lang="en-US" sz="8000" dirty="0">
+                <a:solidFill>
+                  <a:schemeClr val="tx1"/>
+                </a:solidFill>
+                <a:effectLst/>
+              </a:rPr>
+              <a:t>“</a:t>
+            </a:r>
+          </a:p>
+        </p:txBody>
+      </p:sp>
+      <p:sp>
+        <p:nvSpPr>
+          <p:cNvPr id="15" name="TextBox 14"/>
+          <p:cNvSpPr txBox="1"/>
+          <p:nvPr/>
+        </p:nvSpPr>
+        <p:spPr>
+          <a:xfrm>
+            <a:off x="10285412" y="2768601"/>
+            <a:ext cx="609600" cy="584776"/>
+          </a:xfrm>
+          <a:prstGeom prst="rect">
+            <a:avLst/>
+          </a:prstGeom>
+        </p:spPr>
+        <p:txBody>
+          <a:bodyPr vert="horz" lIns="91440" tIns="45720" rIns="91440" bIns="45720" rtlCol="0" anchor="ctr">
+            <a:noAutofit/>
+          </a:bodyPr>
+          <a:lstStyle/>
+          <a:p>
+            <a:pPr lvl="0" algn="r"/>
+            <a:r>
+              <a:rPr lang="en-US" sz="8000" dirty="0">
+                <a:solidFill>
+                  <a:schemeClr val="tx1"/>
+                </a:solidFill>
+                <a:effectLst/>
+              </a:rPr>
+              <a:t>”</a:t>
+            </a:r>
+          </a:p>
+        </p:txBody>
+      </p:sp>
+    </p:spTree>
+    <p:extLst>
+      <p:ext uri="{BB962C8B-B14F-4D97-AF65-F5344CB8AC3E}">
+        <p14:creationId xmlns:p14="http://schemas.microsoft.com/office/powerpoint/2010/main" val="4107066460"/>
+      </p:ext>
+    </p:extLst>
+  </p:cSld>
+  <p:clrMapOvr>
+    <a:masterClrMapping/>
+  </p:clrMapOvr>
+</p:sldLayout>
+</file>
+
+<file path=ppt/slideLayouts/slideLayout13.xml><?xml version="1.0" encoding="utf-8"?>
+<p:sldLayout xmlns:a="http://schemas.openxmlformats.org/drawingml/2006/main" xmlns:r="http://schemas.openxmlformats.org/officeDocument/2006/relationships" xmlns:p="http://schemas.openxmlformats.org/presentationml/2006/main" preserve="1">
+  <p:cSld name="Cartão de Nome">
+    <p:spTree>
+      <p:nvGrpSpPr>
+        <p:cNvPr id="1" name=""/>
+        <p:cNvGrpSpPr/>
+        <p:nvPr/>
+      </p:nvGrpSpPr>
+      <p:grpSpPr>
+        <a:xfrm>
+          <a:off x="0" y="0"/>
+          <a:ext cx="0" cy="0"/>
+          <a:chOff x="0" y="0"/>
+          <a:chExt cx="0" cy="0"/>
+        </a:xfrm>
+      </p:grpSpPr>
+      <p:sp>
+        <p:nvSpPr>
+          <p:cNvPr id="2" name="Title 1"/>
+          <p:cNvSpPr>
+            <a:spLocks noGrp="1"/>
+          </p:cNvSpPr>
+          <p:nvPr>
+            <p:ph type="title"/>
+          </p:nvPr>
+        </p:nvSpPr>
+        <p:spPr>
+          <a:xfrm>
+            <a:off x="684212" y="3429000"/>
+            <a:ext cx="8534400" cy="1697400"/>
+          </a:xfrm>
+        </p:spPr>
+        <p:txBody>
+          <a:bodyPr anchor="b">
+            <a:normAutofit/>
+          </a:bodyPr>
+          <a:lstStyle>
+            <a:lvl1pPr algn="l">
+              <a:defRPr sz="3200" b="0" cap="all"/>
+            </a:lvl1pPr>
+          </a:lstStyle>
+          <a:p>
+            <a:r>
+              <a:rPr lang="pt-BR"/>
+              <a:t>Clique para editar o título Mestre</a:t>
+            </a:r>
+            <a:endParaRPr lang="en-US" dirty="0"/>
+          </a:p>
+        </p:txBody>
+      </p:sp>
+      <p:sp>
+        <p:nvSpPr>
+          <p:cNvPr id="3" name="Text Placeholder 2"/>
+          <p:cNvSpPr>
+            <a:spLocks noGrp="1"/>
+          </p:cNvSpPr>
+          <p:nvPr>
+            <p:ph type="body" idx="1"/>
+          </p:nvPr>
+        </p:nvSpPr>
+        <p:spPr>
+          <a:xfrm>
+            <a:off x="684211" y="5132981"/>
+            <a:ext cx="8535990" cy="860400"/>
+          </a:xfrm>
+        </p:spPr>
+        <p:txBody>
+          <a:bodyPr anchor="t">
+            <a:normAutofit/>
+          </a:bodyPr>
+          <a:lstStyle>
+            <a:lvl1pPr marL="0" indent="0" algn="l">
+              <a:buNone/>
+              <a:defRPr sz="2000">
+                <a:solidFill>
+                  <a:schemeClr val="bg2">
+                    <a:lumMod val="75000"/>
+                  </a:schemeClr>
+                </a:solidFill>
+              </a:defRPr>
+            </a:lvl1pPr>
+            <a:lvl2pPr marL="457200" indent="0">
+              <a:buNone/>
+              <a:defRPr sz="1800">
+                <a:solidFill>
+                  <a:schemeClr val="tx1">
+                    <a:tint val="75000"/>
+                  </a:schemeClr>
+                </a:solidFill>
+              </a:defRPr>
+            </a:lvl2pPr>
+            <a:lvl3pPr marL="914400" indent="0">
+              <a:buNone/>
+              <a:defRPr sz="1600">
+                <a:solidFill>
+                  <a:schemeClr val="tx1">
+                    <a:tint val="75000"/>
+                  </a:schemeClr>
+                </a:solidFill>
+              </a:defRPr>
+            </a:lvl3pPr>
+            <a:lvl4pPr marL="1371600" indent="0">
+              <a:buNone/>
+              <a:defRPr sz="1400">
+                <a:solidFill>
+                  <a:schemeClr val="tx1">
+                    <a:tint val="75000"/>
+                  </a:schemeClr>
+                </a:solidFill>
+              </a:defRPr>
+            </a:lvl4pPr>
+            <a:lvl5pPr marL="1828800" indent="0">
+              <a:buNone/>
+              <a:defRPr sz="1400">
+                <a:solidFill>
+                  <a:schemeClr val="tx1">
+                    <a:tint val="75000"/>
+                  </a:schemeClr>
+                </a:solidFill>
+              </a:defRPr>
+            </a:lvl5pPr>
+            <a:lvl6pPr marL="2286000" indent="0">
+              <a:buNone/>
+              <a:defRPr sz="1400">
+                <a:solidFill>
+                  <a:schemeClr val="tx1">
+                    <a:tint val="75000"/>
+                  </a:schemeClr>
+                </a:solidFill>
+              </a:defRPr>
+            </a:lvl6pPr>
+            <a:lvl7pPr marL="2743200" indent="0">
+              <a:buNone/>
+              <a:defRPr sz="1400">
+                <a:solidFill>
+                  <a:schemeClr val="tx1">
+                    <a:tint val="75000"/>
+                  </a:schemeClr>
+                </a:solidFill>
+              </a:defRPr>
+            </a:lvl7pPr>
+            <a:lvl8pPr marL="3200400" indent="0">
+              <a:buNone/>
+              <a:defRPr sz="1400">
+                <a:solidFill>
+                  <a:schemeClr val="tx1">
+                    <a:tint val="75000"/>
+                  </a:schemeClr>
+                </a:solidFill>
+              </a:defRPr>
+            </a:lvl8pPr>
+            <a:lvl9pPr marL="3657600" indent="0">
+              <a:buNone/>
+              <a:defRPr sz="1400">
+                <a:solidFill>
+                  <a:schemeClr val="tx1">
+                    <a:tint val="75000"/>
+                  </a:schemeClr>
+                </a:solidFill>
+              </a:defRPr>
+            </a:lvl9pPr>
+          </a:lstStyle>
+          <a:p>
+            <a:pPr lvl="0"/>
+            <a:r>
+              <a:rPr lang="pt-BR"/>
+              <a:t>Editar estilos de texto Mestre</a:t>
+            </a:r>
+          </a:p>
+        </p:txBody>
+      </p:sp>
+      <p:sp>
+        <p:nvSpPr>
+          <p:cNvPr id="4" name="Date Placeholder 3"/>
+          <p:cNvSpPr>
+            <a:spLocks noGrp="1"/>
+          </p:cNvSpPr>
+          <p:nvPr>
+            <p:ph type="dt" sz="half" idx="10"/>
+          </p:nvPr>
+        </p:nvSpPr>
+        <p:spPr/>
+        <p:txBody>
+          <a:bodyPr/>
+          <a:lstStyle/>
+          <a:p>
+            <a:fld id="{F44CB1C3-A6C1-48F5-87C0-9FA9A37CB4A5}" type="datetimeFigureOut">
+              <a:rPr lang="pt-BR" smtClean="0"/>
+              <a:t>04/12/2018</a:t>
+            </a:fld>
+            <a:endParaRPr lang="pt-BR"/>
+          </a:p>
+        </p:txBody>
+      </p:sp>
+      <p:sp>
+        <p:nvSpPr>
+          <p:cNvPr id="5" name="Footer Placeholder 4"/>
+          <p:cNvSpPr>
+            <a:spLocks noGrp="1"/>
+          </p:cNvSpPr>
+          <p:nvPr>
+            <p:ph type="ftr" sz="quarter" idx="11"/>
+          </p:nvPr>
+        </p:nvSpPr>
+        <p:spPr/>
+        <p:txBody>
+          <a:bodyPr/>
+          <a:lstStyle/>
+          <a:p>
+            <a:endParaRPr lang="pt-BR"/>
+          </a:p>
+        </p:txBody>
+      </p:sp>
+      <p:sp>
+        <p:nvSpPr>
+          <p:cNvPr id="6" name="Slide Number Placeholder 5"/>
+          <p:cNvSpPr>
+            <a:spLocks noGrp="1"/>
+          </p:cNvSpPr>
+          <p:nvPr>
+            <p:ph type="sldNum" sz="quarter" idx="12"/>
+          </p:nvPr>
+        </p:nvSpPr>
+        <p:spPr/>
+        <p:txBody>
+          <a:bodyPr/>
+          <a:lstStyle/>
+          <a:p>
+            <a:fld id="{BCC16360-45C6-4241-8204-EB0B512A82E7}" type="slidenum">
+              <a:rPr lang="pt-BR" smtClean="0"/>
+              <a:t>‹nº›</a:t>
+            </a:fld>
+            <a:endParaRPr lang="pt-BR"/>
+          </a:p>
+        </p:txBody>
+      </p:sp>
+    </p:spTree>
+    <p:extLst>
+      <p:ext uri="{BB962C8B-B14F-4D97-AF65-F5344CB8AC3E}">
+        <p14:creationId xmlns:p14="http://schemas.microsoft.com/office/powerpoint/2010/main" val="1737495677"/>
+      </p:ext>
+    </p:extLst>
+  </p:cSld>
+  <p:clrMapOvr>
+    <a:masterClrMapping/>
+  </p:clrMapOvr>
+</p:sldLayout>
+</file>
+
+<file path=ppt/slideLayouts/slideLayout14.xml><?xml version="1.0" encoding="utf-8"?>
+<p:sldLayout xmlns:a="http://schemas.openxmlformats.org/drawingml/2006/main" xmlns:r="http://schemas.openxmlformats.org/officeDocument/2006/relationships" xmlns:p="http://schemas.openxmlformats.org/presentationml/2006/main" preserve="1">
+  <p:cSld name="Citar o Cartão de Nome">
+    <p:spTree>
+      <p:nvGrpSpPr>
+        <p:cNvPr id="1" name=""/>
+        <p:cNvGrpSpPr/>
+        <p:nvPr/>
+      </p:nvGrpSpPr>
+      <p:grpSpPr>
+        <a:xfrm>
+          <a:off x="0" y="0"/>
+          <a:ext cx="0" cy="0"/>
+          <a:chOff x="0" y="0"/>
+          <a:chExt cx="0" cy="0"/>
+        </a:xfrm>
+      </p:grpSpPr>
+      <p:sp>
+        <p:nvSpPr>
+          <p:cNvPr id="2" name="Title 1"/>
+          <p:cNvSpPr>
+            <a:spLocks noGrp="1"/>
+          </p:cNvSpPr>
+          <p:nvPr>
+            <p:ph type="title"/>
+          </p:nvPr>
+        </p:nvSpPr>
+        <p:spPr>
+          <a:xfrm>
+            <a:off x="1141413" y="685800"/>
+            <a:ext cx="9144000" cy="2743200"/>
+          </a:xfrm>
+        </p:spPr>
+        <p:txBody>
+          <a:bodyPr anchor="ctr">
+            <a:normAutofit/>
+          </a:bodyPr>
+          <a:lstStyle>
+            <a:lvl1pPr algn="l">
+              <a:defRPr sz="3200" b="0" cap="all">
+                <a:solidFill>
+                  <a:schemeClr val="tx1"/>
+                </a:solidFill>
+              </a:defRPr>
+            </a:lvl1pPr>
+          </a:lstStyle>
+          <a:p>
+            <a:r>
+              <a:rPr lang="pt-BR"/>
+              <a:t>Clique para editar o título Mestre</a:t>
+            </a:r>
+            <a:endParaRPr lang="en-US" dirty="0"/>
+          </a:p>
+        </p:txBody>
+      </p:sp>
+      <p:sp>
+        <p:nvSpPr>
+          <p:cNvPr id="10" name="Text Placeholder 9"/>
+          <p:cNvSpPr>
+            <a:spLocks noGrp="1"/>
+          </p:cNvSpPr>
+          <p:nvPr>
+            <p:ph type="body" sz="quarter" idx="13"/>
+          </p:nvPr>
+        </p:nvSpPr>
+        <p:spPr>
+          <a:xfrm>
+            <a:off x="684212" y="3928534"/>
+            <a:ext cx="8534401" cy="1049866"/>
+          </a:xfrm>
+        </p:spPr>
+        <p:txBody>
+          <a:bodyPr vert="horz" lIns="91440" tIns="45720" rIns="91440" bIns="45720" rtlCol="0" anchor="b">
+            <a:normAutofit/>
+          </a:bodyPr>
+          <a:lstStyle>
+            <a:lvl1pPr>
+              <a:buNone/>
+              <a:defRPr lang="en-US" sz="2400" b="0" cap="all" dirty="0">
+                <a:ln w="3175" cmpd="sng">
+                  <a:noFill/>
+                </a:ln>
+                <a:solidFill>
+                  <a:schemeClr val="tx1"/>
+                </a:solidFill>
+                <a:effectLst/>
+              </a:defRPr>
+            </a:lvl1pPr>
+          </a:lstStyle>
+          <a:p>
+            <a:pPr marL="0" lvl="0">
+              <a:spcBef>
+                <a:spcPct val="0"/>
+              </a:spcBef>
+              <a:buNone/>
+            </a:pPr>
+            <a:r>
+              <a:rPr lang="pt-BR"/>
+              <a:t>Editar estilos de texto Mestre</a:t>
+            </a:r>
+          </a:p>
+        </p:txBody>
+      </p:sp>
+      <p:sp>
+        <p:nvSpPr>
+          <p:cNvPr id="3" name="Text Placeholder 2"/>
+          <p:cNvSpPr>
+            <a:spLocks noGrp="1"/>
+          </p:cNvSpPr>
+          <p:nvPr>
+            <p:ph type="body" idx="1"/>
+          </p:nvPr>
+        </p:nvSpPr>
+        <p:spPr>
+          <a:xfrm>
+            <a:off x="684211" y="4978400"/>
+            <a:ext cx="8534401" cy="1016000"/>
+          </a:xfrm>
+        </p:spPr>
+        <p:txBody>
+          <a:bodyPr anchor="t">
+            <a:normAutofit/>
+          </a:bodyPr>
+          <a:lstStyle>
+            <a:lvl1pPr marL="0" indent="0" algn="l">
+              <a:buNone/>
+              <a:defRPr sz="1800">
+                <a:solidFill>
+                  <a:schemeClr val="bg2">
+                    <a:lumMod val="75000"/>
+                  </a:schemeClr>
+                </a:solidFill>
+              </a:defRPr>
+            </a:lvl1pPr>
+            <a:lvl2pPr marL="457200" indent="0">
+              <a:buNone/>
+              <a:defRPr sz="1800">
+                <a:solidFill>
+                  <a:schemeClr val="tx1">
+                    <a:tint val="75000"/>
+                  </a:schemeClr>
+                </a:solidFill>
+              </a:defRPr>
+            </a:lvl2pPr>
+            <a:lvl3pPr marL="914400" indent="0">
+              <a:buNone/>
+              <a:defRPr sz="1600">
+                <a:solidFill>
+                  <a:schemeClr val="tx1">
+                    <a:tint val="75000"/>
+                  </a:schemeClr>
+                </a:solidFill>
+              </a:defRPr>
+            </a:lvl3pPr>
+            <a:lvl4pPr marL="1371600" indent="0">
+              <a:buNone/>
+              <a:defRPr sz="1400">
+                <a:solidFill>
+                  <a:schemeClr val="tx1">
+                    <a:tint val="75000"/>
+                  </a:schemeClr>
+                </a:solidFill>
+              </a:defRPr>
+            </a:lvl4pPr>
+            <a:lvl5pPr marL="1828800" indent="0">
+              <a:buNone/>
+              <a:defRPr sz="1400">
+                <a:solidFill>
+                  <a:schemeClr val="tx1">
+                    <a:tint val="75000"/>
+                  </a:schemeClr>
+                </a:solidFill>
+              </a:defRPr>
+            </a:lvl5pPr>
+            <a:lvl6pPr marL="2286000" indent="0">
+              <a:buNone/>
+              <a:defRPr sz="1400">
+                <a:solidFill>
+                  <a:schemeClr val="tx1">
+                    <a:tint val="75000"/>
+                  </a:schemeClr>
+                </a:solidFill>
+              </a:defRPr>
+            </a:lvl6pPr>
+            <a:lvl7pPr marL="2743200" indent="0">
+              <a:buNone/>
+              <a:defRPr sz="1400">
+                <a:solidFill>
+                  <a:schemeClr val="tx1">
+                    <a:tint val="75000"/>
+                  </a:schemeClr>
+                </a:solidFill>
+              </a:defRPr>
+            </a:lvl7pPr>
+            <a:lvl8pPr marL="3200400" indent="0">
+              <a:buNone/>
+              <a:defRPr sz="1400">
+                <a:solidFill>
+                  <a:schemeClr val="tx1">
+                    <a:tint val="75000"/>
+                  </a:schemeClr>
+                </a:solidFill>
+              </a:defRPr>
+            </a:lvl8pPr>
+            <a:lvl9pPr marL="3657600" indent="0">
+              <a:buNone/>
+              <a:defRPr sz="1400">
+                <a:solidFill>
+                  <a:schemeClr val="tx1">
+                    <a:tint val="75000"/>
+                  </a:schemeClr>
+                </a:solidFill>
+              </a:defRPr>
+            </a:lvl9pPr>
+          </a:lstStyle>
+          <a:p>
+            <a:pPr lvl="0"/>
+            <a:r>
+              <a:rPr lang="pt-BR"/>
+              <a:t>Editar estilos de texto Mestre</a:t>
+            </a:r>
+          </a:p>
+        </p:txBody>
+      </p:sp>
+      <p:sp>
+        <p:nvSpPr>
+          <p:cNvPr id="4" name="Date Placeholder 3"/>
+          <p:cNvSpPr>
+            <a:spLocks noGrp="1"/>
+          </p:cNvSpPr>
+          <p:nvPr>
+            <p:ph type="dt" sz="half" idx="10"/>
+          </p:nvPr>
+        </p:nvSpPr>
+        <p:spPr/>
+        <p:txBody>
+          <a:bodyPr/>
+          <a:lstStyle/>
+          <a:p>
+            <a:fld id="{F44CB1C3-A6C1-48F5-87C0-9FA9A37CB4A5}" type="datetimeFigureOut">
+              <a:rPr lang="pt-BR" smtClean="0"/>
+              <a:t>04/12/2018</a:t>
+            </a:fld>
+            <a:endParaRPr lang="pt-BR"/>
+          </a:p>
+        </p:txBody>
+      </p:sp>
+      <p:sp>
+        <p:nvSpPr>
+          <p:cNvPr id="5" name="Footer Placeholder 4"/>
+          <p:cNvSpPr>
+            <a:spLocks noGrp="1"/>
+          </p:cNvSpPr>
+          <p:nvPr>
+            <p:ph type="ftr" sz="quarter" idx="11"/>
+          </p:nvPr>
+        </p:nvSpPr>
+        <p:spPr/>
+        <p:txBody>
+          <a:bodyPr/>
+          <a:lstStyle/>
+          <a:p>
+            <a:endParaRPr lang="pt-BR"/>
+          </a:p>
+        </p:txBody>
+      </p:sp>
+      <p:sp>
+        <p:nvSpPr>
+          <p:cNvPr id="6" name="Slide Number Placeholder 5"/>
+          <p:cNvSpPr>
+            <a:spLocks noGrp="1"/>
+          </p:cNvSpPr>
+          <p:nvPr>
+            <p:ph type="sldNum" sz="quarter" idx="12"/>
+          </p:nvPr>
+        </p:nvSpPr>
+        <p:spPr/>
+        <p:txBody>
+          <a:bodyPr/>
+          <a:lstStyle/>
+          <a:p>
+            <a:fld id="{BCC16360-45C6-4241-8204-EB0B512A82E7}" type="slidenum">
+              <a:rPr lang="pt-BR" smtClean="0"/>
+              <a:t>‹nº›</a:t>
+            </a:fld>
+            <a:endParaRPr lang="pt-BR"/>
+          </a:p>
+        </p:txBody>
+      </p:sp>
+      <p:sp>
+        <p:nvSpPr>
+          <p:cNvPr id="11" name="TextBox 10"/>
+          <p:cNvSpPr txBox="1"/>
+          <p:nvPr/>
+        </p:nvSpPr>
+        <p:spPr>
+          <a:xfrm>
+            <a:off x="531812" y="812222"/>
+            <a:ext cx="609600" cy="584776"/>
+          </a:xfrm>
+          <a:prstGeom prst="rect">
+            <a:avLst/>
+          </a:prstGeom>
+        </p:spPr>
+        <p:txBody>
+          <a:bodyPr vert="horz" lIns="91440" tIns="45720" rIns="91440" bIns="45720" rtlCol="0" anchor="ctr">
+            <a:noAutofit/>
+          </a:bodyPr>
+          <a:lstStyle/>
+          <a:p>
+            <a:pPr lvl="0"/>
+            <a:r>
+              <a:rPr lang="en-US" sz="8000" dirty="0">
+                <a:solidFill>
+                  <a:schemeClr val="tx1"/>
+                </a:solidFill>
+                <a:effectLst/>
+              </a:rPr>
+              <a:t>“</a:t>
+            </a:r>
+          </a:p>
+        </p:txBody>
+      </p:sp>
+      <p:sp>
+        <p:nvSpPr>
+          <p:cNvPr id="12" name="TextBox 11"/>
+          <p:cNvSpPr txBox="1"/>
+          <p:nvPr/>
+        </p:nvSpPr>
+        <p:spPr>
+          <a:xfrm>
+            <a:off x="10285412" y="2768601"/>
+            <a:ext cx="609600" cy="584776"/>
+          </a:xfrm>
+          <a:prstGeom prst="rect">
+            <a:avLst/>
+          </a:prstGeom>
+        </p:spPr>
+        <p:txBody>
+          <a:bodyPr vert="horz" lIns="91440" tIns="45720" rIns="91440" bIns="45720" rtlCol="0" anchor="ctr">
+            <a:noAutofit/>
+          </a:bodyPr>
+          <a:lstStyle/>
+          <a:p>
+            <a:pPr lvl="0" algn="r"/>
+            <a:r>
+              <a:rPr lang="en-US" sz="8000" dirty="0">
+                <a:solidFill>
+                  <a:schemeClr val="tx1"/>
+                </a:solidFill>
+                <a:effectLst/>
+              </a:rPr>
+              <a:t>”</a:t>
+            </a:r>
+          </a:p>
+        </p:txBody>
+      </p:sp>
+    </p:spTree>
+    <p:extLst>
+      <p:ext uri="{BB962C8B-B14F-4D97-AF65-F5344CB8AC3E}">
+        <p14:creationId xmlns:p14="http://schemas.microsoft.com/office/powerpoint/2010/main" val="2998339934"/>
+      </p:ext>
+    </p:extLst>
+  </p:cSld>
+  <p:clrMapOvr>
+    <a:masterClrMapping/>
+  </p:clrMapOvr>
+</p:sldLayout>
+</file>
+
+<file path=ppt/slideLayouts/slideLayout15.xml><?xml version="1.0" encoding="utf-8"?>
+<p:sldLayout xmlns:a="http://schemas.openxmlformats.org/drawingml/2006/main" xmlns:r="http://schemas.openxmlformats.org/officeDocument/2006/relationships" xmlns:p="http://schemas.openxmlformats.org/presentationml/2006/main" preserve="1">
+  <p:cSld name="Verdadeiro ou Falso">
+    <p:spTree>
+      <p:nvGrpSpPr>
+        <p:cNvPr id="1" name=""/>
+        <p:cNvGrpSpPr/>
+        <p:nvPr/>
+      </p:nvGrpSpPr>
+      <p:grpSpPr>
+        <a:xfrm>
+          <a:off x="0" y="0"/>
+          <a:ext cx="0" cy="0"/>
+          <a:chOff x="0" y="0"/>
+          <a:chExt cx="0" cy="0"/>
+        </a:xfrm>
+      </p:grpSpPr>
+      <p:sp>
+        <p:nvSpPr>
+          <p:cNvPr id="2" name="Title 1"/>
+          <p:cNvSpPr>
+            <a:spLocks noGrp="1"/>
+          </p:cNvSpPr>
+          <p:nvPr>
+            <p:ph type="title"/>
+          </p:nvPr>
+        </p:nvSpPr>
+        <p:spPr>
+          <a:xfrm>
+            <a:off x="684213" y="685800"/>
+            <a:ext cx="10058400" cy="2743200"/>
+          </a:xfrm>
+        </p:spPr>
+        <p:txBody>
+          <a:bodyPr vert="horz" lIns="91440" tIns="45720" rIns="91440" bIns="45720" rtlCol="0" anchor="ctr">
+            <a:normAutofit/>
+          </a:bodyPr>
+          <a:lstStyle>
+            <a:lvl1pPr>
+              <a:defRPr lang="en-US" b="0" dirty="0"/>
+            </a:lvl1pPr>
+          </a:lstStyle>
+          <a:p>
+            <a:pPr marL="0" lvl="0"/>
+            <a:r>
+              <a:rPr lang="pt-BR"/>
+              <a:t>Clique para editar o título Mestre</a:t>
+            </a:r>
+            <a:endParaRPr lang="en-US" dirty="0"/>
+          </a:p>
+        </p:txBody>
+      </p:sp>
+      <p:sp>
+        <p:nvSpPr>
+          <p:cNvPr id="10" name="Text Placeholder 9"/>
+          <p:cNvSpPr>
+            <a:spLocks noGrp="1"/>
+          </p:cNvSpPr>
+          <p:nvPr>
+            <p:ph type="body" sz="quarter" idx="13"/>
+          </p:nvPr>
+        </p:nvSpPr>
+        <p:spPr>
+          <a:xfrm>
+            <a:off x="684212" y="3928534"/>
+            <a:ext cx="8534400" cy="838200"/>
+          </a:xfrm>
+        </p:spPr>
+        <p:txBody>
+          <a:bodyPr vert="horz" lIns="91440" tIns="45720" rIns="91440" bIns="45720" rtlCol="0" anchor="b">
+            <a:normAutofit/>
+          </a:bodyPr>
+          <a:lstStyle>
+            <a:lvl1pPr>
+              <a:buNone/>
+              <a:defRPr lang="en-US" sz="2400" b="0" cap="all" dirty="0">
+                <a:ln w="3175" cmpd="sng">
+                  <a:noFill/>
+                </a:ln>
+                <a:solidFill>
+                  <a:schemeClr val="tx1"/>
+                </a:solidFill>
+                <a:effectLst/>
+              </a:defRPr>
+            </a:lvl1pPr>
+          </a:lstStyle>
+          <a:p>
+            <a:pPr marL="0" lvl="0">
+              <a:spcBef>
+                <a:spcPct val="0"/>
+              </a:spcBef>
+              <a:buNone/>
+            </a:pPr>
+            <a:r>
+              <a:rPr lang="pt-BR"/>
+              <a:t>Editar estilos de texto Mestre</a:t>
+            </a:r>
+          </a:p>
+        </p:txBody>
+      </p:sp>
+      <p:sp>
+        <p:nvSpPr>
+          <p:cNvPr id="3" name="Text Placeholder 2"/>
+          <p:cNvSpPr>
+            <a:spLocks noGrp="1"/>
+          </p:cNvSpPr>
+          <p:nvPr>
+            <p:ph type="body" idx="1"/>
+          </p:nvPr>
+        </p:nvSpPr>
+        <p:spPr>
+          <a:xfrm>
+            <a:off x="684211" y="4766732"/>
+            <a:ext cx="8534401" cy="1227667"/>
+          </a:xfrm>
+        </p:spPr>
+        <p:txBody>
+          <a:bodyPr anchor="t">
+            <a:normAutofit/>
+          </a:bodyPr>
+          <a:lstStyle>
+            <a:lvl1pPr marL="0" indent="0" algn="l">
+              <a:buNone/>
+              <a:defRPr sz="1800">
+                <a:solidFill>
+                  <a:schemeClr val="bg2">
+                    <a:lumMod val="75000"/>
+                  </a:schemeClr>
+                </a:solidFill>
+              </a:defRPr>
+            </a:lvl1pPr>
+            <a:lvl2pPr marL="457200" indent="0">
+              <a:buNone/>
+              <a:defRPr sz="1800">
+                <a:solidFill>
+                  <a:schemeClr val="tx1">
+                    <a:tint val="75000"/>
+                  </a:schemeClr>
+                </a:solidFill>
+              </a:defRPr>
+            </a:lvl2pPr>
+            <a:lvl3pPr marL="914400" indent="0">
+              <a:buNone/>
+              <a:defRPr sz="1600">
+                <a:solidFill>
+                  <a:schemeClr val="tx1">
+                    <a:tint val="75000"/>
+                  </a:schemeClr>
+                </a:solidFill>
+              </a:defRPr>
+            </a:lvl3pPr>
+            <a:lvl4pPr marL="1371600" indent="0">
+              <a:buNone/>
+              <a:defRPr sz="1400">
+                <a:solidFill>
+                  <a:schemeClr val="tx1">
+                    <a:tint val="75000"/>
+                  </a:schemeClr>
+                </a:solidFill>
+              </a:defRPr>
+            </a:lvl4pPr>
+            <a:lvl5pPr marL="1828800" indent="0">
+              <a:buNone/>
+              <a:defRPr sz="1400">
+                <a:solidFill>
+                  <a:schemeClr val="tx1">
+                    <a:tint val="75000"/>
+                  </a:schemeClr>
+                </a:solidFill>
+              </a:defRPr>
+            </a:lvl5pPr>
+            <a:lvl6pPr marL="2286000" indent="0">
+              <a:buNone/>
+              <a:defRPr sz="1400">
+                <a:solidFill>
+                  <a:schemeClr val="tx1">
+                    <a:tint val="75000"/>
+                  </a:schemeClr>
+                </a:solidFill>
+              </a:defRPr>
+            </a:lvl6pPr>
+            <a:lvl7pPr marL="2743200" indent="0">
+              <a:buNone/>
+              <a:defRPr sz="1400">
+                <a:solidFill>
+                  <a:schemeClr val="tx1">
+                    <a:tint val="75000"/>
+                  </a:schemeClr>
+                </a:solidFill>
+              </a:defRPr>
+            </a:lvl7pPr>
+            <a:lvl8pPr marL="3200400" indent="0">
+              <a:buNone/>
+              <a:defRPr sz="1400">
+                <a:solidFill>
+                  <a:schemeClr val="tx1">
+                    <a:tint val="75000"/>
+                  </a:schemeClr>
+                </a:solidFill>
+              </a:defRPr>
+            </a:lvl8pPr>
+            <a:lvl9pPr marL="3657600" indent="0">
+              <a:buNone/>
+              <a:defRPr sz="1400">
+                <a:solidFill>
+                  <a:schemeClr val="tx1">
+                    <a:tint val="75000"/>
+                  </a:schemeClr>
+                </a:solidFill>
+              </a:defRPr>
+            </a:lvl9pPr>
+          </a:lstStyle>
+          <a:p>
+            <a:pPr lvl="0"/>
+            <a:r>
+              <a:rPr lang="pt-BR"/>
+              <a:t>Editar estilos de texto Mestre</a:t>
+            </a:r>
+          </a:p>
+        </p:txBody>
+      </p:sp>
+      <p:sp>
+        <p:nvSpPr>
+          <p:cNvPr id="4" name="Date Placeholder 3"/>
+          <p:cNvSpPr>
+            <a:spLocks noGrp="1"/>
+          </p:cNvSpPr>
+          <p:nvPr>
+            <p:ph type="dt" sz="half" idx="10"/>
+          </p:nvPr>
+        </p:nvSpPr>
+        <p:spPr/>
+        <p:txBody>
+          <a:bodyPr/>
+          <a:lstStyle/>
+          <a:p>
+            <a:fld id="{F44CB1C3-A6C1-48F5-87C0-9FA9A37CB4A5}" type="datetimeFigureOut">
+              <a:rPr lang="pt-BR" smtClean="0"/>
+              <a:t>04/12/2018</a:t>
+            </a:fld>
+            <a:endParaRPr lang="pt-BR"/>
+          </a:p>
+        </p:txBody>
+      </p:sp>
+      <p:sp>
+        <p:nvSpPr>
+          <p:cNvPr id="5" name="Footer Placeholder 4"/>
+          <p:cNvSpPr>
+            <a:spLocks noGrp="1"/>
+          </p:cNvSpPr>
+          <p:nvPr>
+            <p:ph type="ftr" sz="quarter" idx="11"/>
+          </p:nvPr>
+        </p:nvSpPr>
+        <p:spPr/>
+        <p:txBody>
+          <a:bodyPr/>
+          <a:lstStyle/>
+          <a:p>
+            <a:endParaRPr lang="pt-BR"/>
+          </a:p>
+        </p:txBody>
+      </p:sp>
+      <p:sp>
+        <p:nvSpPr>
+          <p:cNvPr id="6" name="Slide Number Placeholder 5"/>
+          <p:cNvSpPr>
+            <a:spLocks noGrp="1"/>
+          </p:cNvSpPr>
+          <p:nvPr>
+            <p:ph type="sldNum" sz="quarter" idx="12"/>
+          </p:nvPr>
+        </p:nvSpPr>
+        <p:spPr/>
+        <p:txBody>
+          <a:bodyPr/>
+          <a:lstStyle/>
+          <a:p>
+            <a:fld id="{BCC16360-45C6-4241-8204-EB0B512A82E7}" type="slidenum">
+              <a:rPr lang="pt-BR" smtClean="0"/>
+              <a:t>‹nº›</a:t>
+            </a:fld>
+            <a:endParaRPr lang="pt-BR"/>
+          </a:p>
+        </p:txBody>
+      </p:sp>
+    </p:spTree>
+    <p:extLst>
+      <p:ext uri="{BB962C8B-B14F-4D97-AF65-F5344CB8AC3E}">
+        <p14:creationId xmlns:p14="http://schemas.microsoft.com/office/powerpoint/2010/main" val="472522780"/>
+      </p:ext>
+    </p:extLst>
+  </p:cSld>
+  <p:clrMapOvr>
+    <a:masterClrMapping/>
+  </p:clrMapOvr>
+</p:sldLayout>
+</file>
+
+<file path=ppt/slideLayouts/slideLayout16.xml><?xml version="1.0" encoding="utf-8"?>
 <p:sldLayout xmlns:a="http://schemas.openxmlformats.org/drawingml/2006/main" xmlns:r="http://schemas.openxmlformats.org/officeDocument/2006/relationships" xmlns:p="http://schemas.openxmlformats.org/presentationml/2006/main" type="vertTx" preserve="1">
   <p:cSld name="Título e Texto Vertical">
     <p:spTree>
@@ -365,18 +2378,91 @@
       </p:grpSpPr>
       <p:sp>
         <p:nvSpPr>
-          <p:cNvPr id="2" name="Título 1">
-            <a:extLst>
-              <a:ext uri="{FF2B5EF4-FFF2-40B4-BE49-F238E27FC236}">
-                <a16:creationId xmlns:a16="http://schemas.microsoft.com/office/drawing/2014/main" id="{78710FD1-4E67-4886-8E34-3ED1C3E0396D}"/>
-              </a:ext>
-            </a:extLst>
-          </p:cNvPr>
+          <p:cNvPr id="2" name="Title 1"/>
           <p:cNvSpPr>
             <a:spLocks noGrp="1"/>
           </p:cNvSpPr>
           <p:nvPr>
             <p:ph type="title"/>
+          </p:nvPr>
+        </p:nvSpPr>
+        <p:spPr/>
+        <p:txBody>
+          <a:bodyPr/>
+          <a:lstStyle>
+            <a:lvl1pPr algn="l">
+              <a:defRPr/>
+            </a:lvl1pPr>
+          </a:lstStyle>
+          <a:p>
+            <a:r>
+              <a:rPr lang="pt-BR"/>
+              <a:t>Clique para editar o título Mestre</a:t>
+            </a:r>
+            <a:endParaRPr lang="en-US" dirty="0"/>
+          </a:p>
+        </p:txBody>
+      </p:sp>
+      <p:sp>
+        <p:nvSpPr>
+          <p:cNvPr id="3" name="Vertical Text Placeholder 2"/>
+          <p:cNvSpPr>
+            <a:spLocks noGrp="1"/>
+          </p:cNvSpPr>
+          <p:nvPr>
+            <p:ph type="body" orient="vert" idx="1"/>
+          </p:nvPr>
+        </p:nvSpPr>
+        <p:spPr/>
+        <p:txBody>
+          <a:bodyPr vert="eaVert" anchor="t"/>
+          <a:lstStyle/>
+          <a:p>
+            <a:pPr lvl="0"/>
+            <a:r>
+              <a:rPr lang="pt-BR"/>
+              <a:t>Editar estilos de texto Mestre</a:t>
+            </a:r>
+          </a:p>
+          <a:p>
+            <a:pPr lvl="1"/>
+            <a:r>
+              <a:rPr lang="pt-BR"/>
+              <a:t>Segundo nível</a:t>
+            </a:r>
+          </a:p>
+          <a:p>
+            <a:pPr lvl="2"/>
+            <a:r>
+              <a:rPr lang="pt-BR"/>
+              <a:t>Terceiro nível</a:t>
+            </a:r>
+          </a:p>
+          <a:p>
+            <a:pPr lvl="3"/>
+            <a:r>
+              <a:rPr lang="pt-BR"/>
+              <a:t>Quarto nível</a:t>
+            </a:r>
+          </a:p>
+          <a:p>
+            <a:pPr lvl="4"/>
+            <a:r>
+              <a:rPr lang="pt-BR"/>
+              <a:t>Quinto nível</a:t>
+            </a:r>
+            <a:endParaRPr lang="en-US" dirty="0"/>
+          </a:p>
+        </p:txBody>
+      </p:sp>
+      <p:sp>
+        <p:nvSpPr>
+          <p:cNvPr id="4" name="Date Placeholder 3"/>
+          <p:cNvSpPr>
+            <a:spLocks noGrp="1"/>
+          </p:cNvSpPr>
+          <p:nvPr>
+            <p:ph type="dt" sz="half" idx="10"/>
           </p:nvPr>
         </p:nvSpPr>
         <p:spPr/>
@@ -384,84 +2470,22 @@
           <a:bodyPr/>
           <a:lstStyle/>
           <a:p>
-            <a:r>
-              <a:rPr lang="pt-BR"/>
-              <a:t>Clique para editar o título Mestre</a:t>
-            </a:r>
-          </a:p>
-        </p:txBody>
-      </p:sp>
-      <p:sp>
-        <p:nvSpPr>
-          <p:cNvPr id="3" name="Espaço Reservado para Texto Vertical 2">
-            <a:extLst>
-              <a:ext uri="{FF2B5EF4-FFF2-40B4-BE49-F238E27FC236}">
-                <a16:creationId xmlns:a16="http://schemas.microsoft.com/office/drawing/2014/main" id="{C65BEBFA-A21C-4D71-A94C-72D95229A5FC}"/>
-              </a:ext>
-            </a:extLst>
-          </p:cNvPr>
-          <p:cNvSpPr>
-            <a:spLocks noGrp="1"/>
-          </p:cNvSpPr>
-          <p:nvPr>
-            <p:ph type="body" orient="vert" idx="1"/>
-          </p:nvPr>
-        </p:nvSpPr>
-        <p:spPr/>
-        <p:txBody>
-          <a:bodyPr vert="eaVert"/>
-          <a:lstStyle/>
-          <a:p>
-            <a:pPr lvl="0"/>
-            <a:r>
-              <a:rPr lang="pt-BR"/>
-              <a:t>Editar estilos de texto Mestre</a:t>
-            </a:r>
-          </a:p>
-          <a:p>
-            <a:pPr lvl="1"/>
-            <a:r>
-              <a:rPr lang="pt-BR"/>
-              <a:t>Segundo nível</a:t>
-            </a:r>
-          </a:p>
-          <a:p>
-            <a:pPr lvl="2"/>
-            <a:r>
-              <a:rPr lang="pt-BR"/>
-              <a:t>Terceiro nível</a:t>
-            </a:r>
-          </a:p>
-          <a:p>
-            <a:pPr lvl="3"/>
-            <a:r>
-              <a:rPr lang="pt-BR"/>
-              <a:t>Quarto nível</a:t>
-            </a:r>
-          </a:p>
-          <a:p>
-            <a:pPr lvl="4"/>
-            <a:r>
-              <a:rPr lang="pt-BR"/>
-              <a:t>Quinto nível</a:t>
-            </a:r>
-          </a:p>
-        </p:txBody>
-      </p:sp>
-      <p:sp>
-        <p:nvSpPr>
-          <p:cNvPr id="4" name="Espaço Reservado para Data 3">
-            <a:extLst>
-              <a:ext uri="{FF2B5EF4-FFF2-40B4-BE49-F238E27FC236}">
-                <a16:creationId xmlns:a16="http://schemas.microsoft.com/office/drawing/2014/main" id="{BFE6194A-B310-448B-9458-4C628E79C719}"/>
-              </a:ext>
-            </a:extLst>
-          </p:cNvPr>
-          <p:cNvSpPr>
-            <a:spLocks noGrp="1"/>
-          </p:cNvSpPr>
-          <p:nvPr>
-            <p:ph type="dt" sz="half" idx="10"/>
+            <a:fld id="{F44CB1C3-A6C1-48F5-87C0-9FA9A37CB4A5}" type="datetimeFigureOut">
+              <a:rPr lang="pt-BR" smtClean="0"/>
+              <a:t>04/12/2018</a:t>
+            </a:fld>
+            <a:endParaRPr lang="pt-BR"/>
+          </a:p>
+        </p:txBody>
+      </p:sp>
+      <p:sp>
+        <p:nvSpPr>
+          <p:cNvPr id="5" name="Footer Placeholder 4"/>
+          <p:cNvSpPr>
+            <a:spLocks noGrp="1"/>
+          </p:cNvSpPr>
+          <p:nvPr>
+            <p:ph type="ftr" sz="quarter" idx="11"/>
           </p:nvPr>
         </p:nvSpPr>
         <p:spPr/>
@@ -469,48 +2493,13 @@
           <a:bodyPr/>
           <a:lstStyle/>
           <a:p>
-            <a:fld id="{F44CB1C3-A6C1-48F5-87C0-9FA9A37CB4A5}" type="datetimeFigureOut">
-              <a:rPr lang="pt-BR" smtClean="0"/>
-              <a:t>03/12/2018</a:t>
-            </a:fld>
             <a:endParaRPr lang="pt-BR"/>
           </a:p>
         </p:txBody>
       </p:sp>
       <p:sp>
         <p:nvSpPr>
-          <p:cNvPr id="5" name="Espaço Reservado para Rodapé 4">
-            <a:extLst>
-              <a:ext uri="{FF2B5EF4-FFF2-40B4-BE49-F238E27FC236}">
-                <a16:creationId xmlns:a16="http://schemas.microsoft.com/office/drawing/2014/main" id="{30BE3F48-1719-4090-B238-8F8DAE4839D2}"/>
-              </a:ext>
-            </a:extLst>
-          </p:cNvPr>
-          <p:cNvSpPr>
-            <a:spLocks noGrp="1"/>
-          </p:cNvSpPr>
-          <p:nvPr>
-            <p:ph type="ftr" sz="quarter" idx="11"/>
-          </p:nvPr>
-        </p:nvSpPr>
-        <p:spPr/>
-        <p:txBody>
-          <a:bodyPr/>
-          <a:lstStyle/>
-          <a:p>
-            <a:endParaRPr lang="pt-BR"/>
-          </a:p>
-        </p:txBody>
-      </p:sp>
-      <p:sp>
-        <p:nvSpPr>
-          <p:cNvPr id="6" name="Espaço Reservado para Número de Slide 5">
-            <a:extLst>
-              <a:ext uri="{FF2B5EF4-FFF2-40B4-BE49-F238E27FC236}">
-                <a16:creationId xmlns:a16="http://schemas.microsoft.com/office/drawing/2014/main" id="{53AB8C09-AA97-4726-8598-691FA7FBE1C9}"/>
-              </a:ext>
-            </a:extLst>
-          </p:cNvPr>
+          <p:cNvPr id="6" name="Slide Number Placeholder 5"/>
           <p:cNvSpPr>
             <a:spLocks noGrp="1"/>
           </p:cNvSpPr>
@@ -534,7 +2523,7 @@
     </p:spTree>
     <p:extLst>
       <p:ext uri="{BB962C8B-B14F-4D97-AF65-F5344CB8AC3E}">
-        <p14:creationId xmlns:p14="http://schemas.microsoft.com/office/powerpoint/2010/main" val="828601700"/>
+        <p14:creationId xmlns:p14="http://schemas.microsoft.com/office/powerpoint/2010/main" val="4166446135"/>
       </p:ext>
     </p:extLst>
   </p:cSld>
@@ -544,7 +2533,7 @@
 </p:sldLayout>
 </file>
 
-<file path=ppt/slideLayouts/slideLayout11.xml><?xml version="1.0" encoding="utf-8"?>
+<file path=ppt/slideLayouts/slideLayout17.xml><?xml version="1.0" encoding="utf-8"?>
 <p:sldLayout xmlns:a="http://schemas.openxmlformats.org/drawingml/2006/main" xmlns:r="http://schemas.openxmlformats.org/officeDocument/2006/relationships" xmlns:p="http://schemas.openxmlformats.org/presentationml/2006/main" type="vertTitleAndTx" preserve="1">
   <p:cSld name="Texto e Título Vertical">
     <p:spTree>
@@ -563,13 +2552,7 @@
       </p:grpSpPr>
       <p:sp>
         <p:nvSpPr>
-          <p:cNvPr id="2" name="Título Vertical 1">
-            <a:extLst>
-              <a:ext uri="{FF2B5EF4-FFF2-40B4-BE49-F238E27FC236}">
-                <a16:creationId xmlns:a16="http://schemas.microsoft.com/office/drawing/2014/main" id="{7D7D76CA-C306-418D-8C4A-E819A2568875}"/>
-              </a:ext>
-            </a:extLst>
-          </p:cNvPr>
+          <p:cNvPr id="2" name="Vertical Title 1"/>
           <p:cNvSpPr>
             <a:spLocks noGrp="1"/>
           </p:cNvSpPr>
@@ -579,8 +2562,8 @@
         </p:nvSpPr>
         <p:spPr>
           <a:xfrm>
-            <a:off x="8724900" y="365125"/>
-            <a:ext cx="2628900" cy="5811838"/>
+            <a:off x="8685212" y="685800"/>
+            <a:ext cx="2057400" cy="4572000"/>
           </a:xfrm>
         </p:spPr>
         <p:txBody>
@@ -591,18 +2574,13 @@
               <a:rPr lang="pt-BR"/>
               <a:t>Clique para editar o título Mestre</a:t>
             </a:r>
-          </a:p>
-        </p:txBody>
-      </p:sp>
-      <p:sp>
-        <p:nvSpPr>
-          <p:cNvPr id="3" name="Espaço Reservado para Texto Vertical 2">
-            <a:extLst>
-              <a:ext uri="{FF2B5EF4-FFF2-40B4-BE49-F238E27FC236}">
-                <a16:creationId xmlns:a16="http://schemas.microsoft.com/office/drawing/2014/main" id="{ABDB315F-3C60-4A59-9308-07F194CE386A}"/>
-              </a:ext>
-            </a:extLst>
-          </p:cNvPr>
+            <a:endParaRPr lang="en-US" dirty="0"/>
+          </a:p>
+        </p:txBody>
+      </p:sp>
+      <p:sp>
+        <p:nvSpPr>
+          <p:cNvPr id="3" name="Vertical Text Placeholder 2"/>
           <p:cNvSpPr>
             <a:spLocks noGrp="1"/>
           </p:cNvSpPr>
@@ -612,12 +2590,12 @@
         </p:nvSpPr>
         <p:spPr>
           <a:xfrm>
-            <a:off x="838200" y="365125"/>
-            <a:ext cx="7734300" cy="5811838"/>
+            <a:off x="685800" y="685800"/>
+            <a:ext cx="7823200" cy="5308600"/>
           </a:xfrm>
         </p:spPr>
         <p:txBody>
-          <a:bodyPr vert="eaVert"/>
+          <a:bodyPr vert="eaVert" anchor="t"/>
           <a:lstStyle/>
           <a:p>
             <a:pPr lvl="0"/>
@@ -653,18 +2631,13 @@
               <a:rPr lang="pt-BR"/>
               <a:t>Quinto nível</a:t>
             </a:r>
-          </a:p>
-        </p:txBody>
-      </p:sp>
-      <p:sp>
-        <p:nvSpPr>
-          <p:cNvPr id="4" name="Espaço Reservado para Data 3">
-            <a:extLst>
-              <a:ext uri="{FF2B5EF4-FFF2-40B4-BE49-F238E27FC236}">
-                <a16:creationId xmlns:a16="http://schemas.microsoft.com/office/drawing/2014/main" id="{B6BB341B-5AF3-4860-9C3B-1FA29217BD2F}"/>
-              </a:ext>
-            </a:extLst>
-          </p:cNvPr>
+            <a:endParaRPr lang="en-US" dirty="0"/>
+          </a:p>
+        </p:txBody>
+      </p:sp>
+      <p:sp>
+        <p:nvSpPr>
+          <p:cNvPr id="4" name="Date Placeholder 3"/>
           <p:cNvSpPr>
             <a:spLocks noGrp="1"/>
           </p:cNvSpPr>
@@ -679,7 +2652,7 @@
           <a:p>
             <a:fld id="{F44CB1C3-A6C1-48F5-87C0-9FA9A37CB4A5}" type="datetimeFigureOut">
               <a:rPr lang="pt-BR" smtClean="0"/>
-              <a:t>03/12/2018</a:t>
+              <a:t>04/12/2018</a:t>
             </a:fld>
             <a:endParaRPr lang="pt-BR"/>
           </a:p>
@@ -687,13 +2660,7 @@
       </p:sp>
       <p:sp>
         <p:nvSpPr>
-          <p:cNvPr id="5" name="Espaço Reservado para Rodapé 4">
-            <a:extLst>
-              <a:ext uri="{FF2B5EF4-FFF2-40B4-BE49-F238E27FC236}">
-                <a16:creationId xmlns:a16="http://schemas.microsoft.com/office/drawing/2014/main" id="{8BD1ED04-5A04-4603-BADF-9C0954092E6D}"/>
-              </a:ext>
-            </a:extLst>
-          </p:cNvPr>
+          <p:cNvPr id="5" name="Footer Placeholder 4"/>
           <p:cNvSpPr>
             <a:spLocks noGrp="1"/>
           </p:cNvSpPr>
@@ -712,13 +2679,7 @@
       </p:sp>
       <p:sp>
         <p:nvSpPr>
-          <p:cNvPr id="6" name="Espaço Reservado para Número de Slide 5">
-            <a:extLst>
-              <a:ext uri="{FF2B5EF4-FFF2-40B4-BE49-F238E27FC236}">
-                <a16:creationId xmlns:a16="http://schemas.microsoft.com/office/drawing/2014/main" id="{FDA353CF-9327-4BBB-BBB3-4D31D6FCCB81}"/>
-              </a:ext>
-            </a:extLst>
-          </p:cNvPr>
+          <p:cNvPr id="6" name="Slide Number Placeholder 5"/>
           <p:cNvSpPr>
             <a:spLocks noGrp="1"/>
           </p:cNvSpPr>
@@ -742,7 +2703,7 @@
     </p:spTree>
     <p:extLst>
       <p:ext uri="{BB962C8B-B14F-4D97-AF65-F5344CB8AC3E}">
-        <p14:creationId xmlns:p14="http://schemas.microsoft.com/office/powerpoint/2010/main" val="2306311097"/>
+        <p14:creationId xmlns:p14="http://schemas.microsoft.com/office/powerpoint/2010/main" val="4030971780"/>
       </p:ext>
     </p:extLst>
   </p:cSld>
@@ -771,13 +2732,7 @@
       </p:grpSpPr>
       <p:sp>
         <p:nvSpPr>
-          <p:cNvPr id="2" name="Título 1">
-            <a:extLst>
-              <a:ext uri="{FF2B5EF4-FFF2-40B4-BE49-F238E27FC236}">
-                <a16:creationId xmlns:a16="http://schemas.microsoft.com/office/drawing/2014/main" id="{A05947FA-E162-4903-B5F1-D692478093BF}"/>
-              </a:ext>
-            </a:extLst>
-          </p:cNvPr>
+          <p:cNvPr id="2" name="Title 1"/>
           <p:cNvSpPr>
             <a:spLocks noGrp="1"/>
           </p:cNvSpPr>
@@ -794,23 +2749,70 @@
               <a:rPr lang="pt-BR"/>
               <a:t>Clique para editar o título Mestre</a:t>
             </a:r>
-          </a:p>
-        </p:txBody>
-      </p:sp>
-      <p:sp>
-        <p:nvSpPr>
-          <p:cNvPr id="3" name="Espaço Reservado para Conteúdo 2">
-            <a:extLst>
-              <a:ext uri="{FF2B5EF4-FFF2-40B4-BE49-F238E27FC236}">
-                <a16:creationId xmlns:a16="http://schemas.microsoft.com/office/drawing/2014/main" id="{FFF8B1E3-3790-4E93-ADD2-699D2DEB1D41}"/>
-              </a:ext>
-            </a:extLst>
-          </p:cNvPr>
+            <a:endParaRPr lang="en-US" dirty="0"/>
+          </a:p>
+        </p:txBody>
+      </p:sp>
+      <p:sp>
+        <p:nvSpPr>
+          <p:cNvPr id="3" name="Content Placeholder 2"/>
           <p:cNvSpPr>
             <a:spLocks noGrp="1"/>
           </p:cNvSpPr>
           <p:nvPr>
             <p:ph idx="1"/>
+          </p:nvPr>
+        </p:nvSpPr>
+        <p:spPr/>
+        <p:txBody>
+          <a:bodyPr anchor="ctr"/>
+          <a:lstStyle/>
+          <a:p>
+            <a:pPr lvl="0"/>
+            <a:r>
+              <a:rPr lang="pt-BR"/>
+              <a:t>Editar estilos de texto Mestre</a:t>
+            </a:r>
+          </a:p>
+          <a:p>
+            <a:pPr lvl="1"/>
+            <a:r>
+              <a:rPr lang="pt-BR"/>
+              <a:t>Segundo nível</a:t>
+            </a:r>
+          </a:p>
+          <a:p>
+            <a:pPr lvl="2"/>
+            <a:r>
+              <a:rPr lang="pt-BR"/>
+              <a:t>Terceiro nível</a:t>
+            </a:r>
+          </a:p>
+          <a:p>
+            <a:pPr lvl="3"/>
+            <a:r>
+              <a:rPr lang="pt-BR"/>
+              <a:t>Quarto nível</a:t>
+            </a:r>
+          </a:p>
+          <a:p>
+            <a:pPr lvl="4"/>
+            <a:r>
+              <a:rPr lang="pt-BR"/>
+              <a:t>Quinto nível</a:t>
+            </a:r>
+            <a:endParaRPr lang="en-US" dirty="0"/>
+          </a:p>
+        </p:txBody>
+      </p:sp>
+      <p:sp>
+        <p:nvSpPr>
+          <p:cNvPr id="4" name="Date Placeholder 3"/>
+          <p:cNvSpPr>
+            <a:spLocks noGrp="1"/>
+          </p:cNvSpPr>
+          <p:nvPr>
+            <p:ph type="dt" sz="half" idx="10"/>
           </p:nvPr>
         </p:nvSpPr>
         <p:spPr/>
@@ -818,56 +2820,22 @@
           <a:bodyPr/>
           <a:lstStyle/>
           <a:p>
-            <a:pPr lvl="0"/>
-            <a:r>
-              <a:rPr lang="pt-BR"/>
-              <a:t>Editar estilos de texto Mestre</a:t>
-            </a:r>
-          </a:p>
-          <a:p>
-            <a:pPr lvl="1"/>
-            <a:r>
-              <a:rPr lang="pt-BR"/>
-              <a:t>Segundo nível</a:t>
-            </a:r>
-          </a:p>
-          <a:p>
-            <a:pPr lvl="2"/>
-            <a:r>
-              <a:rPr lang="pt-BR"/>
-              <a:t>Terceiro nível</a:t>
-            </a:r>
-          </a:p>
-          <a:p>
-            <a:pPr lvl="3"/>
-            <a:r>
-              <a:rPr lang="pt-BR"/>
-              <a:t>Quarto nível</a:t>
-            </a:r>
-          </a:p>
-          <a:p>
-            <a:pPr lvl="4"/>
-            <a:r>
-              <a:rPr lang="pt-BR"/>
-              <a:t>Quinto nível</a:t>
-            </a:r>
-          </a:p>
-        </p:txBody>
-      </p:sp>
-      <p:sp>
-        <p:nvSpPr>
-          <p:cNvPr id="4" name="Espaço Reservado para Data 3">
-            <a:extLst>
-              <a:ext uri="{FF2B5EF4-FFF2-40B4-BE49-F238E27FC236}">
-                <a16:creationId xmlns:a16="http://schemas.microsoft.com/office/drawing/2014/main" id="{87DC3D3A-D20A-420A-9BC3-DF44F1B35FD6}"/>
-              </a:ext>
-            </a:extLst>
-          </p:cNvPr>
-          <p:cNvSpPr>
-            <a:spLocks noGrp="1"/>
-          </p:cNvSpPr>
-          <p:nvPr>
-            <p:ph type="dt" sz="half" idx="10"/>
+            <a:fld id="{F44CB1C3-A6C1-48F5-87C0-9FA9A37CB4A5}" type="datetimeFigureOut">
+              <a:rPr lang="pt-BR" smtClean="0"/>
+              <a:t>04/12/2018</a:t>
+            </a:fld>
+            <a:endParaRPr lang="pt-BR"/>
+          </a:p>
+        </p:txBody>
+      </p:sp>
+      <p:sp>
+        <p:nvSpPr>
+          <p:cNvPr id="5" name="Footer Placeholder 4"/>
+          <p:cNvSpPr>
+            <a:spLocks noGrp="1"/>
+          </p:cNvSpPr>
+          <p:nvPr>
+            <p:ph type="ftr" sz="quarter" idx="11"/>
           </p:nvPr>
         </p:nvSpPr>
         <p:spPr/>
@@ -875,48 +2843,13 @@
           <a:bodyPr/>
           <a:lstStyle/>
           <a:p>
-            <a:fld id="{F44CB1C3-A6C1-48F5-87C0-9FA9A37CB4A5}" type="datetimeFigureOut">
-              <a:rPr lang="pt-BR" smtClean="0"/>
-              <a:t>03/12/2018</a:t>
-            </a:fld>
             <a:endParaRPr lang="pt-BR"/>
           </a:p>
         </p:txBody>
       </p:sp>
       <p:sp>
         <p:nvSpPr>
-          <p:cNvPr id="5" name="Espaço Reservado para Rodapé 4">
-            <a:extLst>
-              <a:ext uri="{FF2B5EF4-FFF2-40B4-BE49-F238E27FC236}">
-                <a16:creationId xmlns:a16="http://schemas.microsoft.com/office/drawing/2014/main" id="{67644C91-255E-4A90-A9C7-65C810972481}"/>
-              </a:ext>
-            </a:extLst>
-          </p:cNvPr>
-          <p:cNvSpPr>
-            <a:spLocks noGrp="1"/>
-          </p:cNvSpPr>
-          <p:nvPr>
-            <p:ph type="ftr" sz="quarter" idx="11"/>
-          </p:nvPr>
-        </p:nvSpPr>
-        <p:spPr/>
-        <p:txBody>
-          <a:bodyPr/>
-          <a:lstStyle/>
-          <a:p>
-            <a:endParaRPr lang="pt-BR"/>
-          </a:p>
-        </p:txBody>
-      </p:sp>
-      <p:sp>
-        <p:nvSpPr>
-          <p:cNvPr id="6" name="Espaço Reservado para Número de Slide 5">
-            <a:extLst>
-              <a:ext uri="{FF2B5EF4-FFF2-40B4-BE49-F238E27FC236}">
-                <a16:creationId xmlns:a16="http://schemas.microsoft.com/office/drawing/2014/main" id="{11DABF15-B52A-484C-BE23-4902B293EA15}"/>
-              </a:ext>
-            </a:extLst>
-          </p:cNvPr>
+          <p:cNvPr id="6" name="Slide Number Placeholder 5"/>
           <p:cNvSpPr>
             <a:spLocks noGrp="1"/>
           </p:cNvSpPr>
@@ -940,7 +2873,7 @@
     </p:spTree>
     <p:extLst>
       <p:ext uri="{BB962C8B-B14F-4D97-AF65-F5344CB8AC3E}">
-        <p14:creationId xmlns:p14="http://schemas.microsoft.com/office/powerpoint/2010/main" val="979087898"/>
+        <p14:creationId xmlns:p14="http://schemas.microsoft.com/office/powerpoint/2010/main" val="4260766171"/>
       </p:ext>
     </p:extLst>
   </p:cSld>
@@ -969,13 +2902,7 @@
       </p:grpSpPr>
       <p:sp>
         <p:nvSpPr>
-          <p:cNvPr id="2" name="Título 1">
-            <a:extLst>
-              <a:ext uri="{FF2B5EF4-FFF2-40B4-BE49-F238E27FC236}">
-                <a16:creationId xmlns:a16="http://schemas.microsoft.com/office/drawing/2014/main" id="{76235E8B-8424-493D-AEA3-179898188431}"/>
-              </a:ext>
-            </a:extLst>
-          </p:cNvPr>
+          <p:cNvPr id="2" name="Title 1"/>
           <p:cNvSpPr>
             <a:spLocks noGrp="1"/>
           </p:cNvSpPr>
@@ -985,15 +2912,17 @@
         </p:nvSpPr>
         <p:spPr>
           <a:xfrm>
-            <a:off x="831850" y="1709738"/>
-            <a:ext cx="10515600" cy="2852737"/>
+            <a:off x="684211" y="2006600"/>
+            <a:ext cx="8534401" cy="2281600"/>
           </a:xfrm>
         </p:spPr>
         <p:txBody>
-          <a:bodyPr anchor="b"/>
+          <a:bodyPr anchor="b">
+            <a:normAutofit/>
+          </a:bodyPr>
           <a:lstStyle>
-            <a:lvl1pPr>
-              <a:defRPr sz="6000"/>
+            <a:lvl1pPr algn="l">
+              <a:defRPr sz="3600" b="0" cap="all"/>
             </a:lvl1pPr>
           </a:lstStyle>
           <a:p>
@@ -1001,18 +2930,13 @@
               <a:rPr lang="pt-BR"/>
               <a:t>Clique para editar o título Mestre</a:t>
             </a:r>
-          </a:p>
-        </p:txBody>
-      </p:sp>
-      <p:sp>
-        <p:nvSpPr>
-          <p:cNvPr id="3" name="Espaço Reservado para Texto 2">
-            <a:extLst>
-              <a:ext uri="{FF2B5EF4-FFF2-40B4-BE49-F238E27FC236}">
-                <a16:creationId xmlns:a16="http://schemas.microsoft.com/office/drawing/2014/main" id="{D3C6797D-7AD1-4F48-B422-809AF245F274}"/>
-              </a:ext>
-            </a:extLst>
-          </p:cNvPr>
+            <a:endParaRPr lang="en-US" dirty="0"/>
+          </a:p>
+        </p:txBody>
+      </p:sp>
+      <p:sp>
+        <p:nvSpPr>
+          <p:cNvPr id="3" name="Text Placeholder 2"/>
           <p:cNvSpPr>
             <a:spLocks noGrp="1"/>
           </p:cNvSpPr>
@@ -1022,102 +2946,104 @@
         </p:nvSpPr>
         <p:spPr>
           <a:xfrm>
-            <a:off x="831850" y="4589463"/>
-            <a:ext cx="10515600" cy="1500187"/>
+            <a:off x="684213" y="4495800"/>
+            <a:ext cx="8534400" cy="1498600"/>
           </a:xfrm>
         </p:spPr>
         <p:txBody>
-          <a:bodyPr/>
+          <a:bodyPr anchor="t">
+            <a:normAutofit/>
+          </a:bodyPr>
           <a:lstStyle>
-            <a:lvl1pPr marL="0" indent="0">
-              <a:buNone/>
-              <a:defRPr sz="2400">
+            <a:lvl1pPr marL="0" indent="0" algn="l">
+              <a:buNone/>
+              <a:defRPr sz="1800">
+                <a:solidFill>
+                  <a:schemeClr val="bg2">
+                    <a:lumMod val="75000"/>
+                  </a:schemeClr>
+                </a:solidFill>
+              </a:defRPr>
+            </a:lvl1pPr>
+            <a:lvl2pPr marL="457200" indent="0">
+              <a:buNone/>
+              <a:defRPr sz="1800">
                 <a:solidFill>
                   <a:schemeClr val="tx1">
                     <a:tint val="75000"/>
                   </a:schemeClr>
                 </a:solidFill>
               </a:defRPr>
-            </a:lvl1pPr>
-            <a:lvl2pPr marL="457200" indent="0">
-              <a:buNone/>
-              <a:defRPr sz="2000">
+            </a:lvl2pPr>
+            <a:lvl3pPr marL="914400" indent="0">
+              <a:buNone/>
+              <a:defRPr sz="1600">
                 <a:solidFill>
                   <a:schemeClr val="tx1">
                     <a:tint val="75000"/>
                   </a:schemeClr>
                 </a:solidFill>
               </a:defRPr>
-            </a:lvl2pPr>
-            <a:lvl3pPr marL="914400" indent="0">
-              <a:buNone/>
-              <a:defRPr sz="1800">
+            </a:lvl3pPr>
+            <a:lvl4pPr marL="1371600" indent="0">
+              <a:buNone/>
+              <a:defRPr sz="1400">
                 <a:solidFill>
                   <a:schemeClr val="tx1">
                     <a:tint val="75000"/>
                   </a:schemeClr>
                 </a:solidFill>
               </a:defRPr>
-            </a:lvl3pPr>
-            <a:lvl4pPr marL="1371600" indent="0">
-              <a:buNone/>
-              <a:defRPr sz="1600">
+            </a:lvl4pPr>
+            <a:lvl5pPr marL="1828800" indent="0">
+              <a:buNone/>
+              <a:defRPr sz="1400">
                 <a:solidFill>
                   <a:schemeClr val="tx1">
                     <a:tint val="75000"/>
                   </a:schemeClr>
                 </a:solidFill>
               </a:defRPr>
-            </a:lvl4pPr>
-            <a:lvl5pPr marL="1828800" indent="0">
-              <a:buNone/>
-              <a:defRPr sz="1600">
+            </a:lvl5pPr>
+            <a:lvl6pPr marL="2286000" indent="0">
+              <a:buNone/>
+              <a:defRPr sz="1400">
                 <a:solidFill>
                   <a:schemeClr val="tx1">
                     <a:tint val="75000"/>
                   </a:schemeClr>
                 </a:solidFill>
               </a:defRPr>
-            </a:lvl5pPr>
-            <a:lvl6pPr marL="2286000" indent="0">
-              <a:buNone/>
-              <a:defRPr sz="1600">
+            </a:lvl6pPr>
+            <a:lvl7pPr marL="2743200" indent="0">
+              <a:buNone/>
+              <a:defRPr sz="1400">
                 <a:solidFill>
                   <a:schemeClr val="tx1">
                     <a:tint val="75000"/>
                   </a:schemeClr>
                 </a:solidFill>
               </a:defRPr>
-            </a:lvl6pPr>
-            <a:lvl7pPr marL="2743200" indent="0">
-              <a:buNone/>
-              <a:defRPr sz="1600">
+            </a:lvl7pPr>
+            <a:lvl8pPr marL="3200400" indent="0">
+              <a:buNone/>
+              <a:defRPr sz="1400">
                 <a:solidFill>
                   <a:schemeClr val="tx1">
                     <a:tint val="75000"/>
                   </a:schemeClr>
                 </a:solidFill>
               </a:defRPr>
-            </a:lvl7pPr>
-            <a:lvl8pPr marL="3200400" indent="0">
-              <a:buNone/>
-              <a:defRPr sz="1600">
+            </a:lvl8pPr>
+            <a:lvl9pPr marL="3657600" indent="0">
+              <a:buNone/>
+              <a:defRPr sz="1400">
                 <a:solidFill>
                   <a:schemeClr val="tx1">
                     <a:tint val="75000"/>
                   </a:schemeClr>
                 </a:solidFill>
               </a:defRPr>
-            </a:lvl8pPr>
-            <a:lvl9pPr marL="3657600" indent="0">
-              <a:buNone/>
-              <a:defRPr sz="1600">
-                <a:solidFill>
-                  <a:schemeClr val="tx1">
-                    <a:tint val="75000"/>
-                  </a:schemeClr>
-                </a:solidFill>
-              </a:defRPr>
             </a:lvl9pPr>
           </a:lstStyle>
           <a:p>
@@ -1131,13 +3057,7 @@
       </p:sp>
       <p:sp>
         <p:nvSpPr>
-          <p:cNvPr id="4" name="Espaço Reservado para Data 3">
-            <a:extLst>
-              <a:ext uri="{FF2B5EF4-FFF2-40B4-BE49-F238E27FC236}">
-                <a16:creationId xmlns:a16="http://schemas.microsoft.com/office/drawing/2014/main" id="{6F7CA9BE-4734-4DA3-8072-2C14C260910A}"/>
-              </a:ext>
-            </a:extLst>
-          </p:cNvPr>
+          <p:cNvPr id="4" name="Date Placeholder 3"/>
           <p:cNvSpPr>
             <a:spLocks noGrp="1"/>
           </p:cNvSpPr>
@@ -1152,7 +3072,7 @@
           <a:p>
             <a:fld id="{F44CB1C3-A6C1-48F5-87C0-9FA9A37CB4A5}" type="datetimeFigureOut">
               <a:rPr lang="pt-BR" smtClean="0"/>
-              <a:t>03/12/2018</a:t>
+              <a:t>04/12/2018</a:t>
             </a:fld>
             <a:endParaRPr lang="pt-BR"/>
           </a:p>
@@ -1160,13 +3080,7 @@
       </p:sp>
       <p:sp>
         <p:nvSpPr>
-          <p:cNvPr id="5" name="Espaço Reservado para Rodapé 4">
-            <a:extLst>
-              <a:ext uri="{FF2B5EF4-FFF2-40B4-BE49-F238E27FC236}">
-                <a16:creationId xmlns:a16="http://schemas.microsoft.com/office/drawing/2014/main" id="{231461B0-C809-4230-B429-C01E746C886B}"/>
-              </a:ext>
-            </a:extLst>
-          </p:cNvPr>
+          <p:cNvPr id="5" name="Footer Placeholder 4"/>
           <p:cNvSpPr>
             <a:spLocks noGrp="1"/>
           </p:cNvSpPr>
@@ -1185,13 +3099,7 @@
       </p:sp>
       <p:sp>
         <p:nvSpPr>
-          <p:cNvPr id="6" name="Espaço Reservado para Número de Slide 5">
-            <a:extLst>
-              <a:ext uri="{FF2B5EF4-FFF2-40B4-BE49-F238E27FC236}">
-                <a16:creationId xmlns:a16="http://schemas.microsoft.com/office/drawing/2014/main" id="{45168A98-E3DD-4482-862B-4A06959794BF}"/>
-              </a:ext>
-            </a:extLst>
-          </p:cNvPr>
+          <p:cNvPr id="6" name="Slide Number Placeholder 5"/>
           <p:cNvSpPr>
             <a:spLocks noGrp="1"/>
           </p:cNvSpPr>
@@ -1215,7 +3123,7 @@
     </p:spTree>
     <p:extLst>
       <p:ext uri="{BB962C8B-B14F-4D97-AF65-F5344CB8AC3E}">
-        <p14:creationId xmlns:p14="http://schemas.microsoft.com/office/powerpoint/2010/main" val="4034013256"/>
+        <p14:creationId xmlns:p14="http://schemas.microsoft.com/office/powerpoint/2010/main" val="2462436068"/>
       </p:ext>
     </p:extLst>
   </p:cSld>
@@ -1244,13 +3152,7 @@
       </p:grpSpPr>
       <p:sp>
         <p:nvSpPr>
-          <p:cNvPr id="2" name="Título 1">
-            <a:extLst>
-              <a:ext uri="{FF2B5EF4-FFF2-40B4-BE49-F238E27FC236}">
-                <a16:creationId xmlns:a16="http://schemas.microsoft.com/office/drawing/2014/main" id="{BEB72D4D-DBC0-4761-AFAA-2911E07560BB}"/>
-              </a:ext>
-            </a:extLst>
-          </p:cNvPr>
+          <p:cNvPr id="2" name="Title 1"/>
           <p:cNvSpPr>
             <a:spLocks noGrp="1"/>
           </p:cNvSpPr>
@@ -1267,18 +3169,13 @@
               <a:rPr lang="pt-BR"/>
               <a:t>Clique para editar o título Mestre</a:t>
             </a:r>
-          </a:p>
-        </p:txBody>
-      </p:sp>
-      <p:sp>
-        <p:nvSpPr>
-          <p:cNvPr id="3" name="Espaço Reservado para Conteúdo 2">
-            <a:extLst>
-              <a:ext uri="{FF2B5EF4-FFF2-40B4-BE49-F238E27FC236}">
-                <a16:creationId xmlns:a16="http://schemas.microsoft.com/office/drawing/2014/main" id="{30D6B0AA-8C9B-4E50-8362-051DB9BA4FF3}"/>
-              </a:ext>
-            </a:extLst>
-          </p:cNvPr>
+            <a:endParaRPr lang="en-US" dirty="0"/>
+          </a:p>
+        </p:txBody>
+      </p:sp>
+      <p:sp>
+        <p:nvSpPr>
+          <p:cNvPr id="3" name="Content Placeholder 2"/>
           <p:cNvSpPr>
             <a:spLocks noGrp="1"/>
           </p:cNvSpPr>
@@ -1288,175 +3185,157 @@
         </p:nvSpPr>
         <p:spPr>
           <a:xfrm>
-            <a:off x="838200" y="1825625"/>
-            <a:ext cx="5181600" cy="4351338"/>
+            <a:off x="684211" y="685800"/>
+            <a:ext cx="4937655" cy="3615267"/>
           </a:xfrm>
         </p:spPr>
         <p:txBody>
+          <a:bodyPr>
+            <a:normAutofit/>
+          </a:bodyPr>
+          <a:lstStyle/>
+          <a:p>
+            <a:pPr lvl="0"/>
+            <a:r>
+              <a:rPr lang="pt-BR"/>
+              <a:t>Editar estilos de texto Mestre</a:t>
+            </a:r>
+          </a:p>
+          <a:p>
+            <a:pPr lvl="1"/>
+            <a:r>
+              <a:rPr lang="pt-BR"/>
+              <a:t>Segundo nível</a:t>
+            </a:r>
+          </a:p>
+          <a:p>
+            <a:pPr lvl="2"/>
+            <a:r>
+              <a:rPr lang="pt-BR"/>
+              <a:t>Terceiro nível</a:t>
+            </a:r>
+          </a:p>
+          <a:p>
+            <a:pPr lvl="3"/>
+            <a:r>
+              <a:rPr lang="pt-BR"/>
+              <a:t>Quarto nível</a:t>
+            </a:r>
+          </a:p>
+          <a:p>
+            <a:pPr lvl="4"/>
+            <a:r>
+              <a:rPr lang="pt-BR"/>
+              <a:t>Quinto nível</a:t>
+            </a:r>
+            <a:endParaRPr lang="en-US" dirty="0"/>
+          </a:p>
+        </p:txBody>
+      </p:sp>
+      <p:sp>
+        <p:nvSpPr>
+          <p:cNvPr id="4" name="Content Placeholder 3"/>
+          <p:cNvSpPr>
+            <a:spLocks noGrp="1"/>
+          </p:cNvSpPr>
+          <p:nvPr>
+            <p:ph sz="half" idx="2"/>
+          </p:nvPr>
+        </p:nvSpPr>
+        <p:spPr>
+          <a:xfrm>
+            <a:off x="5808133" y="685801"/>
+            <a:ext cx="4934479" cy="3615266"/>
+          </a:xfrm>
+        </p:spPr>
+        <p:txBody>
+          <a:bodyPr>
+            <a:normAutofit/>
+          </a:bodyPr>
+          <a:lstStyle/>
+          <a:p>
+            <a:pPr lvl="0"/>
+            <a:r>
+              <a:rPr lang="pt-BR"/>
+              <a:t>Editar estilos de texto Mestre</a:t>
+            </a:r>
+          </a:p>
+          <a:p>
+            <a:pPr lvl="1"/>
+            <a:r>
+              <a:rPr lang="pt-BR"/>
+              <a:t>Segundo nível</a:t>
+            </a:r>
+          </a:p>
+          <a:p>
+            <a:pPr lvl="2"/>
+            <a:r>
+              <a:rPr lang="pt-BR"/>
+              <a:t>Terceiro nível</a:t>
+            </a:r>
+          </a:p>
+          <a:p>
+            <a:pPr lvl="3"/>
+            <a:r>
+              <a:rPr lang="pt-BR"/>
+              <a:t>Quarto nível</a:t>
+            </a:r>
+          </a:p>
+          <a:p>
+            <a:pPr lvl="4"/>
+            <a:r>
+              <a:rPr lang="pt-BR"/>
+              <a:t>Quinto nível</a:t>
+            </a:r>
+            <a:endParaRPr lang="en-US" dirty="0"/>
+          </a:p>
+        </p:txBody>
+      </p:sp>
+      <p:sp>
+        <p:nvSpPr>
+          <p:cNvPr id="5" name="Date Placeholder 4"/>
+          <p:cNvSpPr>
+            <a:spLocks noGrp="1"/>
+          </p:cNvSpPr>
+          <p:nvPr>
+            <p:ph type="dt" sz="half" idx="10"/>
+          </p:nvPr>
+        </p:nvSpPr>
+        <p:spPr/>
+        <p:txBody>
           <a:bodyPr/>
           <a:lstStyle/>
           <a:p>
-            <a:pPr lvl="0"/>
-            <a:r>
-              <a:rPr lang="pt-BR"/>
-              <a:t>Editar estilos de texto Mestre</a:t>
-            </a:r>
-          </a:p>
-          <a:p>
-            <a:pPr lvl="1"/>
-            <a:r>
-              <a:rPr lang="pt-BR"/>
-              <a:t>Segundo nível</a:t>
-            </a:r>
-          </a:p>
-          <a:p>
-            <a:pPr lvl="2"/>
-            <a:r>
-              <a:rPr lang="pt-BR"/>
-              <a:t>Terceiro nível</a:t>
-            </a:r>
-          </a:p>
-          <a:p>
-            <a:pPr lvl="3"/>
-            <a:r>
-              <a:rPr lang="pt-BR"/>
-              <a:t>Quarto nível</a:t>
-            </a:r>
-          </a:p>
-          <a:p>
-            <a:pPr lvl="4"/>
-            <a:r>
-              <a:rPr lang="pt-BR"/>
-              <a:t>Quinto nível</a:t>
-            </a:r>
-          </a:p>
-        </p:txBody>
-      </p:sp>
-      <p:sp>
-        <p:nvSpPr>
-          <p:cNvPr id="4" name="Espaço Reservado para Conteúdo 3">
-            <a:extLst>
-              <a:ext uri="{FF2B5EF4-FFF2-40B4-BE49-F238E27FC236}">
-                <a16:creationId xmlns:a16="http://schemas.microsoft.com/office/drawing/2014/main" id="{735DC0D8-12D5-4192-8FC0-E356D0F02FE8}"/>
-              </a:ext>
-            </a:extLst>
-          </p:cNvPr>
-          <p:cNvSpPr>
-            <a:spLocks noGrp="1"/>
-          </p:cNvSpPr>
-          <p:nvPr>
-            <p:ph sz="half" idx="2"/>
-          </p:nvPr>
-        </p:nvSpPr>
-        <p:spPr>
-          <a:xfrm>
-            <a:off x="6172200" y="1825625"/>
-            <a:ext cx="5181600" cy="4351338"/>
-          </a:xfrm>
-        </p:spPr>
+            <a:fld id="{F44CB1C3-A6C1-48F5-87C0-9FA9A37CB4A5}" type="datetimeFigureOut">
+              <a:rPr lang="pt-BR" smtClean="0"/>
+              <a:t>04/12/2018</a:t>
+            </a:fld>
+            <a:endParaRPr lang="pt-BR"/>
+          </a:p>
+        </p:txBody>
+      </p:sp>
+      <p:sp>
+        <p:nvSpPr>
+          <p:cNvPr id="6" name="Footer Placeholder 5"/>
+          <p:cNvSpPr>
+            <a:spLocks noGrp="1"/>
+          </p:cNvSpPr>
+          <p:nvPr>
+            <p:ph type="ftr" sz="quarter" idx="11"/>
+          </p:nvPr>
+        </p:nvSpPr>
+        <p:spPr/>
         <p:txBody>
           <a:bodyPr/>
           <a:lstStyle/>
           <a:p>
-            <a:pPr lvl="0"/>
-            <a:r>
-              <a:rPr lang="pt-BR"/>
-              <a:t>Editar estilos de texto Mestre</a:t>
-            </a:r>
-          </a:p>
-          <a:p>
-            <a:pPr lvl="1"/>
-            <a:r>
-              <a:rPr lang="pt-BR"/>
-              <a:t>Segundo nível</a:t>
-            </a:r>
-          </a:p>
-          <a:p>
-            <a:pPr lvl="2"/>
-            <a:r>
-              <a:rPr lang="pt-BR"/>
-              <a:t>Terceiro nível</a:t>
-            </a:r>
-          </a:p>
-          <a:p>
-            <a:pPr lvl="3"/>
-            <a:r>
-              <a:rPr lang="pt-BR"/>
-              <a:t>Quarto nível</a:t>
-            </a:r>
-          </a:p>
-          <a:p>
-            <a:pPr lvl="4"/>
-            <a:r>
-              <a:rPr lang="pt-BR"/>
-              <a:t>Quinto nível</a:t>
-            </a:r>
-          </a:p>
-        </p:txBody>
-      </p:sp>
-      <p:sp>
-        <p:nvSpPr>
-          <p:cNvPr id="5" name="Espaço Reservado para Data 4">
-            <a:extLst>
-              <a:ext uri="{FF2B5EF4-FFF2-40B4-BE49-F238E27FC236}">
-                <a16:creationId xmlns:a16="http://schemas.microsoft.com/office/drawing/2014/main" id="{436F7D71-9B71-4F90-BA20-33B365FAE1C4}"/>
-              </a:ext>
-            </a:extLst>
-          </p:cNvPr>
-          <p:cNvSpPr>
-            <a:spLocks noGrp="1"/>
-          </p:cNvSpPr>
-          <p:nvPr>
-            <p:ph type="dt" sz="half" idx="10"/>
-          </p:nvPr>
-        </p:nvSpPr>
-        <p:spPr/>
-        <p:txBody>
-          <a:bodyPr/>
-          <a:lstStyle/>
-          <a:p>
-            <a:fld id="{F44CB1C3-A6C1-48F5-87C0-9FA9A37CB4A5}" type="datetimeFigureOut">
-              <a:rPr lang="pt-BR" smtClean="0"/>
-              <a:t>03/12/2018</a:t>
-            </a:fld>
             <a:endParaRPr lang="pt-BR"/>
           </a:p>
         </p:txBody>
       </p:sp>
       <p:sp>
         <p:nvSpPr>
-          <p:cNvPr id="6" name="Espaço Reservado para Rodapé 5">
-            <a:extLst>
-              <a:ext uri="{FF2B5EF4-FFF2-40B4-BE49-F238E27FC236}">
-                <a16:creationId xmlns:a16="http://schemas.microsoft.com/office/drawing/2014/main" id="{FCCE6ED0-E725-4926-A324-EF1F7E6179BC}"/>
-              </a:ext>
-            </a:extLst>
-          </p:cNvPr>
-          <p:cNvSpPr>
-            <a:spLocks noGrp="1"/>
-          </p:cNvSpPr>
-          <p:nvPr>
-            <p:ph type="ftr" sz="quarter" idx="11"/>
-          </p:nvPr>
-        </p:nvSpPr>
-        <p:spPr/>
-        <p:txBody>
-          <a:bodyPr/>
-          <a:lstStyle/>
-          <a:p>
-            <a:endParaRPr lang="pt-BR"/>
-          </a:p>
-        </p:txBody>
-      </p:sp>
-      <p:sp>
-        <p:nvSpPr>
-          <p:cNvPr id="7" name="Espaço Reservado para Número de Slide 6">
-            <a:extLst>
-              <a:ext uri="{FF2B5EF4-FFF2-40B4-BE49-F238E27FC236}">
-                <a16:creationId xmlns:a16="http://schemas.microsoft.com/office/drawing/2014/main" id="{D1755F07-0F03-4FD7-A10A-1998E245D074}"/>
-              </a:ext>
-            </a:extLst>
-          </p:cNvPr>
+          <p:cNvPr id="7" name="Slide Number Placeholder 6"/>
           <p:cNvSpPr>
             <a:spLocks noGrp="1"/>
           </p:cNvSpPr>
@@ -1480,7 +3359,7 @@
     </p:spTree>
     <p:extLst>
       <p:ext uri="{BB962C8B-B14F-4D97-AF65-F5344CB8AC3E}">
-        <p14:creationId xmlns:p14="http://schemas.microsoft.com/office/powerpoint/2010/main" val="83870361"/>
+        <p14:creationId xmlns:p14="http://schemas.microsoft.com/office/powerpoint/2010/main" val="3954710706"/>
       </p:ext>
     </p:extLst>
   </p:cSld>
@@ -1509,65 +3388,59 @@
       </p:grpSpPr>
       <p:sp>
         <p:nvSpPr>
-          <p:cNvPr id="2" name="Título 1">
-            <a:extLst>
-              <a:ext uri="{FF2B5EF4-FFF2-40B4-BE49-F238E27FC236}">
-                <a16:creationId xmlns:a16="http://schemas.microsoft.com/office/drawing/2014/main" id="{D30015B3-2518-4629-9AC1-CA9340D7A018}"/>
-              </a:ext>
-            </a:extLst>
-          </p:cNvPr>
+          <p:cNvPr id="2" name="Title 1"/>
           <p:cNvSpPr>
             <a:spLocks noGrp="1"/>
           </p:cNvSpPr>
           <p:nvPr>
             <p:ph type="title"/>
+          </p:nvPr>
+        </p:nvSpPr>
+        <p:spPr/>
+        <p:txBody>
+          <a:bodyPr/>
+          <a:lstStyle>
+            <a:lvl1pPr>
+              <a:defRPr/>
+            </a:lvl1pPr>
+          </a:lstStyle>
+          <a:p>
+            <a:r>
+              <a:rPr lang="pt-BR"/>
+              <a:t>Clique para editar o título Mestre</a:t>
+            </a:r>
+            <a:endParaRPr lang="en-US" dirty="0"/>
+          </a:p>
+        </p:txBody>
+      </p:sp>
+      <p:sp>
+        <p:nvSpPr>
+          <p:cNvPr id="3" name="Text Placeholder 2"/>
+          <p:cNvSpPr>
+            <a:spLocks noGrp="1"/>
+          </p:cNvSpPr>
+          <p:nvPr>
+            <p:ph type="body" idx="1"/>
           </p:nvPr>
         </p:nvSpPr>
         <p:spPr>
           <a:xfrm>
-            <a:off x="839788" y="365125"/>
-            <a:ext cx="10515600" cy="1325563"/>
+            <a:off x="972080" y="685800"/>
+            <a:ext cx="4649787" cy="576262"/>
           </a:xfrm>
         </p:spPr>
         <p:txBody>
-          <a:bodyPr/>
-          <a:lstStyle/>
-          <a:p>
-            <a:r>
-              <a:rPr lang="pt-BR"/>
-              <a:t>Clique para editar o título Mestre</a:t>
-            </a:r>
-          </a:p>
-        </p:txBody>
-      </p:sp>
-      <p:sp>
-        <p:nvSpPr>
-          <p:cNvPr id="3" name="Espaço Reservado para Texto 2">
-            <a:extLst>
-              <a:ext uri="{FF2B5EF4-FFF2-40B4-BE49-F238E27FC236}">
-                <a16:creationId xmlns:a16="http://schemas.microsoft.com/office/drawing/2014/main" id="{42CE21BF-DC98-4435-A30C-FF57863E9D01}"/>
-              </a:ext>
-            </a:extLst>
-          </p:cNvPr>
-          <p:cNvSpPr>
-            <a:spLocks noGrp="1"/>
-          </p:cNvSpPr>
-          <p:nvPr>
-            <p:ph type="body" idx="1"/>
-          </p:nvPr>
-        </p:nvSpPr>
-        <p:spPr>
-          <a:xfrm>
-            <a:off x="839788" y="1681163"/>
-            <a:ext cx="5157787" cy="823912"/>
-          </a:xfrm>
-        </p:spPr>
-        <p:txBody>
-          <a:bodyPr anchor="b"/>
+          <a:bodyPr anchor="b">
+            <a:noAutofit/>
+          </a:bodyPr>
           <a:lstStyle>
             <a:lvl1pPr marL="0" indent="0">
               <a:buNone/>
-              <a:defRPr sz="2400" b="1"/>
+              <a:defRPr sz="2800" b="0">
+                <a:solidFill>
+                  <a:schemeClr val="tx1"/>
+                </a:solidFill>
+              </a:defRPr>
             </a:lvl1pPr>
             <a:lvl2pPr marL="457200" indent="0">
               <a:buNone/>
@@ -1613,13 +3486,7 @@
       </p:sp>
       <p:sp>
         <p:nvSpPr>
-          <p:cNvPr id="4" name="Espaço Reservado para Conteúdo 3">
-            <a:extLst>
-              <a:ext uri="{FF2B5EF4-FFF2-40B4-BE49-F238E27FC236}">
-                <a16:creationId xmlns:a16="http://schemas.microsoft.com/office/drawing/2014/main" id="{E46F3147-86BC-48E6-94B4-B2ED60AA2C6D}"/>
-              </a:ext>
-            </a:extLst>
-          </p:cNvPr>
+          <p:cNvPr id="4" name="Content Placeholder 3"/>
           <p:cNvSpPr>
             <a:spLocks noGrp="1"/>
           </p:cNvSpPr>
@@ -1629,12 +3496,14 @@
         </p:nvSpPr>
         <p:spPr>
           <a:xfrm>
-            <a:off x="839788" y="2505075"/>
-            <a:ext cx="5157787" cy="3684588"/>
+            <a:off x="684211" y="1270529"/>
+            <a:ext cx="4937655" cy="3030538"/>
           </a:xfrm>
         </p:spPr>
         <p:txBody>
-          <a:bodyPr/>
+          <a:bodyPr anchor="t">
+            <a:normAutofit/>
+          </a:bodyPr>
           <a:lstStyle/>
           <a:p>
             <a:pPr lvl="0"/>
@@ -1670,18 +3539,13 @@
               <a:rPr lang="pt-BR"/>
               <a:t>Quinto nível</a:t>
             </a:r>
-          </a:p>
-        </p:txBody>
-      </p:sp>
-      <p:sp>
-        <p:nvSpPr>
-          <p:cNvPr id="5" name="Espaço Reservado para Texto 4">
-            <a:extLst>
-              <a:ext uri="{FF2B5EF4-FFF2-40B4-BE49-F238E27FC236}">
-                <a16:creationId xmlns:a16="http://schemas.microsoft.com/office/drawing/2014/main" id="{D553F055-A610-4037-B76C-F50EF8B31EBC}"/>
-              </a:ext>
-            </a:extLst>
-          </p:cNvPr>
+            <a:endParaRPr lang="en-US" dirty="0"/>
+          </a:p>
+        </p:txBody>
+      </p:sp>
+      <p:sp>
+        <p:nvSpPr>
+          <p:cNvPr id="5" name="Text Placeholder 4"/>
           <p:cNvSpPr>
             <a:spLocks noGrp="1"/>
           </p:cNvSpPr>
@@ -1691,16 +3555,22 @@
         </p:nvSpPr>
         <p:spPr>
           <a:xfrm>
-            <a:off x="6172200" y="1681163"/>
-            <a:ext cx="5183188" cy="823912"/>
+            <a:off x="6079066" y="685800"/>
+            <a:ext cx="4665134" cy="576262"/>
           </a:xfrm>
         </p:spPr>
         <p:txBody>
-          <a:bodyPr anchor="b"/>
+          <a:bodyPr anchor="b">
+            <a:noAutofit/>
+          </a:bodyPr>
           <a:lstStyle>
             <a:lvl1pPr marL="0" indent="0">
               <a:buNone/>
-              <a:defRPr sz="2400" b="1"/>
+              <a:defRPr sz="2800" b="0">
+                <a:solidFill>
+                  <a:schemeClr val="tx1"/>
+                </a:solidFill>
+              </a:defRPr>
             </a:lvl1pPr>
             <a:lvl2pPr marL="457200" indent="0">
               <a:buNone/>
@@ -1746,13 +3616,7 @@
       </p:sp>
       <p:sp>
         <p:nvSpPr>
-          <p:cNvPr id="6" name="Espaço Reservado para Conteúdo 5">
-            <a:extLst>
-              <a:ext uri="{FF2B5EF4-FFF2-40B4-BE49-F238E27FC236}">
-                <a16:creationId xmlns:a16="http://schemas.microsoft.com/office/drawing/2014/main" id="{D5E9AB06-9523-485B-94F0-4599BF32D405}"/>
-              </a:ext>
-            </a:extLst>
-          </p:cNvPr>
+          <p:cNvPr id="6" name="Content Placeholder 5"/>
           <p:cNvSpPr>
             <a:spLocks noGrp="1"/>
           </p:cNvSpPr>
@@ -1762,64 +3626,84 @@
         </p:nvSpPr>
         <p:spPr>
           <a:xfrm>
-            <a:off x="6172200" y="2505075"/>
-            <a:ext cx="5183188" cy="3684588"/>
+            <a:off x="5806545" y="1262062"/>
+            <a:ext cx="4929188" cy="3030538"/>
           </a:xfrm>
         </p:spPr>
         <p:txBody>
+          <a:bodyPr anchor="t">
+            <a:normAutofit/>
+          </a:bodyPr>
+          <a:lstStyle/>
+          <a:p>
+            <a:pPr lvl="0"/>
+            <a:r>
+              <a:rPr lang="pt-BR"/>
+              <a:t>Editar estilos de texto Mestre</a:t>
+            </a:r>
+          </a:p>
+          <a:p>
+            <a:pPr lvl="1"/>
+            <a:r>
+              <a:rPr lang="pt-BR"/>
+              <a:t>Segundo nível</a:t>
+            </a:r>
+          </a:p>
+          <a:p>
+            <a:pPr lvl="2"/>
+            <a:r>
+              <a:rPr lang="pt-BR"/>
+              <a:t>Terceiro nível</a:t>
+            </a:r>
+          </a:p>
+          <a:p>
+            <a:pPr lvl="3"/>
+            <a:r>
+              <a:rPr lang="pt-BR"/>
+              <a:t>Quarto nível</a:t>
+            </a:r>
+          </a:p>
+          <a:p>
+            <a:pPr lvl="4"/>
+            <a:r>
+              <a:rPr lang="pt-BR"/>
+              <a:t>Quinto nível</a:t>
+            </a:r>
+            <a:endParaRPr lang="en-US" dirty="0"/>
+          </a:p>
+        </p:txBody>
+      </p:sp>
+      <p:sp>
+        <p:nvSpPr>
+          <p:cNvPr id="7" name="Date Placeholder 6"/>
+          <p:cNvSpPr>
+            <a:spLocks noGrp="1"/>
+          </p:cNvSpPr>
+          <p:nvPr>
+            <p:ph type="dt" sz="half" idx="10"/>
+          </p:nvPr>
+        </p:nvSpPr>
+        <p:spPr/>
+        <p:txBody>
           <a:bodyPr/>
           <a:lstStyle/>
           <a:p>
-            <a:pPr lvl="0"/>
-            <a:r>
-              <a:rPr lang="pt-BR"/>
-              <a:t>Editar estilos de texto Mestre</a:t>
-            </a:r>
-          </a:p>
-          <a:p>
-            <a:pPr lvl="1"/>
-            <a:r>
-              <a:rPr lang="pt-BR"/>
-              <a:t>Segundo nível</a:t>
-            </a:r>
-          </a:p>
-          <a:p>
-            <a:pPr lvl="2"/>
-            <a:r>
-              <a:rPr lang="pt-BR"/>
-              <a:t>Terceiro nível</a:t>
-            </a:r>
-          </a:p>
-          <a:p>
-            <a:pPr lvl="3"/>
-            <a:r>
-              <a:rPr lang="pt-BR"/>
-              <a:t>Quarto nível</a:t>
-            </a:r>
-          </a:p>
-          <a:p>
-            <a:pPr lvl="4"/>
-            <a:r>
-              <a:rPr lang="pt-BR"/>
-              <a:t>Quinto nível</a:t>
-            </a:r>
-          </a:p>
-        </p:txBody>
-      </p:sp>
-      <p:sp>
-        <p:nvSpPr>
-          <p:cNvPr id="7" name="Espaço Reservado para Data 6">
-            <a:extLst>
-              <a:ext uri="{FF2B5EF4-FFF2-40B4-BE49-F238E27FC236}">
-                <a16:creationId xmlns:a16="http://schemas.microsoft.com/office/drawing/2014/main" id="{78829093-5895-4CDF-BED2-98BE2771C92C}"/>
-              </a:ext>
-            </a:extLst>
-          </p:cNvPr>
-          <p:cNvSpPr>
-            <a:spLocks noGrp="1"/>
-          </p:cNvSpPr>
-          <p:nvPr>
-            <p:ph type="dt" sz="half" idx="10"/>
+            <a:fld id="{F44CB1C3-A6C1-48F5-87C0-9FA9A37CB4A5}" type="datetimeFigureOut">
+              <a:rPr lang="pt-BR" smtClean="0"/>
+              <a:t>04/12/2018</a:t>
+            </a:fld>
+            <a:endParaRPr lang="pt-BR"/>
+          </a:p>
+        </p:txBody>
+      </p:sp>
+      <p:sp>
+        <p:nvSpPr>
+          <p:cNvPr id="8" name="Footer Placeholder 7"/>
+          <p:cNvSpPr>
+            <a:spLocks noGrp="1"/>
+          </p:cNvSpPr>
+          <p:nvPr>
+            <p:ph type="ftr" sz="quarter" idx="11"/>
           </p:nvPr>
         </p:nvSpPr>
         <p:spPr/>
@@ -1827,48 +3711,13 @@
           <a:bodyPr/>
           <a:lstStyle/>
           <a:p>
-            <a:fld id="{F44CB1C3-A6C1-48F5-87C0-9FA9A37CB4A5}" type="datetimeFigureOut">
-              <a:rPr lang="pt-BR" smtClean="0"/>
-              <a:t>03/12/2018</a:t>
-            </a:fld>
             <a:endParaRPr lang="pt-BR"/>
           </a:p>
         </p:txBody>
       </p:sp>
       <p:sp>
         <p:nvSpPr>
-          <p:cNvPr id="8" name="Espaço Reservado para Rodapé 7">
-            <a:extLst>
-              <a:ext uri="{FF2B5EF4-FFF2-40B4-BE49-F238E27FC236}">
-                <a16:creationId xmlns:a16="http://schemas.microsoft.com/office/drawing/2014/main" id="{E144DEDD-8F78-4FBD-A8FE-7A975099A8AC}"/>
-              </a:ext>
-            </a:extLst>
-          </p:cNvPr>
-          <p:cNvSpPr>
-            <a:spLocks noGrp="1"/>
-          </p:cNvSpPr>
-          <p:nvPr>
-            <p:ph type="ftr" sz="quarter" idx="11"/>
-          </p:nvPr>
-        </p:nvSpPr>
-        <p:spPr/>
-        <p:txBody>
-          <a:bodyPr/>
-          <a:lstStyle/>
-          <a:p>
-            <a:endParaRPr lang="pt-BR"/>
-          </a:p>
-        </p:txBody>
-      </p:sp>
-      <p:sp>
-        <p:nvSpPr>
-          <p:cNvPr id="9" name="Espaço Reservado para Número de Slide 8">
-            <a:extLst>
-              <a:ext uri="{FF2B5EF4-FFF2-40B4-BE49-F238E27FC236}">
-                <a16:creationId xmlns:a16="http://schemas.microsoft.com/office/drawing/2014/main" id="{6E26EFFC-D59B-408F-81F3-F0700F4CC7B4}"/>
-              </a:ext>
-            </a:extLst>
-          </p:cNvPr>
+          <p:cNvPr id="9" name="Slide Number Placeholder 8"/>
           <p:cNvSpPr>
             <a:spLocks noGrp="1"/>
           </p:cNvSpPr>
@@ -1892,7 +3741,7 @@
     </p:spTree>
     <p:extLst>
       <p:ext uri="{BB962C8B-B14F-4D97-AF65-F5344CB8AC3E}">
-        <p14:creationId xmlns:p14="http://schemas.microsoft.com/office/powerpoint/2010/main" val="2249647577"/>
+        <p14:creationId xmlns:p14="http://schemas.microsoft.com/office/powerpoint/2010/main" val="3753173850"/>
       </p:ext>
     </p:extLst>
   </p:cSld>
@@ -1921,13 +3770,7 @@
       </p:grpSpPr>
       <p:sp>
         <p:nvSpPr>
-          <p:cNvPr id="2" name="Título 1">
-            <a:extLst>
-              <a:ext uri="{FF2B5EF4-FFF2-40B4-BE49-F238E27FC236}">
-                <a16:creationId xmlns:a16="http://schemas.microsoft.com/office/drawing/2014/main" id="{FC84D9D8-4B37-4007-8CF3-0F88E408C691}"/>
-              </a:ext>
-            </a:extLst>
-          </p:cNvPr>
+          <p:cNvPr id="2" name="Title 1"/>
           <p:cNvSpPr>
             <a:spLocks noGrp="1"/>
           </p:cNvSpPr>
@@ -1944,18 +3787,13 @@
               <a:rPr lang="pt-BR"/>
               <a:t>Clique para editar o título Mestre</a:t>
             </a:r>
-          </a:p>
-        </p:txBody>
-      </p:sp>
-      <p:sp>
-        <p:nvSpPr>
-          <p:cNvPr id="3" name="Espaço Reservado para Data 2">
-            <a:extLst>
-              <a:ext uri="{FF2B5EF4-FFF2-40B4-BE49-F238E27FC236}">
-                <a16:creationId xmlns:a16="http://schemas.microsoft.com/office/drawing/2014/main" id="{C6BDBCBE-51F9-4A5D-9D0C-B943E908552C}"/>
-              </a:ext>
-            </a:extLst>
-          </p:cNvPr>
+            <a:endParaRPr lang="en-US" dirty="0"/>
+          </a:p>
+        </p:txBody>
+      </p:sp>
+      <p:sp>
+        <p:nvSpPr>
+          <p:cNvPr id="3" name="Date Placeholder 2"/>
           <p:cNvSpPr>
             <a:spLocks noGrp="1"/>
           </p:cNvSpPr>
@@ -1970,7 +3808,7 @@
           <a:p>
             <a:fld id="{F44CB1C3-A6C1-48F5-87C0-9FA9A37CB4A5}" type="datetimeFigureOut">
               <a:rPr lang="pt-BR" smtClean="0"/>
-              <a:t>03/12/2018</a:t>
+              <a:t>04/12/2018</a:t>
             </a:fld>
             <a:endParaRPr lang="pt-BR"/>
           </a:p>
@@ -1978,13 +3816,7 @@
       </p:sp>
       <p:sp>
         <p:nvSpPr>
-          <p:cNvPr id="4" name="Espaço Reservado para Rodapé 3">
-            <a:extLst>
-              <a:ext uri="{FF2B5EF4-FFF2-40B4-BE49-F238E27FC236}">
-                <a16:creationId xmlns:a16="http://schemas.microsoft.com/office/drawing/2014/main" id="{D5675BDF-BA08-4BF2-8177-1948D3833A9A}"/>
-              </a:ext>
-            </a:extLst>
-          </p:cNvPr>
+          <p:cNvPr id="4" name="Footer Placeholder 3"/>
           <p:cNvSpPr>
             <a:spLocks noGrp="1"/>
           </p:cNvSpPr>
@@ -2003,13 +3835,7 @@
       </p:sp>
       <p:sp>
         <p:nvSpPr>
-          <p:cNvPr id="5" name="Espaço Reservado para Número de Slide 4">
-            <a:extLst>
-              <a:ext uri="{FF2B5EF4-FFF2-40B4-BE49-F238E27FC236}">
-                <a16:creationId xmlns:a16="http://schemas.microsoft.com/office/drawing/2014/main" id="{48C4ACA3-1671-49B3-82AF-FCED38B9419B}"/>
-              </a:ext>
-            </a:extLst>
-          </p:cNvPr>
+          <p:cNvPr id="5" name="Slide Number Placeholder 4"/>
           <p:cNvSpPr>
             <a:spLocks noGrp="1"/>
           </p:cNvSpPr>
@@ -2033,7 +3859,7 @@
     </p:spTree>
     <p:extLst>
       <p:ext uri="{BB962C8B-B14F-4D97-AF65-F5344CB8AC3E}">
-        <p14:creationId xmlns:p14="http://schemas.microsoft.com/office/powerpoint/2010/main" val="3458360409"/>
+        <p14:creationId xmlns:p14="http://schemas.microsoft.com/office/powerpoint/2010/main" val="2159805264"/>
       </p:ext>
     </p:extLst>
   </p:cSld>
@@ -2062,13 +3888,7 @@
       </p:grpSpPr>
       <p:sp>
         <p:nvSpPr>
-          <p:cNvPr id="2" name="Espaço Reservado para Data 1">
-            <a:extLst>
-              <a:ext uri="{FF2B5EF4-FFF2-40B4-BE49-F238E27FC236}">
-                <a16:creationId xmlns:a16="http://schemas.microsoft.com/office/drawing/2014/main" id="{A976DAF4-0CBE-4576-8625-4C7238F044A4}"/>
-              </a:ext>
-            </a:extLst>
-          </p:cNvPr>
+          <p:cNvPr id="2" name="Date Placeholder 1"/>
           <p:cNvSpPr>
             <a:spLocks noGrp="1"/>
           </p:cNvSpPr>
@@ -2083,7 +3903,7 @@
           <a:p>
             <a:fld id="{F44CB1C3-A6C1-48F5-87C0-9FA9A37CB4A5}" type="datetimeFigureOut">
               <a:rPr lang="pt-BR" smtClean="0"/>
-              <a:t>03/12/2018</a:t>
+              <a:t>04/12/2018</a:t>
             </a:fld>
             <a:endParaRPr lang="pt-BR"/>
           </a:p>
@@ -2091,13 +3911,7 @@
       </p:sp>
       <p:sp>
         <p:nvSpPr>
-          <p:cNvPr id="3" name="Espaço Reservado para Rodapé 2">
-            <a:extLst>
-              <a:ext uri="{FF2B5EF4-FFF2-40B4-BE49-F238E27FC236}">
-                <a16:creationId xmlns:a16="http://schemas.microsoft.com/office/drawing/2014/main" id="{EC3D1F20-8303-4B4F-9B01-ECDB3337C2CD}"/>
-              </a:ext>
-            </a:extLst>
-          </p:cNvPr>
+          <p:cNvPr id="3" name="Footer Placeholder 2"/>
           <p:cNvSpPr>
             <a:spLocks noGrp="1"/>
           </p:cNvSpPr>
@@ -2116,13 +3930,7 @@
       </p:sp>
       <p:sp>
         <p:nvSpPr>
-          <p:cNvPr id="4" name="Espaço Reservado para Número de Slide 3">
-            <a:extLst>
-              <a:ext uri="{FF2B5EF4-FFF2-40B4-BE49-F238E27FC236}">
-                <a16:creationId xmlns:a16="http://schemas.microsoft.com/office/drawing/2014/main" id="{82CEC3A0-B305-4C63-8980-1899B47C7BF2}"/>
-              </a:ext>
-            </a:extLst>
-          </p:cNvPr>
+          <p:cNvPr id="4" name="Slide Number Placeholder 3"/>
           <p:cNvSpPr>
             <a:spLocks noGrp="1"/>
           </p:cNvSpPr>
@@ -2146,7 +3954,7 @@
     </p:spTree>
     <p:extLst>
       <p:ext uri="{BB962C8B-B14F-4D97-AF65-F5344CB8AC3E}">
-        <p14:creationId xmlns:p14="http://schemas.microsoft.com/office/powerpoint/2010/main" val="3183608224"/>
+        <p14:creationId xmlns:p14="http://schemas.microsoft.com/office/powerpoint/2010/main" val="3122236382"/>
       </p:ext>
     </p:extLst>
   </p:cSld>
@@ -2175,13 +3983,7 @@
       </p:grpSpPr>
       <p:sp>
         <p:nvSpPr>
-          <p:cNvPr id="2" name="Título 1">
-            <a:extLst>
-              <a:ext uri="{FF2B5EF4-FFF2-40B4-BE49-F238E27FC236}">
-                <a16:creationId xmlns:a16="http://schemas.microsoft.com/office/drawing/2014/main" id="{190FFE96-C6FC-4827-A345-B2F448482610}"/>
-              </a:ext>
-            </a:extLst>
-          </p:cNvPr>
+          <p:cNvPr id="2" name="Title 1"/>
           <p:cNvSpPr>
             <a:spLocks noGrp="1"/>
           </p:cNvSpPr>
@@ -2191,15 +3993,17 @@
         </p:nvSpPr>
         <p:spPr>
           <a:xfrm>
-            <a:off x="839788" y="457200"/>
-            <a:ext cx="3932237" cy="1600200"/>
+            <a:off x="7085012" y="685800"/>
+            <a:ext cx="3657600" cy="1371600"/>
           </a:xfrm>
         </p:spPr>
         <p:txBody>
-          <a:bodyPr anchor="b"/>
+          <a:bodyPr anchor="b">
+            <a:normAutofit/>
+          </a:bodyPr>
           <a:lstStyle>
-            <a:lvl1pPr>
-              <a:defRPr sz="3200"/>
+            <a:lvl1pPr algn="l">
+              <a:defRPr sz="2400" b="0"/>
             </a:lvl1pPr>
           </a:lstStyle>
           <a:p>
@@ -2207,18 +4011,13 @@
               <a:rPr lang="pt-BR"/>
               <a:t>Clique para editar o título Mestre</a:t>
             </a:r>
-          </a:p>
-        </p:txBody>
-      </p:sp>
-      <p:sp>
-        <p:nvSpPr>
-          <p:cNvPr id="3" name="Espaço Reservado para Conteúdo 2">
-            <a:extLst>
-              <a:ext uri="{FF2B5EF4-FFF2-40B4-BE49-F238E27FC236}">
-                <a16:creationId xmlns:a16="http://schemas.microsoft.com/office/drawing/2014/main" id="{72A5EE60-E6A0-4945-BBDD-70C2168697E8}"/>
-              </a:ext>
-            </a:extLst>
-          </p:cNvPr>
+            <a:endParaRPr lang="en-US" dirty="0"/>
+          </a:p>
+        </p:txBody>
+      </p:sp>
+      <p:sp>
+        <p:nvSpPr>
+          <p:cNvPr id="3" name="Content Placeholder 2"/>
           <p:cNvSpPr>
             <a:spLocks noGrp="1"/>
           </p:cNvSpPr>
@@ -2228,41 +4027,15 @@
         </p:nvSpPr>
         <p:spPr>
           <a:xfrm>
-            <a:off x="5183188" y="987425"/>
-            <a:ext cx="6172200" cy="4873625"/>
+            <a:off x="684212" y="685800"/>
+            <a:ext cx="5943601" cy="5308600"/>
           </a:xfrm>
         </p:spPr>
         <p:txBody>
-          <a:bodyPr/>
-          <a:lstStyle>
-            <a:lvl1pPr>
-              <a:defRPr sz="3200"/>
-            </a:lvl1pPr>
-            <a:lvl2pPr>
-              <a:defRPr sz="2800"/>
-            </a:lvl2pPr>
-            <a:lvl3pPr>
-              <a:defRPr sz="2400"/>
-            </a:lvl3pPr>
-            <a:lvl4pPr>
-              <a:defRPr sz="2000"/>
-            </a:lvl4pPr>
-            <a:lvl5pPr>
-              <a:defRPr sz="2000"/>
-            </a:lvl5pPr>
-            <a:lvl6pPr>
-              <a:defRPr sz="2000"/>
-            </a:lvl6pPr>
-            <a:lvl7pPr>
-              <a:defRPr sz="2000"/>
-            </a:lvl7pPr>
-            <a:lvl8pPr>
-              <a:defRPr sz="2000"/>
-            </a:lvl8pPr>
-            <a:lvl9pPr>
-              <a:defRPr sz="2000"/>
-            </a:lvl9pPr>
-          </a:lstStyle>
+          <a:bodyPr anchor="ctr">
+            <a:normAutofit/>
+          </a:bodyPr>
+          <a:lstStyle/>
           <a:p>
             <a:pPr lvl="0"/>
             <a:r>
@@ -2297,18 +4070,13 @@
               <a:rPr lang="pt-BR"/>
               <a:t>Quinto nível</a:t>
             </a:r>
-          </a:p>
-        </p:txBody>
-      </p:sp>
-      <p:sp>
-        <p:nvSpPr>
-          <p:cNvPr id="4" name="Espaço Reservado para Texto 3">
-            <a:extLst>
-              <a:ext uri="{FF2B5EF4-FFF2-40B4-BE49-F238E27FC236}">
-                <a16:creationId xmlns:a16="http://schemas.microsoft.com/office/drawing/2014/main" id="{0DF45BE9-F9C2-4E0F-81F9-27BCA443033F}"/>
-              </a:ext>
-            </a:extLst>
-          </p:cNvPr>
+            <a:endParaRPr lang="en-US" dirty="0"/>
+          </a:p>
+        </p:txBody>
+      </p:sp>
+      <p:sp>
+        <p:nvSpPr>
+          <p:cNvPr id="4" name="Text Placeholder 3"/>
           <p:cNvSpPr>
             <a:spLocks noGrp="1"/>
           </p:cNvSpPr>
@@ -2318,12 +4086,14 @@
         </p:nvSpPr>
         <p:spPr>
           <a:xfrm>
-            <a:off x="839788" y="2057400"/>
-            <a:ext cx="3932237" cy="3811588"/>
+            <a:off x="7085012" y="2209799"/>
+            <a:ext cx="3657600" cy="2091267"/>
           </a:xfrm>
         </p:spPr>
         <p:txBody>
-          <a:bodyPr/>
+          <a:bodyPr anchor="t">
+            <a:normAutofit/>
+          </a:bodyPr>
           <a:lstStyle>
             <a:lvl1pPr marL="0" indent="0">
               <a:buNone/>
@@ -2331,35 +4101,35 @@
             </a:lvl1pPr>
             <a:lvl2pPr marL="457200" indent="0">
               <a:buNone/>
-              <a:defRPr sz="1400"/>
+              <a:defRPr sz="1200"/>
             </a:lvl2pPr>
             <a:lvl3pPr marL="914400" indent="0">
               <a:buNone/>
-              <a:defRPr sz="1200"/>
+              <a:defRPr sz="1000"/>
             </a:lvl3pPr>
             <a:lvl4pPr marL="1371600" indent="0">
               <a:buNone/>
-              <a:defRPr sz="1000"/>
+              <a:defRPr sz="900"/>
             </a:lvl4pPr>
             <a:lvl5pPr marL="1828800" indent="0">
               <a:buNone/>
-              <a:defRPr sz="1000"/>
+              <a:defRPr sz="900"/>
             </a:lvl5pPr>
             <a:lvl6pPr marL="2286000" indent="0">
               <a:buNone/>
-              <a:defRPr sz="1000"/>
+              <a:defRPr sz="900"/>
             </a:lvl6pPr>
             <a:lvl7pPr marL="2743200" indent="0">
               <a:buNone/>
-              <a:defRPr sz="1000"/>
+              <a:defRPr sz="900"/>
             </a:lvl7pPr>
             <a:lvl8pPr marL="3200400" indent="0">
               <a:buNone/>
-              <a:defRPr sz="1000"/>
+              <a:defRPr sz="900"/>
             </a:lvl8pPr>
             <a:lvl9pPr marL="3657600" indent="0">
               <a:buNone/>
-              <a:defRPr sz="1000"/>
+              <a:defRPr sz="900"/>
             </a:lvl9pPr>
           </a:lstStyle>
           <a:p>
@@ -2373,13 +4143,7 @@
       </p:sp>
       <p:sp>
         <p:nvSpPr>
-          <p:cNvPr id="5" name="Espaço Reservado para Data 4">
-            <a:extLst>
-              <a:ext uri="{FF2B5EF4-FFF2-40B4-BE49-F238E27FC236}">
-                <a16:creationId xmlns:a16="http://schemas.microsoft.com/office/drawing/2014/main" id="{3C55460A-E8CF-44AC-B8A0-62438D32AE6B}"/>
-              </a:ext>
-            </a:extLst>
-          </p:cNvPr>
+          <p:cNvPr id="5" name="Date Placeholder 4"/>
           <p:cNvSpPr>
             <a:spLocks noGrp="1"/>
           </p:cNvSpPr>
@@ -2394,7 +4158,7 @@
           <a:p>
             <a:fld id="{F44CB1C3-A6C1-48F5-87C0-9FA9A37CB4A5}" type="datetimeFigureOut">
               <a:rPr lang="pt-BR" smtClean="0"/>
-              <a:t>03/12/2018</a:t>
+              <a:t>04/12/2018</a:t>
             </a:fld>
             <a:endParaRPr lang="pt-BR"/>
           </a:p>
@@ -2402,13 +4166,7 @@
       </p:sp>
       <p:sp>
         <p:nvSpPr>
-          <p:cNvPr id="6" name="Espaço Reservado para Rodapé 5">
-            <a:extLst>
-              <a:ext uri="{FF2B5EF4-FFF2-40B4-BE49-F238E27FC236}">
-                <a16:creationId xmlns:a16="http://schemas.microsoft.com/office/drawing/2014/main" id="{89F7A52D-4E9D-4A6E-911F-EA49E45D7DF1}"/>
-              </a:ext>
-            </a:extLst>
-          </p:cNvPr>
+          <p:cNvPr id="6" name="Footer Placeholder 5"/>
           <p:cNvSpPr>
             <a:spLocks noGrp="1"/>
           </p:cNvSpPr>
@@ -2427,13 +4185,7 @@
       </p:sp>
       <p:sp>
         <p:nvSpPr>
-          <p:cNvPr id="7" name="Espaço Reservado para Número de Slide 6">
-            <a:extLst>
-              <a:ext uri="{FF2B5EF4-FFF2-40B4-BE49-F238E27FC236}">
-                <a16:creationId xmlns:a16="http://schemas.microsoft.com/office/drawing/2014/main" id="{E5F302B0-85F9-4AAC-AE97-C8B608EF4F1C}"/>
-              </a:ext>
-            </a:extLst>
-          </p:cNvPr>
+          <p:cNvPr id="7" name="Slide Number Placeholder 6"/>
           <p:cNvSpPr>
             <a:spLocks noGrp="1"/>
           </p:cNvSpPr>
@@ -2457,7 +4209,7 @@
     </p:spTree>
     <p:extLst>
       <p:ext uri="{BB962C8B-B14F-4D97-AF65-F5344CB8AC3E}">
-        <p14:creationId xmlns:p14="http://schemas.microsoft.com/office/powerpoint/2010/main" val="3726602892"/>
+        <p14:creationId xmlns:p14="http://schemas.microsoft.com/office/powerpoint/2010/main" val="2339548454"/>
       </p:ext>
     </p:extLst>
   </p:cSld>
@@ -2486,13 +4238,7 @@
       </p:grpSpPr>
       <p:sp>
         <p:nvSpPr>
-          <p:cNvPr id="2" name="Título 1">
-            <a:extLst>
-              <a:ext uri="{FF2B5EF4-FFF2-40B4-BE49-F238E27FC236}">
-                <a16:creationId xmlns:a16="http://schemas.microsoft.com/office/drawing/2014/main" id="{1889514A-509F-410A-8E36-8AA185D5C677}"/>
-              </a:ext>
-            </a:extLst>
-          </p:cNvPr>
+          <p:cNvPr id="2" name="Title 1"/>
           <p:cNvSpPr>
             <a:spLocks noGrp="1"/>
           </p:cNvSpPr>
@@ -2502,15 +4248,17 @@
         </p:nvSpPr>
         <p:spPr>
           <a:xfrm>
-            <a:off x="839788" y="457200"/>
-            <a:ext cx="3932237" cy="1600200"/>
+            <a:off x="4722812" y="1447800"/>
+            <a:ext cx="6019800" cy="1143000"/>
           </a:xfrm>
         </p:spPr>
         <p:txBody>
-          <a:bodyPr anchor="b"/>
+          <a:bodyPr anchor="b">
+            <a:normAutofit/>
+          </a:bodyPr>
           <a:lstStyle>
-            <a:lvl1pPr>
-              <a:defRPr sz="3200"/>
+            <a:lvl1pPr algn="l">
+              <a:defRPr sz="2800" b="0"/>
             </a:lvl1pPr>
           </a:lstStyle>
           <a:p>
@@ -2518,20 +4266,15 @@
               <a:rPr lang="pt-BR"/>
               <a:t>Clique para editar o título Mestre</a:t>
             </a:r>
-          </a:p>
-        </p:txBody>
-      </p:sp>
-      <p:sp>
-        <p:nvSpPr>
-          <p:cNvPr id="3" name="Espaço Reservado para Imagem 2">
-            <a:extLst>
-              <a:ext uri="{FF2B5EF4-FFF2-40B4-BE49-F238E27FC236}">
-                <a16:creationId xmlns:a16="http://schemas.microsoft.com/office/drawing/2014/main" id="{982CFB72-9797-4511-AD77-C8F3C8B07031}"/>
-              </a:ext>
-            </a:extLst>
-          </p:cNvPr>
-          <p:cNvSpPr>
-            <a:spLocks noGrp="1"/>
+            <a:endParaRPr lang="en-US" dirty="0"/>
+          </a:p>
+        </p:txBody>
+      </p:sp>
+      <p:sp>
+        <p:nvSpPr>
+          <p:cNvPr id="14" name="Picture Placeholder 2"/>
+          <p:cNvSpPr>
+            <a:spLocks noGrp="1" noChangeAspect="1"/>
           </p:cNvSpPr>
           <p:nvPr>
             <p:ph type="pic" idx="1"/>
@@ -2539,118 +4282,140 @@
         </p:nvSpPr>
         <p:spPr>
           <a:xfrm>
-            <a:off x="5183188" y="987425"/>
-            <a:ext cx="6172200" cy="4873625"/>
+            <a:off x="989012" y="914400"/>
+            <a:ext cx="3280974" cy="4572000"/>
           </a:xfrm>
+          <a:prstGeom prst="snip2DiagRect">
+            <a:avLst>
+              <a:gd name="adj1" fmla="val 10815"/>
+              <a:gd name="adj2" fmla="val 0"/>
+            </a:avLst>
+          </a:prstGeom>
+          <a:ln w="15875">
+            <a:solidFill>
+              <a:schemeClr val="tx1">
+                <a:alpha val="40000"/>
+              </a:schemeClr>
+            </a:solidFill>
+          </a:ln>
+          <a:effectLst>
+            <a:innerShdw blurRad="57150" dist="38100" dir="14460000">
+              <a:srgbClr val="000000">
+                <a:alpha val="70000"/>
+              </a:srgbClr>
+            </a:innerShdw>
+          </a:effectLst>
         </p:spPr>
         <p:txBody>
-          <a:bodyPr/>
+          <a:bodyPr anchor="t">
+            <a:normAutofit/>
+          </a:bodyPr>
           <a:lstStyle>
-            <a:lvl1pPr marL="0" indent="0">
-              <a:buNone/>
-              <a:defRPr sz="3200"/>
-            </a:lvl1pPr>
-            <a:lvl2pPr marL="457200" indent="0">
-              <a:buNone/>
-              <a:defRPr sz="2800"/>
-            </a:lvl2pPr>
-            <a:lvl3pPr marL="914400" indent="0">
-              <a:buNone/>
-              <a:defRPr sz="2400"/>
-            </a:lvl3pPr>
-            <a:lvl4pPr marL="1371600" indent="0">
-              <a:buNone/>
-              <a:defRPr sz="2000"/>
-            </a:lvl4pPr>
-            <a:lvl5pPr marL="1828800" indent="0">
-              <a:buNone/>
-              <a:defRPr sz="2000"/>
-            </a:lvl5pPr>
-            <a:lvl6pPr marL="2286000" indent="0">
-              <a:buNone/>
-              <a:defRPr sz="2000"/>
-            </a:lvl6pPr>
-            <a:lvl7pPr marL="2743200" indent="0">
-              <a:buNone/>
-              <a:defRPr sz="2000"/>
-            </a:lvl7pPr>
-            <a:lvl8pPr marL="3200400" indent="0">
-              <a:buNone/>
-              <a:defRPr sz="2000"/>
-            </a:lvl8pPr>
-            <a:lvl9pPr marL="3657600" indent="0">
-              <a:buNone/>
-              <a:defRPr sz="2000"/>
-            </a:lvl9pPr>
-          </a:lstStyle>
-          <a:p>
-            <a:endParaRPr lang="pt-BR"/>
-          </a:p>
-        </p:txBody>
-      </p:sp>
-      <p:sp>
-        <p:nvSpPr>
-          <p:cNvPr id="4" name="Espaço Reservado para Texto 3">
-            <a:extLst>
-              <a:ext uri="{FF2B5EF4-FFF2-40B4-BE49-F238E27FC236}">
-                <a16:creationId xmlns:a16="http://schemas.microsoft.com/office/drawing/2014/main" id="{61931286-F6DA-47EA-BC95-04D3C3FCBC04}"/>
-              </a:ext>
-            </a:extLst>
-          </p:cNvPr>
-          <p:cNvSpPr>
-            <a:spLocks noGrp="1"/>
-          </p:cNvSpPr>
-          <p:nvPr>
-            <p:ph type="body" sz="half" idx="2"/>
-          </p:nvPr>
-        </p:nvSpPr>
-        <p:spPr>
-          <a:xfrm>
-            <a:off x="839788" y="2057400"/>
-            <a:ext cx="3932237" cy="3811588"/>
-          </a:xfrm>
-        </p:spPr>
-        <p:txBody>
-          <a:bodyPr/>
-          <a:lstStyle>
-            <a:lvl1pPr marL="0" indent="0">
+            <a:lvl1pPr marL="0" indent="0" algn="ctr">
               <a:buNone/>
               <a:defRPr sz="1600"/>
             </a:lvl1pPr>
             <a:lvl2pPr marL="457200" indent="0">
               <a:buNone/>
-              <a:defRPr sz="1400"/>
+              <a:defRPr sz="1600"/>
             </a:lvl2pPr>
             <a:lvl3pPr marL="914400" indent="0">
               <a:buNone/>
-              <a:defRPr sz="1200"/>
+              <a:defRPr sz="1600"/>
             </a:lvl3pPr>
             <a:lvl4pPr marL="1371600" indent="0">
               <a:buNone/>
-              <a:defRPr sz="1000"/>
+              <a:defRPr sz="1600"/>
             </a:lvl4pPr>
             <a:lvl5pPr marL="1828800" indent="0">
               <a:buNone/>
-              <a:defRPr sz="1000"/>
+              <a:defRPr sz="1600"/>
             </a:lvl5pPr>
             <a:lvl6pPr marL="2286000" indent="0">
               <a:buNone/>
-              <a:defRPr sz="1000"/>
+              <a:defRPr sz="1600"/>
             </a:lvl6pPr>
             <a:lvl7pPr marL="2743200" indent="0">
               <a:buNone/>
-              <a:defRPr sz="1000"/>
+              <a:defRPr sz="1600"/>
             </a:lvl7pPr>
             <a:lvl8pPr marL="3200400" indent="0">
               <a:buNone/>
-              <a:defRPr sz="1000"/>
+              <a:defRPr sz="1600"/>
             </a:lvl8pPr>
             <a:lvl9pPr marL="3657600" indent="0">
               <a:buNone/>
-              <a:defRPr sz="1000"/>
+              <a:defRPr sz="1600"/>
             </a:lvl9pPr>
           </a:lstStyle>
           <a:p>
+            <a:r>
+              <a:rPr lang="pt-BR"/>
+              <a:t>Clique no ícone para adicionar uma imagem</a:t>
+            </a:r>
+            <a:endParaRPr lang="en-US" dirty="0"/>
+          </a:p>
+        </p:txBody>
+      </p:sp>
+      <p:sp>
+        <p:nvSpPr>
+          <p:cNvPr id="4" name="Text Placeholder 3"/>
+          <p:cNvSpPr>
+            <a:spLocks noGrp="1"/>
+          </p:cNvSpPr>
+          <p:nvPr>
+            <p:ph type="body" sz="half" idx="2"/>
+          </p:nvPr>
+        </p:nvSpPr>
+        <p:spPr>
+          <a:xfrm>
+            <a:off x="4722812" y="2777066"/>
+            <a:ext cx="6021388" cy="2048933"/>
+          </a:xfrm>
+        </p:spPr>
+        <p:txBody>
+          <a:bodyPr anchor="t">
+            <a:normAutofit/>
+          </a:bodyPr>
+          <a:lstStyle>
+            <a:lvl1pPr marL="0" indent="0">
+              <a:buNone/>
+              <a:defRPr sz="1800"/>
+            </a:lvl1pPr>
+            <a:lvl2pPr marL="457200" indent="0">
+              <a:buNone/>
+              <a:defRPr sz="1200"/>
+            </a:lvl2pPr>
+            <a:lvl3pPr marL="914400" indent="0">
+              <a:buNone/>
+              <a:defRPr sz="1000"/>
+            </a:lvl3pPr>
+            <a:lvl4pPr marL="1371600" indent="0">
+              <a:buNone/>
+              <a:defRPr sz="900"/>
+            </a:lvl4pPr>
+            <a:lvl5pPr marL="1828800" indent="0">
+              <a:buNone/>
+              <a:defRPr sz="900"/>
+            </a:lvl5pPr>
+            <a:lvl6pPr marL="2286000" indent="0">
+              <a:buNone/>
+              <a:defRPr sz="900"/>
+            </a:lvl6pPr>
+            <a:lvl7pPr marL="2743200" indent="0">
+              <a:buNone/>
+              <a:defRPr sz="900"/>
+            </a:lvl7pPr>
+            <a:lvl8pPr marL="3200400" indent="0">
+              <a:buNone/>
+              <a:defRPr sz="900"/>
+            </a:lvl8pPr>
+            <a:lvl9pPr marL="3657600" indent="0">
+              <a:buNone/>
+              <a:defRPr sz="900"/>
+            </a:lvl9pPr>
+          </a:lstStyle>
+          <a:p>
             <a:pPr lvl="0"/>
             <a:r>
               <a:rPr lang="pt-BR"/>
@@ -2661,13 +4426,7 @@
       </p:sp>
       <p:sp>
         <p:nvSpPr>
-          <p:cNvPr id="5" name="Espaço Reservado para Data 4">
-            <a:extLst>
-              <a:ext uri="{FF2B5EF4-FFF2-40B4-BE49-F238E27FC236}">
-                <a16:creationId xmlns:a16="http://schemas.microsoft.com/office/drawing/2014/main" id="{A7884CCE-B51D-4202-A772-C8426E2D1B8D}"/>
-              </a:ext>
-            </a:extLst>
-          </p:cNvPr>
+          <p:cNvPr id="5" name="Date Placeholder 4"/>
           <p:cNvSpPr>
             <a:spLocks noGrp="1"/>
           </p:cNvSpPr>
@@ -2682,7 +4441,7 @@
           <a:p>
             <a:fld id="{F44CB1C3-A6C1-48F5-87C0-9FA9A37CB4A5}" type="datetimeFigureOut">
               <a:rPr lang="pt-BR" smtClean="0"/>
-              <a:t>03/12/2018</a:t>
+              <a:t>04/12/2018</a:t>
             </a:fld>
             <a:endParaRPr lang="pt-BR"/>
           </a:p>
@@ -2690,13 +4449,7 @@
       </p:sp>
       <p:sp>
         <p:nvSpPr>
-          <p:cNvPr id="6" name="Espaço Reservado para Rodapé 5">
-            <a:extLst>
-              <a:ext uri="{FF2B5EF4-FFF2-40B4-BE49-F238E27FC236}">
-                <a16:creationId xmlns:a16="http://schemas.microsoft.com/office/drawing/2014/main" id="{93F2BC86-C020-4C68-A141-2EAF551E834B}"/>
-              </a:ext>
-            </a:extLst>
-          </p:cNvPr>
+          <p:cNvPr id="6" name="Footer Placeholder 5"/>
           <p:cNvSpPr>
             <a:spLocks noGrp="1"/>
           </p:cNvSpPr>
@@ -2715,13 +4468,7 @@
       </p:sp>
       <p:sp>
         <p:nvSpPr>
-          <p:cNvPr id="7" name="Espaço Reservado para Número de Slide 6">
-            <a:extLst>
-              <a:ext uri="{FF2B5EF4-FFF2-40B4-BE49-F238E27FC236}">
-                <a16:creationId xmlns:a16="http://schemas.microsoft.com/office/drawing/2014/main" id="{D487900C-4970-4335-ACDE-5B54EDC09A96}"/>
-              </a:ext>
-            </a:extLst>
-          </p:cNvPr>
+          <p:cNvPr id="7" name="Slide Number Placeholder 6"/>
           <p:cNvSpPr>
             <a:spLocks noGrp="1"/>
           </p:cNvSpPr>
@@ -2745,7 +4492,7 @@
     </p:spTree>
     <p:extLst>
       <p:ext uri="{BB962C8B-B14F-4D97-AF65-F5344CB8AC3E}">
-        <p14:creationId xmlns:p14="http://schemas.microsoft.com/office/powerpoint/2010/main" val="173661720"/>
+        <p14:creationId xmlns:p14="http://schemas.microsoft.com/office/powerpoint/2010/main" val="1889401721"/>
       </p:ext>
     </p:extLst>
   </p:cSld>
@@ -2759,8 +4506,8 @@
 <p:sldMaster xmlns:a="http://schemas.openxmlformats.org/drawingml/2006/main" xmlns:r="http://schemas.openxmlformats.org/officeDocument/2006/relationships" xmlns:p="http://schemas.openxmlformats.org/presentationml/2006/main">
   <p:cSld>
     <p:bg>
-      <p:bgRef idx="1001">
-        <a:schemeClr val="bg1"/>
+      <p:bgRef idx="1002">
+        <a:schemeClr val="bg2"/>
       </p:bgRef>
     </p:bg>
     <p:spTree>
@@ -2777,15 +4524,199 @@
           <a:chExt cx="0" cy="0"/>
         </a:xfrm>
       </p:grpSpPr>
-      <p:sp>
-        <p:nvSpPr>
-          <p:cNvPr id="2" name="Espaço Reservado para Título 1">
-            <a:extLst>
-              <a:ext uri="{FF2B5EF4-FFF2-40B4-BE49-F238E27FC236}">
-                <a16:creationId xmlns:a16="http://schemas.microsoft.com/office/drawing/2014/main" id="{45DAF40C-8656-4DB2-9D9C-CCD0B267DD5D}"/>
-              </a:ext>
-            </a:extLst>
-          </p:cNvPr>
+      <p:grpSp>
+        <p:nvGrpSpPr>
+          <p:cNvPr id="7" name="Group 6"/>
+          <p:cNvGrpSpPr/>
+          <p:nvPr/>
+        </p:nvGrpSpPr>
+        <p:grpSpPr>
+          <a:xfrm>
+            <a:off x="9206969" y="2963333"/>
+            <a:ext cx="2981858" cy="3208867"/>
+            <a:chOff x="9206969" y="2963333"/>
+            <a:chExt cx="2981858" cy="3208867"/>
+          </a:xfrm>
+        </p:grpSpPr>
+        <p:cxnSp>
+          <p:nvCxnSpPr>
+            <p:cNvPr id="8" name="Straight Connector 7"/>
+            <p:cNvCxnSpPr/>
+            <p:nvPr/>
+          </p:nvCxnSpPr>
+          <p:spPr>
+            <a:xfrm flipH="1">
+              <a:off x="11276012" y="2963333"/>
+              <a:ext cx="912814" cy="912812"/>
+            </a:xfrm>
+            <a:prstGeom prst="line">
+              <a:avLst/>
+            </a:prstGeom>
+            <a:ln w="9525">
+              <a:solidFill>
+                <a:schemeClr val="tx1"/>
+              </a:solidFill>
+            </a:ln>
+          </p:spPr>
+          <p:style>
+            <a:lnRef idx="2">
+              <a:schemeClr val="accent1"/>
+            </a:lnRef>
+            <a:fillRef idx="0">
+              <a:schemeClr val="accent1"/>
+            </a:fillRef>
+            <a:effectRef idx="1">
+              <a:schemeClr val="accent1"/>
+            </a:effectRef>
+            <a:fontRef idx="minor">
+              <a:schemeClr val="tx1"/>
+            </a:fontRef>
+          </p:style>
+        </p:cxnSp>
+        <p:cxnSp>
+          <p:nvCxnSpPr>
+            <p:cNvPr id="9" name="Straight Connector 8"/>
+            <p:cNvCxnSpPr/>
+            <p:nvPr/>
+          </p:nvCxnSpPr>
+          <p:spPr>
+            <a:xfrm flipH="1">
+              <a:off x="9206969" y="3190344"/>
+              <a:ext cx="2981857" cy="2981856"/>
+            </a:xfrm>
+            <a:prstGeom prst="line">
+              <a:avLst/>
+            </a:prstGeom>
+            <a:ln w="9525">
+              <a:solidFill>
+                <a:schemeClr val="tx1"/>
+              </a:solidFill>
+            </a:ln>
+          </p:spPr>
+          <p:style>
+            <a:lnRef idx="2">
+              <a:schemeClr val="accent1"/>
+            </a:lnRef>
+            <a:fillRef idx="0">
+              <a:schemeClr val="accent1"/>
+            </a:fillRef>
+            <a:effectRef idx="1">
+              <a:schemeClr val="accent1"/>
+            </a:effectRef>
+            <a:fontRef idx="minor">
+              <a:schemeClr val="tx1"/>
+            </a:fontRef>
+          </p:style>
+        </p:cxnSp>
+        <p:cxnSp>
+          <p:nvCxnSpPr>
+            <p:cNvPr id="10" name="Straight Connector 9"/>
+            <p:cNvCxnSpPr/>
+            <p:nvPr/>
+          </p:nvCxnSpPr>
+          <p:spPr>
+            <a:xfrm flipH="1">
+              <a:off x="10292292" y="3285067"/>
+              <a:ext cx="1896534" cy="1896533"/>
+            </a:xfrm>
+            <a:prstGeom prst="line">
+              <a:avLst/>
+            </a:prstGeom>
+            <a:ln w="9525">
+              <a:solidFill>
+                <a:schemeClr val="tx1"/>
+              </a:solidFill>
+            </a:ln>
+          </p:spPr>
+          <p:style>
+            <a:lnRef idx="2">
+              <a:schemeClr val="accent1"/>
+            </a:lnRef>
+            <a:fillRef idx="0">
+              <a:schemeClr val="accent1"/>
+            </a:fillRef>
+            <a:effectRef idx="1">
+              <a:schemeClr val="accent1"/>
+            </a:effectRef>
+            <a:fontRef idx="minor">
+              <a:schemeClr val="tx1"/>
+            </a:fontRef>
+          </p:style>
+        </p:cxnSp>
+        <p:cxnSp>
+          <p:nvCxnSpPr>
+            <p:cNvPr id="11" name="Straight Connector 10"/>
+            <p:cNvCxnSpPr/>
+            <p:nvPr/>
+          </p:nvCxnSpPr>
+          <p:spPr>
+            <a:xfrm flipH="1">
+              <a:off x="10443103" y="3131080"/>
+              <a:ext cx="1745722" cy="1745720"/>
+            </a:xfrm>
+            <a:prstGeom prst="line">
+              <a:avLst/>
+            </a:prstGeom>
+            <a:ln w="28575">
+              <a:solidFill>
+                <a:schemeClr val="tx1"/>
+              </a:solidFill>
+            </a:ln>
+          </p:spPr>
+          <p:style>
+            <a:lnRef idx="2">
+              <a:schemeClr val="accent1"/>
+            </a:lnRef>
+            <a:fillRef idx="0">
+              <a:schemeClr val="accent1"/>
+            </a:fillRef>
+            <a:effectRef idx="1">
+              <a:schemeClr val="accent1"/>
+            </a:effectRef>
+            <a:fontRef idx="minor">
+              <a:schemeClr val="tx1"/>
+            </a:fontRef>
+          </p:style>
+        </p:cxnSp>
+        <p:cxnSp>
+          <p:nvCxnSpPr>
+            <p:cNvPr id="12" name="Straight Connector 11"/>
+            <p:cNvCxnSpPr/>
+            <p:nvPr/>
+          </p:nvCxnSpPr>
+          <p:spPr>
+            <a:xfrm flipH="1">
+              <a:off x="10918826" y="3683001"/>
+              <a:ext cx="1270001" cy="1269999"/>
+            </a:xfrm>
+            <a:prstGeom prst="line">
+              <a:avLst/>
+            </a:prstGeom>
+            <a:ln w="28575">
+              <a:solidFill>
+                <a:schemeClr val="tx1"/>
+              </a:solidFill>
+            </a:ln>
+          </p:spPr>
+          <p:style>
+            <a:lnRef idx="2">
+              <a:schemeClr val="accent1"/>
+            </a:lnRef>
+            <a:fillRef idx="0">
+              <a:schemeClr val="accent1"/>
+            </a:fillRef>
+            <a:effectRef idx="1">
+              <a:schemeClr val="accent1"/>
+            </a:effectRef>
+            <a:fontRef idx="minor">
+              <a:schemeClr val="tx1"/>
+            </a:fontRef>
+          </p:style>
+        </p:cxnSp>
+      </p:grpSp>
+      <p:sp>
+        <p:nvSpPr>
+          <p:cNvPr id="2" name="Title Placeholder 1"/>
           <p:cNvSpPr>
             <a:spLocks noGrp="1"/>
           </p:cNvSpPr>
@@ -2795,8 +4726,42 @@
         </p:nvSpPr>
         <p:spPr>
           <a:xfrm>
-            <a:off x="838200" y="365125"/>
-            <a:ext cx="10515600" cy="1325563"/>
+            <a:off x="684212" y="4487332"/>
+            <a:ext cx="8534400" cy="1507067"/>
+          </a:xfrm>
+          <a:prstGeom prst="rect">
+            <a:avLst/>
+          </a:prstGeom>
+          <a:effectLst/>
+        </p:spPr>
+        <p:txBody>
+          <a:bodyPr vert="horz" lIns="91440" tIns="45720" rIns="91440" bIns="45720" rtlCol="0" anchor="ctr">
+            <a:normAutofit/>
+          </a:bodyPr>
+          <a:lstStyle/>
+          <a:p>
+            <a:r>
+              <a:rPr lang="pt-BR"/>
+              <a:t>Clique para editar o título Mestre</a:t>
+            </a:r>
+            <a:endParaRPr lang="en-US" dirty="0"/>
+          </a:p>
+        </p:txBody>
+      </p:sp>
+      <p:sp>
+        <p:nvSpPr>
+          <p:cNvPr id="3" name="Text Placeholder 2"/>
+          <p:cNvSpPr>
+            <a:spLocks noGrp="1"/>
+          </p:cNvSpPr>
+          <p:nvPr>
+            <p:ph type="body" idx="1"/>
+          </p:nvPr>
+        </p:nvSpPr>
+        <p:spPr>
+          <a:xfrm>
+            <a:off x="684212" y="685800"/>
+            <a:ext cx="8534400" cy="3615267"/>
           </a:xfrm>
           <a:prstGeom prst="rect">
             <a:avLst/>
@@ -2808,205 +4773,156 @@
           </a:bodyPr>
           <a:lstStyle/>
           <a:p>
+            <a:pPr lvl="0"/>
             <a:r>
               <a:rPr lang="pt-BR"/>
-              <a:t>Clique para editar o título Mestre</a:t>
-            </a:r>
-          </a:p>
-        </p:txBody>
-      </p:sp>
-      <p:sp>
-        <p:nvSpPr>
-          <p:cNvPr id="3" name="Espaço Reservado para Texto 2">
-            <a:extLst>
-              <a:ext uri="{FF2B5EF4-FFF2-40B4-BE49-F238E27FC236}">
-                <a16:creationId xmlns:a16="http://schemas.microsoft.com/office/drawing/2014/main" id="{DB7BEBCC-DD49-42C6-923F-4C417B82FC0A}"/>
-              </a:ext>
-            </a:extLst>
-          </p:cNvPr>
-          <p:cNvSpPr>
-            <a:spLocks noGrp="1"/>
-          </p:cNvSpPr>
-          <p:nvPr>
-            <p:ph type="body" idx="1"/>
+              <a:t>Editar estilos de texto Mestre</a:t>
+            </a:r>
+          </a:p>
+          <a:p>
+            <a:pPr lvl="1"/>
+            <a:r>
+              <a:rPr lang="pt-BR"/>
+              <a:t>Segundo nível</a:t>
+            </a:r>
+          </a:p>
+          <a:p>
+            <a:pPr lvl="2"/>
+            <a:r>
+              <a:rPr lang="pt-BR"/>
+              <a:t>Terceiro nível</a:t>
+            </a:r>
+          </a:p>
+          <a:p>
+            <a:pPr lvl="3"/>
+            <a:r>
+              <a:rPr lang="pt-BR"/>
+              <a:t>Quarto nível</a:t>
+            </a:r>
+          </a:p>
+          <a:p>
+            <a:pPr lvl="4"/>
+            <a:r>
+              <a:rPr lang="pt-BR"/>
+              <a:t>Quinto nível</a:t>
+            </a:r>
+            <a:endParaRPr lang="en-US" dirty="0"/>
+          </a:p>
+        </p:txBody>
+      </p:sp>
+      <p:sp>
+        <p:nvSpPr>
+          <p:cNvPr id="4" name="Date Placeholder 3"/>
+          <p:cNvSpPr>
+            <a:spLocks noGrp="1"/>
+          </p:cNvSpPr>
+          <p:nvPr>
+            <p:ph type="dt" sz="half" idx="2"/>
           </p:nvPr>
         </p:nvSpPr>
         <p:spPr>
           <a:xfrm>
-            <a:off x="838200" y="1825625"/>
-            <a:ext cx="10515600" cy="4351338"/>
+            <a:off x="9904412" y="6172200"/>
+            <a:ext cx="1600200" cy="365125"/>
           </a:xfrm>
           <a:prstGeom prst="rect">
             <a:avLst/>
           </a:prstGeom>
         </p:spPr>
         <p:txBody>
-          <a:bodyPr vert="horz" lIns="91440" tIns="45720" rIns="91440" bIns="45720" rtlCol="0">
-            <a:normAutofit/>
-          </a:bodyPr>
-          <a:lstStyle/>
-          <a:p>
-            <a:pPr lvl="0"/>
-            <a:r>
-              <a:rPr lang="pt-BR"/>
-              <a:t>Editar estilos de texto Mestre</a:t>
-            </a:r>
-          </a:p>
-          <a:p>
-            <a:pPr lvl="1"/>
-            <a:r>
-              <a:rPr lang="pt-BR"/>
-              <a:t>Segundo nível</a:t>
-            </a:r>
-          </a:p>
-          <a:p>
-            <a:pPr lvl="2"/>
-            <a:r>
-              <a:rPr lang="pt-BR"/>
-              <a:t>Terceiro nível</a:t>
-            </a:r>
-          </a:p>
-          <a:p>
-            <a:pPr lvl="3"/>
-            <a:r>
-              <a:rPr lang="pt-BR"/>
-              <a:t>Quarto nível</a:t>
-            </a:r>
-          </a:p>
-          <a:p>
-            <a:pPr lvl="4"/>
-            <a:r>
-              <a:rPr lang="pt-BR"/>
-              <a:t>Quinto nível</a:t>
-            </a:r>
-          </a:p>
-        </p:txBody>
-      </p:sp>
-      <p:sp>
-        <p:nvSpPr>
-          <p:cNvPr id="4" name="Espaço Reservado para Data 3">
-            <a:extLst>
-              <a:ext uri="{FF2B5EF4-FFF2-40B4-BE49-F238E27FC236}">
-                <a16:creationId xmlns:a16="http://schemas.microsoft.com/office/drawing/2014/main" id="{2D86E480-03B0-47B7-B1B1-01F01B20D36F}"/>
-              </a:ext>
-            </a:extLst>
-          </p:cNvPr>
-          <p:cNvSpPr>
-            <a:spLocks noGrp="1"/>
-          </p:cNvSpPr>
-          <p:nvPr>
-            <p:ph type="dt" sz="half" idx="2"/>
+          <a:bodyPr vert="horz" lIns="91440" tIns="45720" rIns="91440" bIns="45720" rtlCol="0" anchor="t"/>
+          <a:lstStyle>
+            <a:lvl1pPr algn="r">
+              <a:defRPr sz="1000" b="0" i="0">
+                <a:solidFill>
+                  <a:schemeClr val="bg2">
+                    <a:lumMod val="50000"/>
+                  </a:schemeClr>
+                </a:solidFill>
+                <a:effectLst/>
+                <a:latin typeface="+mn-lt"/>
+              </a:defRPr>
+            </a:lvl1pPr>
+          </a:lstStyle>
+          <a:p>
+            <a:fld id="{F44CB1C3-A6C1-48F5-87C0-9FA9A37CB4A5}" type="datetimeFigureOut">
+              <a:rPr lang="pt-BR" smtClean="0"/>
+              <a:t>04/12/2018</a:t>
+            </a:fld>
+            <a:endParaRPr lang="pt-BR"/>
+          </a:p>
+        </p:txBody>
+      </p:sp>
+      <p:sp>
+        <p:nvSpPr>
+          <p:cNvPr id="5" name="Footer Placeholder 4"/>
+          <p:cNvSpPr>
+            <a:spLocks noGrp="1"/>
+          </p:cNvSpPr>
+          <p:nvPr>
+            <p:ph type="ftr" sz="quarter" idx="3"/>
           </p:nvPr>
         </p:nvSpPr>
         <p:spPr>
           <a:xfrm>
-            <a:off x="838200" y="6356350"/>
-            <a:ext cx="2743200" cy="365125"/>
+            <a:off x="684212" y="6172200"/>
+            <a:ext cx="7543800" cy="365125"/>
           </a:xfrm>
           <a:prstGeom prst="rect">
             <a:avLst/>
           </a:prstGeom>
         </p:spPr>
         <p:txBody>
-          <a:bodyPr vert="horz" lIns="91440" tIns="45720" rIns="91440" bIns="45720" rtlCol="0" anchor="ctr"/>
+          <a:bodyPr vert="horz" lIns="91440" tIns="45720" rIns="91440" bIns="45720" rtlCol="0" anchor="t"/>
           <a:lstStyle>
             <a:lvl1pPr algn="l">
-              <a:defRPr sz="1200">
-                <a:solidFill>
-                  <a:schemeClr val="tx1">
-                    <a:tint val="75000"/>
+              <a:defRPr sz="1000" b="0" i="0">
+                <a:solidFill>
+                  <a:schemeClr val="bg2">
+                    <a:lumMod val="50000"/>
                   </a:schemeClr>
                 </a:solidFill>
+                <a:effectLst/>
+                <a:latin typeface="+mn-lt"/>
               </a:defRPr>
             </a:lvl1pPr>
           </a:lstStyle>
           <a:p>
-            <a:fld id="{F44CB1C3-A6C1-48F5-87C0-9FA9A37CB4A5}" type="datetimeFigureOut">
-              <a:rPr lang="pt-BR" smtClean="0"/>
-              <a:t>03/12/2018</a:t>
-            </a:fld>
             <a:endParaRPr lang="pt-BR"/>
           </a:p>
         </p:txBody>
       </p:sp>
       <p:sp>
         <p:nvSpPr>
-          <p:cNvPr id="5" name="Espaço Reservado para Rodapé 4">
-            <a:extLst>
-              <a:ext uri="{FF2B5EF4-FFF2-40B4-BE49-F238E27FC236}">
-                <a16:creationId xmlns:a16="http://schemas.microsoft.com/office/drawing/2014/main" id="{01084AB0-5758-473D-9573-F37CA25E1ABF}"/>
-              </a:ext>
-            </a:extLst>
-          </p:cNvPr>
-          <p:cNvSpPr>
-            <a:spLocks noGrp="1"/>
-          </p:cNvSpPr>
-          <p:nvPr>
-            <p:ph type="ftr" sz="quarter" idx="3"/>
+          <p:cNvPr id="6" name="Slide Number Placeholder 5"/>
+          <p:cNvSpPr>
+            <a:spLocks noGrp="1"/>
+          </p:cNvSpPr>
+          <p:nvPr>
+            <p:ph type="sldNum" sz="quarter" idx="4"/>
           </p:nvPr>
         </p:nvSpPr>
         <p:spPr>
           <a:xfrm>
-            <a:off x="4038600" y="6356350"/>
-            <a:ext cx="4114800" cy="365125"/>
+            <a:off x="10363200" y="5578475"/>
+            <a:ext cx="1142245" cy="669925"/>
           </a:xfrm>
           <a:prstGeom prst="rect">
             <a:avLst/>
           </a:prstGeom>
         </p:spPr>
         <p:txBody>
-          <a:bodyPr vert="horz" lIns="91440" tIns="45720" rIns="91440" bIns="45720" rtlCol="0" anchor="ctr"/>
-          <a:lstStyle>
-            <a:lvl1pPr algn="ctr">
-              <a:defRPr sz="1200">
-                <a:solidFill>
-                  <a:schemeClr val="tx1">
-                    <a:tint val="75000"/>
-                  </a:schemeClr>
-                </a:solidFill>
-              </a:defRPr>
-            </a:lvl1pPr>
-          </a:lstStyle>
-          <a:p>
-            <a:endParaRPr lang="pt-BR"/>
-          </a:p>
-        </p:txBody>
-      </p:sp>
-      <p:sp>
-        <p:nvSpPr>
-          <p:cNvPr id="6" name="Espaço Reservado para Número de Slide 5">
-            <a:extLst>
-              <a:ext uri="{FF2B5EF4-FFF2-40B4-BE49-F238E27FC236}">
-                <a16:creationId xmlns:a16="http://schemas.microsoft.com/office/drawing/2014/main" id="{35DE77F2-E9D4-42E3-AAF5-332BED287731}"/>
-              </a:ext>
-            </a:extLst>
-          </p:cNvPr>
-          <p:cNvSpPr>
-            <a:spLocks noGrp="1"/>
-          </p:cNvSpPr>
-          <p:nvPr>
-            <p:ph type="sldNum" sz="quarter" idx="4"/>
-          </p:nvPr>
-        </p:nvSpPr>
-        <p:spPr>
-          <a:xfrm>
-            <a:off x="8610600" y="6356350"/>
-            <a:ext cx="2743200" cy="365125"/>
-          </a:xfrm>
-          <a:prstGeom prst="rect">
-            <a:avLst/>
-          </a:prstGeom>
-        </p:spPr>
-        <p:txBody>
-          <a:bodyPr vert="horz" lIns="91440" tIns="45720" rIns="91440" bIns="45720" rtlCol="0" anchor="ctr"/>
+          <a:bodyPr vert="horz" lIns="91440" tIns="45720" rIns="91440" bIns="45720" rtlCol="0" anchor="b"/>
           <a:lstStyle>
             <a:lvl1pPr algn="r">
-              <a:defRPr sz="1200">
-                <a:solidFill>
-                  <a:schemeClr val="tx1">
-                    <a:tint val="75000"/>
+              <a:defRPr sz="3200" b="0" i="0">
+                <a:solidFill>
+                  <a:schemeClr val="bg2">
+                    <a:lumMod val="50000"/>
                   </a:schemeClr>
                 </a:solidFill>
+                <a:effectLst/>
+                <a:latin typeface="+mn-lt"/>
               </a:defRPr>
             </a:lvl1pPr>
           </a:lstStyle>
@@ -3022,55 +4938,340 @@
     </p:spTree>
     <p:extLst>
       <p:ext uri="{BB962C8B-B14F-4D97-AF65-F5344CB8AC3E}">
-        <p14:creationId xmlns:p14="http://schemas.microsoft.com/office/powerpoint/2010/main" val="22141184"/>
+        <p14:creationId xmlns:p14="http://schemas.microsoft.com/office/powerpoint/2010/main" val="4081407845"/>
       </p:ext>
     </p:extLst>
   </p:cSld>
-  <p:clrMap bg1="lt1" tx1="dk1" bg2="lt2" tx2="dk2" accent1="accent1" accent2="accent2" accent3="accent3" accent4="accent4" accent5="accent5" accent6="accent6" hlink="hlink" folHlink="folHlink"/>
+  <p:clrMap bg1="dk1" tx1="lt1" bg2="dk2" tx2="lt2" accent1="accent1" accent2="accent2" accent3="accent3" accent4="accent4" accent5="accent5" accent6="accent6" hlink="hlink" folHlink="folHlink"/>
   <p:sldLayoutIdLst>
-    <p:sldLayoutId id="2147483649" r:id="rId1"/>
-    <p:sldLayoutId id="2147483650" r:id="rId2"/>
-    <p:sldLayoutId id="2147483651" r:id="rId3"/>
-    <p:sldLayoutId id="2147483652" r:id="rId4"/>
-    <p:sldLayoutId id="2147483653" r:id="rId5"/>
-    <p:sldLayoutId id="2147483654" r:id="rId6"/>
-    <p:sldLayoutId id="2147483655" r:id="rId7"/>
-    <p:sldLayoutId id="2147483656" r:id="rId8"/>
-    <p:sldLayoutId id="2147483657" r:id="rId9"/>
-    <p:sldLayoutId id="2147483658" r:id="rId10"/>
-    <p:sldLayoutId id="2147483659" r:id="rId11"/>
+    <p:sldLayoutId id="2147483661" r:id="rId1"/>
+    <p:sldLayoutId id="2147483662" r:id="rId2"/>
+    <p:sldLayoutId id="2147483663" r:id="rId3"/>
+    <p:sldLayoutId id="2147483664" r:id="rId4"/>
+    <p:sldLayoutId id="2147483665" r:id="rId5"/>
+    <p:sldLayoutId id="2147483666" r:id="rId6"/>
+    <p:sldLayoutId id="2147483667" r:id="rId7"/>
+    <p:sldLayoutId id="2147483668" r:id="rId8"/>
+    <p:sldLayoutId id="2147483669" r:id="rId9"/>
+    <p:sldLayoutId id="2147483670" r:id="rId10"/>
+    <p:sldLayoutId id="2147483671" r:id="rId11"/>
+    <p:sldLayoutId id="2147483672" r:id="rId12"/>
+    <p:sldLayoutId id="2147483673" r:id="rId13"/>
+    <p:sldLayoutId id="2147483674" r:id="rId14"/>
+    <p:sldLayoutId id="2147483675" r:id="rId15"/>
+    <p:sldLayoutId id="2147483676" r:id="rId16"/>
+    <p:sldLayoutId id="2147483677" r:id="rId17"/>
   </p:sldLayoutIdLst>
   <p:txStyles>
     <p:titleStyle>
-      <a:lvl1pPr algn="l" defTabSz="914400" rtl="0" eaLnBrk="1" latinLnBrk="0" hangingPunct="1">
-        <a:lnSpc>
-          <a:spcPct val="90000"/>
-        </a:lnSpc>
+      <a:lvl1pPr algn="l" defTabSz="457200" rtl="0" eaLnBrk="1" latinLnBrk="0" hangingPunct="1">
         <a:spcBef>
           <a:spcPct val="0"/>
         </a:spcBef>
         <a:buNone/>
-        <a:defRPr sz="4400" kern="1200">
+        <a:defRPr sz="3600" kern="1200" cap="all">
+          <a:ln w="3175" cmpd="sng">
+            <a:noFill/>
+          </a:ln>
           <a:solidFill>
             <a:schemeClr val="tx1"/>
           </a:solidFill>
+          <a:effectLst/>
           <a:latin typeface="+mj-lt"/>
           <a:ea typeface="+mj-ea"/>
           <a:cs typeface="+mj-cs"/>
         </a:defRPr>
       </a:lvl1pPr>
+      <a:lvl2pPr eaLnBrk="1" hangingPunct="1">
+        <a:defRPr>
+          <a:solidFill>
+            <a:schemeClr val="tx2"/>
+          </a:solidFill>
+        </a:defRPr>
+      </a:lvl2pPr>
+      <a:lvl3pPr eaLnBrk="1" hangingPunct="1">
+        <a:defRPr>
+          <a:solidFill>
+            <a:schemeClr val="tx2"/>
+          </a:solidFill>
+        </a:defRPr>
+      </a:lvl3pPr>
+      <a:lvl4pPr eaLnBrk="1" hangingPunct="1">
+        <a:defRPr>
+          <a:solidFill>
+            <a:schemeClr val="tx2"/>
+          </a:solidFill>
+        </a:defRPr>
+      </a:lvl4pPr>
+      <a:lvl5pPr eaLnBrk="1" hangingPunct="1">
+        <a:defRPr>
+          <a:solidFill>
+            <a:schemeClr val="tx2"/>
+          </a:solidFill>
+        </a:defRPr>
+      </a:lvl5pPr>
+      <a:lvl6pPr eaLnBrk="1" hangingPunct="1">
+        <a:defRPr>
+          <a:solidFill>
+            <a:schemeClr val="tx2"/>
+          </a:solidFill>
+        </a:defRPr>
+      </a:lvl6pPr>
+      <a:lvl7pPr eaLnBrk="1" hangingPunct="1">
+        <a:defRPr>
+          <a:solidFill>
+            <a:schemeClr val="tx2"/>
+          </a:solidFill>
+        </a:defRPr>
+      </a:lvl7pPr>
+      <a:lvl8pPr eaLnBrk="1" hangingPunct="1">
+        <a:defRPr>
+          <a:solidFill>
+            <a:schemeClr val="tx2"/>
+          </a:solidFill>
+        </a:defRPr>
+      </a:lvl8pPr>
+      <a:lvl9pPr eaLnBrk="1" hangingPunct="1">
+        <a:defRPr>
+          <a:solidFill>
+            <a:schemeClr val="tx2"/>
+          </a:solidFill>
+        </a:defRPr>
+      </a:lvl9pPr>
     </p:titleStyle>
     <p:bodyStyle>
-      <a:lvl1pPr marL="228600" indent="-228600" algn="l" defTabSz="914400" rtl="0" eaLnBrk="1" latinLnBrk="0" hangingPunct="1">
-        <a:lnSpc>
-          <a:spcPct val="90000"/>
-        </a:lnSpc>
+      <a:lvl1pPr marL="285750" indent="-285750" algn="l" defTabSz="457200" rtl="0" eaLnBrk="1" latinLnBrk="0" hangingPunct="1">
         <a:spcBef>
-          <a:spcPts val="1000"/>
+          <a:spcPct val="20000"/>
         </a:spcBef>
-        <a:buFont typeface="Arial" panose="020B0604020202020204" pitchFamily="34" charset="0"/>
-        <a:buChar char="•"/>
-        <a:defRPr sz="2800" kern="1200">
+        <a:spcAft>
+          <a:spcPts val="600"/>
+        </a:spcAft>
+        <a:buClr>
+          <a:schemeClr val="tx1"/>
+        </a:buClr>
+        <a:buSzPct val="80000"/>
+        <a:buFont typeface="Wingdings 3" panose="05040102010807070707" pitchFamily="18" charset="2"/>
+        <a:buChar char=""/>
+        <a:defRPr sz="2000" kern="1200" cap="none">
+          <a:solidFill>
+            <a:schemeClr val="bg2">
+              <a:lumMod val="75000"/>
+            </a:schemeClr>
+          </a:solidFill>
+          <a:effectLst/>
+          <a:latin typeface="+mn-lt"/>
+          <a:ea typeface="+mn-ea"/>
+          <a:cs typeface="+mn-cs"/>
+        </a:defRPr>
+      </a:lvl1pPr>
+      <a:lvl2pPr marL="742950" indent="-285750" algn="l" defTabSz="457200" rtl="0" eaLnBrk="1" latinLnBrk="0" hangingPunct="1">
+        <a:spcBef>
+          <a:spcPct val="20000"/>
+        </a:spcBef>
+        <a:spcAft>
+          <a:spcPts val="600"/>
+        </a:spcAft>
+        <a:buClr>
+          <a:schemeClr val="tx1"/>
+        </a:buClr>
+        <a:buSzPct val="80000"/>
+        <a:buFont typeface="Wingdings 3" panose="05040102010807070707" pitchFamily="18" charset="2"/>
+        <a:buChar char=""/>
+        <a:defRPr sz="1800" kern="1200" cap="none">
+          <a:solidFill>
+            <a:schemeClr val="bg2">
+              <a:lumMod val="75000"/>
+            </a:schemeClr>
+          </a:solidFill>
+          <a:effectLst/>
+          <a:latin typeface="+mn-lt"/>
+          <a:ea typeface="+mn-ea"/>
+          <a:cs typeface="+mn-cs"/>
+        </a:defRPr>
+      </a:lvl2pPr>
+      <a:lvl3pPr marL="1200150" indent="-285750" algn="l" defTabSz="457200" rtl="0" eaLnBrk="1" latinLnBrk="0" hangingPunct="1">
+        <a:spcBef>
+          <a:spcPct val="20000"/>
+        </a:spcBef>
+        <a:spcAft>
+          <a:spcPts val="600"/>
+        </a:spcAft>
+        <a:buClr>
+          <a:schemeClr val="tx1"/>
+        </a:buClr>
+        <a:buSzPct val="80000"/>
+        <a:buFont typeface="Wingdings 3" panose="05040102010807070707" pitchFamily="18" charset="2"/>
+        <a:buChar char=""/>
+        <a:defRPr sz="1600" kern="1200" cap="none">
+          <a:solidFill>
+            <a:schemeClr val="bg2">
+              <a:lumMod val="75000"/>
+            </a:schemeClr>
+          </a:solidFill>
+          <a:effectLst/>
+          <a:latin typeface="+mn-lt"/>
+          <a:ea typeface="+mn-ea"/>
+          <a:cs typeface="+mn-cs"/>
+        </a:defRPr>
+      </a:lvl3pPr>
+      <a:lvl4pPr marL="1543050" indent="-171450" algn="l" defTabSz="457200" rtl="0" eaLnBrk="1" latinLnBrk="0" hangingPunct="1">
+        <a:spcBef>
+          <a:spcPct val="20000"/>
+        </a:spcBef>
+        <a:spcAft>
+          <a:spcPts val="600"/>
+        </a:spcAft>
+        <a:buClr>
+          <a:schemeClr val="tx1"/>
+        </a:buClr>
+        <a:buSzPct val="80000"/>
+        <a:buFont typeface="Wingdings 3" panose="05040102010807070707" pitchFamily="18" charset="2"/>
+        <a:buChar char=""/>
+        <a:defRPr sz="1400" kern="1200" cap="none">
+          <a:solidFill>
+            <a:schemeClr val="bg2">
+              <a:lumMod val="75000"/>
+            </a:schemeClr>
+          </a:solidFill>
+          <a:effectLst/>
+          <a:latin typeface="+mn-lt"/>
+          <a:ea typeface="+mn-ea"/>
+          <a:cs typeface="+mn-cs"/>
+        </a:defRPr>
+      </a:lvl4pPr>
+      <a:lvl5pPr marL="2000250" indent="-171450" algn="l" defTabSz="457200" rtl="0" eaLnBrk="1" latinLnBrk="0" hangingPunct="1">
+        <a:spcBef>
+          <a:spcPct val="20000"/>
+        </a:spcBef>
+        <a:spcAft>
+          <a:spcPts val="600"/>
+        </a:spcAft>
+        <a:buClr>
+          <a:schemeClr val="tx1"/>
+        </a:buClr>
+        <a:buSzPct val="80000"/>
+        <a:buFont typeface="Wingdings 3" panose="05040102010807070707" pitchFamily="18" charset="2"/>
+        <a:buChar char=""/>
+        <a:defRPr sz="1400" kern="1200" cap="none">
+          <a:solidFill>
+            <a:schemeClr val="bg2">
+              <a:lumMod val="75000"/>
+            </a:schemeClr>
+          </a:solidFill>
+          <a:effectLst/>
+          <a:latin typeface="+mn-lt"/>
+          <a:ea typeface="+mn-ea"/>
+          <a:cs typeface="+mn-cs"/>
+        </a:defRPr>
+      </a:lvl5pPr>
+      <a:lvl6pPr marL="2514600" indent="-228600" algn="l" defTabSz="457200" rtl="0" eaLnBrk="1" latinLnBrk="0" hangingPunct="1">
+        <a:spcBef>
+          <a:spcPct val="20000"/>
+        </a:spcBef>
+        <a:spcAft>
+          <a:spcPts val="600"/>
+        </a:spcAft>
+        <a:buClr>
+          <a:schemeClr val="tx1"/>
+        </a:buClr>
+        <a:buSzPct val="80000"/>
+        <a:buFont typeface="Wingdings 3" panose="05040102010807070707" pitchFamily="18" charset="2"/>
+        <a:buChar char=""/>
+        <a:defRPr sz="1400" kern="1200" cap="none">
+          <a:solidFill>
+            <a:schemeClr val="bg2">
+              <a:lumMod val="75000"/>
+            </a:schemeClr>
+          </a:solidFill>
+          <a:effectLst/>
+          <a:latin typeface="+mn-lt"/>
+          <a:ea typeface="+mn-ea"/>
+          <a:cs typeface="+mn-cs"/>
+        </a:defRPr>
+      </a:lvl6pPr>
+      <a:lvl7pPr marL="2971800" indent="-228600" algn="l" defTabSz="457200" rtl="0" eaLnBrk="1" latinLnBrk="0" hangingPunct="1">
+        <a:spcBef>
+          <a:spcPct val="20000"/>
+        </a:spcBef>
+        <a:spcAft>
+          <a:spcPts val="600"/>
+        </a:spcAft>
+        <a:buClr>
+          <a:schemeClr val="tx1"/>
+        </a:buClr>
+        <a:buSzPct val="80000"/>
+        <a:buFont typeface="Wingdings 3" panose="05040102010807070707" pitchFamily="18" charset="2"/>
+        <a:buChar char=""/>
+        <a:defRPr sz="1400" kern="1200" cap="none">
+          <a:solidFill>
+            <a:schemeClr val="bg2">
+              <a:lumMod val="75000"/>
+            </a:schemeClr>
+          </a:solidFill>
+          <a:effectLst/>
+          <a:latin typeface="+mn-lt"/>
+          <a:ea typeface="+mn-ea"/>
+          <a:cs typeface="+mn-cs"/>
+        </a:defRPr>
+      </a:lvl7pPr>
+      <a:lvl8pPr marL="3429000" indent="-228600" algn="l" defTabSz="457200" rtl="0" eaLnBrk="1" latinLnBrk="0" hangingPunct="1">
+        <a:spcBef>
+          <a:spcPct val="20000"/>
+        </a:spcBef>
+        <a:spcAft>
+          <a:spcPts val="600"/>
+        </a:spcAft>
+        <a:buClr>
+          <a:schemeClr val="tx1"/>
+        </a:buClr>
+        <a:buSzPct val="80000"/>
+        <a:buFont typeface="Wingdings 3" panose="05040102010807070707" pitchFamily="18" charset="2"/>
+        <a:buChar char=""/>
+        <a:defRPr sz="1400" kern="1200" cap="none">
+          <a:solidFill>
+            <a:schemeClr val="bg2">
+              <a:lumMod val="75000"/>
+            </a:schemeClr>
+          </a:solidFill>
+          <a:effectLst/>
+          <a:latin typeface="+mn-lt"/>
+          <a:ea typeface="+mn-ea"/>
+          <a:cs typeface="+mn-cs"/>
+        </a:defRPr>
+      </a:lvl8pPr>
+      <a:lvl9pPr marL="3886200" indent="-228600" algn="l" defTabSz="457200" rtl="0" eaLnBrk="1" latinLnBrk="0" hangingPunct="1">
+        <a:spcBef>
+          <a:spcPct val="20000"/>
+        </a:spcBef>
+        <a:spcAft>
+          <a:spcPts val="600"/>
+        </a:spcAft>
+        <a:buClr>
+          <a:schemeClr val="tx1"/>
+        </a:buClr>
+        <a:buSzPct val="80000"/>
+        <a:buFont typeface="Wingdings 3" panose="05040102010807070707" pitchFamily="18" charset="2"/>
+        <a:buChar char=""/>
+        <a:defRPr sz="1400" kern="1200" cap="none">
+          <a:solidFill>
+            <a:schemeClr val="bg2">
+              <a:lumMod val="75000"/>
+            </a:schemeClr>
+          </a:solidFill>
+          <a:effectLst/>
+          <a:latin typeface="+mn-lt"/>
+          <a:ea typeface="+mn-ea"/>
+          <a:cs typeface="+mn-cs"/>
+        </a:defRPr>
+      </a:lvl9pPr>
+    </p:bodyStyle>
+    <p:otherStyle>
+      <a:defPPr>
+        <a:defRPr lang="en-US"/>
+      </a:defPPr>
+      <a:lvl1pPr marL="0" algn="l" defTabSz="457200" rtl="0" eaLnBrk="1" latinLnBrk="0" hangingPunct="1">
+        <a:defRPr sz="1800" kern="1200">
           <a:solidFill>
             <a:schemeClr val="tx1"/>
           </a:solidFill>
@@ -3079,16 +5280,8 @@
           <a:cs typeface="+mn-cs"/>
         </a:defRPr>
       </a:lvl1pPr>
-      <a:lvl2pPr marL="685800" indent="-228600" algn="l" defTabSz="914400" rtl="0" eaLnBrk="1" latinLnBrk="0" hangingPunct="1">
-        <a:lnSpc>
-          <a:spcPct val="90000"/>
-        </a:lnSpc>
-        <a:spcBef>
-          <a:spcPts val="500"/>
-        </a:spcBef>
-        <a:buFont typeface="Arial" panose="020B0604020202020204" pitchFamily="34" charset="0"/>
-        <a:buChar char="•"/>
-        <a:defRPr sz="2400" kern="1200">
+      <a:lvl2pPr marL="457200" algn="l" defTabSz="457200" rtl="0" eaLnBrk="1" latinLnBrk="0" hangingPunct="1">
+        <a:defRPr sz="1800" kern="1200">
           <a:solidFill>
             <a:schemeClr val="tx1"/>
           </a:solidFill>
@@ -3097,16 +5290,8 @@
           <a:cs typeface="+mn-cs"/>
         </a:defRPr>
       </a:lvl2pPr>
-      <a:lvl3pPr marL="1143000" indent="-228600" algn="l" defTabSz="914400" rtl="0" eaLnBrk="1" latinLnBrk="0" hangingPunct="1">
-        <a:lnSpc>
-          <a:spcPct val="90000"/>
-        </a:lnSpc>
-        <a:spcBef>
-          <a:spcPts val="500"/>
-        </a:spcBef>
-        <a:buFont typeface="Arial" panose="020B0604020202020204" pitchFamily="34" charset="0"/>
-        <a:buChar char="•"/>
-        <a:defRPr sz="2000" kern="1200">
+      <a:lvl3pPr marL="914400" algn="l" defTabSz="457200" rtl="0" eaLnBrk="1" latinLnBrk="0" hangingPunct="1">
+        <a:defRPr sz="1800" kern="1200">
           <a:solidFill>
             <a:schemeClr val="tx1"/>
           </a:solidFill>
@@ -3115,15 +5300,7 @@
           <a:cs typeface="+mn-cs"/>
         </a:defRPr>
       </a:lvl3pPr>
-      <a:lvl4pPr marL="1600200" indent="-228600" algn="l" defTabSz="914400" rtl="0" eaLnBrk="1" latinLnBrk="0" hangingPunct="1">
-        <a:lnSpc>
-          <a:spcPct val="90000"/>
-        </a:lnSpc>
-        <a:spcBef>
-          <a:spcPts val="500"/>
-        </a:spcBef>
-        <a:buFont typeface="Arial" panose="020B0604020202020204" pitchFamily="34" charset="0"/>
-        <a:buChar char="•"/>
+      <a:lvl4pPr marL="1371600" algn="l" defTabSz="457200" rtl="0" eaLnBrk="1" latinLnBrk="0" hangingPunct="1">
         <a:defRPr sz="1800" kern="1200">
           <a:solidFill>
             <a:schemeClr val="tx1"/>
@@ -3133,15 +5310,7 @@
           <a:cs typeface="+mn-cs"/>
         </a:defRPr>
       </a:lvl4pPr>
-      <a:lvl5pPr marL="2057400" indent="-228600" algn="l" defTabSz="914400" rtl="0" eaLnBrk="1" latinLnBrk="0" hangingPunct="1">
-        <a:lnSpc>
-          <a:spcPct val="90000"/>
-        </a:lnSpc>
-        <a:spcBef>
-          <a:spcPts val="500"/>
-        </a:spcBef>
-        <a:buFont typeface="Arial" panose="020B0604020202020204" pitchFamily="34" charset="0"/>
-        <a:buChar char="•"/>
+      <a:lvl5pPr marL="1828800" algn="l" defTabSz="457200" rtl="0" eaLnBrk="1" latinLnBrk="0" hangingPunct="1">
         <a:defRPr sz="1800" kern="1200">
           <a:solidFill>
             <a:schemeClr val="tx1"/>
@@ -3151,15 +5320,7 @@
           <a:cs typeface="+mn-cs"/>
         </a:defRPr>
       </a:lvl5pPr>
-      <a:lvl6pPr marL="2514600" indent="-228600" algn="l" defTabSz="914400" rtl="0" eaLnBrk="1" latinLnBrk="0" hangingPunct="1">
-        <a:lnSpc>
-          <a:spcPct val="90000"/>
-        </a:lnSpc>
-        <a:spcBef>
-          <a:spcPts val="500"/>
-        </a:spcBef>
-        <a:buFont typeface="Arial" panose="020B0604020202020204" pitchFamily="34" charset="0"/>
-        <a:buChar char="•"/>
+      <a:lvl6pPr marL="2286000" algn="l" defTabSz="457200" rtl="0" eaLnBrk="1" latinLnBrk="0" hangingPunct="1">
         <a:defRPr sz="1800" kern="1200">
           <a:solidFill>
             <a:schemeClr val="tx1"/>
@@ -3169,15 +5330,7 @@
           <a:cs typeface="+mn-cs"/>
         </a:defRPr>
       </a:lvl6pPr>
-      <a:lvl7pPr marL="2971800" indent="-228600" algn="l" defTabSz="914400" rtl="0" eaLnBrk="1" latinLnBrk="0" hangingPunct="1">
-        <a:lnSpc>
-          <a:spcPct val="90000"/>
-        </a:lnSpc>
-        <a:spcBef>
-          <a:spcPts val="500"/>
-        </a:spcBef>
-        <a:buFont typeface="Arial" panose="020B0604020202020204" pitchFamily="34" charset="0"/>
-        <a:buChar char="•"/>
+      <a:lvl7pPr marL="2743200" algn="l" defTabSz="457200" rtl="0" eaLnBrk="1" latinLnBrk="0" hangingPunct="1">
         <a:defRPr sz="1800" kern="1200">
           <a:solidFill>
             <a:schemeClr val="tx1"/>
@@ -3187,15 +5340,7 @@
           <a:cs typeface="+mn-cs"/>
         </a:defRPr>
       </a:lvl7pPr>
-      <a:lvl8pPr marL="3429000" indent="-228600" algn="l" defTabSz="914400" rtl="0" eaLnBrk="1" latinLnBrk="0" hangingPunct="1">
-        <a:lnSpc>
-          <a:spcPct val="90000"/>
-        </a:lnSpc>
-        <a:spcBef>
-          <a:spcPts val="500"/>
-        </a:spcBef>
-        <a:buFont typeface="Arial" panose="020B0604020202020204" pitchFamily="34" charset="0"/>
-        <a:buChar char="•"/>
+      <a:lvl8pPr marL="3200400" algn="l" defTabSz="457200" rtl="0" eaLnBrk="1" latinLnBrk="0" hangingPunct="1">
         <a:defRPr sz="1800" kern="1200">
           <a:solidFill>
             <a:schemeClr val="tx1"/>
@@ -3205,110 +5350,7 @@
           <a:cs typeface="+mn-cs"/>
         </a:defRPr>
       </a:lvl8pPr>
-      <a:lvl9pPr marL="3886200" indent="-228600" algn="l" defTabSz="914400" rtl="0" eaLnBrk="1" latinLnBrk="0" hangingPunct="1">
-        <a:lnSpc>
-          <a:spcPct val="90000"/>
-        </a:lnSpc>
-        <a:spcBef>
-          <a:spcPts val="500"/>
-        </a:spcBef>
-        <a:buFont typeface="Arial" panose="020B0604020202020204" pitchFamily="34" charset="0"/>
-        <a:buChar char="•"/>
-        <a:defRPr sz="1800" kern="1200">
-          <a:solidFill>
-            <a:schemeClr val="tx1"/>
-          </a:solidFill>
-          <a:latin typeface="+mn-lt"/>
-          <a:ea typeface="+mn-ea"/>
-          <a:cs typeface="+mn-cs"/>
-        </a:defRPr>
-      </a:lvl9pPr>
-    </p:bodyStyle>
-    <p:otherStyle>
-      <a:defPPr>
-        <a:defRPr lang="pt-BR"/>
-      </a:defPPr>
-      <a:lvl1pPr marL="0" algn="l" defTabSz="914400" rtl="0" eaLnBrk="1" latinLnBrk="0" hangingPunct="1">
-        <a:defRPr sz="1800" kern="1200">
-          <a:solidFill>
-            <a:schemeClr val="tx1"/>
-          </a:solidFill>
-          <a:latin typeface="+mn-lt"/>
-          <a:ea typeface="+mn-ea"/>
-          <a:cs typeface="+mn-cs"/>
-        </a:defRPr>
-      </a:lvl1pPr>
-      <a:lvl2pPr marL="457200" algn="l" defTabSz="914400" rtl="0" eaLnBrk="1" latinLnBrk="0" hangingPunct="1">
-        <a:defRPr sz="1800" kern="1200">
-          <a:solidFill>
-            <a:schemeClr val="tx1"/>
-          </a:solidFill>
-          <a:latin typeface="+mn-lt"/>
-          <a:ea typeface="+mn-ea"/>
-          <a:cs typeface="+mn-cs"/>
-        </a:defRPr>
-      </a:lvl2pPr>
-      <a:lvl3pPr marL="914400" algn="l" defTabSz="914400" rtl="0" eaLnBrk="1" latinLnBrk="0" hangingPunct="1">
-        <a:defRPr sz="1800" kern="1200">
-          <a:solidFill>
-            <a:schemeClr val="tx1"/>
-          </a:solidFill>
-          <a:latin typeface="+mn-lt"/>
-          <a:ea typeface="+mn-ea"/>
-          <a:cs typeface="+mn-cs"/>
-        </a:defRPr>
-      </a:lvl3pPr>
-      <a:lvl4pPr marL="1371600" algn="l" defTabSz="914400" rtl="0" eaLnBrk="1" latinLnBrk="0" hangingPunct="1">
-        <a:defRPr sz="1800" kern="1200">
-          <a:solidFill>
-            <a:schemeClr val="tx1"/>
-          </a:solidFill>
-          <a:latin typeface="+mn-lt"/>
-          <a:ea typeface="+mn-ea"/>
-          <a:cs typeface="+mn-cs"/>
-        </a:defRPr>
-      </a:lvl4pPr>
-      <a:lvl5pPr marL="1828800" algn="l" defTabSz="914400" rtl="0" eaLnBrk="1" latinLnBrk="0" hangingPunct="1">
-        <a:defRPr sz="1800" kern="1200">
-          <a:solidFill>
-            <a:schemeClr val="tx1"/>
-          </a:solidFill>
-          <a:latin typeface="+mn-lt"/>
-          <a:ea typeface="+mn-ea"/>
-          <a:cs typeface="+mn-cs"/>
-        </a:defRPr>
-      </a:lvl5pPr>
-      <a:lvl6pPr marL="2286000" algn="l" defTabSz="914400" rtl="0" eaLnBrk="1" latinLnBrk="0" hangingPunct="1">
-        <a:defRPr sz="1800" kern="1200">
-          <a:solidFill>
-            <a:schemeClr val="tx1"/>
-          </a:solidFill>
-          <a:latin typeface="+mn-lt"/>
-          <a:ea typeface="+mn-ea"/>
-          <a:cs typeface="+mn-cs"/>
-        </a:defRPr>
-      </a:lvl6pPr>
-      <a:lvl7pPr marL="2743200" algn="l" defTabSz="914400" rtl="0" eaLnBrk="1" latinLnBrk="0" hangingPunct="1">
-        <a:defRPr sz="1800" kern="1200">
-          <a:solidFill>
-            <a:schemeClr val="tx1"/>
-          </a:solidFill>
-          <a:latin typeface="+mn-lt"/>
-          <a:ea typeface="+mn-ea"/>
-          <a:cs typeface="+mn-cs"/>
-        </a:defRPr>
-      </a:lvl7pPr>
-      <a:lvl8pPr marL="3200400" algn="l" defTabSz="914400" rtl="0" eaLnBrk="1" latinLnBrk="0" hangingPunct="1">
-        <a:defRPr sz="1800" kern="1200">
-          <a:solidFill>
-            <a:schemeClr val="tx1"/>
-          </a:solidFill>
-          <a:latin typeface="+mn-lt"/>
-          <a:ea typeface="+mn-ea"/>
-          <a:cs typeface="+mn-cs"/>
-        </a:defRPr>
-      </a:lvl8pPr>
-      <a:lvl9pPr marL="3657600" algn="l" defTabSz="914400" rtl="0" eaLnBrk="1" latinLnBrk="0" hangingPunct="1">
+      <a:lvl9pPr marL="3657600" algn="l" defTabSz="457200" rtl="0" eaLnBrk="1" latinLnBrk="0" hangingPunct="1">
         <a:defRPr sz="1800" kern="1200">
           <a:solidFill>
             <a:schemeClr val="tx1"/>
@@ -3535,11 +5577,19 @@
               </a:spcBef>
             </a:pPr>
             <a:r>
-              <a:rPr lang="pt-BR" sz="1800" dirty="0" err="1"/>
+              <a:rPr lang="pt-BR" sz="1800" dirty="0" err="1">
+                <a:solidFill>
+                  <a:schemeClr val="bg1"/>
+                </a:solidFill>
+              </a:rPr>
               <a:t>Clk</a:t>
             </a:r>
             <a:r>
-              <a:rPr lang="pt-BR" sz="1800" dirty="0"/>
+              <a:rPr lang="pt-BR" sz="1800" dirty="0">
+                <a:solidFill>
+                  <a:schemeClr val="bg1"/>
+                </a:solidFill>
+              </a:rPr>
               <a:t>;</a:t>
             </a:r>
           </a:p>
@@ -3550,7 +5600,11 @@
               </a:spcBef>
             </a:pPr>
             <a:r>
-              <a:rPr lang="pt-BR" sz="1800" dirty="0"/>
+              <a:rPr lang="pt-BR" sz="1800" dirty="0">
+                <a:solidFill>
+                  <a:schemeClr val="bg1"/>
+                </a:solidFill>
+              </a:rPr>
               <a:t>entrada;</a:t>
             </a:r>
           </a:p>
@@ -3561,11 +5615,19 @@
               </a:spcBef>
             </a:pPr>
             <a:r>
-              <a:rPr lang="pt-BR" sz="1800" dirty="0" err="1"/>
+              <a:rPr lang="pt-BR" sz="1800" dirty="0" err="1">
+                <a:solidFill>
+                  <a:schemeClr val="bg1"/>
+                </a:solidFill>
+              </a:rPr>
               <a:t>funct</a:t>
             </a:r>
             <a:r>
-              <a:rPr lang="pt-BR" sz="1800" dirty="0"/>
+              <a:rPr lang="pt-BR" sz="1800" dirty="0">
+                <a:solidFill>
+                  <a:schemeClr val="bg1"/>
+                </a:solidFill>
+              </a:rPr>
               <a:t>;</a:t>
             </a:r>
           </a:p>
@@ -3576,11 +5638,19 @@
               </a:spcBef>
             </a:pPr>
             <a:r>
-              <a:rPr lang="pt-BR" sz="1800" dirty="0" err="1"/>
+              <a:rPr lang="pt-BR" sz="1800" dirty="0" err="1">
+                <a:solidFill>
+                  <a:schemeClr val="bg1"/>
+                </a:solidFill>
+              </a:rPr>
               <a:t>jump</a:t>
             </a:r>
             <a:r>
-              <a:rPr lang="pt-BR" sz="1800" dirty="0"/>
+              <a:rPr lang="pt-BR" sz="1800" dirty="0">
+                <a:solidFill>
+                  <a:schemeClr val="bg1"/>
+                </a:solidFill>
+              </a:rPr>
               <a:t>;</a:t>
             </a:r>
           </a:p>
@@ -3591,11 +5661,19 @@
               </a:spcBef>
             </a:pPr>
             <a:r>
-              <a:rPr lang="pt-BR" sz="1800" dirty="0" err="1"/>
+              <a:rPr lang="pt-BR" sz="1800" dirty="0" err="1">
+                <a:solidFill>
+                  <a:schemeClr val="bg1"/>
+                </a:solidFill>
+              </a:rPr>
               <a:t>op</a:t>
             </a:r>
             <a:r>
-              <a:rPr lang="pt-BR" sz="1800" dirty="0"/>
+              <a:rPr lang="pt-BR" sz="1800" dirty="0">
+                <a:solidFill>
+                  <a:schemeClr val="bg1"/>
+                </a:solidFill>
+              </a:rPr>
               <a:t>;</a:t>
             </a:r>
           </a:p>
@@ -3606,7 +5684,11 @@
               </a:spcBef>
             </a:pPr>
             <a:r>
-              <a:rPr lang="pt-BR" sz="1800" dirty="0"/>
+              <a:rPr lang="pt-BR" sz="1800" dirty="0">
+                <a:solidFill>
+                  <a:schemeClr val="bg1"/>
+                </a:solidFill>
+              </a:rPr>
               <a:t>rd;</a:t>
             </a:r>
           </a:p>
@@ -3617,11 +5699,19 @@
               </a:spcBef>
             </a:pPr>
             <a:r>
-              <a:rPr lang="pt-BR" sz="1800" dirty="0" err="1"/>
+              <a:rPr lang="pt-BR" sz="1800" dirty="0" err="1">
+                <a:solidFill>
+                  <a:schemeClr val="bg1"/>
+                </a:solidFill>
+              </a:rPr>
               <a:t>rs</a:t>
             </a:r>
             <a:r>
-              <a:rPr lang="pt-BR" sz="1800" dirty="0"/>
+              <a:rPr lang="pt-BR" sz="1800" dirty="0">
+                <a:solidFill>
+                  <a:schemeClr val="bg1"/>
+                </a:solidFill>
+              </a:rPr>
               <a:t>;</a:t>
             </a:r>
           </a:p>
@@ -3632,11 +5722,19 @@
               </a:spcBef>
             </a:pPr>
             <a:r>
-              <a:rPr lang="pt-BR" sz="1800" dirty="0" err="1"/>
+              <a:rPr lang="pt-BR" sz="1800" dirty="0" err="1">
+                <a:solidFill>
+                  <a:schemeClr val="bg1"/>
+                </a:solidFill>
+              </a:rPr>
               <a:t>rt</a:t>
             </a:r>
             <a:r>
-              <a:rPr lang="pt-BR" sz="1800" dirty="0"/>
+              <a:rPr lang="pt-BR" sz="1800" dirty="0">
+                <a:solidFill>
+                  <a:schemeClr val="bg1"/>
+                </a:solidFill>
+              </a:rPr>
               <a:t>;</a:t>
             </a:r>
           </a:p>
@@ -3647,11 +5745,19 @@
               </a:spcBef>
             </a:pPr>
             <a:r>
-              <a:rPr lang="pt-BR" sz="1800" dirty="0" err="1"/>
+              <a:rPr lang="pt-BR" sz="1800" dirty="0" err="1">
+                <a:solidFill>
+                  <a:schemeClr val="bg1"/>
+                </a:solidFill>
+              </a:rPr>
               <a:t>tipoi</a:t>
             </a:r>
             <a:r>
-              <a:rPr lang="pt-BR" sz="1800" dirty="0"/>
+              <a:rPr lang="pt-BR" sz="1800" dirty="0">
+                <a:solidFill>
+                  <a:schemeClr val="bg1"/>
+                </a:solidFill>
+              </a:rPr>
               <a:t>;</a:t>
             </a:r>
           </a:p>
@@ -3790,7 +5896,11 @@
               </a:spcBef>
             </a:pPr>
             <a:r>
-              <a:rPr lang="pt-BR" sz="1800" dirty="0"/>
+              <a:rPr lang="pt-BR" sz="1800" dirty="0">
+                <a:solidFill>
+                  <a:schemeClr val="bg1"/>
+                </a:solidFill>
+              </a:rPr>
               <a:t>entrada: dado para escrita;</a:t>
             </a:r>
           </a:p>
@@ -3801,11 +5911,19 @@
               </a:spcBef>
             </a:pPr>
             <a:r>
-              <a:rPr lang="pt-BR" sz="1800" dirty="0" err="1"/>
+              <a:rPr lang="pt-BR" sz="1800" dirty="0" err="1">
+                <a:solidFill>
+                  <a:schemeClr val="bg1"/>
+                </a:solidFill>
+              </a:rPr>
               <a:t>endereco</a:t>
             </a:r>
             <a:r>
-              <a:rPr lang="pt-BR" sz="1800" dirty="0"/>
+              <a:rPr lang="pt-BR" sz="1800" dirty="0">
+                <a:solidFill>
+                  <a:schemeClr val="bg1"/>
+                </a:solidFill>
+              </a:rPr>
               <a:t>: endereço do dado de saída;</a:t>
             </a:r>
           </a:p>
@@ -3816,7 +5934,11 @@
               </a:spcBef>
             </a:pPr>
             <a:r>
-              <a:rPr lang="pt-BR" sz="1800" dirty="0"/>
+              <a:rPr lang="pt-BR" sz="1800" dirty="0">
+                <a:solidFill>
+                  <a:schemeClr val="bg1"/>
+                </a:solidFill>
+              </a:rPr>
               <a:t>saída: saída de dados;</a:t>
             </a:r>
           </a:p>
@@ -3827,11 +5949,19 @@
               </a:spcBef>
             </a:pPr>
             <a:r>
-              <a:rPr lang="pt-BR" sz="1800" dirty="0" err="1"/>
+              <a:rPr lang="pt-BR" sz="1800" dirty="0" err="1">
+                <a:solidFill>
+                  <a:schemeClr val="bg1"/>
+                </a:solidFill>
+              </a:rPr>
               <a:t>wr</a:t>
             </a:r>
             <a:r>
-              <a:rPr lang="pt-BR" sz="1800" dirty="0"/>
+              <a:rPr lang="pt-BR" sz="1800" dirty="0">
+                <a:solidFill>
+                  <a:schemeClr val="bg1"/>
+                </a:solidFill>
+              </a:rPr>
               <a:t>: flag de escrita;</a:t>
             </a:r>
           </a:p>
@@ -3842,7 +5972,11 @@
               </a:spcBef>
             </a:pPr>
             <a:r>
-              <a:rPr lang="pt-BR" sz="1800" dirty="0"/>
+              <a:rPr lang="pt-BR" sz="1800" dirty="0">
+                <a:solidFill>
+                  <a:schemeClr val="bg1"/>
+                </a:solidFill>
+              </a:rPr>
               <a:t>rd: flag de leitura.</a:t>
             </a:r>
           </a:p>
@@ -3982,7 +6116,11 @@
               <a:buNone/>
             </a:pPr>
             <a:r>
-              <a:rPr lang="pt-BR" sz="1800" dirty="0"/>
+              <a:rPr lang="pt-BR" sz="1800" dirty="0">
+                <a:solidFill>
+                  <a:schemeClr val="bg1"/>
+                </a:solidFill>
+              </a:rPr>
               <a:t>Tem a função de incrementar o PC;</a:t>
             </a:r>
           </a:p>
@@ -3993,7 +6131,11 @@
               </a:spcBef>
               <a:buNone/>
             </a:pPr>
-            <a:endParaRPr lang="pt-BR" sz="1800" dirty="0"/>
+            <a:endParaRPr lang="pt-BR" sz="1800" dirty="0">
+              <a:solidFill>
+                <a:schemeClr val="bg1"/>
+              </a:solidFill>
+            </a:endParaRPr>
           </a:p>
           <a:p>
             <a:pPr>
@@ -4002,7 +6144,11 @@
               </a:spcBef>
             </a:pPr>
             <a:r>
-              <a:rPr lang="pt-BR" sz="1800" dirty="0"/>
+              <a:rPr lang="pt-BR" sz="1800" dirty="0">
+                <a:solidFill>
+                  <a:schemeClr val="bg1"/>
+                </a:solidFill>
+              </a:rPr>
               <a:t>ENTRADA1;</a:t>
             </a:r>
           </a:p>
@@ -4013,7 +6159,11 @@
               </a:spcBef>
             </a:pPr>
             <a:r>
-              <a:rPr lang="pt-BR" sz="1800" dirty="0"/>
+              <a:rPr lang="pt-BR" sz="1800" dirty="0">
+                <a:solidFill>
+                  <a:schemeClr val="bg1"/>
+                </a:solidFill>
+              </a:rPr>
               <a:t>ENTRADA2;</a:t>
             </a:r>
           </a:p>
@@ -4024,7 +6174,11 @@
               </a:spcBef>
             </a:pPr>
             <a:r>
-              <a:rPr lang="pt-BR" sz="1800" dirty="0"/>
+              <a:rPr lang="pt-BR" sz="1800" dirty="0">
+                <a:solidFill>
+                  <a:schemeClr val="bg1"/>
+                </a:solidFill>
+              </a:rPr>
               <a:t>SAIDA. </a:t>
             </a:r>
           </a:p>
@@ -4056,8 +6210,8 @@
         </p:blipFill>
         <p:spPr>
           <a:xfrm>
-            <a:off x="4233079" y="1544734"/>
-            <a:ext cx="7958921" cy="3121051"/>
+            <a:off x="4956313" y="1544735"/>
+            <a:ext cx="7235687" cy="2837438"/>
           </a:xfrm>
           <a:prstGeom prst="rect">
             <a:avLst/>
@@ -4163,7 +6317,11 @@
               </a:spcBef>
             </a:pPr>
             <a:r>
-              <a:rPr lang="pt-BR" sz="1800" dirty="0"/>
+              <a:rPr lang="pt-BR" sz="1800" dirty="0">
+                <a:solidFill>
+                  <a:schemeClr val="bg1"/>
+                </a:solidFill>
+              </a:rPr>
               <a:t>S: flag de entrada do componente;</a:t>
             </a:r>
           </a:p>
@@ -4174,7 +6332,11 @@
               </a:spcBef>
             </a:pPr>
             <a:r>
-              <a:rPr lang="pt-BR" sz="1800" dirty="0"/>
+              <a:rPr lang="pt-BR" sz="1800" dirty="0">
+                <a:solidFill>
+                  <a:schemeClr val="bg1"/>
+                </a:solidFill>
+              </a:rPr>
               <a:t>A: primeira entrada;</a:t>
             </a:r>
           </a:p>
@@ -4185,7 +6347,11 @@
               </a:spcBef>
             </a:pPr>
             <a:r>
-              <a:rPr lang="pt-BR" sz="1800" dirty="0"/>
+              <a:rPr lang="pt-BR" sz="1800" dirty="0">
+                <a:solidFill>
+                  <a:schemeClr val="bg1"/>
+                </a:solidFill>
+              </a:rPr>
               <a:t>B: segunda entrada;</a:t>
             </a:r>
           </a:p>
@@ -4196,7 +6362,11 @@
               </a:spcBef>
             </a:pPr>
             <a:r>
-              <a:rPr lang="pt-BR" sz="1800" dirty="0"/>
+              <a:rPr lang="pt-BR" sz="1800" dirty="0">
+                <a:solidFill>
+                  <a:schemeClr val="bg1"/>
+                </a:solidFill>
+              </a:rPr>
               <a:t>SAIDA;</a:t>
             </a:r>
           </a:p>
@@ -4335,7 +6505,11 @@
               </a:spcBef>
             </a:pPr>
             <a:r>
-              <a:rPr lang="pt-BR" sz="1800" dirty="0"/>
+              <a:rPr lang="pt-BR" sz="1800" dirty="0">
+                <a:solidFill>
+                  <a:schemeClr val="bg1"/>
+                </a:solidFill>
+              </a:rPr>
               <a:t>pin;</a:t>
             </a:r>
           </a:p>
@@ -4346,11 +6520,19 @@
               </a:spcBef>
             </a:pPr>
             <a:r>
-              <a:rPr lang="pt-BR" sz="1800" dirty="0" err="1"/>
+              <a:rPr lang="pt-BR" sz="1800" dirty="0" err="1">
+                <a:solidFill>
+                  <a:schemeClr val="bg1"/>
+                </a:solidFill>
+              </a:rPr>
               <a:t>clk</a:t>
             </a:r>
             <a:r>
-              <a:rPr lang="pt-BR" sz="1800" dirty="0"/>
+              <a:rPr lang="pt-BR" sz="1800" dirty="0">
+                <a:solidFill>
+                  <a:schemeClr val="bg1"/>
+                </a:solidFill>
+              </a:rPr>
               <a:t>;</a:t>
             </a:r>
           </a:p>
@@ -4361,14 +6543,21 @@
               </a:spcBef>
             </a:pPr>
             <a:r>
-              <a:rPr lang="pt-BR" sz="1800" dirty="0" err="1"/>
+              <a:rPr lang="pt-BR" sz="1800" dirty="0" err="1">
+                <a:solidFill>
+                  <a:schemeClr val="bg1"/>
+                </a:solidFill>
+              </a:rPr>
               <a:t>pout</a:t>
             </a:r>
             <a:r>
-              <a:rPr lang="pt-BR" sz="1800"/>
+              <a:rPr lang="pt-BR" sz="1800" dirty="0">
+                <a:solidFill>
+                  <a:schemeClr val="bg1"/>
+                </a:solidFill>
+              </a:rPr>
               <a:t>.</a:t>
             </a:r>
-            <a:endParaRPr lang="pt-BR" sz="1800" dirty="0"/>
           </a:p>
         </p:txBody>
       </p:sp>
@@ -4452,12 +6641,7 @@
             <p:ph type="title"/>
           </p:nvPr>
         </p:nvSpPr>
-        <p:spPr>
-          <a:xfrm>
-            <a:off x="838200" y="365125"/>
-            <a:ext cx="10515600" cy="1325563"/>
-          </a:xfrm>
-        </p:spPr>
+        <p:spPr/>
         <p:txBody>
           <a:bodyPr/>
           <a:lstStyle/>
@@ -4500,19 +6684,19 @@
             </a:r>
             <a:r>
               <a:rPr lang="pt-BR" dirty="0"/>
-              <a:t> </a:t>
+              <a:t> e  </a:t>
             </a:r>
             <a:r>
               <a:rPr lang="pt-BR" dirty="0" err="1"/>
               <a:t>bne</a:t>
             </a:r>
             <a:r>
-              <a:rPr lang="pt-BR"/>
+              <a:rPr lang="pt-BR" dirty="0"/>
               <a:t>;</a:t>
             </a:r>
           </a:p>
           <a:p>
-            <a:endParaRPr lang="pt-BR"/>
+            <a:endParaRPr lang="pt-BR" dirty="0"/>
           </a:p>
         </p:txBody>
       </p:sp>
@@ -4797,14 +6981,14 @@
             <p:ph idx="1"/>
             <p:extLst>
               <p:ext uri="{D42A27DB-BD31-4B8C-83A1-F6EECF244321}">
-                <p14:modId xmlns:p14="http://schemas.microsoft.com/office/powerpoint/2010/main" val="2444244372"/>
+                <p14:modId xmlns:p14="http://schemas.microsoft.com/office/powerpoint/2010/main" val="4083629336"/>
               </p:ext>
             </p:extLst>
           </p:nvPr>
         </p:nvGraphicFramePr>
         <p:xfrm>
-          <a:off x="2721003" y="3816916"/>
-          <a:ext cx="6749994" cy="1578552"/>
+          <a:off x="2800516" y="4055455"/>
+          <a:ext cx="8013257" cy="1578552"/>
         </p:xfrm>
         <a:graphic>
           <a:graphicData uri="http://schemas.openxmlformats.org/drawingml/2006/table">
@@ -4813,35 +6997,35 @@
                 <a:tableStyleId>{5C22544A-7EE6-4342-B048-85BDC9FD1C3A}</a:tableStyleId>
               </a:tblPr>
               <a:tblGrid>
-                <a:gridCol w="1705730">
+                <a:gridCol w="2024957">
                   <a:extLst>
                     <a:ext uri="{9D8B030D-6E8A-4147-A177-3AD203B41FA5}">
                       <a16:colId xmlns:a16="http://schemas.microsoft.com/office/drawing/2014/main" val="2656111595"/>
                     </a:ext>
                   </a:extLst>
                 </a:gridCol>
-                <a:gridCol w="1261066">
+                <a:gridCol w="1497075">
                   <a:extLst>
                     <a:ext uri="{9D8B030D-6E8A-4147-A177-3AD203B41FA5}">
                       <a16:colId xmlns:a16="http://schemas.microsoft.com/office/drawing/2014/main" val="1074852017"/>
                     </a:ext>
                   </a:extLst>
                 </a:gridCol>
-                <a:gridCol w="1261066">
+                <a:gridCol w="1497075">
                   <a:extLst>
                     <a:ext uri="{9D8B030D-6E8A-4147-A177-3AD203B41FA5}">
                       <a16:colId xmlns:a16="http://schemas.microsoft.com/office/drawing/2014/main" val="394318076"/>
                     </a:ext>
                   </a:extLst>
                 </a:gridCol>
-                <a:gridCol w="1261066">
+                <a:gridCol w="1497075">
                   <a:extLst>
                     <a:ext uri="{9D8B030D-6E8A-4147-A177-3AD203B41FA5}">
                       <a16:colId xmlns:a16="http://schemas.microsoft.com/office/drawing/2014/main" val="585081231"/>
                     </a:ext>
                   </a:extLst>
                 </a:gridCol>
-                <a:gridCol w="1261066">
+                <a:gridCol w="1497075">
                   <a:extLst>
                     <a:ext uri="{9D8B030D-6E8A-4147-A177-3AD203B41FA5}">
                       <a16:colId xmlns:a16="http://schemas.microsoft.com/office/drawing/2014/main" val="2895896745"/>
@@ -5000,7 +7184,7 @@
                       <a:r>
                         <a:rPr lang="pt-BR" sz="2900" b="0" dirty="0">
                           <a:solidFill>
-                            <a:schemeClr val="tx1"/>
+                            <a:schemeClr val="bg1"/>
                           </a:solidFill>
                           <a:effectLst/>
                         </a:rPr>
@@ -5008,7 +7192,7 @@
                       </a:r>
                       <a:endParaRPr lang="pt-BR" sz="2900" b="0" dirty="0">
                         <a:solidFill>
-                          <a:schemeClr val="tx1"/>
+                          <a:schemeClr val="bg1"/>
                         </a:solidFill>
                         <a:effectLst/>
                         <a:latin typeface="Calibri" panose="020F0502020204030204" pitchFamily="34" charset="0"/>
@@ -5036,7 +7220,7 @@
                       <a:r>
                         <a:rPr lang="pt-BR" sz="2900" b="0" dirty="0">
                           <a:solidFill>
-                            <a:schemeClr val="tx1"/>
+                            <a:schemeClr val="bg1"/>
                           </a:solidFill>
                           <a:effectLst/>
                         </a:rPr>
@@ -5044,7 +7228,7 @@
                       </a:r>
                       <a:endParaRPr lang="pt-BR" sz="2900" b="0" dirty="0">
                         <a:solidFill>
-                          <a:schemeClr val="tx1"/>
+                          <a:schemeClr val="bg1"/>
                         </a:solidFill>
                         <a:effectLst/>
                         <a:latin typeface="Calibri" panose="020F0502020204030204" pitchFamily="34" charset="0"/>
@@ -5072,7 +7256,7 @@
                       <a:r>
                         <a:rPr lang="pt-BR" sz="2900" b="0" dirty="0">
                           <a:solidFill>
-                            <a:schemeClr val="tx1"/>
+                            <a:schemeClr val="bg1"/>
                           </a:solidFill>
                           <a:effectLst/>
                         </a:rPr>
@@ -5080,7 +7264,7 @@
                       </a:r>
                       <a:endParaRPr lang="pt-BR" sz="2900" b="0" dirty="0">
                         <a:solidFill>
-                          <a:schemeClr val="tx1"/>
+                          <a:schemeClr val="bg1"/>
                         </a:solidFill>
                         <a:effectLst/>
                         <a:latin typeface="Calibri" panose="020F0502020204030204" pitchFamily="34" charset="0"/>
@@ -5104,7 +7288,7 @@
                       <a:r>
                         <a:rPr lang="pt-BR" sz="2900" b="0" dirty="0">
                           <a:solidFill>
-                            <a:schemeClr val="tx1"/>
+                            <a:schemeClr val="bg1"/>
                           </a:solidFill>
                           <a:effectLst/>
                         </a:rPr>
@@ -5112,7 +7296,7 @@
                       </a:r>
                       <a:endParaRPr lang="pt-BR" sz="2900" b="0" dirty="0">
                         <a:solidFill>
-                          <a:schemeClr val="tx1"/>
+                          <a:schemeClr val="bg1"/>
                         </a:solidFill>
                         <a:effectLst/>
                         <a:latin typeface="Calibri" panose="020F0502020204030204" pitchFamily="34" charset="0"/>
@@ -5136,7 +7320,7 @@
                       <a:r>
                         <a:rPr lang="pt-BR" sz="2900" b="0" dirty="0">
                           <a:solidFill>
-                            <a:schemeClr val="tx1"/>
+                            <a:schemeClr val="bg1"/>
                           </a:solidFill>
                           <a:effectLst/>
                         </a:rPr>
@@ -5144,7 +7328,7 @@
                       </a:r>
                       <a:endParaRPr lang="pt-BR" sz="2900" b="0" dirty="0">
                         <a:solidFill>
-                          <a:schemeClr val="tx1"/>
+                          <a:schemeClr val="bg1"/>
                         </a:solidFill>
                         <a:effectLst/>
                         <a:latin typeface="Calibri" panose="020F0502020204030204" pitchFamily="34" charset="0"/>
@@ -5175,7 +7359,7 @@
                       <a:r>
                         <a:rPr lang="pt-BR" sz="2900" b="0" dirty="0">
                           <a:solidFill>
-                            <a:schemeClr val="tx1"/>
+                            <a:schemeClr val="bg1"/>
                           </a:solidFill>
                           <a:effectLst/>
                         </a:rPr>
@@ -5183,7 +7367,7 @@
                       </a:r>
                       <a:endParaRPr lang="pt-BR" sz="2900" b="0" dirty="0">
                         <a:solidFill>
-                          <a:schemeClr val="tx1"/>
+                          <a:schemeClr val="bg1"/>
                         </a:solidFill>
                         <a:effectLst/>
                         <a:latin typeface="Calibri" panose="020F0502020204030204" pitchFamily="34" charset="0"/>
@@ -5211,7 +7395,7 @@
                       <a:r>
                         <a:rPr lang="pt-BR" sz="2900" b="0" dirty="0">
                           <a:solidFill>
-                            <a:schemeClr val="tx1"/>
+                            <a:schemeClr val="bg1"/>
                           </a:solidFill>
                           <a:effectLst/>
                         </a:rPr>
@@ -5219,7 +7403,7 @@
                       </a:r>
                       <a:endParaRPr lang="pt-BR" sz="2900" b="0" dirty="0">
                         <a:solidFill>
-                          <a:schemeClr val="tx1"/>
+                          <a:schemeClr val="bg1"/>
                         </a:solidFill>
                         <a:effectLst/>
                         <a:latin typeface="Calibri" panose="020F0502020204030204" pitchFamily="34" charset="0"/>
@@ -5247,7 +7431,7 @@
                       <a:r>
                         <a:rPr lang="pt-BR" sz="2900" b="0" dirty="0">
                           <a:solidFill>
-                            <a:schemeClr val="tx1"/>
+                            <a:schemeClr val="bg1"/>
                           </a:solidFill>
                           <a:effectLst/>
                         </a:rPr>
@@ -5255,7 +7439,7 @@
                       </a:r>
                       <a:endParaRPr lang="pt-BR" sz="2900" b="0" dirty="0">
                         <a:solidFill>
-                          <a:schemeClr val="tx1"/>
+                          <a:schemeClr val="bg1"/>
                         </a:solidFill>
                         <a:effectLst/>
                         <a:latin typeface="Calibri" panose="020F0502020204030204" pitchFamily="34" charset="0"/>
@@ -5282,11 +7466,17 @@
                       </a:pPr>
                       <a:r>
                         <a:rPr lang="pt-BR" sz="2900" dirty="0">
+                          <a:solidFill>
+                            <a:schemeClr val="bg1"/>
+                          </a:solidFill>
                           <a:effectLst/>
                         </a:rPr>
                         <a:t>3 bits</a:t>
                       </a:r>
                       <a:endParaRPr lang="pt-BR" sz="2900" dirty="0">
+                        <a:solidFill>
+                          <a:schemeClr val="bg1"/>
+                        </a:solidFill>
                         <a:effectLst/>
                         <a:latin typeface="Calibri" panose="020F0502020204030204" pitchFamily="34" charset="0"/>
                         <a:ea typeface="Calibri" panose="020F0502020204030204" pitchFamily="34" charset="0"/>
@@ -5308,11 +7498,17 @@
                       </a:pPr>
                       <a:r>
                         <a:rPr lang="pt-BR" sz="2900" dirty="0">
+                          <a:solidFill>
+                            <a:schemeClr val="bg1"/>
+                          </a:solidFill>
                           <a:effectLst/>
                         </a:rPr>
                         <a:t>3 bits</a:t>
                       </a:r>
                       <a:endParaRPr lang="pt-BR" sz="2900" dirty="0">
+                        <a:solidFill>
+                          <a:schemeClr val="bg1"/>
+                        </a:solidFill>
                         <a:effectLst/>
                         <a:latin typeface="Calibri" panose="020F0502020204030204" pitchFamily="34" charset="0"/>
                         <a:ea typeface="Calibri" panose="020F0502020204030204" pitchFamily="34" charset="0"/>
@@ -5347,7 +7543,7 @@
         <p:spPr>
           <a:xfrm>
             <a:off x="838200" y="1563757"/>
-            <a:ext cx="10515600" cy="1785104"/>
+            <a:ext cx="10515600" cy="2123658"/>
           </a:xfrm>
           <a:prstGeom prst="rect">
             <a:avLst/>
@@ -5365,15 +7561,27 @@
               <a:buChar char="•"/>
             </a:pPr>
             <a:r>
-              <a:rPr lang="pt-BR" sz="2200" b="1" dirty="0" err="1"/>
+              <a:rPr lang="pt-BR" sz="2200" b="1" dirty="0" err="1">
+                <a:solidFill>
+                  <a:schemeClr val="bg1"/>
+                </a:solidFill>
+              </a:rPr>
               <a:t>OpCode</a:t>
             </a:r>
             <a:r>
-              <a:rPr lang="pt-BR" sz="2200" b="1" dirty="0"/>
+              <a:rPr lang="pt-BR" sz="2200" b="1" dirty="0">
+                <a:solidFill>
+                  <a:schemeClr val="bg1"/>
+                </a:solidFill>
+              </a:rPr>
               <a:t>:</a:t>
             </a:r>
             <a:r>
-              <a:rPr lang="pt-BR" sz="2200" dirty="0"/>
+              <a:rPr lang="pt-BR" sz="2200" dirty="0">
+                <a:solidFill>
+                  <a:schemeClr val="bg1"/>
+                </a:solidFill>
+              </a:rPr>
               <a:t> operação que o processador executará;</a:t>
             </a:r>
           </a:p>
@@ -5388,7 +7596,7 @@
             <a:r>
               <a:rPr lang="pt-BR" sz="2200" b="1" dirty="0">
                 <a:solidFill>
-                  <a:srgbClr val="000000"/>
+                  <a:schemeClr val="bg1"/>
                 </a:solidFill>
                 <a:ea typeface="Calibri" panose="020F0502020204030204" pitchFamily="34" charset="0"/>
                 <a:cs typeface="Wingdings" panose="05000000000000000000" pitchFamily="2" charset="2"/>
@@ -5398,17 +7606,13 @@
             <a:r>
               <a:rPr lang="pt-BR" sz="2200" dirty="0">
                 <a:solidFill>
-                  <a:srgbClr val="000000"/>
+                  <a:schemeClr val="bg1"/>
                 </a:solidFill>
                 <a:ea typeface="Calibri" panose="020F0502020204030204" pitchFamily="34" charset="0"/>
                 <a:cs typeface="Wingdings" panose="05000000000000000000" pitchFamily="2" charset="2"/>
               </a:rPr>
               <a:t> o registrador do operando de destino. Ele recebe o segundo operando de destino. </a:t>
             </a:r>
-            <a:endParaRPr lang="pt-BR" sz="2200" dirty="0">
-              <a:ea typeface="Calibri" panose="020F0502020204030204" pitchFamily="34" charset="0"/>
-              <a:cs typeface="Wingdings" panose="05000000000000000000" pitchFamily="2" charset="2"/>
-            </a:endParaRPr>
           </a:p>
           <a:p>
             <a:pPr marL="285750" lvl="0" indent="-285750" algn="just">
@@ -5421,7 +7625,7 @@
             <a:r>
               <a:rPr lang="pt-BR" sz="2200" b="1" dirty="0" err="1">
                 <a:solidFill>
-                  <a:srgbClr val="000000"/>
+                  <a:schemeClr val="bg1"/>
                 </a:solidFill>
                 <a:ea typeface="Calibri" panose="020F0502020204030204" pitchFamily="34" charset="0"/>
                 <a:cs typeface="Wingdings" panose="05000000000000000000" pitchFamily="2" charset="2"/>
@@ -5431,7 +7635,7 @@
             <a:r>
               <a:rPr lang="pt-BR" sz="2200" b="1" dirty="0">
                 <a:solidFill>
-                  <a:srgbClr val="000000"/>
+                  <a:schemeClr val="bg1"/>
                 </a:solidFill>
                 <a:ea typeface="Calibri" panose="020F0502020204030204" pitchFamily="34" charset="0"/>
                 <a:cs typeface="Wingdings" panose="05000000000000000000" pitchFamily="2" charset="2"/>
@@ -5441,17 +7645,13 @@
             <a:r>
               <a:rPr lang="pt-BR" sz="2200" dirty="0">
                 <a:solidFill>
-                  <a:srgbClr val="000000"/>
+                  <a:schemeClr val="bg1"/>
                 </a:solidFill>
                 <a:ea typeface="Calibri" panose="020F0502020204030204" pitchFamily="34" charset="0"/>
                 <a:cs typeface="Wingdings" panose="05000000000000000000" pitchFamily="2" charset="2"/>
               </a:rPr>
               <a:t> o registrador contendo o primeiro operando de origem;</a:t>
             </a:r>
-            <a:endParaRPr lang="pt-BR" sz="2200" dirty="0">
-              <a:ea typeface="Calibri" panose="020F0502020204030204" pitchFamily="34" charset="0"/>
-              <a:cs typeface="Wingdings" panose="05000000000000000000" pitchFamily="2" charset="2"/>
-            </a:endParaRPr>
           </a:p>
           <a:p>
             <a:pPr marL="285750" lvl="0" indent="-285750" algn="just">
@@ -5464,7 +7664,7 @@
             <a:r>
               <a:rPr lang="pt-BR" sz="2200" b="1" dirty="0" err="1">
                 <a:solidFill>
-                  <a:srgbClr val="000000"/>
+                  <a:schemeClr val="bg1"/>
                 </a:solidFill>
                 <a:ea typeface="Calibri" panose="020F0502020204030204" pitchFamily="34" charset="0"/>
                 <a:cs typeface="Wingdings" panose="05000000000000000000" pitchFamily="2" charset="2"/>
@@ -5473,6 +7673,9 @@
             </a:r>
             <a:r>
               <a:rPr lang="pt-BR" sz="2200" b="1" dirty="0">
+                <a:solidFill>
+                  <a:schemeClr val="bg1"/>
+                </a:solidFill>
                 <a:ea typeface="Calibri" panose="020F0502020204030204" pitchFamily="34" charset="0"/>
                 <a:cs typeface="Wingdings" panose="05000000000000000000" pitchFamily="2" charset="2"/>
               </a:rPr>
@@ -5480,6 +7683,9 @@
             </a:r>
             <a:r>
               <a:rPr lang="pt-BR" sz="2200" dirty="0">
+                <a:solidFill>
+                  <a:schemeClr val="bg1"/>
+                </a:solidFill>
                 <a:ea typeface="Calibri" panose="020F0502020204030204" pitchFamily="34" charset="0"/>
                 <a:cs typeface="Wingdings" panose="05000000000000000000" pitchFamily="2" charset="2"/>
               </a:rPr>
@@ -5497,7 +7703,7 @@
             <a:r>
               <a:rPr lang="pt-BR" sz="2200" b="1" dirty="0" err="1">
                 <a:solidFill>
-                  <a:srgbClr val="000000"/>
+                  <a:schemeClr val="bg1"/>
                 </a:solidFill>
                 <a:ea typeface="Calibri" panose="020F0502020204030204" pitchFamily="34" charset="0"/>
                 <a:cs typeface="Wingdings" panose="05000000000000000000" pitchFamily="2" charset="2"/>
@@ -5506,6 +7712,9 @@
             </a:r>
             <a:r>
               <a:rPr lang="pt-BR" sz="2200" b="1" dirty="0">
+                <a:solidFill>
+                  <a:schemeClr val="bg1"/>
+                </a:solidFill>
                 <a:ea typeface="Calibri" panose="020F0502020204030204" pitchFamily="34" charset="0"/>
                 <a:cs typeface="Wingdings" panose="05000000000000000000" pitchFamily="2" charset="2"/>
               </a:rPr>
@@ -5513,6 +7722,9 @@
             </a:r>
             <a:r>
               <a:rPr lang="pt-BR" sz="2200" dirty="0">
+                <a:solidFill>
+                  <a:schemeClr val="bg1"/>
+                </a:solidFill>
                 <a:ea typeface="Calibri" panose="020F0502020204030204" pitchFamily="34" charset="0"/>
                 <a:cs typeface="Wingdings" panose="05000000000000000000" pitchFamily="2" charset="2"/>
               </a:rPr>
@@ -5594,14 +7806,14 @@
           <p:nvPr>
             <p:extLst>
               <p:ext uri="{D42A27DB-BD31-4B8C-83A1-F6EECF244321}">
-                <p14:modId xmlns:p14="http://schemas.microsoft.com/office/powerpoint/2010/main" val="1293023765"/>
+                <p14:modId xmlns:p14="http://schemas.microsoft.com/office/powerpoint/2010/main" val="942895172"/>
               </p:ext>
             </p:extLst>
           </p:nvPr>
         </p:nvGraphicFramePr>
         <p:xfrm>
-          <a:off x="1626870" y="4052846"/>
-          <a:ext cx="8938259" cy="2148840"/>
+          <a:off x="2368992" y="4166445"/>
+          <a:ext cx="9412191" cy="2148840"/>
         </p:xfrm>
         <a:graphic>
           <a:graphicData uri="http://schemas.openxmlformats.org/drawingml/2006/table">
@@ -5610,28 +7822,28 @@
                 <a:tableStyleId>{5C22544A-7EE6-4342-B048-85BDC9FD1C3A}</a:tableStyleId>
               </a:tblPr>
               <a:tblGrid>
-                <a:gridCol w="2171700">
+                <a:gridCol w="2521060">
                   <a:extLst>
                     <a:ext uri="{9D8B030D-6E8A-4147-A177-3AD203B41FA5}">
                       <a16:colId xmlns:a16="http://schemas.microsoft.com/office/drawing/2014/main" val="3643427407"/>
                     </a:ext>
                   </a:extLst>
                 </a:gridCol>
-                <a:gridCol w="1874520">
+                <a:gridCol w="1974574">
                   <a:extLst>
                     <a:ext uri="{9D8B030D-6E8A-4147-A177-3AD203B41FA5}">
                       <a16:colId xmlns:a16="http://schemas.microsoft.com/office/drawing/2014/main" val="2866528417"/>
                     </a:ext>
                   </a:extLst>
                 </a:gridCol>
-                <a:gridCol w="2034540">
+                <a:gridCol w="2146853">
                   <a:extLst>
                     <a:ext uri="{9D8B030D-6E8A-4147-A177-3AD203B41FA5}">
                       <a16:colId xmlns:a16="http://schemas.microsoft.com/office/drawing/2014/main" val="502159879"/>
                     </a:ext>
                   </a:extLst>
                 </a:gridCol>
-                <a:gridCol w="2857499">
+                <a:gridCol w="2769704">
                   <a:extLst>
                     <a:ext uri="{9D8B030D-6E8A-4147-A177-3AD203B41FA5}">
                       <a16:colId xmlns:a16="http://schemas.microsoft.com/office/drawing/2014/main" val="2024367353"/>
@@ -5764,7 +7976,7 @@
                       <a:r>
                         <a:rPr lang="pt-BR" sz="3500" b="0" dirty="0">
                           <a:solidFill>
-                            <a:schemeClr val="tx1"/>
+                            <a:schemeClr val="bg1"/>
                           </a:solidFill>
                           <a:effectLst/>
                         </a:rPr>
@@ -5772,7 +7984,7 @@
                       </a:r>
                       <a:endParaRPr lang="pt-BR" sz="3500" b="0" dirty="0">
                         <a:solidFill>
-                          <a:schemeClr val="tx1"/>
+                          <a:schemeClr val="bg1"/>
                         </a:solidFill>
                         <a:effectLst/>
                         <a:latin typeface="Calibri" panose="020F0502020204030204" pitchFamily="34" charset="0"/>
@@ -5803,7 +8015,7 @@
                       <a:r>
                         <a:rPr lang="pt-BR" sz="3500" b="0" dirty="0">
                           <a:solidFill>
-                            <a:schemeClr val="tx1"/>
+                            <a:schemeClr val="bg1"/>
                           </a:solidFill>
                           <a:effectLst/>
                         </a:rPr>
@@ -5811,7 +8023,7 @@
                       </a:r>
                       <a:endParaRPr lang="pt-BR" sz="3500" b="0" dirty="0">
                         <a:solidFill>
-                          <a:schemeClr val="tx1"/>
+                          <a:schemeClr val="bg1"/>
                         </a:solidFill>
                         <a:effectLst/>
                         <a:latin typeface="Calibri" panose="020F0502020204030204" pitchFamily="34" charset="0"/>
@@ -5842,7 +8054,7 @@
                       <a:r>
                         <a:rPr lang="pt-BR" sz="3500" b="0" dirty="0">
                           <a:solidFill>
-                            <a:schemeClr val="tx1"/>
+                            <a:schemeClr val="bg1"/>
                           </a:solidFill>
                           <a:effectLst/>
                         </a:rPr>
@@ -5850,7 +8062,7 @@
                       </a:r>
                       <a:endParaRPr lang="pt-BR" sz="3500" b="0" dirty="0">
                         <a:solidFill>
-                          <a:schemeClr val="tx1"/>
+                          <a:schemeClr val="bg1"/>
                         </a:solidFill>
                         <a:effectLst/>
                         <a:latin typeface="Calibri" panose="020F0502020204030204" pitchFamily="34" charset="0"/>
@@ -5881,7 +8093,7 @@
                       <a:r>
                         <a:rPr lang="pt-BR" sz="3500" b="0" dirty="0">
                           <a:solidFill>
-                            <a:schemeClr val="tx1"/>
+                            <a:schemeClr val="bg1"/>
                           </a:solidFill>
                           <a:effectLst/>
                         </a:rPr>
@@ -5889,7 +8101,7 @@
                       </a:r>
                       <a:endParaRPr lang="pt-BR" sz="3500" b="0" dirty="0">
                         <a:solidFill>
-                          <a:schemeClr val="tx1"/>
+                          <a:schemeClr val="bg1"/>
                         </a:solidFill>
                         <a:effectLst/>
                         <a:latin typeface="Calibri" panose="020F0502020204030204" pitchFamily="34" charset="0"/>
@@ -5927,7 +8139,7 @@
                       <a:r>
                         <a:rPr lang="pt-BR" sz="3500" b="0" dirty="0">
                           <a:solidFill>
-                            <a:schemeClr val="tx1"/>
+                            <a:schemeClr val="bg1"/>
                           </a:solidFill>
                           <a:effectLst/>
                           <a:latin typeface="Calibri" panose="020F0502020204030204" pitchFamily="34" charset="0"/>
@@ -5960,7 +8172,7 @@
                       <a:r>
                         <a:rPr lang="pt-BR" sz="3500" b="0" dirty="0">
                           <a:solidFill>
-                            <a:schemeClr val="tx1"/>
+                            <a:schemeClr val="bg1"/>
                           </a:solidFill>
                           <a:effectLst/>
                         </a:rPr>
@@ -5968,7 +8180,7 @@
                       </a:r>
                       <a:endParaRPr lang="pt-BR" sz="3500" b="0" dirty="0">
                         <a:solidFill>
-                          <a:schemeClr val="tx1"/>
+                          <a:schemeClr val="bg1"/>
                         </a:solidFill>
                         <a:effectLst/>
                         <a:latin typeface="Calibri" panose="020F0502020204030204" pitchFamily="34" charset="0"/>
@@ -5999,7 +8211,7 @@
                       <a:r>
                         <a:rPr lang="pt-BR" sz="3500" b="0" dirty="0">
                           <a:solidFill>
-                            <a:schemeClr val="tx1"/>
+                            <a:schemeClr val="bg1"/>
                           </a:solidFill>
                           <a:effectLst/>
                         </a:rPr>
@@ -6007,7 +8219,7 @@
                       </a:r>
                       <a:endParaRPr lang="pt-BR" sz="3500" b="0" dirty="0">
                         <a:solidFill>
-                          <a:schemeClr val="tx1"/>
+                          <a:schemeClr val="bg1"/>
                         </a:solidFill>
                         <a:effectLst/>
                         <a:latin typeface="Calibri" panose="020F0502020204030204" pitchFamily="34" charset="0"/>
@@ -6038,7 +8250,7 @@
                       <a:r>
                         <a:rPr lang="pt-BR" sz="3500" b="0" dirty="0">
                           <a:solidFill>
-                            <a:schemeClr val="tx1"/>
+                            <a:schemeClr val="bg1"/>
                           </a:solidFill>
                           <a:effectLst/>
                         </a:rPr>
@@ -6046,7 +8258,7 @@
                       </a:r>
                       <a:endParaRPr lang="pt-BR" sz="3500" b="0" dirty="0">
                         <a:solidFill>
-                          <a:schemeClr val="tx1"/>
+                          <a:schemeClr val="bg1"/>
                         </a:solidFill>
                         <a:effectLst/>
                         <a:latin typeface="Calibri" panose="020F0502020204030204" pitchFamily="34" charset="0"/>
@@ -6089,7 +8301,7 @@
         <p:spPr>
           <a:xfrm>
             <a:off x="838200" y="1563757"/>
-            <a:ext cx="10515600" cy="1785104"/>
+            <a:ext cx="10515600" cy="2123658"/>
           </a:xfrm>
           <a:prstGeom prst="rect">
             <a:avLst/>
@@ -6107,15 +8319,27 @@
               <a:buChar char="•"/>
             </a:pPr>
             <a:r>
-              <a:rPr lang="pt-BR" sz="2200" b="1" dirty="0" err="1"/>
+              <a:rPr lang="pt-BR" sz="2200" b="1" dirty="0" err="1">
+                <a:solidFill>
+                  <a:schemeClr val="bg1"/>
+                </a:solidFill>
+              </a:rPr>
               <a:t>OpCode</a:t>
             </a:r>
             <a:r>
-              <a:rPr lang="pt-BR" sz="2200" b="1" dirty="0"/>
+              <a:rPr lang="pt-BR" sz="2200" b="1" dirty="0">
+                <a:solidFill>
+                  <a:schemeClr val="bg1"/>
+                </a:solidFill>
+              </a:rPr>
               <a:t>:</a:t>
             </a:r>
             <a:r>
-              <a:rPr lang="pt-BR" sz="2200" dirty="0"/>
+              <a:rPr lang="pt-BR" sz="2200" dirty="0">
+                <a:solidFill>
+                  <a:schemeClr val="bg1"/>
+                </a:solidFill>
+              </a:rPr>
               <a:t> operação que o processador executará;</a:t>
             </a:r>
           </a:p>
@@ -6130,7 +8354,7 @@
             <a:r>
               <a:rPr lang="pt-BR" sz="2200" b="1" dirty="0">
                 <a:solidFill>
-                  <a:srgbClr val="000000"/>
+                  <a:schemeClr val="bg1"/>
                 </a:solidFill>
                 <a:ea typeface="Calibri" panose="020F0502020204030204" pitchFamily="34" charset="0"/>
                 <a:cs typeface="Wingdings" panose="05000000000000000000" pitchFamily="2" charset="2"/>
@@ -6140,17 +8364,13 @@
             <a:r>
               <a:rPr lang="pt-BR" sz="2200" dirty="0">
                 <a:solidFill>
-                  <a:srgbClr val="000000"/>
+                  <a:schemeClr val="bg1"/>
                 </a:solidFill>
                 <a:ea typeface="Calibri" panose="020F0502020204030204" pitchFamily="34" charset="0"/>
                 <a:cs typeface="Wingdings" panose="05000000000000000000" pitchFamily="2" charset="2"/>
               </a:rPr>
               <a:t> o registrador do operando de destino. Ele recebe o segundo operando de destino. </a:t>
             </a:r>
-            <a:endParaRPr lang="pt-BR" sz="2200" dirty="0">
-              <a:ea typeface="Calibri" panose="020F0502020204030204" pitchFamily="34" charset="0"/>
-              <a:cs typeface="Wingdings" panose="05000000000000000000" pitchFamily="2" charset="2"/>
-            </a:endParaRPr>
           </a:p>
           <a:p>
             <a:pPr marL="285750" lvl="0" indent="-285750" algn="just">
@@ -6163,7 +8383,7 @@
             <a:r>
               <a:rPr lang="pt-BR" sz="2200" b="1" dirty="0" err="1">
                 <a:solidFill>
-                  <a:srgbClr val="000000"/>
+                  <a:schemeClr val="bg1"/>
                 </a:solidFill>
                 <a:ea typeface="Calibri" panose="020F0502020204030204" pitchFamily="34" charset="0"/>
                 <a:cs typeface="Wingdings" panose="05000000000000000000" pitchFamily="2" charset="2"/>
@@ -6173,7 +8393,7 @@
             <a:r>
               <a:rPr lang="pt-BR" sz="2200" b="1" dirty="0">
                 <a:solidFill>
-                  <a:srgbClr val="000000"/>
+                  <a:schemeClr val="bg1"/>
                 </a:solidFill>
                 <a:ea typeface="Calibri" panose="020F0502020204030204" pitchFamily="34" charset="0"/>
                 <a:cs typeface="Wingdings" panose="05000000000000000000" pitchFamily="2" charset="2"/>
@@ -6183,17 +8403,13 @@
             <a:r>
               <a:rPr lang="pt-BR" sz="2200" dirty="0">
                 <a:solidFill>
-                  <a:srgbClr val="000000"/>
+                  <a:schemeClr val="bg1"/>
                 </a:solidFill>
                 <a:ea typeface="Calibri" panose="020F0502020204030204" pitchFamily="34" charset="0"/>
                 <a:cs typeface="Wingdings" panose="05000000000000000000" pitchFamily="2" charset="2"/>
               </a:rPr>
               <a:t> o registrador contendo o primeiro operando de origem;</a:t>
             </a:r>
-            <a:endParaRPr lang="pt-BR" sz="2200" dirty="0">
-              <a:ea typeface="Calibri" panose="020F0502020204030204" pitchFamily="34" charset="0"/>
-              <a:cs typeface="Wingdings" panose="05000000000000000000" pitchFamily="2" charset="2"/>
-            </a:endParaRPr>
           </a:p>
           <a:p>
             <a:pPr marL="285750" lvl="0" indent="-285750" algn="just">
@@ -6206,7 +8422,7 @@
             <a:r>
               <a:rPr lang="pt-BR" sz="2200" b="1" dirty="0" err="1">
                 <a:solidFill>
-                  <a:srgbClr val="000000"/>
+                  <a:schemeClr val="bg1"/>
                 </a:solidFill>
                 <a:ea typeface="Calibri" panose="020F0502020204030204" pitchFamily="34" charset="0"/>
                 <a:cs typeface="Wingdings" panose="05000000000000000000" pitchFamily="2" charset="2"/>
@@ -6215,6 +8431,9 @@
             </a:r>
             <a:r>
               <a:rPr lang="pt-BR" sz="2200" b="1" dirty="0">
+                <a:solidFill>
+                  <a:schemeClr val="bg1"/>
+                </a:solidFill>
                 <a:ea typeface="Calibri" panose="020F0502020204030204" pitchFamily="34" charset="0"/>
                 <a:cs typeface="Wingdings" panose="05000000000000000000" pitchFamily="2" charset="2"/>
               </a:rPr>
@@ -6222,6 +8441,9 @@
             </a:r>
             <a:r>
               <a:rPr lang="pt-BR" sz="2200" dirty="0">
+                <a:solidFill>
+                  <a:schemeClr val="bg1"/>
+                </a:solidFill>
                 <a:ea typeface="Calibri" panose="020F0502020204030204" pitchFamily="34" charset="0"/>
                 <a:cs typeface="Wingdings" panose="05000000000000000000" pitchFamily="2" charset="2"/>
               </a:rPr>
@@ -6239,7 +8461,7 @@
             <a:r>
               <a:rPr lang="pt-BR" sz="2200" b="1" dirty="0" err="1">
                 <a:solidFill>
-                  <a:srgbClr val="000000"/>
+                  <a:schemeClr val="bg1"/>
                 </a:solidFill>
                 <a:ea typeface="Calibri" panose="020F0502020204030204" pitchFamily="34" charset="0"/>
                 <a:cs typeface="Wingdings" panose="05000000000000000000" pitchFamily="2" charset="2"/>
@@ -6248,6 +8470,9 @@
             </a:r>
             <a:r>
               <a:rPr lang="pt-BR" sz="2200" b="1" dirty="0">
+                <a:solidFill>
+                  <a:schemeClr val="bg1"/>
+                </a:solidFill>
                 <a:ea typeface="Calibri" panose="020F0502020204030204" pitchFamily="34" charset="0"/>
                 <a:cs typeface="Wingdings" panose="05000000000000000000" pitchFamily="2" charset="2"/>
               </a:rPr>
@@ -6255,6 +8480,9 @@
             </a:r>
             <a:r>
               <a:rPr lang="pt-BR" sz="2200" dirty="0">
+                <a:solidFill>
+                  <a:schemeClr val="bg1"/>
+                </a:solidFill>
                 <a:ea typeface="Calibri" panose="020F0502020204030204" pitchFamily="34" charset="0"/>
                 <a:cs typeface="Wingdings" panose="05000000000000000000" pitchFamily="2" charset="2"/>
               </a:rPr>
@@ -6336,7 +8564,7 @@
         <p:spPr>
           <a:xfrm>
             <a:off x="838200" y="1563757"/>
-            <a:ext cx="10515600" cy="1785104"/>
+            <a:ext cx="10515600" cy="2123658"/>
           </a:xfrm>
           <a:prstGeom prst="rect">
             <a:avLst/>
@@ -6354,15 +8582,27 @@
               <a:buChar char="•"/>
             </a:pPr>
             <a:r>
-              <a:rPr lang="pt-BR" sz="2200" b="1" dirty="0" err="1"/>
+              <a:rPr lang="pt-BR" sz="2200" b="1" dirty="0" err="1">
+                <a:solidFill>
+                  <a:schemeClr val="bg1"/>
+                </a:solidFill>
+              </a:rPr>
               <a:t>OpCode</a:t>
             </a:r>
             <a:r>
-              <a:rPr lang="pt-BR" sz="2200" b="1" dirty="0"/>
+              <a:rPr lang="pt-BR" sz="2200" b="1" dirty="0">
+                <a:solidFill>
+                  <a:schemeClr val="bg1"/>
+                </a:solidFill>
+              </a:rPr>
               <a:t>:</a:t>
             </a:r>
             <a:r>
-              <a:rPr lang="pt-BR" sz="2200" dirty="0"/>
+              <a:rPr lang="pt-BR" sz="2200" dirty="0">
+                <a:solidFill>
+                  <a:schemeClr val="bg1"/>
+                </a:solidFill>
+              </a:rPr>
               <a:t> operação que o processador executará;</a:t>
             </a:r>
           </a:p>
@@ -6377,7 +8617,7 @@
             <a:r>
               <a:rPr lang="pt-BR" sz="2200" b="1" dirty="0">
                 <a:solidFill>
-                  <a:srgbClr val="000000"/>
+                  <a:schemeClr val="bg1"/>
                 </a:solidFill>
                 <a:ea typeface="Calibri" panose="020F0502020204030204" pitchFamily="34" charset="0"/>
                 <a:cs typeface="Wingdings" panose="05000000000000000000" pitchFamily="2" charset="2"/>
@@ -6387,17 +8627,13 @@
             <a:r>
               <a:rPr lang="pt-BR" sz="2200" dirty="0">
                 <a:solidFill>
-                  <a:srgbClr val="000000"/>
+                  <a:schemeClr val="bg1"/>
                 </a:solidFill>
                 <a:ea typeface="Calibri" panose="020F0502020204030204" pitchFamily="34" charset="0"/>
                 <a:cs typeface="Wingdings" panose="05000000000000000000" pitchFamily="2" charset="2"/>
               </a:rPr>
               <a:t> o registrador do operando de destino. Ele recebe o segundo operando de destino. </a:t>
             </a:r>
-            <a:endParaRPr lang="pt-BR" sz="2200" dirty="0">
-              <a:ea typeface="Calibri" panose="020F0502020204030204" pitchFamily="34" charset="0"/>
-              <a:cs typeface="Wingdings" panose="05000000000000000000" pitchFamily="2" charset="2"/>
-            </a:endParaRPr>
           </a:p>
           <a:p>
             <a:pPr marL="285750" lvl="0" indent="-285750" algn="just">
@@ -6410,7 +8646,7 @@
             <a:r>
               <a:rPr lang="pt-BR" sz="2200" b="1" dirty="0" err="1">
                 <a:solidFill>
-                  <a:srgbClr val="000000"/>
+                  <a:schemeClr val="bg1"/>
                 </a:solidFill>
                 <a:ea typeface="Calibri" panose="020F0502020204030204" pitchFamily="34" charset="0"/>
                 <a:cs typeface="Wingdings" panose="05000000000000000000" pitchFamily="2" charset="2"/>
@@ -6420,7 +8656,7 @@
             <a:r>
               <a:rPr lang="pt-BR" sz="2200" b="1" dirty="0">
                 <a:solidFill>
-                  <a:srgbClr val="000000"/>
+                  <a:schemeClr val="bg1"/>
                 </a:solidFill>
                 <a:ea typeface="Calibri" panose="020F0502020204030204" pitchFamily="34" charset="0"/>
                 <a:cs typeface="Wingdings" panose="05000000000000000000" pitchFamily="2" charset="2"/>
@@ -6430,17 +8666,13 @@
             <a:r>
               <a:rPr lang="pt-BR" sz="2200" dirty="0">
                 <a:solidFill>
-                  <a:srgbClr val="000000"/>
+                  <a:schemeClr val="bg1"/>
                 </a:solidFill>
                 <a:ea typeface="Calibri" panose="020F0502020204030204" pitchFamily="34" charset="0"/>
                 <a:cs typeface="Wingdings" panose="05000000000000000000" pitchFamily="2" charset="2"/>
               </a:rPr>
               <a:t> o registrador contendo o primeiro operando de origem;</a:t>
             </a:r>
-            <a:endParaRPr lang="pt-BR" sz="2200" dirty="0">
-              <a:ea typeface="Calibri" panose="020F0502020204030204" pitchFamily="34" charset="0"/>
-              <a:cs typeface="Wingdings" panose="05000000000000000000" pitchFamily="2" charset="2"/>
-            </a:endParaRPr>
           </a:p>
           <a:p>
             <a:pPr marL="285750" lvl="0" indent="-285750" algn="just">
@@ -6453,7 +8685,7 @@
             <a:r>
               <a:rPr lang="pt-BR" sz="2200" b="1" dirty="0" err="1">
                 <a:solidFill>
-                  <a:srgbClr val="000000"/>
+                  <a:schemeClr val="bg1"/>
                 </a:solidFill>
                 <a:ea typeface="Calibri" panose="020F0502020204030204" pitchFamily="34" charset="0"/>
                 <a:cs typeface="Wingdings" panose="05000000000000000000" pitchFamily="2" charset="2"/>
@@ -6462,6 +8694,9 @@
             </a:r>
             <a:r>
               <a:rPr lang="pt-BR" sz="2200" b="1" dirty="0">
+                <a:solidFill>
+                  <a:schemeClr val="bg1"/>
+                </a:solidFill>
                 <a:ea typeface="Calibri" panose="020F0502020204030204" pitchFamily="34" charset="0"/>
                 <a:cs typeface="Wingdings" panose="05000000000000000000" pitchFamily="2" charset="2"/>
               </a:rPr>
@@ -6469,6 +8704,9 @@
             </a:r>
             <a:r>
               <a:rPr lang="pt-BR" sz="2200" dirty="0">
+                <a:solidFill>
+                  <a:schemeClr val="bg1"/>
+                </a:solidFill>
                 <a:ea typeface="Calibri" panose="020F0502020204030204" pitchFamily="34" charset="0"/>
                 <a:cs typeface="Wingdings" panose="05000000000000000000" pitchFamily="2" charset="2"/>
               </a:rPr>
@@ -6486,7 +8724,7 @@
             <a:r>
               <a:rPr lang="pt-BR" sz="2200" b="1" dirty="0" err="1">
                 <a:solidFill>
-                  <a:srgbClr val="000000"/>
+                  <a:schemeClr val="bg1"/>
                 </a:solidFill>
                 <a:ea typeface="Calibri" panose="020F0502020204030204" pitchFamily="34" charset="0"/>
                 <a:cs typeface="Wingdings" panose="05000000000000000000" pitchFamily="2" charset="2"/>
@@ -6495,6 +8733,9 @@
             </a:r>
             <a:r>
               <a:rPr lang="pt-BR" sz="2200" b="1" dirty="0">
+                <a:solidFill>
+                  <a:schemeClr val="bg1"/>
+                </a:solidFill>
                 <a:ea typeface="Calibri" panose="020F0502020204030204" pitchFamily="34" charset="0"/>
                 <a:cs typeface="Wingdings" panose="05000000000000000000" pitchFamily="2" charset="2"/>
               </a:rPr>
@@ -6502,6 +8743,9 @@
             </a:r>
             <a:r>
               <a:rPr lang="pt-BR" sz="2200" dirty="0">
+                <a:solidFill>
+                  <a:schemeClr val="bg1"/>
+                </a:solidFill>
                 <a:ea typeface="Calibri" panose="020F0502020204030204" pitchFamily="34" charset="0"/>
                 <a:cs typeface="Wingdings" panose="05000000000000000000" pitchFamily="2" charset="2"/>
               </a:rPr>
@@ -6525,7 +8769,7 @@
           <p:nvPr>
             <p:extLst>
               <p:ext uri="{D42A27DB-BD31-4B8C-83A1-F6EECF244321}">
-                <p14:modId xmlns:p14="http://schemas.microsoft.com/office/powerpoint/2010/main" val="1267703953"/>
+                <p14:modId xmlns:p14="http://schemas.microsoft.com/office/powerpoint/2010/main" val="3735067709"/>
               </p:ext>
             </p:extLst>
           </p:nvPr>
@@ -6629,7 +8873,7 @@
                       <a:r>
                         <a:rPr lang="pt-BR" sz="3400" b="0" dirty="0">
                           <a:solidFill>
-                            <a:schemeClr val="tx1"/>
+                            <a:schemeClr val="bg1"/>
                           </a:solidFill>
                           <a:effectLst/>
                         </a:rPr>
@@ -6637,7 +8881,7 @@
                       </a:r>
                       <a:endParaRPr lang="pt-BR" sz="3400" b="0" dirty="0">
                         <a:solidFill>
-                          <a:schemeClr val="tx1"/>
+                          <a:schemeClr val="bg1"/>
                         </a:solidFill>
                         <a:effectLst/>
                         <a:latin typeface="Calibri" panose="020F0502020204030204" pitchFamily="34" charset="0"/>
@@ -6665,7 +8909,7 @@
                       <a:r>
                         <a:rPr lang="pt-BR" sz="3400" b="0" dirty="0">
                           <a:solidFill>
-                            <a:schemeClr val="tx1"/>
+                            <a:schemeClr val="bg1"/>
                           </a:solidFill>
                           <a:effectLst/>
                         </a:rPr>
@@ -6673,7 +8917,7 @@
                       </a:r>
                       <a:endParaRPr lang="pt-BR" sz="3400" b="0" dirty="0">
                         <a:solidFill>
-                          <a:schemeClr val="tx1"/>
+                          <a:schemeClr val="bg1"/>
                         </a:solidFill>
                         <a:effectLst/>
                         <a:latin typeface="Calibri" panose="020F0502020204030204" pitchFamily="34" charset="0"/>
@@ -6704,7 +8948,7 @@
                       <a:r>
                         <a:rPr lang="pt-BR" sz="3400" b="0" dirty="0">
                           <a:solidFill>
-                            <a:schemeClr val="tx1"/>
+                            <a:schemeClr val="bg1"/>
                           </a:solidFill>
                           <a:effectLst/>
                         </a:rPr>
@@ -6712,7 +8956,7 @@
                       </a:r>
                       <a:endParaRPr lang="pt-BR" sz="3400" b="0" dirty="0">
                         <a:solidFill>
-                          <a:schemeClr val="tx1"/>
+                          <a:schemeClr val="bg1"/>
                         </a:solidFill>
                         <a:effectLst/>
                         <a:latin typeface="Calibri" panose="020F0502020204030204" pitchFamily="34" charset="0"/>
@@ -6740,7 +8984,7 @@
                       <a:r>
                         <a:rPr lang="pt-BR" sz="3400" b="0" dirty="0">
                           <a:solidFill>
-                            <a:schemeClr val="tx1"/>
+                            <a:schemeClr val="bg1"/>
                           </a:solidFill>
                           <a:effectLst/>
                         </a:rPr>
@@ -6748,7 +8992,7 @@
                       </a:r>
                       <a:endParaRPr lang="pt-BR" sz="3400" b="0" dirty="0">
                         <a:solidFill>
-                          <a:schemeClr val="tx1"/>
+                          <a:schemeClr val="bg1"/>
                         </a:solidFill>
                         <a:effectLst/>
                         <a:latin typeface="Calibri" panose="020F0502020204030204" pitchFamily="34" charset="0"/>
@@ -6785,14 +9029,6 @@
 <file path=ppt/slides/slide7.xml><?xml version="1.0" encoding="utf-8"?>
 <p:sld xmlns:a="http://schemas.openxmlformats.org/drawingml/2006/main" xmlns:r="http://schemas.openxmlformats.org/officeDocument/2006/relationships" xmlns:p="http://schemas.openxmlformats.org/presentationml/2006/main">
   <p:cSld>
-    <p:bg>
-      <p:bgPr>
-        <a:solidFill>
-          <a:schemeClr val="bg1"/>
-        </a:solidFill>
-        <a:effectLst/>
-      </p:bgPr>
-    </p:bg>
     <p:spTree>
       <p:nvGrpSpPr>
         <p:cNvPr id="1" name=""/>
@@ -6826,7 +9062,7 @@
         <p:spPr>
           <a:xfrm>
             <a:off x="648929" y="629266"/>
-            <a:ext cx="3651467" cy="1676603"/>
+            <a:ext cx="5447071" cy="1676603"/>
           </a:xfrm>
         </p:spPr>
         <p:txBody>
@@ -6866,74 +9102,130 @@
         </p:spPr>
         <p:txBody>
           <a:bodyPr>
-            <a:normAutofit/>
+            <a:normAutofit fontScale="92500" lnSpcReduction="10000"/>
           </a:bodyPr>
           <a:lstStyle/>
           <a:p>
             <a:r>
-              <a:rPr lang="pt-BR" sz="1800" dirty="0" err="1"/>
+              <a:rPr lang="pt-BR" sz="1800" dirty="0" err="1">
+                <a:solidFill>
+                  <a:schemeClr val="bg1"/>
+                </a:solidFill>
+              </a:rPr>
               <a:t>EntradaA</a:t>
             </a:r>
             <a:r>
-              <a:rPr lang="pt-BR" sz="1800" dirty="0"/>
+              <a:rPr lang="pt-BR" sz="1800" dirty="0">
+                <a:solidFill>
+                  <a:schemeClr val="bg1"/>
+                </a:solidFill>
+              </a:rPr>
               <a:t>: primeiro dado a ser lido pela ULA;</a:t>
             </a:r>
           </a:p>
           <a:p>
             <a:r>
-              <a:rPr lang="pt-BR" sz="1800" dirty="0" err="1"/>
+              <a:rPr lang="pt-BR" sz="1800" dirty="0" err="1">
+                <a:solidFill>
+                  <a:schemeClr val="bg1"/>
+                </a:solidFill>
+              </a:rPr>
               <a:t>EntradaB</a:t>
             </a:r>
             <a:r>
-              <a:rPr lang="pt-BR" sz="1800" dirty="0"/>
+              <a:rPr lang="pt-BR" sz="1800" dirty="0">
+                <a:solidFill>
+                  <a:schemeClr val="bg1"/>
+                </a:solidFill>
+              </a:rPr>
               <a:t>: segundo dado a ser lido pela ULA;</a:t>
             </a:r>
           </a:p>
           <a:p>
             <a:r>
-              <a:rPr lang="pt-BR" sz="1800" dirty="0" err="1"/>
+              <a:rPr lang="pt-BR" sz="1800" dirty="0" err="1">
+                <a:solidFill>
+                  <a:schemeClr val="bg1"/>
+                </a:solidFill>
+              </a:rPr>
               <a:t>Controle_ULA</a:t>
             </a:r>
             <a:r>
-              <a:rPr lang="pt-BR" sz="1800" dirty="0"/>
+              <a:rPr lang="pt-BR" sz="1800" dirty="0">
+                <a:solidFill>
+                  <a:schemeClr val="bg1"/>
+                </a:solidFill>
+              </a:rPr>
               <a:t>: informação com a operação a ser executada;</a:t>
             </a:r>
           </a:p>
           <a:p>
             <a:r>
-              <a:rPr lang="pt-BR" sz="1800" dirty="0" err="1"/>
+              <a:rPr lang="pt-BR" sz="1800" dirty="0" err="1">
+                <a:solidFill>
+                  <a:schemeClr val="bg1"/>
+                </a:solidFill>
+              </a:rPr>
               <a:t>Saida_to_Dados</a:t>
             </a:r>
             <a:r>
-              <a:rPr lang="pt-BR" sz="1800" dirty="0"/>
+              <a:rPr lang="pt-BR" sz="1800" dirty="0">
+                <a:solidFill>
+                  <a:schemeClr val="bg1"/>
+                </a:solidFill>
+              </a:rPr>
               <a:t>: saída de dados que irá para a memória de dados;</a:t>
             </a:r>
           </a:p>
           <a:p>
             <a:r>
-              <a:rPr lang="pt-BR" sz="1800" dirty="0" err="1"/>
+              <a:rPr lang="pt-BR" sz="1800" dirty="0" err="1">
+                <a:solidFill>
+                  <a:schemeClr val="bg1"/>
+                </a:solidFill>
+              </a:rPr>
               <a:t>Saida_to_Mux</a:t>
             </a:r>
             <a:r>
-              <a:rPr lang="pt-BR" sz="1800" dirty="0"/>
+              <a:rPr lang="pt-BR" sz="1800" dirty="0">
+                <a:solidFill>
+                  <a:schemeClr val="bg1"/>
+                </a:solidFill>
+              </a:rPr>
               <a:t>: saída de dados que irá para a multiplexadora;</a:t>
             </a:r>
           </a:p>
           <a:p>
             <a:r>
-              <a:rPr lang="pt-BR" sz="1800" dirty="0" err="1"/>
+              <a:rPr lang="pt-BR" sz="1800" dirty="0" err="1">
+                <a:solidFill>
+                  <a:schemeClr val="bg1"/>
+                </a:solidFill>
+              </a:rPr>
               <a:t>ZeroULA</a:t>
             </a:r>
             <a:r>
-              <a:rPr lang="pt-BR" sz="1800" dirty="0"/>
+              <a:rPr lang="pt-BR" sz="1800" dirty="0">
+                <a:solidFill>
+                  <a:schemeClr val="bg1"/>
+                </a:solidFill>
+              </a:rPr>
               <a:t>: saída do </a:t>
             </a:r>
             <a:r>
-              <a:rPr lang="pt-BR" sz="1800" dirty="0" err="1"/>
+              <a:rPr lang="pt-BR" sz="1800" dirty="0" err="1">
+                <a:solidFill>
+                  <a:schemeClr val="bg1"/>
+                </a:solidFill>
+              </a:rPr>
               <a:t>resutado</a:t>
             </a:r>
             <a:r>
-              <a:rPr lang="pt-BR" sz="1800" dirty="0"/>
+              <a:rPr lang="pt-BR" sz="1800" dirty="0">
+                <a:solidFill>
+                  <a:schemeClr val="bg1"/>
+                </a:solidFill>
+              </a:rPr>
               <a:t> de desvios condicionais.</a:t>
             </a:r>
           </a:p>
@@ -6941,10 +9233,10 @@
       </p:sp>
       <p:pic>
         <p:nvPicPr>
-          <p:cNvPr id="7" name="Espaço Reservado para Conteúdo 3">
+          <p:cNvPr id="6" name="Espaço Reservado para Conteúdo 3">
             <a:extLst>
               <a:ext uri="{FF2B5EF4-FFF2-40B4-BE49-F238E27FC236}">
-                <a16:creationId xmlns:a16="http://schemas.microsoft.com/office/drawing/2014/main" id="{5BD91838-7721-4F4B-9354-4CC41A29F3FF}"/>
+                <a16:creationId xmlns:a16="http://schemas.microsoft.com/office/drawing/2014/main" id="{50330E90-BF8C-4CF4-9665-E73C266681E8}"/>
               </a:ext>
             </a:extLst>
           </p:cNvPr>
@@ -6978,7 +9270,7 @@
     </p:spTree>
     <p:extLst>
       <p:ext uri="{BB962C8B-B14F-4D97-AF65-F5344CB8AC3E}">
-        <p14:creationId xmlns:p14="http://schemas.microsoft.com/office/powerpoint/2010/main" val="296712326"/>
+        <p14:creationId xmlns:p14="http://schemas.microsoft.com/office/powerpoint/2010/main" val="1454075216"/>
       </p:ext>
     </p:extLst>
   </p:cSld>
@@ -7064,82 +9356,142 @@
         </p:spPr>
         <p:txBody>
           <a:bodyPr>
-            <a:normAutofit/>
+            <a:normAutofit fontScale="92500" lnSpcReduction="20000"/>
           </a:bodyPr>
           <a:lstStyle/>
           <a:p>
             <a:r>
-              <a:rPr lang="pt-BR" sz="1800" dirty="0" err="1"/>
+              <a:rPr lang="pt-BR" sz="1800" dirty="0" err="1">
+                <a:solidFill>
+                  <a:schemeClr val="bg1"/>
+                </a:solidFill>
+              </a:rPr>
               <a:t>Clock</a:t>
             </a:r>
             <a:r>
-              <a:rPr lang="pt-BR" sz="1800" dirty="0"/>
+              <a:rPr lang="pt-BR" sz="1800" dirty="0">
+                <a:solidFill>
+                  <a:schemeClr val="bg1"/>
+                </a:solidFill>
+              </a:rPr>
               <a:t>: </a:t>
             </a:r>
             <a:r>
-              <a:rPr lang="pt-BR" sz="1800" dirty="0" err="1"/>
+              <a:rPr lang="pt-BR" sz="1800" dirty="0" err="1">
+                <a:solidFill>
+                  <a:schemeClr val="bg1"/>
+                </a:solidFill>
+              </a:rPr>
               <a:t>clock</a:t>
             </a:r>
             <a:r>
-              <a:rPr lang="pt-BR" sz="1800" dirty="0"/>
+              <a:rPr lang="pt-BR" sz="1800" dirty="0">
+                <a:solidFill>
+                  <a:schemeClr val="bg1"/>
+                </a:solidFill>
+              </a:rPr>
               <a:t> do processador;</a:t>
             </a:r>
           </a:p>
           <a:p>
             <a:r>
-              <a:rPr lang="pt-BR" sz="1800" dirty="0"/>
+              <a:rPr lang="pt-BR" sz="1800" dirty="0">
+                <a:solidFill>
+                  <a:schemeClr val="bg1"/>
+                </a:solidFill>
+              </a:rPr>
               <a:t>Data: dado a ser escrito no registrador de destino;</a:t>
             </a:r>
           </a:p>
           <a:p>
             <a:r>
-              <a:rPr lang="pt-BR" sz="1800" dirty="0"/>
+              <a:rPr lang="pt-BR" sz="1800" dirty="0">
+                <a:solidFill>
+                  <a:schemeClr val="bg1"/>
+                </a:solidFill>
+              </a:rPr>
               <a:t>LeReg2: segundo registrador para leitura;</a:t>
             </a:r>
           </a:p>
           <a:p>
             <a:r>
-              <a:rPr lang="pt-BR" sz="1800" dirty="0"/>
+              <a:rPr lang="pt-BR" sz="1800" dirty="0">
+                <a:solidFill>
+                  <a:schemeClr val="bg1"/>
+                </a:solidFill>
+              </a:rPr>
               <a:t>LeReg1: primeiro registrador para leitura;</a:t>
             </a:r>
           </a:p>
           <a:p>
             <a:r>
-              <a:rPr lang="pt-BR" sz="1800" dirty="0" err="1"/>
+              <a:rPr lang="pt-BR" sz="1800" dirty="0" err="1">
+                <a:solidFill>
+                  <a:schemeClr val="bg1"/>
+                </a:solidFill>
+              </a:rPr>
               <a:t>RegDst</a:t>
             </a:r>
             <a:r>
-              <a:rPr lang="pt-BR" sz="1800" dirty="0"/>
+              <a:rPr lang="pt-BR" sz="1800" dirty="0">
+                <a:solidFill>
+                  <a:schemeClr val="bg1"/>
+                </a:solidFill>
+              </a:rPr>
               <a:t>: registrador para escrita;</a:t>
             </a:r>
           </a:p>
           <a:p>
             <a:r>
-              <a:rPr lang="pt-BR" sz="1800" dirty="0" err="1"/>
+              <a:rPr lang="pt-BR" sz="1800" dirty="0" err="1">
+                <a:solidFill>
+                  <a:schemeClr val="bg1"/>
+                </a:solidFill>
+              </a:rPr>
               <a:t>EscReg</a:t>
             </a:r>
             <a:r>
-              <a:rPr lang="pt-BR" sz="1800" dirty="0"/>
+              <a:rPr lang="pt-BR" sz="1800" dirty="0">
+                <a:solidFill>
+                  <a:schemeClr val="bg1"/>
+                </a:solidFill>
+              </a:rPr>
               <a:t>: flag que autoriza a escrita de dados.</a:t>
             </a:r>
           </a:p>
           <a:p>
             <a:r>
-              <a:rPr lang="pt-BR" sz="1800" dirty="0" err="1"/>
+              <a:rPr lang="pt-BR" sz="1800" dirty="0" err="1">
+                <a:solidFill>
+                  <a:schemeClr val="bg1"/>
+                </a:solidFill>
+              </a:rPr>
               <a:t>RegA</a:t>
             </a:r>
             <a:r>
-              <a:rPr lang="pt-BR" sz="1800" dirty="0"/>
+              <a:rPr lang="pt-BR" sz="1800" dirty="0">
+                <a:solidFill>
+                  <a:schemeClr val="bg1"/>
+                </a:solidFill>
+              </a:rPr>
               <a:t>: Saída do dado do primeiro registrador de leitura;</a:t>
             </a:r>
           </a:p>
           <a:p>
             <a:r>
-              <a:rPr lang="pt-BR" sz="1800" dirty="0" err="1"/>
+              <a:rPr lang="pt-BR" sz="1800" dirty="0" err="1">
+                <a:solidFill>
+                  <a:schemeClr val="bg1"/>
+                </a:solidFill>
+              </a:rPr>
               <a:t>RegB</a:t>
             </a:r>
             <a:r>
-              <a:rPr lang="pt-BR" sz="1800" dirty="0"/>
+              <a:rPr lang="pt-BR" sz="1800" dirty="0">
+                <a:solidFill>
+                  <a:schemeClr val="bg1"/>
+                </a:solidFill>
+              </a:rPr>
               <a:t>: Saída do dado do segundo registrador de leitura;</a:t>
             </a:r>
           </a:p>
@@ -7182,7 +9534,7 @@
     </p:spTree>
     <p:extLst>
       <p:ext uri="{BB962C8B-B14F-4D97-AF65-F5344CB8AC3E}">
-        <p14:creationId xmlns:p14="http://schemas.microsoft.com/office/powerpoint/2010/main" val="1454075216"/>
+        <p14:creationId xmlns:p14="http://schemas.microsoft.com/office/powerpoint/2010/main" val="1208628161"/>
       </p:ext>
     </p:extLst>
   </p:cSld>
@@ -7268,7 +9620,7 @@
         </p:spPr>
         <p:txBody>
           <a:bodyPr>
-            <a:normAutofit/>
+            <a:normAutofit fontScale="85000" lnSpcReduction="10000"/>
           </a:bodyPr>
           <a:lstStyle/>
           <a:p>
@@ -7483,9 +9835,9 @@
 </file>
 
 <file path=ppt/theme/theme1.xml><?xml version="1.0" encoding="utf-8"?>
-<a:theme xmlns:a="http://schemas.openxmlformats.org/drawingml/2006/main" name="Tema do Office">
+<a:theme xmlns:a="http://schemas.openxmlformats.org/drawingml/2006/main" name="Fatia">
   <a:themeElements>
-    <a:clrScheme name="Office">
+    <a:clrScheme name="Fatia">
       <a:dk1>
         <a:sysClr val="windowText" lastClr="000000"/>
       </a:dk1>
@@ -7493,100 +9845,48 @@
         <a:sysClr val="window" lastClr="FFFFFF"/>
       </a:lt1>
       <a:dk2>
-        <a:srgbClr val="44546A"/>
+        <a:srgbClr val="146194"/>
       </a:dk2>
       <a:lt2>
-        <a:srgbClr val="E7E6E6"/>
+        <a:srgbClr val="76DBF4"/>
       </a:lt2>
       <a:accent1>
-        <a:srgbClr val="4472C4"/>
+        <a:srgbClr val="052F61"/>
       </a:accent1>
       <a:accent2>
-        <a:srgbClr val="ED7D31"/>
+        <a:srgbClr val="A50E82"/>
       </a:accent2>
       <a:accent3>
-        <a:srgbClr val="A5A5A5"/>
+        <a:srgbClr val="14967C"/>
       </a:accent3>
       <a:accent4>
-        <a:srgbClr val="FFC000"/>
+        <a:srgbClr val="6A9E1F"/>
       </a:accent4>
       <a:accent5>
-        <a:srgbClr val="5B9BD5"/>
+        <a:srgbClr val="E87D37"/>
       </a:accent5>
       <a:accent6>
-        <a:srgbClr val="70AD47"/>
+        <a:srgbClr val="C62324"/>
       </a:accent6>
       <a:hlink>
-        <a:srgbClr val="0563C1"/>
+        <a:srgbClr val="0D2E46"/>
       </a:hlink>
       <a:folHlink>
-        <a:srgbClr val="954F72"/>
+        <a:srgbClr val="356A95"/>
       </a:folHlink>
     </a:clrScheme>
-    <a:fontScheme name="Office">
+    <a:fontScheme name="Fatia">
       <a:majorFont>
-        <a:latin typeface="Calibri Light" panose="020F0302020204030204"/>
+        <a:latin typeface="Century Gothic" panose="020B0502020202020204"/>
         <a:ea typeface=""/>
         <a:cs typeface=""/>
-        <a:font script="Jpan" typeface="游ゴシック Light"/>
-        <a:font script="Hang" typeface="맑은 고딕"/>
-        <a:font script="Hans" typeface="等线 Light"/>
-        <a:font script="Hant" typeface="新細明體"/>
-        <a:font script="Arab" typeface="Times New Roman"/>
-        <a:font script="Hebr" typeface="Times New Roman"/>
-        <a:font script="Thai" typeface="Angsana New"/>
-        <a:font script="Ethi" typeface="Nyala"/>
-        <a:font script="Beng" typeface="Vrinda"/>
-        <a:font script="Gujr" typeface="Shruti"/>
-        <a:font script="Khmr" typeface="MoolBoran"/>
-        <a:font script="Knda" typeface="Tunga"/>
-        <a:font script="Guru" typeface="Raavi"/>
-        <a:font script="Cans" typeface="Euphemia"/>
-        <a:font script="Cher" typeface="Plantagenet Cherokee"/>
-        <a:font script="Yiii" typeface="Microsoft Yi Baiti"/>
-        <a:font script="Tibt" typeface="Microsoft Himalaya"/>
-        <a:font script="Thaa" typeface="MV Boli"/>
-        <a:font script="Deva" typeface="Mangal"/>
-        <a:font script="Telu" typeface="Gautami"/>
-        <a:font script="Taml" typeface="Latha"/>
-        <a:font script="Syrc" typeface="Estrangelo Edessa"/>
-        <a:font script="Orya" typeface="Kalinga"/>
-        <a:font script="Mlym" typeface="Kartika"/>
-        <a:font script="Laoo" typeface="DokChampa"/>
-        <a:font script="Sinh" typeface="Iskoola Pota"/>
-        <a:font script="Mong" typeface="Mongolian Baiti"/>
-        <a:font script="Viet" typeface="Times New Roman"/>
-        <a:font script="Uigh" typeface="Microsoft Uighur"/>
-        <a:font script="Geor" typeface="Sylfaen"/>
-        <a:font script="Armn" typeface="Arial"/>
-        <a:font script="Bugi" typeface="Leelawadee UI"/>
-        <a:font script="Bopo" typeface="Microsoft JhengHei"/>
-        <a:font script="Java" typeface="Javanese Text"/>
-        <a:font script="Lisu" typeface="Segoe UI"/>
-        <a:font script="Mymr" typeface="Myanmar Text"/>
-        <a:font script="Nkoo" typeface="Ebrima"/>
-        <a:font script="Olck" typeface="Nirmala UI"/>
-        <a:font script="Osma" typeface="Ebrima"/>
-        <a:font script="Phag" typeface="Phagspa"/>
-        <a:font script="Syrn" typeface="Estrangelo Edessa"/>
-        <a:font script="Syrj" typeface="Estrangelo Edessa"/>
-        <a:font script="Syre" typeface="Estrangelo Edessa"/>
-        <a:font script="Sora" typeface="Nirmala UI"/>
-        <a:font script="Tale" typeface="Microsoft Tai Le"/>
-        <a:font script="Talu" typeface="Microsoft New Tai Lue"/>
-        <a:font script="Tfng" typeface="Ebrima"/>
-      </a:majorFont>
-      <a:minorFont>
-        <a:latin typeface="Calibri" panose="020F0502020204030204"/>
-        <a:ea typeface=""/>
-        <a:cs typeface=""/>
-        <a:font script="Jpan" typeface="游ゴシック"/>
-        <a:font script="Hang" typeface="맑은 고딕"/>
-        <a:font script="Hans" typeface="等线"/>
-        <a:font script="Hant" typeface="新細明體"/>
-        <a:font script="Arab" typeface="Arial"/>
-        <a:font script="Hebr" typeface="Arial"/>
-        <a:font script="Thai" typeface="Cordia New"/>
+        <a:font script="Jpan" typeface="メイリオ"/>
+        <a:font script="Hang" typeface="HY중고딕"/>
+        <a:font script="Hans" typeface="幼圆"/>
+        <a:font script="Hant" typeface="微軟正黑體"/>
+        <a:font script="Arab" typeface="Tahoma"/>
+        <a:font script="Hebr" typeface="Gisha"/>
+        <a:font script="Thai" typeface="DilleniaUPC"/>
         <a:font script="Ethi" typeface="Nyala"/>
         <a:font script="Beng" typeface="Vrinda"/>
         <a:font script="Gujr" typeface="Shruti"/>
@@ -7607,29 +9907,47 @@
         <a:font script="Laoo" typeface="DokChampa"/>
         <a:font script="Sinh" typeface="Iskoola Pota"/>
         <a:font script="Mong" typeface="Mongolian Baiti"/>
-        <a:font script="Viet" typeface="Arial"/>
+        <a:font script="Viet" typeface="Tahoma"/>
         <a:font script="Uigh" typeface="Microsoft Uighur"/>
         <a:font script="Geor" typeface="Sylfaen"/>
-        <a:font script="Armn" typeface="Arial"/>
-        <a:font script="Bugi" typeface="Leelawadee UI"/>
-        <a:font script="Bopo" typeface="Microsoft JhengHei"/>
-        <a:font script="Java" typeface="Javanese Text"/>
-        <a:font script="Lisu" typeface="Segoe UI"/>
-        <a:font script="Mymr" typeface="Myanmar Text"/>
-        <a:font script="Nkoo" typeface="Ebrima"/>
-        <a:font script="Olck" typeface="Nirmala UI"/>
-        <a:font script="Osma" typeface="Ebrima"/>
-        <a:font script="Phag" typeface="Phagspa"/>
-        <a:font script="Syrn" typeface="Estrangelo Edessa"/>
-        <a:font script="Syrj" typeface="Estrangelo Edessa"/>
-        <a:font script="Syre" typeface="Estrangelo Edessa"/>
-        <a:font script="Sora" typeface="Nirmala UI"/>
-        <a:font script="Tale" typeface="Microsoft Tai Le"/>
-        <a:font script="Talu" typeface="Microsoft New Tai Lue"/>
-        <a:font script="Tfng" typeface="Ebrima"/>
+      </a:majorFont>
+      <a:minorFont>
+        <a:latin typeface="Century Gothic" panose="020B0502020202020204"/>
+        <a:ea typeface=""/>
+        <a:cs typeface=""/>
+        <a:font script="Jpan" typeface="メイリオ"/>
+        <a:font script="Hang" typeface="HY중고딕"/>
+        <a:font script="Hans" typeface="幼圆"/>
+        <a:font script="Hant" typeface="微軟正黑體"/>
+        <a:font script="Arab" typeface="Tahoma"/>
+        <a:font script="Hebr" typeface="Gisha"/>
+        <a:font script="Thai" typeface="DilleniaUPC"/>
+        <a:font script="Ethi" typeface="Nyala"/>
+        <a:font script="Beng" typeface="Vrinda"/>
+        <a:font script="Gujr" typeface="Shruti"/>
+        <a:font script="Khmr" typeface="DaunPenh"/>
+        <a:font script="Knda" typeface="Tunga"/>
+        <a:font script="Guru" typeface="Raavi"/>
+        <a:font script="Cans" typeface="Euphemia"/>
+        <a:font script="Cher" typeface="Plantagenet Cherokee"/>
+        <a:font script="Yiii" typeface="Microsoft Yi Baiti"/>
+        <a:font script="Tibt" typeface="Microsoft Himalaya"/>
+        <a:font script="Thaa" typeface="MV Boli"/>
+        <a:font script="Deva" typeface="Mangal"/>
+        <a:font script="Telu" typeface="Gautami"/>
+        <a:font script="Taml" typeface="Latha"/>
+        <a:font script="Syrc" typeface="Estrangelo Edessa"/>
+        <a:font script="Orya" typeface="Kalinga"/>
+        <a:font script="Mlym" typeface="Kartika"/>
+        <a:font script="Laoo" typeface="DokChampa"/>
+        <a:font script="Sinh" typeface="Iskoola Pota"/>
+        <a:font script="Mong" typeface="Mongolian Baiti"/>
+        <a:font script="Viet" typeface="Tahoma"/>
+        <a:font script="Uigh" typeface="Microsoft Uighur"/>
+        <a:font script="Geor" typeface="Sylfaen"/>
       </a:minorFont>
     </a:fontScheme>
-    <a:fmtScheme name="Office">
+    <a:fmtScheme name="Fatia">
       <a:fillStyleLst>
         <a:solidFill>
           <a:schemeClr val="phClr"/>
@@ -7638,23 +9956,16 @@
           <a:gsLst>
             <a:gs pos="0">
               <a:schemeClr val="phClr">
+                <a:tint val="62000"/>
+                <a:hueMod val="94000"/>
+                <a:satMod val="140000"/>
                 <a:lumMod val="110000"/>
-                <a:satMod val="105000"/>
-                <a:tint val="67000"/>
-              </a:schemeClr>
-            </a:gs>
-            <a:gs pos="50000">
-              <a:schemeClr val="phClr">
-                <a:lumMod val="105000"/>
-                <a:satMod val="103000"/>
-                <a:tint val="73000"/>
               </a:schemeClr>
             </a:gs>
             <a:gs pos="100000">
               <a:schemeClr val="phClr">
-                <a:lumMod val="105000"/>
-                <a:satMod val="109000"/>
-                <a:tint val="81000"/>
+                <a:tint val="84000"/>
+                <a:satMod val="160000"/>
               </a:schemeClr>
             </a:gs>
           </a:gsLst>
@@ -7664,23 +9975,16 @@
           <a:gsLst>
             <a:gs pos="0">
               <a:schemeClr val="phClr">
-                <a:satMod val="103000"/>
-                <a:lumMod val="102000"/>
-                <a:tint val="94000"/>
-              </a:schemeClr>
-            </a:gs>
-            <a:gs pos="50000">
-              <a:schemeClr val="phClr">
-                <a:satMod val="110000"/>
-                <a:lumMod val="100000"/>
-                <a:shade val="100000"/>
+                <a:tint val="98000"/>
+                <a:hueMod val="94000"/>
+                <a:satMod val="130000"/>
+                <a:lumMod val="128000"/>
               </a:schemeClr>
             </a:gs>
             <a:gs pos="100000">
               <a:schemeClr val="phClr">
-                <a:lumMod val="99000"/>
-                <a:satMod val="120000"/>
-                <a:shade val="78000"/>
+                <a:shade val="94000"/>
+                <a:lumMod val="88000"/>
               </a:schemeClr>
             </a:gs>
           </a:gsLst>
@@ -7688,26 +9992,29 @@
         </a:gradFill>
       </a:fillStyleLst>
       <a:lnStyleLst>
-        <a:ln w="6350" cap="flat" cmpd="sng" algn="ctr">
+        <a:ln w="9525" cap="rnd" cmpd="sng" algn="ctr">
+          <a:solidFill>
+            <a:schemeClr val="phClr">
+              <a:tint val="76000"/>
+              <a:alpha val="60000"/>
+              <a:hueMod val="94000"/>
+            </a:schemeClr>
+          </a:solidFill>
+          <a:prstDash val="solid"/>
+        </a:ln>
+        <a:ln w="15875" cap="rnd" cmpd="sng" algn="ctr">
+          <a:solidFill>
+            <a:schemeClr val="phClr">
+              <a:hueMod val="94000"/>
+            </a:schemeClr>
+          </a:solidFill>
+          <a:prstDash val="solid"/>
+        </a:ln>
+        <a:ln w="28575" cap="rnd" cmpd="sng" algn="ctr">
           <a:solidFill>
             <a:schemeClr val="phClr"/>
           </a:solidFill>
           <a:prstDash val="solid"/>
-          <a:miter lim="800000"/>
-        </a:ln>
-        <a:ln w="12700" cap="flat" cmpd="sng" algn="ctr">
-          <a:solidFill>
-            <a:schemeClr val="phClr"/>
-          </a:solidFill>
-          <a:prstDash val="solid"/>
-          <a:miter lim="800000"/>
-        </a:ln>
-        <a:ln w="19050" cap="flat" cmpd="sng" algn="ctr">
-          <a:solidFill>
-            <a:schemeClr val="phClr"/>
-          </a:solidFill>
-          <a:prstDash val="solid"/>
-          <a:miter lim="800000"/>
         </a:ln>
       </a:lnStyleLst>
       <a:effectStyleLst>
@@ -7715,54 +10022,78 @@
           <a:effectLst/>
         </a:effectStyle>
         <a:effectStyle>
-          <a:effectLst/>
+          <a:effectLst>
+            <a:innerShdw blurRad="25400" dist="12700" dir="13500000">
+              <a:srgbClr val="000000">
+                <a:alpha val="45000"/>
+              </a:srgbClr>
+            </a:innerShdw>
+          </a:effectLst>
         </a:effectStyle>
         <a:effectStyle>
           <a:effectLst>
-            <a:outerShdw blurRad="57150" dist="19050" dir="5400000" algn="ctr" rotWithShape="0">
+            <a:outerShdw blurRad="50800" dist="38100" dir="5400000" rotWithShape="0">
               <a:srgbClr val="000000">
-                <a:alpha val="63000"/>
+                <a:alpha val="46000"/>
               </a:srgbClr>
             </a:outerShdw>
           </a:effectLst>
+          <a:scene3d>
+            <a:camera prst="orthographicFront">
+              <a:rot lat="0" lon="0" rev="0"/>
+            </a:camera>
+            <a:lightRig rig="threePt" dir="t"/>
+          </a:scene3d>
+          <a:sp3d prstMaterial="plastic">
+            <a:bevelT w="25400" h="25400"/>
+          </a:sp3d>
         </a:effectStyle>
       </a:effectStyleLst>
       <a:bgFillStyleLst>
         <a:solidFill>
           <a:schemeClr val="phClr"/>
         </a:solidFill>
-        <a:solidFill>
-          <a:schemeClr val="phClr">
-            <a:tint val="95000"/>
-            <a:satMod val="170000"/>
-          </a:schemeClr>
-        </a:solidFill>
+        <a:gradFill rotWithShape="1">
+          <a:gsLst>
+            <a:gs pos="10000">
+              <a:schemeClr val="phClr">
+                <a:tint val="97000"/>
+                <a:hueMod val="92000"/>
+                <a:satMod val="169000"/>
+                <a:lumMod val="164000"/>
+              </a:schemeClr>
+            </a:gs>
+            <a:gs pos="100000">
+              <a:schemeClr val="phClr">
+                <a:shade val="96000"/>
+                <a:satMod val="120000"/>
+                <a:lumMod val="90000"/>
+              </a:schemeClr>
+            </a:gs>
+          </a:gsLst>
+          <a:lin ang="6120000" scaled="1"/>
+        </a:gradFill>
         <a:gradFill rotWithShape="1">
           <a:gsLst>
             <a:gs pos="0">
               <a:schemeClr val="phClr">
-                <a:tint val="93000"/>
-                <a:satMod val="150000"/>
-                <a:shade val="98000"/>
-                <a:lumMod val="102000"/>
-              </a:schemeClr>
-            </a:gs>
-            <a:gs pos="50000">
-              <a:schemeClr val="phClr">
-                <a:tint val="98000"/>
-                <a:satMod val="130000"/>
-                <a:shade val="90000"/>
-                <a:lumMod val="103000"/>
+                <a:tint val="97000"/>
+                <a:hueMod val="92000"/>
+                <a:satMod val="169000"/>
+                <a:lumMod val="164000"/>
               </a:schemeClr>
             </a:gs>
             <a:gs pos="100000">
               <a:schemeClr val="phClr">
-                <a:shade val="63000"/>
+                <a:shade val="96000"/>
                 <a:satMod val="120000"/>
+                <a:lumMod val="90000"/>
               </a:schemeClr>
             </a:gs>
           </a:gsLst>
-          <a:lin ang="5400000" scaled="0"/>
+          <a:path path="circle">
+            <a:fillToRect b="100000"/>
+          </a:path>
         </a:gradFill>
       </a:bgFillStyleLst>
     </a:fmtScheme>
@@ -7771,7 +10102,7 @@
   <a:extraClrSchemeLst/>
   <a:extLst>
     <a:ext uri="{05A4C25C-085E-4340-85A3-A5531E510DB2}">
-      <thm15:themeFamily xmlns:thm15="http://schemas.microsoft.com/office/thememl/2012/main" name="Office Theme" id="{62F939B6-93AF-4DB8-9C6B-D6C7DFDC589F}" vid="{4A3C46E8-61CC-4603-A589-7422A47A8E4A}"/>
+      <thm15:themeFamily xmlns:thm15="http://schemas.microsoft.com/office/thememl/2012/main" name="Slice" id="{0507925B-6AC9-4358-8E18-C330545D08F8}" vid="{13FEC7C6-62A9-40C4-99D2-581AACACAA2F}"/>
     </a:ext>
   </a:extLst>
 </a:theme>

--- a/Processador Uniciclo 16 bits.pptx
+++ b/Processador Uniciclo 16 bits.pptx
@@ -9,17 +9,16 @@
     <p:sldId id="257" r:id="rId3"/>
     <p:sldId id="258" r:id="rId4"/>
     <p:sldId id="259" r:id="rId5"/>
-    <p:sldId id="260" r:id="rId6"/>
-    <p:sldId id="261" r:id="rId7"/>
-    <p:sldId id="262" r:id="rId8"/>
-    <p:sldId id="263" r:id="rId9"/>
-    <p:sldId id="264" r:id="rId10"/>
-    <p:sldId id="265" r:id="rId11"/>
-    <p:sldId id="266" r:id="rId12"/>
-    <p:sldId id="267" r:id="rId13"/>
-    <p:sldId id="268" r:id="rId14"/>
-    <p:sldId id="269" r:id="rId15"/>
-    <p:sldId id="270" r:id="rId16"/>
+    <p:sldId id="261" r:id="rId6"/>
+    <p:sldId id="262" r:id="rId7"/>
+    <p:sldId id="263" r:id="rId8"/>
+    <p:sldId id="264" r:id="rId9"/>
+    <p:sldId id="265" r:id="rId10"/>
+    <p:sldId id="266" r:id="rId11"/>
+    <p:sldId id="267" r:id="rId12"/>
+    <p:sldId id="268" r:id="rId13"/>
+    <p:sldId id="269" r:id="rId14"/>
+    <p:sldId id="270" r:id="rId15"/>
   </p:sldIdLst>
   <p:sldSz cx="12192000" cy="6858000"/>
   <p:notesSz cx="6858000" cy="9144000"/>
@@ -273,7 +272,7 @@
           <a:p>
             <a:fld id="{F44CB1C3-A6C1-48F5-87C0-9FA9A37CB4A5}" type="datetimeFigureOut">
               <a:rPr lang="pt-BR" smtClean="0"/>
-              <a:t>03/12/2018</a:t>
+              <a:t>04/12/2018</a:t>
             </a:fld>
             <a:endParaRPr lang="pt-BR"/>
           </a:p>
@@ -471,7 +470,7 @@
           <a:p>
             <a:fld id="{F44CB1C3-A6C1-48F5-87C0-9FA9A37CB4A5}" type="datetimeFigureOut">
               <a:rPr lang="pt-BR" smtClean="0"/>
-              <a:t>03/12/2018</a:t>
+              <a:t>04/12/2018</a:t>
             </a:fld>
             <a:endParaRPr lang="pt-BR"/>
           </a:p>
@@ -679,7 +678,7 @@
           <a:p>
             <a:fld id="{F44CB1C3-A6C1-48F5-87C0-9FA9A37CB4A5}" type="datetimeFigureOut">
               <a:rPr lang="pt-BR" smtClean="0"/>
-              <a:t>03/12/2018</a:t>
+              <a:t>04/12/2018</a:t>
             </a:fld>
             <a:endParaRPr lang="pt-BR"/>
           </a:p>
@@ -877,7 +876,7 @@
           <a:p>
             <a:fld id="{F44CB1C3-A6C1-48F5-87C0-9FA9A37CB4A5}" type="datetimeFigureOut">
               <a:rPr lang="pt-BR" smtClean="0"/>
-              <a:t>03/12/2018</a:t>
+              <a:t>04/12/2018</a:t>
             </a:fld>
             <a:endParaRPr lang="pt-BR"/>
           </a:p>
@@ -1152,7 +1151,7 @@
           <a:p>
             <a:fld id="{F44CB1C3-A6C1-48F5-87C0-9FA9A37CB4A5}" type="datetimeFigureOut">
               <a:rPr lang="pt-BR" smtClean="0"/>
-              <a:t>03/12/2018</a:t>
+              <a:t>04/12/2018</a:t>
             </a:fld>
             <a:endParaRPr lang="pt-BR"/>
           </a:p>
@@ -1417,7 +1416,7 @@
           <a:p>
             <a:fld id="{F44CB1C3-A6C1-48F5-87C0-9FA9A37CB4A5}" type="datetimeFigureOut">
               <a:rPr lang="pt-BR" smtClean="0"/>
-              <a:t>03/12/2018</a:t>
+              <a:t>04/12/2018</a:t>
             </a:fld>
             <a:endParaRPr lang="pt-BR"/>
           </a:p>
@@ -1829,7 +1828,7 @@
           <a:p>
             <a:fld id="{F44CB1C3-A6C1-48F5-87C0-9FA9A37CB4A5}" type="datetimeFigureOut">
               <a:rPr lang="pt-BR" smtClean="0"/>
-              <a:t>03/12/2018</a:t>
+              <a:t>04/12/2018</a:t>
             </a:fld>
             <a:endParaRPr lang="pt-BR"/>
           </a:p>
@@ -1970,7 +1969,7 @@
           <a:p>
             <a:fld id="{F44CB1C3-A6C1-48F5-87C0-9FA9A37CB4A5}" type="datetimeFigureOut">
               <a:rPr lang="pt-BR" smtClean="0"/>
-              <a:t>03/12/2018</a:t>
+              <a:t>04/12/2018</a:t>
             </a:fld>
             <a:endParaRPr lang="pt-BR"/>
           </a:p>
@@ -2083,7 +2082,7 @@
           <a:p>
             <a:fld id="{F44CB1C3-A6C1-48F5-87C0-9FA9A37CB4A5}" type="datetimeFigureOut">
               <a:rPr lang="pt-BR" smtClean="0"/>
-              <a:t>03/12/2018</a:t>
+              <a:t>04/12/2018</a:t>
             </a:fld>
             <a:endParaRPr lang="pt-BR"/>
           </a:p>
@@ -2394,7 +2393,7 @@
           <a:p>
             <a:fld id="{F44CB1C3-A6C1-48F5-87C0-9FA9A37CB4A5}" type="datetimeFigureOut">
               <a:rPr lang="pt-BR" smtClean="0"/>
-              <a:t>03/12/2018</a:t>
+              <a:t>04/12/2018</a:t>
             </a:fld>
             <a:endParaRPr lang="pt-BR"/>
           </a:p>
@@ -2682,7 +2681,7 @@
           <a:p>
             <a:fld id="{F44CB1C3-A6C1-48F5-87C0-9FA9A37CB4A5}" type="datetimeFigureOut">
               <a:rPr lang="pt-BR" smtClean="0"/>
-              <a:t>03/12/2018</a:t>
+              <a:t>04/12/2018</a:t>
             </a:fld>
             <a:endParaRPr lang="pt-BR"/>
           </a:p>
@@ -2923,7 +2922,7 @@
           <a:p>
             <a:fld id="{F44CB1C3-A6C1-48F5-87C0-9FA9A37CB4A5}" type="datetimeFigureOut">
               <a:rPr lang="pt-BR" smtClean="0"/>
-              <a:t>03/12/2018</a:t>
+              <a:t>04/12/2018</a:t>
             </a:fld>
             <a:endParaRPr lang="pt-BR"/>
           </a:p>
@@ -3496,261 +3495,6 @@
           <a:p>
             <a:r>
               <a:rPr lang="pt-BR" dirty="0"/>
-              <a:t>Memória de Instruções</a:t>
-            </a:r>
-          </a:p>
-        </p:txBody>
-      </p:sp>
-      <p:sp>
-        <p:nvSpPr>
-          <p:cNvPr id="9" name="Content Placeholder 8">
-            <a:extLst>
-              <a:ext uri="{FF2B5EF4-FFF2-40B4-BE49-F238E27FC236}">
-                <a16:creationId xmlns:a16="http://schemas.microsoft.com/office/drawing/2014/main" id="{A0E78A70-CADA-4E4F-9D3D-B4936FBCB6BE}"/>
-              </a:ext>
-            </a:extLst>
-          </p:cNvPr>
-          <p:cNvSpPr>
-            <a:spLocks noGrp="1"/>
-          </p:cNvSpPr>
-          <p:nvPr>
-            <p:ph idx="1"/>
-          </p:nvPr>
-        </p:nvSpPr>
-        <p:spPr>
-          <a:xfrm>
-            <a:off x="648931" y="1895062"/>
-            <a:ext cx="6410998" cy="4691482"/>
-          </a:xfrm>
-        </p:spPr>
-        <p:txBody>
-          <a:bodyPr>
-            <a:normAutofit/>
-          </a:bodyPr>
-          <a:lstStyle/>
-          <a:p>
-            <a:pPr>
-              <a:spcBef>
-                <a:spcPts val="400"/>
-              </a:spcBef>
-            </a:pPr>
-            <a:r>
-              <a:rPr lang="pt-BR" sz="1800" dirty="0" err="1"/>
-              <a:t>Clk</a:t>
-            </a:r>
-            <a:r>
-              <a:rPr lang="pt-BR" sz="1800" dirty="0"/>
-              <a:t>;</a:t>
-            </a:r>
-          </a:p>
-          <a:p>
-            <a:pPr>
-              <a:spcBef>
-                <a:spcPts val="400"/>
-              </a:spcBef>
-            </a:pPr>
-            <a:r>
-              <a:rPr lang="pt-BR" sz="1800" dirty="0"/>
-              <a:t>entrada;</a:t>
-            </a:r>
-          </a:p>
-          <a:p>
-            <a:pPr>
-              <a:spcBef>
-                <a:spcPts val="400"/>
-              </a:spcBef>
-            </a:pPr>
-            <a:r>
-              <a:rPr lang="pt-BR" sz="1800" dirty="0" err="1"/>
-              <a:t>funct</a:t>
-            </a:r>
-            <a:r>
-              <a:rPr lang="pt-BR" sz="1800" dirty="0"/>
-              <a:t>;</a:t>
-            </a:r>
-          </a:p>
-          <a:p>
-            <a:pPr>
-              <a:spcBef>
-                <a:spcPts val="400"/>
-              </a:spcBef>
-            </a:pPr>
-            <a:r>
-              <a:rPr lang="pt-BR" sz="1800" dirty="0" err="1"/>
-              <a:t>jump</a:t>
-            </a:r>
-            <a:r>
-              <a:rPr lang="pt-BR" sz="1800" dirty="0"/>
-              <a:t>;</a:t>
-            </a:r>
-          </a:p>
-          <a:p>
-            <a:pPr>
-              <a:spcBef>
-                <a:spcPts val="400"/>
-              </a:spcBef>
-            </a:pPr>
-            <a:r>
-              <a:rPr lang="pt-BR" sz="1800" dirty="0" err="1"/>
-              <a:t>op</a:t>
-            </a:r>
-            <a:r>
-              <a:rPr lang="pt-BR" sz="1800" dirty="0"/>
-              <a:t>;</a:t>
-            </a:r>
-          </a:p>
-          <a:p>
-            <a:pPr>
-              <a:spcBef>
-                <a:spcPts val="400"/>
-              </a:spcBef>
-            </a:pPr>
-            <a:r>
-              <a:rPr lang="pt-BR" sz="1800" dirty="0"/>
-              <a:t>rd;</a:t>
-            </a:r>
-          </a:p>
-          <a:p>
-            <a:pPr>
-              <a:spcBef>
-                <a:spcPts val="400"/>
-              </a:spcBef>
-            </a:pPr>
-            <a:r>
-              <a:rPr lang="pt-BR" sz="1800" dirty="0" err="1"/>
-              <a:t>rs</a:t>
-            </a:r>
-            <a:r>
-              <a:rPr lang="pt-BR" sz="1800" dirty="0"/>
-              <a:t>;</a:t>
-            </a:r>
-          </a:p>
-          <a:p>
-            <a:pPr>
-              <a:spcBef>
-                <a:spcPts val="400"/>
-              </a:spcBef>
-            </a:pPr>
-            <a:r>
-              <a:rPr lang="pt-BR" sz="1800" dirty="0" err="1"/>
-              <a:t>rt</a:t>
-            </a:r>
-            <a:r>
-              <a:rPr lang="pt-BR" sz="1800" dirty="0"/>
-              <a:t>;</a:t>
-            </a:r>
-          </a:p>
-          <a:p>
-            <a:pPr>
-              <a:spcBef>
-                <a:spcPts val="400"/>
-              </a:spcBef>
-            </a:pPr>
-            <a:r>
-              <a:rPr lang="pt-BR" sz="1800" dirty="0" err="1"/>
-              <a:t>tipoi</a:t>
-            </a:r>
-            <a:r>
-              <a:rPr lang="pt-BR" sz="1800" dirty="0"/>
-              <a:t>;</a:t>
-            </a:r>
-          </a:p>
-        </p:txBody>
-      </p:sp>
-      <p:pic>
-        <p:nvPicPr>
-          <p:cNvPr id="5" name="Imagem 4">
-            <a:extLst>
-              <a:ext uri="{FF2B5EF4-FFF2-40B4-BE49-F238E27FC236}">
-                <a16:creationId xmlns:a16="http://schemas.microsoft.com/office/drawing/2014/main" id="{43F8BEB0-DAED-42BC-A5BA-BEA200DFFF3E}"/>
-              </a:ext>
-            </a:extLst>
-          </p:cNvPr>
-          <p:cNvPicPr/>
-          <p:nvPr/>
-        </p:nvPicPr>
-        <p:blipFill>
-          <a:blip r:embed="rId2">
-            <a:extLst>
-              <a:ext uri="{28A0092B-C50C-407E-A947-70E740481C1C}">
-                <a14:useLocalDpi xmlns:a14="http://schemas.microsoft.com/office/drawing/2010/main" val="0"/>
-              </a:ext>
-            </a:extLst>
-          </a:blip>
-          <a:stretch>
-            <a:fillRect/>
-          </a:stretch>
-        </p:blipFill>
-        <p:spPr>
-          <a:xfrm>
-            <a:off x="7059929" y="1598170"/>
-            <a:ext cx="4982517" cy="4323659"/>
-          </a:xfrm>
-          <a:prstGeom prst="rect">
-            <a:avLst/>
-          </a:prstGeom>
-        </p:spPr>
-      </p:pic>
-    </p:spTree>
-    <p:extLst>
-      <p:ext uri="{BB962C8B-B14F-4D97-AF65-F5344CB8AC3E}">
-        <p14:creationId xmlns:p14="http://schemas.microsoft.com/office/powerpoint/2010/main" val="2708671548"/>
-      </p:ext>
-    </p:extLst>
-  </p:cSld>
-  <p:clrMapOvr>
-    <a:masterClrMapping/>
-  </p:clrMapOvr>
-</p:sld>
-</file>
-
-<file path=ppt/slides/slide11.xml><?xml version="1.0" encoding="utf-8"?>
-<p:sld xmlns:a="http://schemas.openxmlformats.org/drawingml/2006/main" xmlns:r="http://schemas.openxmlformats.org/officeDocument/2006/relationships" xmlns:p="http://schemas.openxmlformats.org/presentationml/2006/main">
-  <p:cSld>
-    <p:spTree>
-      <p:nvGrpSpPr>
-        <p:cNvPr id="1" name=""/>
-        <p:cNvGrpSpPr/>
-        <p:nvPr/>
-      </p:nvGrpSpPr>
-      <p:grpSpPr>
-        <a:xfrm>
-          <a:off x="0" y="0"/>
-          <a:ext cx="0" cy="0"/>
-          <a:chOff x="0" y="0"/>
-          <a:chExt cx="0" cy="0"/>
-        </a:xfrm>
-      </p:grpSpPr>
-      <p:sp>
-        <p:nvSpPr>
-          <p:cNvPr id="2" name="Título 1">
-            <a:extLst>
-              <a:ext uri="{FF2B5EF4-FFF2-40B4-BE49-F238E27FC236}">
-                <a16:creationId xmlns:a16="http://schemas.microsoft.com/office/drawing/2014/main" id="{13D16F25-0A29-4126-8482-AD826DD08B11}"/>
-              </a:ext>
-            </a:extLst>
-          </p:cNvPr>
-          <p:cNvSpPr>
-            <a:spLocks noGrp="1"/>
-          </p:cNvSpPr>
-          <p:nvPr>
-            <p:ph type="title"/>
-          </p:nvPr>
-        </p:nvSpPr>
-        <p:spPr>
-          <a:xfrm>
-            <a:off x="648929" y="271456"/>
-            <a:ext cx="5447071" cy="1676603"/>
-          </a:xfrm>
-        </p:spPr>
-        <p:txBody>
-          <a:bodyPr>
-            <a:normAutofit/>
-          </a:bodyPr>
-          <a:lstStyle/>
-          <a:p>
-            <a:r>
-              <a:rPr lang="pt-BR" dirty="0"/>
               <a:t>Memória de dados</a:t>
             </a:r>
           </a:p>
@@ -3895,7 +3639,7 @@
 </p:sld>
 </file>
 
-<file path=ppt/slides/slide12.xml><?xml version="1.0" encoding="utf-8"?>
+<file path=ppt/slides/slide11.xml><?xml version="1.0" encoding="utf-8"?>
 <p:sld xmlns:a="http://schemas.openxmlformats.org/drawingml/2006/main" xmlns:r="http://schemas.openxmlformats.org/officeDocument/2006/relationships" xmlns:p="http://schemas.openxmlformats.org/presentationml/2006/main">
   <p:cSld>
     <p:spTree>
@@ -4077,7 +3821,7 @@
 </p:sld>
 </file>
 
-<file path=ppt/slides/slide13.xml><?xml version="1.0" encoding="utf-8"?>
+<file path=ppt/slides/slide12.xml><?xml version="1.0" encoding="utf-8"?>
 <p:sld xmlns:a="http://schemas.openxmlformats.org/drawingml/2006/main" xmlns:r="http://schemas.openxmlformats.org/officeDocument/2006/relationships" xmlns:p="http://schemas.openxmlformats.org/presentationml/2006/main">
   <p:cSld>
     <p:spTree>
@@ -4249,7 +3993,7 @@
 </p:sld>
 </file>
 
-<file path=ppt/slides/slide14.xml><?xml version="1.0" encoding="utf-8"?>
+<file path=ppt/slides/slide13.xml><?xml version="1.0" encoding="utf-8"?>
 <p:sld xmlns:a="http://schemas.openxmlformats.org/drawingml/2006/main" xmlns:r="http://schemas.openxmlformats.org/officeDocument/2006/relationships" xmlns:p="http://schemas.openxmlformats.org/presentationml/2006/main">
   <p:cSld>
     <p:spTree>
@@ -4419,7 +4163,7 @@
 </p:sld>
 </file>
 
-<file path=ppt/slides/slide15.xml><?xml version="1.0" encoding="utf-8"?>
+<file path=ppt/slides/slide14.xml><?xml version="1.0" encoding="utf-8"?>
 <p:sld xmlns:a="http://schemas.openxmlformats.org/drawingml/2006/main" xmlns:r="http://schemas.openxmlformats.org/officeDocument/2006/relationships" xmlns:p="http://schemas.openxmlformats.org/presentationml/2006/main">
   <p:cSld>
     <p:spTree>
@@ -5574,748 +5318,6 @@
           <a:p>
             <a:r>
               <a:rPr lang="pt-BR" dirty="0"/>
-              <a:t>Tipo I</a:t>
-            </a:r>
-          </a:p>
-        </p:txBody>
-      </p:sp>
-      <p:graphicFrame>
-        <p:nvGraphicFramePr>
-          <p:cNvPr id="4" name="Espaço Reservado para Conteúdo 3">
-            <a:extLst>
-              <a:ext uri="{FF2B5EF4-FFF2-40B4-BE49-F238E27FC236}">
-                <a16:creationId xmlns:a16="http://schemas.microsoft.com/office/drawing/2014/main" id="{D27F5E9B-01BE-4B4E-BA9E-0784C72DB34B}"/>
-              </a:ext>
-            </a:extLst>
-          </p:cNvPr>
-          <p:cNvGraphicFramePr>
-            <a:graphicFrameLocks/>
-          </p:cNvGraphicFramePr>
-          <p:nvPr>
-            <p:extLst>
-              <p:ext uri="{D42A27DB-BD31-4B8C-83A1-F6EECF244321}">
-                <p14:modId xmlns:p14="http://schemas.microsoft.com/office/powerpoint/2010/main" val="1293023765"/>
-              </p:ext>
-            </p:extLst>
-          </p:nvPr>
-        </p:nvGraphicFramePr>
-        <p:xfrm>
-          <a:off x="1626870" y="4052846"/>
-          <a:ext cx="8938259" cy="2148840"/>
-        </p:xfrm>
-        <a:graphic>
-          <a:graphicData uri="http://schemas.openxmlformats.org/drawingml/2006/table">
-            <a:tbl>
-              <a:tblPr firstRow="1" firstCol="1" bandRow="1">
-                <a:tableStyleId>{5C22544A-7EE6-4342-B048-85BDC9FD1C3A}</a:tableStyleId>
-              </a:tblPr>
-              <a:tblGrid>
-                <a:gridCol w="2171700">
-                  <a:extLst>
-                    <a:ext uri="{9D8B030D-6E8A-4147-A177-3AD203B41FA5}">
-                      <a16:colId xmlns:a16="http://schemas.microsoft.com/office/drawing/2014/main" val="3643427407"/>
-                    </a:ext>
-                  </a:extLst>
-                </a:gridCol>
-                <a:gridCol w="1874520">
-                  <a:extLst>
-                    <a:ext uri="{9D8B030D-6E8A-4147-A177-3AD203B41FA5}">
-                      <a16:colId xmlns:a16="http://schemas.microsoft.com/office/drawing/2014/main" val="2866528417"/>
-                    </a:ext>
-                  </a:extLst>
-                </a:gridCol>
-                <a:gridCol w="2034540">
-                  <a:extLst>
-                    <a:ext uri="{9D8B030D-6E8A-4147-A177-3AD203B41FA5}">
-                      <a16:colId xmlns:a16="http://schemas.microsoft.com/office/drawing/2014/main" val="502159879"/>
-                    </a:ext>
-                  </a:extLst>
-                </a:gridCol>
-                <a:gridCol w="2857499">
-                  <a:extLst>
-                    <a:ext uri="{9D8B030D-6E8A-4147-A177-3AD203B41FA5}">
-                      <a16:colId xmlns:a16="http://schemas.microsoft.com/office/drawing/2014/main" val="2024367353"/>
-                    </a:ext>
-                  </a:extLst>
-                </a:gridCol>
-              </a:tblGrid>
-              <a:tr h="1074420">
-                <a:tc>
-                  <a:txBody>
-                    <a:bodyPr/>
-                    <a:lstStyle/>
-                    <a:p>
-                      <a:pPr algn="ctr">
-                        <a:spcAft>
-                          <a:spcPts val="0"/>
-                        </a:spcAft>
-                      </a:pPr>
-                      <a:r>
-                        <a:rPr lang="pt-BR" sz="3500" dirty="0" err="1">
-                          <a:effectLst/>
-                        </a:rPr>
-                        <a:t>OpCode</a:t>
-                      </a:r>
-                      <a:endParaRPr lang="pt-BR" sz="3500" dirty="0">
-                        <a:effectLst/>
-                        <a:latin typeface="Calibri" panose="020F0502020204030204" pitchFamily="34" charset="0"/>
-                        <a:ea typeface="Calibri" panose="020F0502020204030204" pitchFamily="34" charset="0"/>
-                        <a:cs typeface="Calibri" panose="020F0502020204030204" pitchFamily="34" charset="0"/>
-                      </a:endParaRPr>
-                    </a:p>
-                  </a:txBody>
-                  <a:tcPr marL="217025" marR="217025" marT="0" marB="0"/>
-                </a:tc>
-                <a:tc>
-                  <a:txBody>
-                    <a:bodyPr/>
-                    <a:lstStyle/>
-                    <a:p>
-                      <a:pPr algn="ctr">
-                        <a:spcAft>
-                          <a:spcPts val="0"/>
-                        </a:spcAft>
-                      </a:pPr>
-                      <a:r>
-                        <a:rPr lang="pt-BR" sz="3500" dirty="0">
-                          <a:effectLst/>
-                        </a:rPr>
-                        <a:t>Rd</a:t>
-                      </a:r>
-                      <a:endParaRPr lang="pt-BR" sz="3500" dirty="0">
-                        <a:effectLst/>
-                        <a:latin typeface="Calibri" panose="020F0502020204030204" pitchFamily="34" charset="0"/>
-                        <a:ea typeface="Calibri" panose="020F0502020204030204" pitchFamily="34" charset="0"/>
-                        <a:cs typeface="Calibri" panose="020F0502020204030204" pitchFamily="34" charset="0"/>
-                      </a:endParaRPr>
-                    </a:p>
-                  </a:txBody>
-                  <a:tcPr marL="217025" marR="217025" marT="0" marB="0"/>
-                </a:tc>
-                <a:tc>
-                  <a:txBody>
-                    <a:bodyPr/>
-                    <a:lstStyle/>
-                    <a:p>
-                      <a:pPr algn="ctr">
-                        <a:spcAft>
-                          <a:spcPts val="0"/>
-                        </a:spcAft>
-                      </a:pPr>
-                      <a:r>
-                        <a:rPr lang="pt-BR" sz="3500" dirty="0" err="1">
-                          <a:effectLst/>
-                        </a:rPr>
-                        <a:t>Rf</a:t>
-                      </a:r>
-                      <a:endParaRPr lang="pt-BR" sz="3500" dirty="0">
-                        <a:effectLst/>
-                        <a:latin typeface="Calibri" panose="020F0502020204030204" pitchFamily="34" charset="0"/>
-                        <a:ea typeface="Calibri" panose="020F0502020204030204" pitchFamily="34" charset="0"/>
-                        <a:cs typeface="Calibri" panose="020F0502020204030204" pitchFamily="34" charset="0"/>
-                      </a:endParaRPr>
-                    </a:p>
-                  </a:txBody>
-                  <a:tcPr marL="217025" marR="217025" marT="0" marB="0"/>
-                </a:tc>
-                <a:tc>
-                  <a:txBody>
-                    <a:bodyPr/>
-                    <a:lstStyle/>
-                    <a:p>
-                      <a:pPr algn="ctr">
-                        <a:spcAft>
-                          <a:spcPts val="0"/>
-                        </a:spcAft>
-                      </a:pPr>
-                      <a:r>
-                        <a:rPr lang="pt-BR" sz="3500" dirty="0">
-                          <a:effectLst/>
-                        </a:rPr>
-                        <a:t>Imediato</a:t>
-                      </a:r>
-                      <a:endParaRPr lang="pt-BR" sz="3500" dirty="0">
-                        <a:effectLst/>
-                        <a:latin typeface="Calibri" panose="020F0502020204030204" pitchFamily="34" charset="0"/>
-                        <a:ea typeface="Calibri" panose="020F0502020204030204" pitchFamily="34" charset="0"/>
-                        <a:cs typeface="Calibri" panose="020F0502020204030204" pitchFamily="34" charset="0"/>
-                      </a:endParaRPr>
-                    </a:p>
-                  </a:txBody>
-                  <a:tcPr marL="217025" marR="217025" marT="0" marB="0"/>
-                </a:tc>
-                <a:extLst>
-                  <a:ext uri="{0D108BD9-81ED-4DB2-BD59-A6C34878D82A}">
-                    <a16:rowId xmlns:a16="http://schemas.microsoft.com/office/drawing/2014/main" val="1915434354"/>
-                  </a:ext>
-                </a:extLst>
-              </a:tr>
-              <a:tr h="537210">
-                <a:tc>
-                  <a:txBody>
-                    <a:bodyPr/>
-                    <a:lstStyle/>
-                    <a:p>
-                      <a:pPr algn="ctr">
-                        <a:spcAft>
-                          <a:spcPts val="0"/>
-                        </a:spcAft>
-                      </a:pPr>
-                      <a:r>
-                        <a:rPr lang="pt-BR" sz="3500" b="0" dirty="0">
-                          <a:solidFill>
-                            <a:schemeClr val="tx1"/>
-                          </a:solidFill>
-                          <a:effectLst/>
-                        </a:rPr>
-                        <a:t>15-12</a:t>
-                      </a:r>
-                      <a:endParaRPr lang="pt-BR" sz="3500" b="0" dirty="0">
-                        <a:solidFill>
-                          <a:schemeClr val="tx1"/>
-                        </a:solidFill>
-                        <a:effectLst/>
-                        <a:latin typeface="Calibri" panose="020F0502020204030204" pitchFamily="34" charset="0"/>
-                        <a:ea typeface="Calibri" panose="020F0502020204030204" pitchFamily="34" charset="0"/>
-                        <a:cs typeface="Calibri" panose="020F0502020204030204" pitchFamily="34" charset="0"/>
-                      </a:endParaRPr>
-                    </a:p>
-                  </a:txBody>
-                  <a:tcPr marL="217025" marR="217025" marT="0" marB="0">
-                    <a:solidFill>
-                      <a:schemeClr val="tx2">
-                        <a:lumMod val="40000"/>
-                        <a:lumOff val="60000"/>
-                      </a:schemeClr>
-                    </a:solidFill>
-                  </a:tcPr>
-                </a:tc>
-                <a:tc>
-                  <a:txBody>
-                    <a:bodyPr/>
-                    <a:lstStyle/>
-                    <a:p>
-                      <a:pPr algn="ctr">
-                        <a:spcAft>
-                          <a:spcPts val="0"/>
-                        </a:spcAft>
-                      </a:pPr>
-                      <a:r>
-                        <a:rPr lang="pt-BR" sz="3500" b="0" dirty="0">
-                          <a:solidFill>
-                            <a:schemeClr val="tx1"/>
-                          </a:solidFill>
-                          <a:effectLst/>
-                        </a:rPr>
-                        <a:t>11-9</a:t>
-                      </a:r>
-                      <a:endParaRPr lang="pt-BR" sz="3500" b="0" dirty="0">
-                        <a:solidFill>
-                          <a:schemeClr val="tx1"/>
-                        </a:solidFill>
-                        <a:effectLst/>
-                        <a:latin typeface="Calibri" panose="020F0502020204030204" pitchFamily="34" charset="0"/>
-                        <a:ea typeface="Calibri" panose="020F0502020204030204" pitchFamily="34" charset="0"/>
-                        <a:cs typeface="Calibri" panose="020F0502020204030204" pitchFamily="34" charset="0"/>
-                      </a:endParaRPr>
-                    </a:p>
-                  </a:txBody>
-                  <a:tcPr marL="217025" marR="217025" marT="0" marB="0">
-                    <a:solidFill>
-                      <a:schemeClr val="tx2">
-                        <a:lumMod val="40000"/>
-                        <a:lumOff val="60000"/>
-                      </a:schemeClr>
-                    </a:solidFill>
-                  </a:tcPr>
-                </a:tc>
-                <a:tc>
-                  <a:txBody>
-                    <a:bodyPr/>
-                    <a:lstStyle/>
-                    <a:p>
-                      <a:pPr algn="ctr">
-                        <a:spcAft>
-                          <a:spcPts val="0"/>
-                        </a:spcAft>
-                      </a:pPr>
-                      <a:r>
-                        <a:rPr lang="pt-BR" sz="3500" b="0" dirty="0">
-                          <a:solidFill>
-                            <a:schemeClr val="tx1"/>
-                          </a:solidFill>
-                          <a:effectLst/>
-                        </a:rPr>
-                        <a:t>8-6</a:t>
-                      </a:r>
-                      <a:endParaRPr lang="pt-BR" sz="3500" b="0" dirty="0">
-                        <a:solidFill>
-                          <a:schemeClr val="tx1"/>
-                        </a:solidFill>
-                        <a:effectLst/>
-                        <a:latin typeface="Calibri" panose="020F0502020204030204" pitchFamily="34" charset="0"/>
-                        <a:ea typeface="Calibri" panose="020F0502020204030204" pitchFamily="34" charset="0"/>
-                        <a:cs typeface="Calibri" panose="020F0502020204030204" pitchFamily="34" charset="0"/>
-                      </a:endParaRPr>
-                    </a:p>
-                  </a:txBody>
-                  <a:tcPr marL="217025" marR="217025" marT="0" marB="0">
-                    <a:solidFill>
-                      <a:schemeClr val="tx2">
-                        <a:lumMod val="40000"/>
-                        <a:lumOff val="60000"/>
-                      </a:schemeClr>
-                    </a:solidFill>
-                  </a:tcPr>
-                </a:tc>
-                <a:tc>
-                  <a:txBody>
-                    <a:bodyPr/>
-                    <a:lstStyle/>
-                    <a:p>
-                      <a:pPr algn="ctr">
-                        <a:spcAft>
-                          <a:spcPts val="0"/>
-                        </a:spcAft>
-                      </a:pPr>
-                      <a:r>
-                        <a:rPr lang="pt-BR" sz="3500" b="0" dirty="0">
-                          <a:solidFill>
-                            <a:schemeClr val="tx1"/>
-                          </a:solidFill>
-                          <a:effectLst/>
-                        </a:rPr>
-                        <a:t>5-0</a:t>
-                      </a:r>
-                      <a:endParaRPr lang="pt-BR" sz="3500" b="0" dirty="0">
-                        <a:solidFill>
-                          <a:schemeClr val="tx1"/>
-                        </a:solidFill>
-                        <a:effectLst/>
-                        <a:latin typeface="Calibri" panose="020F0502020204030204" pitchFamily="34" charset="0"/>
-                        <a:ea typeface="Calibri" panose="020F0502020204030204" pitchFamily="34" charset="0"/>
-                        <a:cs typeface="Calibri" panose="020F0502020204030204" pitchFamily="34" charset="0"/>
-                      </a:endParaRPr>
-                    </a:p>
-                  </a:txBody>
-                  <a:tcPr marL="217025" marR="217025" marT="0" marB="0">
-                    <a:solidFill>
-                      <a:schemeClr val="tx2">
-                        <a:lumMod val="40000"/>
-                        <a:lumOff val="60000"/>
-                      </a:schemeClr>
-                    </a:solidFill>
-                  </a:tcPr>
-                </a:tc>
-                <a:extLst>
-                  <a:ext uri="{0D108BD9-81ED-4DB2-BD59-A6C34878D82A}">
-                    <a16:rowId xmlns:a16="http://schemas.microsoft.com/office/drawing/2014/main" val="3535475207"/>
-                  </a:ext>
-                </a:extLst>
-              </a:tr>
-              <a:tr h="537210">
-                <a:tc>
-                  <a:txBody>
-                    <a:bodyPr/>
-                    <a:lstStyle/>
-                    <a:p>
-                      <a:pPr algn="ctr">
-                        <a:spcAft>
-                          <a:spcPts val="0"/>
-                        </a:spcAft>
-                      </a:pPr>
-                      <a:r>
-                        <a:rPr lang="pt-BR" sz="3500" b="0" dirty="0">
-                          <a:solidFill>
-                            <a:schemeClr val="tx1"/>
-                          </a:solidFill>
-                          <a:effectLst/>
-                          <a:latin typeface="Calibri" panose="020F0502020204030204" pitchFamily="34" charset="0"/>
-                          <a:ea typeface="Calibri" panose="020F0502020204030204" pitchFamily="34" charset="0"/>
-                          <a:cs typeface="Calibri" panose="020F0502020204030204" pitchFamily="34" charset="0"/>
-                        </a:rPr>
-                        <a:t>4 bits</a:t>
-                      </a:r>
-                    </a:p>
-                  </a:txBody>
-                  <a:tcPr marL="217025" marR="217025" marT="0" marB="0">
-                    <a:solidFill>
-                      <a:schemeClr val="accent1">
-                        <a:lumMod val="20000"/>
-                        <a:lumOff val="80000"/>
-                      </a:schemeClr>
-                    </a:solidFill>
-                  </a:tcPr>
-                </a:tc>
-                <a:tc>
-                  <a:txBody>
-                    <a:bodyPr/>
-                    <a:lstStyle/>
-                    <a:p>
-                      <a:pPr algn="ctr">
-                        <a:spcAft>
-                          <a:spcPts val="0"/>
-                        </a:spcAft>
-                      </a:pPr>
-                      <a:r>
-                        <a:rPr lang="pt-BR" sz="3500" b="0" dirty="0">
-                          <a:solidFill>
-                            <a:schemeClr val="tx1"/>
-                          </a:solidFill>
-                          <a:effectLst/>
-                        </a:rPr>
-                        <a:t>3 bits</a:t>
-                      </a:r>
-                      <a:endParaRPr lang="pt-BR" sz="3500" b="0" dirty="0">
-                        <a:solidFill>
-                          <a:schemeClr val="tx1"/>
-                        </a:solidFill>
-                        <a:effectLst/>
-                        <a:latin typeface="Calibri" panose="020F0502020204030204" pitchFamily="34" charset="0"/>
-                        <a:ea typeface="Calibri" panose="020F0502020204030204" pitchFamily="34" charset="0"/>
-                        <a:cs typeface="Calibri" panose="020F0502020204030204" pitchFamily="34" charset="0"/>
-                      </a:endParaRPr>
-                    </a:p>
-                  </a:txBody>
-                  <a:tcPr marL="217025" marR="217025" marT="0" marB="0">
-                    <a:solidFill>
-                      <a:schemeClr val="accent1">
-                        <a:lumMod val="20000"/>
-                        <a:lumOff val="80000"/>
-                      </a:schemeClr>
-                    </a:solidFill>
-                  </a:tcPr>
-                </a:tc>
-                <a:tc>
-                  <a:txBody>
-                    <a:bodyPr/>
-                    <a:lstStyle/>
-                    <a:p>
-                      <a:pPr algn="ctr">
-                        <a:spcAft>
-                          <a:spcPts val="0"/>
-                        </a:spcAft>
-                      </a:pPr>
-                      <a:r>
-                        <a:rPr lang="pt-BR" sz="3500" b="0" dirty="0">
-                          <a:solidFill>
-                            <a:schemeClr val="tx1"/>
-                          </a:solidFill>
-                          <a:effectLst/>
-                        </a:rPr>
-                        <a:t>3 bits</a:t>
-                      </a:r>
-                      <a:endParaRPr lang="pt-BR" sz="3500" b="0" dirty="0">
-                        <a:solidFill>
-                          <a:schemeClr val="tx1"/>
-                        </a:solidFill>
-                        <a:effectLst/>
-                        <a:latin typeface="Calibri" panose="020F0502020204030204" pitchFamily="34" charset="0"/>
-                        <a:ea typeface="Calibri" panose="020F0502020204030204" pitchFamily="34" charset="0"/>
-                        <a:cs typeface="Calibri" panose="020F0502020204030204" pitchFamily="34" charset="0"/>
-                      </a:endParaRPr>
-                    </a:p>
-                  </a:txBody>
-                  <a:tcPr marL="217025" marR="217025" marT="0" marB="0">
-                    <a:solidFill>
-                      <a:schemeClr val="accent1">
-                        <a:lumMod val="20000"/>
-                        <a:lumOff val="80000"/>
-                      </a:schemeClr>
-                    </a:solidFill>
-                  </a:tcPr>
-                </a:tc>
-                <a:tc>
-                  <a:txBody>
-                    <a:bodyPr/>
-                    <a:lstStyle/>
-                    <a:p>
-                      <a:pPr algn="ctr">
-                        <a:spcAft>
-                          <a:spcPts val="0"/>
-                        </a:spcAft>
-                      </a:pPr>
-                      <a:r>
-                        <a:rPr lang="pt-BR" sz="3500" b="0" dirty="0">
-                          <a:solidFill>
-                            <a:schemeClr val="tx1"/>
-                          </a:solidFill>
-                          <a:effectLst/>
-                        </a:rPr>
-                        <a:t>6 bits</a:t>
-                      </a:r>
-                      <a:endParaRPr lang="pt-BR" sz="3500" b="0" dirty="0">
-                        <a:solidFill>
-                          <a:schemeClr val="tx1"/>
-                        </a:solidFill>
-                        <a:effectLst/>
-                        <a:latin typeface="Calibri" panose="020F0502020204030204" pitchFamily="34" charset="0"/>
-                        <a:ea typeface="Calibri" panose="020F0502020204030204" pitchFamily="34" charset="0"/>
-                        <a:cs typeface="Calibri" panose="020F0502020204030204" pitchFamily="34" charset="0"/>
-                      </a:endParaRPr>
-                    </a:p>
-                  </a:txBody>
-                  <a:tcPr marL="217025" marR="217025" marT="0" marB="0">
-                    <a:solidFill>
-                      <a:schemeClr val="accent1">
-                        <a:lumMod val="20000"/>
-                        <a:lumOff val="80000"/>
-                      </a:schemeClr>
-                    </a:solidFill>
-                  </a:tcPr>
-                </a:tc>
-                <a:extLst>
-                  <a:ext uri="{0D108BD9-81ED-4DB2-BD59-A6C34878D82A}">
-                    <a16:rowId xmlns:a16="http://schemas.microsoft.com/office/drawing/2014/main" val="1202529138"/>
-                  </a:ext>
-                </a:extLst>
-              </a:tr>
-            </a:tbl>
-          </a:graphicData>
-        </a:graphic>
-      </p:graphicFrame>
-      <p:sp>
-        <p:nvSpPr>
-          <p:cNvPr id="5" name="CaixaDeTexto 4">
-            <a:extLst>
-              <a:ext uri="{FF2B5EF4-FFF2-40B4-BE49-F238E27FC236}">
-                <a16:creationId xmlns:a16="http://schemas.microsoft.com/office/drawing/2014/main" id="{7FB69CE7-BDBA-4824-A658-97CED70C9739}"/>
-              </a:ext>
-            </a:extLst>
-          </p:cNvPr>
-          <p:cNvSpPr txBox="1"/>
-          <p:nvPr/>
-        </p:nvSpPr>
-        <p:spPr>
-          <a:xfrm>
-            <a:off x="838200" y="1563757"/>
-            <a:ext cx="10515600" cy="1785104"/>
-          </a:xfrm>
-          <a:prstGeom prst="rect">
-            <a:avLst/>
-          </a:prstGeom>
-          <a:noFill/>
-        </p:spPr>
-        <p:txBody>
-          <a:bodyPr wrap="square" rtlCol="0">
-            <a:spAutoFit/>
-          </a:bodyPr>
-          <a:lstStyle/>
-          <a:p>
-            <a:pPr marL="285750" indent="-285750">
-              <a:buFont typeface="Arial" panose="020B0604020202020204" pitchFamily="34" charset="0"/>
-              <a:buChar char="•"/>
-            </a:pPr>
-            <a:r>
-              <a:rPr lang="pt-BR" sz="2200" b="1" dirty="0" err="1"/>
-              <a:t>OpCode</a:t>
-            </a:r>
-            <a:r>
-              <a:rPr lang="pt-BR" sz="2200" b="1" dirty="0"/>
-              <a:t>:</a:t>
-            </a:r>
-            <a:r>
-              <a:rPr lang="pt-BR" sz="2200" dirty="0"/>
-              <a:t> operação que o processador executará;</a:t>
-            </a:r>
-          </a:p>
-          <a:p>
-            <a:pPr marL="285750" lvl="0" indent="-285750" algn="just">
-              <a:spcAft>
-                <a:spcPts val="0"/>
-              </a:spcAft>
-              <a:buFont typeface="Arial" panose="020B0604020202020204" pitchFamily="34" charset="0"/>
-              <a:buChar char="•"/>
-            </a:pPr>
-            <a:r>
-              <a:rPr lang="pt-BR" sz="2200" b="1" dirty="0">
-                <a:solidFill>
-                  <a:srgbClr val="000000"/>
-                </a:solidFill>
-                <a:ea typeface="Calibri" panose="020F0502020204030204" pitchFamily="34" charset="0"/>
-                <a:cs typeface="Wingdings" panose="05000000000000000000" pitchFamily="2" charset="2"/>
-              </a:rPr>
-              <a:t>Rd:</a:t>
-            </a:r>
-            <a:r>
-              <a:rPr lang="pt-BR" sz="2200" dirty="0">
-                <a:solidFill>
-                  <a:srgbClr val="000000"/>
-                </a:solidFill>
-                <a:ea typeface="Calibri" panose="020F0502020204030204" pitchFamily="34" charset="0"/>
-                <a:cs typeface="Wingdings" panose="05000000000000000000" pitchFamily="2" charset="2"/>
-              </a:rPr>
-              <a:t> o registrador do operando de destino. Ele recebe o segundo operando de destino. </a:t>
-            </a:r>
-            <a:endParaRPr lang="pt-BR" sz="2200" dirty="0">
-              <a:ea typeface="Calibri" panose="020F0502020204030204" pitchFamily="34" charset="0"/>
-              <a:cs typeface="Wingdings" panose="05000000000000000000" pitchFamily="2" charset="2"/>
-            </a:endParaRPr>
-          </a:p>
-          <a:p>
-            <a:pPr marL="285750" lvl="0" indent="-285750" algn="just">
-              <a:spcAft>
-                <a:spcPts val="0"/>
-              </a:spcAft>
-              <a:buFont typeface="Arial" panose="020B0604020202020204" pitchFamily="34" charset="0"/>
-              <a:buChar char="•"/>
-            </a:pPr>
-            <a:r>
-              <a:rPr lang="pt-BR" sz="2200" b="1" dirty="0" err="1">
-                <a:solidFill>
-                  <a:srgbClr val="000000"/>
-                </a:solidFill>
-                <a:ea typeface="Calibri" panose="020F0502020204030204" pitchFamily="34" charset="0"/>
-                <a:cs typeface="Wingdings" panose="05000000000000000000" pitchFamily="2" charset="2"/>
-              </a:rPr>
-              <a:t>Rf</a:t>
-            </a:r>
-            <a:r>
-              <a:rPr lang="pt-BR" sz="2200" b="1" dirty="0">
-                <a:solidFill>
-                  <a:srgbClr val="000000"/>
-                </a:solidFill>
-                <a:ea typeface="Calibri" panose="020F0502020204030204" pitchFamily="34" charset="0"/>
-                <a:cs typeface="Wingdings" panose="05000000000000000000" pitchFamily="2" charset="2"/>
-              </a:rPr>
-              <a:t>:</a:t>
-            </a:r>
-            <a:r>
-              <a:rPr lang="pt-BR" sz="2200" dirty="0">
-                <a:solidFill>
-                  <a:srgbClr val="000000"/>
-                </a:solidFill>
-                <a:ea typeface="Calibri" panose="020F0502020204030204" pitchFamily="34" charset="0"/>
-                <a:cs typeface="Wingdings" panose="05000000000000000000" pitchFamily="2" charset="2"/>
-              </a:rPr>
-              <a:t> o registrador contendo o primeiro operando de origem;</a:t>
-            </a:r>
-            <a:endParaRPr lang="pt-BR" sz="2200" dirty="0">
-              <a:ea typeface="Calibri" panose="020F0502020204030204" pitchFamily="34" charset="0"/>
-              <a:cs typeface="Wingdings" panose="05000000000000000000" pitchFamily="2" charset="2"/>
-            </a:endParaRPr>
-          </a:p>
-          <a:p>
-            <a:pPr marL="285750" lvl="0" indent="-285750" algn="just">
-              <a:spcAft>
-                <a:spcPts val="0"/>
-              </a:spcAft>
-              <a:buFont typeface="Arial" panose="020B0604020202020204" pitchFamily="34" charset="0"/>
-              <a:buChar char="•"/>
-            </a:pPr>
-            <a:r>
-              <a:rPr lang="pt-BR" sz="2200" b="1" dirty="0" err="1">
-                <a:solidFill>
-                  <a:srgbClr val="000000"/>
-                </a:solidFill>
-                <a:ea typeface="Calibri" panose="020F0502020204030204" pitchFamily="34" charset="0"/>
-                <a:cs typeface="Wingdings" panose="05000000000000000000" pitchFamily="2" charset="2"/>
-              </a:rPr>
-              <a:t>Rs</a:t>
-            </a:r>
-            <a:r>
-              <a:rPr lang="pt-BR" sz="2200" b="1" dirty="0">
-                <a:ea typeface="Calibri" panose="020F0502020204030204" pitchFamily="34" charset="0"/>
-                <a:cs typeface="Wingdings" panose="05000000000000000000" pitchFamily="2" charset="2"/>
-              </a:rPr>
-              <a:t>:</a:t>
-            </a:r>
-            <a:r>
-              <a:rPr lang="pt-BR" sz="2200" dirty="0">
-                <a:ea typeface="Calibri" panose="020F0502020204030204" pitchFamily="34" charset="0"/>
-                <a:cs typeface="Wingdings" panose="05000000000000000000" pitchFamily="2" charset="2"/>
-              </a:rPr>
-              <a:t> o registrador contendo o segundo operando de origem;</a:t>
-            </a:r>
-          </a:p>
-          <a:p>
-            <a:pPr marL="285750" lvl="0" indent="-285750" algn="just">
-              <a:spcAft>
-                <a:spcPts val="0"/>
-              </a:spcAft>
-              <a:buFont typeface="Arial" panose="020B0604020202020204" pitchFamily="34" charset="0"/>
-              <a:buChar char="•"/>
-            </a:pPr>
-            <a:r>
-              <a:rPr lang="pt-BR" sz="2200" b="1" dirty="0" err="1">
-                <a:solidFill>
-                  <a:srgbClr val="000000"/>
-                </a:solidFill>
-                <a:ea typeface="Calibri" panose="020F0502020204030204" pitchFamily="34" charset="0"/>
-                <a:cs typeface="Wingdings" panose="05000000000000000000" pitchFamily="2" charset="2"/>
-              </a:rPr>
-              <a:t>Funct</a:t>
-            </a:r>
-            <a:r>
-              <a:rPr lang="pt-BR" sz="2200" b="1" dirty="0">
-                <a:ea typeface="Calibri" panose="020F0502020204030204" pitchFamily="34" charset="0"/>
-                <a:cs typeface="Wingdings" panose="05000000000000000000" pitchFamily="2" charset="2"/>
-              </a:rPr>
-              <a:t>:</a:t>
-            </a:r>
-            <a:r>
-              <a:rPr lang="pt-BR" sz="2200" dirty="0">
-                <a:ea typeface="Calibri" panose="020F0502020204030204" pitchFamily="34" charset="0"/>
-                <a:cs typeface="Wingdings" panose="05000000000000000000" pitchFamily="2" charset="2"/>
-              </a:rPr>
-              <a:t> variante específica da operação.</a:t>
-            </a:r>
-          </a:p>
-        </p:txBody>
-      </p:sp>
-    </p:spTree>
-    <p:extLst>
-      <p:ext uri="{BB962C8B-B14F-4D97-AF65-F5344CB8AC3E}">
-        <p14:creationId xmlns:p14="http://schemas.microsoft.com/office/powerpoint/2010/main" val="3309822634"/>
-      </p:ext>
-    </p:extLst>
-  </p:cSld>
-  <p:clrMapOvr>
-    <a:masterClrMapping/>
-  </p:clrMapOvr>
-</p:sld>
-</file>
-
-<file path=ppt/slides/slide6.xml><?xml version="1.0" encoding="utf-8"?>
-<p:sld xmlns:a="http://schemas.openxmlformats.org/drawingml/2006/main" xmlns:r="http://schemas.openxmlformats.org/officeDocument/2006/relationships" xmlns:p="http://schemas.openxmlformats.org/presentationml/2006/main">
-  <p:cSld>
-    <p:spTree>
-      <p:nvGrpSpPr>
-        <p:cNvPr id="1" name=""/>
-        <p:cNvGrpSpPr/>
-        <p:nvPr/>
-      </p:nvGrpSpPr>
-      <p:grpSpPr>
-        <a:xfrm>
-          <a:off x="0" y="0"/>
-          <a:ext cx="0" cy="0"/>
-          <a:chOff x="0" y="0"/>
-          <a:chExt cx="0" cy="0"/>
-        </a:xfrm>
-      </p:grpSpPr>
-      <p:sp>
-        <p:nvSpPr>
-          <p:cNvPr id="2" name="Título 1">
-            <a:extLst>
-              <a:ext uri="{FF2B5EF4-FFF2-40B4-BE49-F238E27FC236}">
-                <a16:creationId xmlns:a16="http://schemas.microsoft.com/office/drawing/2014/main" id="{06D28EBB-F8F6-4F1B-BA2F-82DF484795C9}"/>
-              </a:ext>
-            </a:extLst>
-          </p:cNvPr>
-          <p:cNvSpPr>
-            <a:spLocks noGrp="1"/>
-          </p:cNvSpPr>
-          <p:nvPr>
-            <p:ph type="title"/>
-          </p:nvPr>
-        </p:nvSpPr>
-        <p:spPr/>
-        <p:txBody>
-          <a:bodyPr/>
-          <a:lstStyle/>
-          <a:p>
-            <a:r>
-              <a:rPr lang="pt-BR" dirty="0"/>
               <a:t>Tipo J</a:t>
             </a:r>
           </a:p>
@@ -6782,7 +5784,7 @@
 </p:sld>
 </file>
 
-<file path=ppt/slides/slide7.xml><?xml version="1.0" encoding="utf-8"?>
+<file path=ppt/slides/slide6.xml><?xml version="1.0" encoding="utf-8"?>
 <p:sld xmlns:a="http://schemas.openxmlformats.org/drawingml/2006/main" xmlns:r="http://schemas.openxmlformats.org/officeDocument/2006/relationships" xmlns:p="http://schemas.openxmlformats.org/presentationml/2006/main">
   <p:cSld>
     <p:bg>
@@ -6988,7 +5990,7 @@
 </p:sld>
 </file>
 
-<file path=ppt/slides/slide8.xml><?xml version="1.0" encoding="utf-8"?>
+<file path=ppt/slides/slide7.xml><?xml version="1.0" encoding="utf-8"?>
 <p:sld xmlns:a="http://schemas.openxmlformats.org/drawingml/2006/main" xmlns:r="http://schemas.openxmlformats.org/officeDocument/2006/relationships" xmlns:p="http://schemas.openxmlformats.org/presentationml/2006/main">
   <p:cSld>
     <p:spTree>
@@ -7192,7 +6194,7 @@
 </p:sld>
 </file>
 
-<file path=ppt/slides/slide9.xml><?xml version="1.0" encoding="utf-8"?>
+<file path=ppt/slides/slide8.xml><?xml version="1.0" encoding="utf-8"?>
 <p:sld xmlns:a="http://schemas.openxmlformats.org/drawingml/2006/main" xmlns:r="http://schemas.openxmlformats.org/officeDocument/2006/relationships" xmlns:p="http://schemas.openxmlformats.org/presentationml/2006/main">
   <p:cSld>
     <p:spTree>
@@ -7473,6 +6475,261 @@
     <p:extLst>
       <p:ext uri="{BB962C8B-B14F-4D97-AF65-F5344CB8AC3E}">
         <p14:creationId xmlns:p14="http://schemas.microsoft.com/office/powerpoint/2010/main" val="1931531341"/>
+      </p:ext>
+    </p:extLst>
+  </p:cSld>
+  <p:clrMapOvr>
+    <a:masterClrMapping/>
+  </p:clrMapOvr>
+</p:sld>
+</file>
+
+<file path=ppt/slides/slide9.xml><?xml version="1.0" encoding="utf-8"?>
+<p:sld xmlns:a="http://schemas.openxmlformats.org/drawingml/2006/main" xmlns:r="http://schemas.openxmlformats.org/officeDocument/2006/relationships" xmlns:p="http://schemas.openxmlformats.org/presentationml/2006/main">
+  <p:cSld>
+    <p:spTree>
+      <p:nvGrpSpPr>
+        <p:cNvPr id="1" name=""/>
+        <p:cNvGrpSpPr/>
+        <p:nvPr/>
+      </p:nvGrpSpPr>
+      <p:grpSpPr>
+        <a:xfrm>
+          <a:off x="0" y="0"/>
+          <a:ext cx="0" cy="0"/>
+          <a:chOff x="0" y="0"/>
+          <a:chExt cx="0" cy="0"/>
+        </a:xfrm>
+      </p:grpSpPr>
+      <p:sp>
+        <p:nvSpPr>
+          <p:cNvPr id="2" name="Título 1">
+            <a:extLst>
+              <a:ext uri="{FF2B5EF4-FFF2-40B4-BE49-F238E27FC236}">
+                <a16:creationId xmlns:a16="http://schemas.microsoft.com/office/drawing/2014/main" id="{13D16F25-0A29-4126-8482-AD826DD08B11}"/>
+              </a:ext>
+            </a:extLst>
+          </p:cNvPr>
+          <p:cNvSpPr>
+            <a:spLocks noGrp="1"/>
+          </p:cNvSpPr>
+          <p:nvPr>
+            <p:ph type="title"/>
+          </p:nvPr>
+        </p:nvSpPr>
+        <p:spPr>
+          <a:xfrm>
+            <a:off x="648929" y="271456"/>
+            <a:ext cx="5447071" cy="1676603"/>
+          </a:xfrm>
+        </p:spPr>
+        <p:txBody>
+          <a:bodyPr>
+            <a:normAutofit/>
+          </a:bodyPr>
+          <a:lstStyle/>
+          <a:p>
+            <a:r>
+              <a:rPr lang="pt-BR" dirty="0"/>
+              <a:t>Memória de Instruções</a:t>
+            </a:r>
+          </a:p>
+        </p:txBody>
+      </p:sp>
+      <p:sp>
+        <p:nvSpPr>
+          <p:cNvPr id="9" name="Content Placeholder 8">
+            <a:extLst>
+              <a:ext uri="{FF2B5EF4-FFF2-40B4-BE49-F238E27FC236}">
+                <a16:creationId xmlns:a16="http://schemas.microsoft.com/office/drawing/2014/main" id="{A0E78A70-CADA-4E4F-9D3D-B4936FBCB6BE}"/>
+              </a:ext>
+            </a:extLst>
+          </p:cNvPr>
+          <p:cNvSpPr>
+            <a:spLocks noGrp="1"/>
+          </p:cNvSpPr>
+          <p:nvPr>
+            <p:ph idx="1"/>
+          </p:nvPr>
+        </p:nvSpPr>
+        <p:spPr>
+          <a:xfrm>
+            <a:off x="648931" y="1895062"/>
+            <a:ext cx="6410998" cy="4691482"/>
+          </a:xfrm>
+        </p:spPr>
+        <p:txBody>
+          <a:bodyPr>
+            <a:normAutofit/>
+          </a:bodyPr>
+          <a:lstStyle/>
+          <a:p>
+            <a:pPr>
+              <a:spcBef>
+                <a:spcPts val="400"/>
+              </a:spcBef>
+            </a:pPr>
+            <a:r>
+              <a:rPr lang="pt-BR" sz="1800" dirty="0" err="1"/>
+              <a:t>Clk</a:t>
+            </a:r>
+            <a:r>
+              <a:rPr lang="pt-BR" sz="1800" dirty="0"/>
+              <a:t>;</a:t>
+            </a:r>
+          </a:p>
+          <a:p>
+            <a:pPr>
+              <a:spcBef>
+                <a:spcPts val="400"/>
+              </a:spcBef>
+            </a:pPr>
+            <a:r>
+              <a:rPr lang="pt-BR" sz="1800" dirty="0"/>
+              <a:t>entrada;</a:t>
+            </a:r>
+          </a:p>
+          <a:p>
+            <a:pPr>
+              <a:spcBef>
+                <a:spcPts val="400"/>
+              </a:spcBef>
+            </a:pPr>
+            <a:r>
+              <a:rPr lang="pt-BR" sz="1800" dirty="0" err="1"/>
+              <a:t>funct</a:t>
+            </a:r>
+            <a:r>
+              <a:rPr lang="pt-BR" sz="1800" dirty="0"/>
+              <a:t>;</a:t>
+            </a:r>
+          </a:p>
+          <a:p>
+            <a:pPr>
+              <a:spcBef>
+                <a:spcPts val="400"/>
+              </a:spcBef>
+            </a:pPr>
+            <a:r>
+              <a:rPr lang="pt-BR" sz="1800" dirty="0" err="1"/>
+              <a:t>jump</a:t>
+            </a:r>
+            <a:r>
+              <a:rPr lang="pt-BR" sz="1800" dirty="0"/>
+              <a:t>;</a:t>
+            </a:r>
+          </a:p>
+          <a:p>
+            <a:pPr>
+              <a:spcBef>
+                <a:spcPts val="400"/>
+              </a:spcBef>
+            </a:pPr>
+            <a:r>
+              <a:rPr lang="pt-BR" sz="1800" dirty="0" err="1"/>
+              <a:t>op</a:t>
+            </a:r>
+            <a:r>
+              <a:rPr lang="pt-BR" sz="1800" dirty="0"/>
+              <a:t>;</a:t>
+            </a:r>
+          </a:p>
+          <a:p>
+            <a:pPr>
+              <a:spcBef>
+                <a:spcPts val="400"/>
+              </a:spcBef>
+            </a:pPr>
+            <a:r>
+              <a:rPr lang="pt-BR" sz="1800" dirty="0"/>
+              <a:t>rd;</a:t>
+            </a:r>
+          </a:p>
+          <a:p>
+            <a:pPr>
+              <a:spcBef>
+                <a:spcPts val="400"/>
+              </a:spcBef>
+            </a:pPr>
+            <a:r>
+              <a:rPr lang="pt-BR" sz="1800" dirty="0" err="1"/>
+              <a:t>rs</a:t>
+            </a:r>
+            <a:r>
+              <a:rPr lang="pt-BR" sz="1800" dirty="0"/>
+              <a:t>;</a:t>
+            </a:r>
+          </a:p>
+          <a:p>
+            <a:pPr>
+              <a:spcBef>
+                <a:spcPts val="400"/>
+              </a:spcBef>
+            </a:pPr>
+            <a:r>
+              <a:rPr lang="pt-BR" sz="1800" dirty="0" err="1"/>
+              <a:t>rt</a:t>
+            </a:r>
+            <a:r>
+              <a:rPr lang="pt-BR" sz="1800" dirty="0"/>
+              <a:t>;</a:t>
+            </a:r>
+          </a:p>
+          <a:p>
+            <a:pPr>
+              <a:spcBef>
+                <a:spcPts val="400"/>
+              </a:spcBef>
+            </a:pPr>
+            <a:r>
+              <a:rPr lang="pt-BR" sz="1800" dirty="0" err="1"/>
+              <a:t>tipoi</a:t>
+            </a:r>
+            <a:r>
+              <a:rPr lang="pt-BR" sz="1800" dirty="0"/>
+              <a:t>;</a:t>
+            </a:r>
+          </a:p>
+        </p:txBody>
+      </p:sp>
+      <p:pic>
+        <p:nvPicPr>
+          <p:cNvPr id="5" name="Imagem 4">
+            <a:extLst>
+              <a:ext uri="{FF2B5EF4-FFF2-40B4-BE49-F238E27FC236}">
+                <a16:creationId xmlns:a16="http://schemas.microsoft.com/office/drawing/2014/main" id="{43F8BEB0-DAED-42BC-A5BA-BEA200DFFF3E}"/>
+              </a:ext>
+            </a:extLst>
+          </p:cNvPr>
+          <p:cNvPicPr/>
+          <p:nvPr/>
+        </p:nvPicPr>
+        <p:blipFill>
+          <a:blip r:embed="rId2">
+            <a:extLst>
+              <a:ext uri="{28A0092B-C50C-407E-A947-70E740481C1C}">
+                <a14:useLocalDpi xmlns:a14="http://schemas.microsoft.com/office/drawing/2010/main" val="0"/>
+              </a:ext>
+            </a:extLst>
+          </a:blip>
+          <a:stretch>
+            <a:fillRect/>
+          </a:stretch>
+        </p:blipFill>
+        <p:spPr>
+          <a:xfrm>
+            <a:off x="7059929" y="1598170"/>
+            <a:ext cx="4982517" cy="4323659"/>
+          </a:xfrm>
+          <a:prstGeom prst="rect">
+            <a:avLst/>
+          </a:prstGeom>
+        </p:spPr>
+      </p:pic>
+    </p:spTree>
+    <p:extLst>
+      <p:ext uri="{BB962C8B-B14F-4D97-AF65-F5344CB8AC3E}">
+        <p14:creationId xmlns:p14="http://schemas.microsoft.com/office/powerpoint/2010/main" val="2708671548"/>
       </p:ext>
     </p:extLst>
   </p:cSld>

--- a/Processador Uniciclo 16 bits.pptx
+++ b/Processador Uniciclo 16 bits.pptx
@@ -6675,28 +6675,75 @@
           <a:lstStyle/>
           <a:p>
             <a:r>
-              <a:rPr lang="pt-BR" dirty="0"/>
+              <a:rPr lang="pt-BR" dirty="0">
+                <a:solidFill>
+                  <a:schemeClr val="bg1"/>
+                </a:solidFill>
+              </a:rPr>
               <a:t>Utilizado nas operações </a:t>
             </a:r>
             <a:r>
-              <a:rPr lang="pt-BR" dirty="0" err="1"/>
+              <a:rPr lang="pt-BR" dirty="0" err="1">
+                <a:solidFill>
+                  <a:schemeClr val="bg1"/>
+                </a:solidFill>
+              </a:rPr>
               <a:t>beq</a:t>
             </a:r>
             <a:r>
-              <a:rPr lang="pt-BR" dirty="0"/>
+              <a:rPr lang="pt-BR" dirty="0">
+                <a:solidFill>
+                  <a:schemeClr val="bg1"/>
+                </a:solidFill>
+              </a:rPr>
               <a:t> e  </a:t>
             </a:r>
             <a:r>
-              <a:rPr lang="pt-BR" dirty="0" err="1"/>
+              <a:rPr lang="pt-BR" dirty="0" err="1">
+                <a:solidFill>
+                  <a:schemeClr val="bg1"/>
+                </a:solidFill>
+              </a:rPr>
               <a:t>bne</a:t>
             </a:r>
             <a:r>
-              <a:rPr lang="pt-BR" dirty="0"/>
+              <a:rPr lang="pt-BR" dirty="0">
+                <a:solidFill>
+                  <a:schemeClr val="bg1"/>
+                </a:solidFill>
+              </a:rPr>
               <a:t>;</a:t>
             </a:r>
           </a:p>
           <a:p>
-            <a:endParaRPr lang="pt-BR" dirty="0"/>
+            <a:r>
+              <a:rPr lang="pt-BR" dirty="0">
+                <a:solidFill>
+                  <a:schemeClr val="bg1"/>
+                </a:solidFill>
+              </a:rPr>
+              <a:t>Decide </a:t>
+            </a:r>
+            <a:r>
+              <a:rPr lang="pt-BR">
+                <a:solidFill>
+                  <a:schemeClr val="bg1"/>
+                </a:solidFill>
+              </a:rPr>
+              <a:t>se haverá salto ou não;</a:t>
+            </a:r>
+            <a:endParaRPr lang="pt-BR" dirty="0">
+              <a:solidFill>
+                <a:schemeClr val="bg1"/>
+              </a:solidFill>
+            </a:endParaRPr>
+          </a:p>
+          <a:p>
+            <a:endParaRPr lang="pt-BR" dirty="0">
+              <a:solidFill>
+                <a:schemeClr val="bg1"/>
+              </a:solidFill>
+            </a:endParaRPr>
           </a:p>
         </p:txBody>
       </p:sp>
@@ -6781,23 +6828,43 @@
           <a:p>
             <a:pPr algn="just"/>
             <a:r>
-              <a:rPr lang="pt-BR" dirty="0"/>
+              <a:rPr lang="pt-BR" dirty="0">
+                <a:solidFill>
+                  <a:schemeClr val="bg1"/>
+                </a:solidFill>
+              </a:rPr>
               <a:t>O processador criado é um </a:t>
             </a:r>
             <a:r>
-              <a:rPr lang="pt-BR" dirty="0" err="1"/>
+              <a:rPr lang="pt-BR" dirty="0" err="1">
+                <a:solidFill>
+                  <a:schemeClr val="bg1"/>
+                </a:solidFill>
+              </a:rPr>
               <a:t>uniciclo</a:t>
             </a:r>
             <a:r>
-              <a:rPr lang="pt-BR" dirty="0"/>
+              <a:rPr lang="pt-BR" dirty="0">
+                <a:solidFill>
+                  <a:schemeClr val="bg1"/>
+                </a:solidFill>
+              </a:rPr>
               <a:t> com palavras de 16 bits. Foi usada a IDE </a:t>
             </a:r>
             <a:r>
-              <a:rPr lang="pt-BR" dirty="0" err="1"/>
+              <a:rPr lang="pt-BR" dirty="0" err="1">
+                <a:solidFill>
+                  <a:schemeClr val="bg1"/>
+                </a:solidFill>
+              </a:rPr>
               <a:t>Quartus</a:t>
             </a:r>
             <a:r>
-              <a:rPr lang="pt-BR" dirty="0"/>
+              <a:rPr lang="pt-BR" dirty="0">
+                <a:solidFill>
+                  <a:schemeClr val="bg1"/>
+                </a:solidFill>
+              </a:rPr>
               <a:t> para sua implementação usando a linguagem VHDL para a síntese de circuitos.</a:t>
             </a:r>
           </a:p>
@@ -6883,25 +6950,41 @@
           <a:lstStyle/>
           <a:p>
             <a:r>
-              <a:rPr lang="pt-BR" dirty="0"/>
+              <a:rPr lang="pt-BR" dirty="0">
+                <a:solidFill>
+                  <a:schemeClr val="bg1"/>
+                </a:solidFill>
+              </a:rPr>
               <a:t>O processador suporta três tipos de instrução:</a:t>
             </a:r>
           </a:p>
           <a:p>
             <a:r>
-              <a:rPr lang="pt-BR" dirty="0"/>
+              <a:rPr lang="pt-BR" dirty="0">
+                <a:solidFill>
+                  <a:schemeClr val="bg1"/>
+                </a:solidFill>
+              </a:rPr>
               <a:t>Tipo R: instruções lógicas e aritmética;</a:t>
             </a:r>
           </a:p>
           <a:p>
             <a:r>
-              <a:rPr lang="pt-BR" dirty="0"/>
+              <a:rPr lang="pt-BR" dirty="0">
+                <a:solidFill>
+                  <a:schemeClr val="bg1"/>
+                </a:solidFill>
+              </a:rPr>
               <a:t>Tipo I: transferência de dados, instruções com constantes e desvios condicionais;</a:t>
             </a:r>
           </a:p>
           <a:p>
             <a:r>
-              <a:rPr lang="pt-BR" dirty="0"/>
+              <a:rPr lang="pt-BR" dirty="0">
+                <a:solidFill>
+                  <a:schemeClr val="bg1"/>
+                </a:solidFill>
+              </a:rPr>
               <a:t>Tipo J: desvio imediato.</a:t>
             </a:r>
           </a:p>

--- a/Processador Uniciclo 16 bits.pptx
+++ b/Processador Uniciclo 16 bits.pptx
@@ -5440,39 +5440,71 @@
           <a:lstStyle/>
           <a:p>
             <a:r>
-              <a:rPr lang="pt-BR" dirty="0"/>
+              <a:rPr lang="pt-BR" dirty="0">
+                <a:solidFill>
+                  <a:schemeClr val="bg1"/>
+                </a:solidFill>
+              </a:rPr>
               <a:t>Luigi Muller Sousa Linhares - 2017009506</a:t>
             </a:r>
           </a:p>
           <a:p>
             <a:r>
-              <a:rPr lang="pt-BR" dirty="0"/>
+              <a:rPr lang="pt-BR" dirty="0">
+                <a:solidFill>
+                  <a:schemeClr val="bg1"/>
+                </a:solidFill>
+              </a:rPr>
               <a:t>Matheus </a:t>
             </a:r>
             <a:r>
-              <a:rPr lang="pt-BR" dirty="0" err="1"/>
+              <a:rPr lang="pt-BR" dirty="0" err="1">
+                <a:solidFill>
+                  <a:schemeClr val="bg1"/>
+                </a:solidFill>
+              </a:rPr>
               <a:t>Fellype</a:t>
             </a:r>
             <a:r>
-              <a:rPr lang="pt-BR" dirty="0"/>
+              <a:rPr lang="pt-BR" dirty="0">
+                <a:solidFill>
+                  <a:schemeClr val="bg1"/>
+                </a:solidFill>
+              </a:rPr>
               <a:t> de Moura Silva - 2017027110</a:t>
             </a:r>
           </a:p>
           <a:p>
             <a:r>
-              <a:rPr lang="pt-BR" dirty="0" err="1"/>
+              <a:rPr lang="pt-BR" dirty="0" err="1">
+                <a:solidFill>
+                  <a:schemeClr val="bg1"/>
+                </a:solidFill>
+              </a:rPr>
               <a:t>Tarlison</a:t>
             </a:r>
             <a:r>
-              <a:rPr lang="pt-BR" dirty="0"/>
+              <a:rPr lang="pt-BR" dirty="0">
+                <a:solidFill>
+                  <a:schemeClr val="bg1"/>
+                </a:solidFill>
+              </a:rPr>
               <a:t> </a:t>
             </a:r>
             <a:r>
-              <a:rPr lang="pt-BR" dirty="0" err="1"/>
+              <a:rPr lang="pt-BR" dirty="0" err="1">
+                <a:solidFill>
+                  <a:schemeClr val="bg1"/>
+                </a:solidFill>
+              </a:rPr>
               <a:t>Sander</a:t>
             </a:r>
             <a:r>
-              <a:rPr lang="pt-BR" dirty="0"/>
+              <a:rPr lang="pt-BR" dirty="0">
+                <a:solidFill>
+                  <a:schemeClr val="bg1"/>
+                </a:solidFill>
+              </a:rPr>
               <a:t> Lima Brito - 2017013008</a:t>
             </a:r>
           </a:p>
